--- a/memoria/Presentacion.pptx
+++ b/memoria/Presentacion.pptx
@@ -8,10 +8,23 @@
     <p:sldId id="256" r:id="rId2"/>
     <p:sldId id="257" r:id="rId3"/>
     <p:sldId id="258" r:id="rId4"/>
-    <p:sldId id="259" r:id="rId5"/>
-    <p:sldId id="260" r:id="rId6"/>
-    <p:sldId id="261" r:id="rId7"/>
-    <p:sldId id="262" r:id="rId8"/>
+    <p:sldId id="263" r:id="rId5"/>
+    <p:sldId id="259" r:id="rId6"/>
+    <p:sldId id="260" r:id="rId7"/>
+    <p:sldId id="261" r:id="rId8"/>
+    <p:sldId id="262" r:id="rId9"/>
+    <p:sldId id="264" r:id="rId10"/>
+    <p:sldId id="265" r:id="rId11"/>
+    <p:sldId id="266" r:id="rId12"/>
+    <p:sldId id="267" r:id="rId13"/>
+    <p:sldId id="268" r:id="rId14"/>
+    <p:sldId id="269" r:id="rId15"/>
+    <p:sldId id="270" r:id="rId16"/>
+    <p:sldId id="271" r:id="rId17"/>
+    <p:sldId id="272" r:id="rId18"/>
+    <p:sldId id="273" r:id="rId19"/>
+    <p:sldId id="274" r:id="rId20"/>
+    <p:sldId id="275" r:id="rId21"/>
   </p:sldIdLst>
   <p:sldSz cx="12192000" cy="6858000"/>
   <p:notesSz cx="6858000" cy="9144000"/>
@@ -4109,7 +4122,7 @@
           <a:p>
             <a:fld id="{DED9D05C-6E66-4736-88C6-567C08E30FFA}" type="datetimeFigureOut">
               <a:rPr lang="es-ES" smtClean="0"/>
-              <a:t>23/05/2021</a:t>
+              <a:t>26/05/2021</a:t>
             </a:fld>
             <a:endParaRPr lang="es-ES"/>
           </a:p>
@@ -5197,7 +5210,7 @@
           <a:p>
             <a:fld id="{DED9D05C-6E66-4736-88C6-567C08E30FFA}" type="datetimeFigureOut">
               <a:rPr lang="es-ES" smtClean="0"/>
-              <a:t>23/05/2021</a:t>
+              <a:t>26/05/2021</a:t>
             </a:fld>
             <a:endParaRPr lang="es-ES"/>
           </a:p>
@@ -6177,7 +6190,7 @@
           <a:p>
             <a:fld id="{DED9D05C-6E66-4736-88C6-567C08E30FFA}" type="datetimeFigureOut">
               <a:rPr lang="es-ES" smtClean="0"/>
-              <a:t>23/05/2021</a:t>
+              <a:t>26/05/2021</a:t>
             </a:fld>
             <a:endParaRPr lang="es-ES"/>
           </a:p>
@@ -7311,7 +7324,7 @@
           <a:p>
             <a:fld id="{DED9D05C-6E66-4736-88C6-567C08E30FFA}" type="datetimeFigureOut">
               <a:rPr lang="es-ES" smtClean="0"/>
-              <a:t>23/05/2021</a:t>
+              <a:t>26/05/2021</a:t>
             </a:fld>
             <a:endParaRPr lang="es-ES"/>
           </a:p>
@@ -8344,7 +8357,7 @@
           <a:p>
             <a:fld id="{DED9D05C-6E66-4736-88C6-567C08E30FFA}" type="datetimeFigureOut">
               <a:rPr lang="es-ES" smtClean="0"/>
-              <a:t>23/05/2021</a:t>
+              <a:t>26/05/2021</a:t>
             </a:fld>
             <a:endParaRPr lang="es-ES"/>
           </a:p>
@@ -9004,7 +9017,7 @@
           <a:p>
             <a:fld id="{DED9D05C-6E66-4736-88C6-567C08E30FFA}" type="datetimeFigureOut">
               <a:rPr lang="es-ES" smtClean="0"/>
-              <a:t>23/05/2021</a:t>
+              <a:t>26/05/2021</a:t>
             </a:fld>
             <a:endParaRPr lang="es-ES"/>
           </a:p>
@@ -9865,7 +9878,7 @@
           <a:p>
             <a:fld id="{DED9D05C-6E66-4736-88C6-567C08E30FFA}" type="datetimeFigureOut">
               <a:rPr lang="es-ES" smtClean="0"/>
-              <a:t>23/05/2021</a:t>
+              <a:t>26/05/2021</a:t>
             </a:fld>
             <a:endParaRPr lang="es-ES"/>
           </a:p>
@@ -10055,7 +10068,7 @@
           <a:p>
             <a:fld id="{DED9D05C-6E66-4736-88C6-567C08E30FFA}" type="datetimeFigureOut">
               <a:rPr lang="es-ES" smtClean="0"/>
-              <a:t>23/05/2021</a:t>
+              <a:t>26/05/2021</a:t>
             </a:fld>
             <a:endParaRPr lang="es-ES"/>
           </a:p>
@@ -11027,7 +11040,7 @@
           <a:p>
             <a:fld id="{DED9D05C-6E66-4736-88C6-567C08E30FFA}" type="datetimeFigureOut">
               <a:rPr lang="es-ES" smtClean="0"/>
-              <a:t>23/05/2021</a:t>
+              <a:t>26/05/2021</a:t>
             </a:fld>
             <a:endParaRPr lang="es-ES"/>
           </a:p>
@@ -11238,7 +11251,7 @@
           <a:p>
             <a:fld id="{DED9D05C-6E66-4736-88C6-567C08E30FFA}" type="datetimeFigureOut">
               <a:rPr lang="es-ES" smtClean="0"/>
-              <a:t>23/05/2021</a:t>
+              <a:t>26/05/2021</a:t>
             </a:fld>
             <a:endParaRPr lang="es-ES"/>
           </a:p>
@@ -12272,7 +12285,7 @@
           <a:p>
             <a:fld id="{DED9D05C-6E66-4736-88C6-567C08E30FFA}" type="datetimeFigureOut">
               <a:rPr lang="es-ES" smtClean="0"/>
-              <a:t>23/05/2021</a:t>
+              <a:t>26/05/2021</a:t>
             </a:fld>
             <a:endParaRPr lang="es-ES"/>
           </a:p>
@@ -12544,7 +12557,7 @@
           <a:p>
             <a:fld id="{DED9D05C-6E66-4736-88C6-567C08E30FFA}" type="datetimeFigureOut">
               <a:rPr lang="es-ES" smtClean="0"/>
-              <a:t>23/05/2021</a:t>
+              <a:t>26/05/2021</a:t>
             </a:fld>
             <a:endParaRPr lang="es-ES"/>
           </a:p>
@@ -12954,7 +12967,7 @@
           <a:p>
             <a:fld id="{DED9D05C-6E66-4736-88C6-567C08E30FFA}" type="datetimeFigureOut">
               <a:rPr lang="es-ES" smtClean="0"/>
-              <a:t>23/05/2021</a:t>
+              <a:t>26/05/2021</a:t>
             </a:fld>
             <a:endParaRPr lang="es-ES"/>
           </a:p>
@@ -13081,7 +13094,7 @@
           <a:p>
             <a:fld id="{DED9D05C-6E66-4736-88C6-567C08E30FFA}" type="datetimeFigureOut">
               <a:rPr lang="es-ES" smtClean="0"/>
-              <a:t>23/05/2021</a:t>
+              <a:t>26/05/2021</a:t>
             </a:fld>
             <a:endParaRPr lang="es-ES"/>
           </a:p>
@@ -13176,7 +13189,7 @@
           <a:p>
             <a:fld id="{DED9D05C-6E66-4736-88C6-567C08E30FFA}" type="datetimeFigureOut">
               <a:rPr lang="es-ES" smtClean="0"/>
-              <a:t>23/05/2021</a:t>
+              <a:t>26/05/2021</a:t>
             </a:fld>
             <a:endParaRPr lang="es-ES"/>
           </a:p>
@@ -14257,7 +14270,7 @@
           <a:p>
             <a:fld id="{DED9D05C-6E66-4736-88C6-567C08E30FFA}" type="datetimeFigureOut">
               <a:rPr lang="es-ES" smtClean="0"/>
-              <a:t>23/05/2021</a:t>
+              <a:t>26/05/2021</a:t>
             </a:fld>
             <a:endParaRPr lang="es-ES"/>
           </a:p>
@@ -15365,7 +15378,7 @@
           <a:p>
             <a:fld id="{DED9D05C-6E66-4736-88C6-567C08E30FFA}" type="datetimeFigureOut">
               <a:rPr lang="es-ES" smtClean="0"/>
-              <a:t>23/05/2021</a:t>
+              <a:t>26/05/2021</a:t>
             </a:fld>
             <a:endParaRPr lang="es-ES"/>
           </a:p>
@@ -16362,7 +16375,7 @@
           <a:p>
             <a:fld id="{DED9D05C-6E66-4736-88C6-567C08E30FFA}" type="datetimeFigureOut">
               <a:rPr lang="es-ES" smtClean="0"/>
-              <a:t>23/05/2021</a:t>
+              <a:t>26/05/2021</a:t>
             </a:fld>
             <a:endParaRPr lang="es-ES"/>
           </a:p>
@@ -17059,6 +17072,1724 @@
 </p:sld>
 </file>
 
+<file path=ppt/slides/slide10.xml><?xml version="1.0" encoding="utf-8"?>
+<p:sld xmlns:a="http://schemas.openxmlformats.org/drawingml/2006/main" xmlns:r="http://schemas.openxmlformats.org/officeDocument/2006/relationships" xmlns:p="http://schemas.openxmlformats.org/presentationml/2006/main">
+  <p:cSld>
+    <p:spTree>
+      <p:nvGrpSpPr>
+        <p:cNvPr id="1" name=""/>
+        <p:cNvGrpSpPr/>
+        <p:nvPr/>
+      </p:nvGrpSpPr>
+      <p:grpSpPr>
+        <a:xfrm>
+          <a:off x="0" y="0"/>
+          <a:ext cx="0" cy="0"/>
+          <a:chOff x="0" y="0"/>
+          <a:chExt cx="0" cy="0"/>
+        </a:xfrm>
+      </p:grpSpPr>
+      <p:sp>
+        <p:nvSpPr>
+          <p:cNvPr id="2" name="Título 1">
+            <a:extLst>
+              <a:ext uri="{FF2B5EF4-FFF2-40B4-BE49-F238E27FC236}">
+                <a16:creationId xmlns:a16="http://schemas.microsoft.com/office/drawing/2014/main" id="{9568156F-1E0A-4E4A-A17C-51BFE1AB8467}"/>
+              </a:ext>
+            </a:extLst>
+          </p:cNvPr>
+          <p:cNvSpPr>
+            <a:spLocks noGrp="1"/>
+          </p:cNvSpPr>
+          <p:nvPr>
+            <p:ph type="title"/>
+          </p:nvPr>
+        </p:nvSpPr>
+        <p:spPr/>
+        <p:txBody>
+          <a:bodyPr/>
+          <a:lstStyle/>
+          <a:p>
+            <a:r>
+              <a:rPr lang="es-ES" dirty="0"/>
+              <a:t>Introducción a la práctica</a:t>
+            </a:r>
+          </a:p>
+        </p:txBody>
+      </p:sp>
+      <p:pic>
+        <p:nvPicPr>
+          <p:cNvPr id="5" name="Marcador de contenido 4">
+            <a:extLst>
+              <a:ext uri="{FF2B5EF4-FFF2-40B4-BE49-F238E27FC236}">
+                <a16:creationId xmlns:a16="http://schemas.microsoft.com/office/drawing/2014/main" id="{8ADC3885-F97D-4206-91DE-2D3CA7FE4BB6}"/>
+              </a:ext>
+            </a:extLst>
+          </p:cNvPr>
+          <p:cNvPicPr>
+            <a:picLocks noGrp="1" noChangeAspect="1"/>
+          </p:cNvPicPr>
+          <p:nvPr>
+            <p:ph idx="1"/>
+          </p:nvPr>
+        </p:nvPicPr>
+        <p:blipFill>
+          <a:blip r:embed="rId2"/>
+          <a:stretch>
+            <a:fillRect/>
+          </a:stretch>
+        </p:blipFill>
+        <p:spPr>
+          <a:xfrm>
+            <a:off x="983468" y="2681546"/>
+            <a:ext cx="10225063" cy="3777467"/>
+          </a:xfrm>
+        </p:spPr>
+      </p:pic>
+    </p:spTree>
+    <p:extLst>
+      <p:ext uri="{BB962C8B-B14F-4D97-AF65-F5344CB8AC3E}">
+        <p14:creationId xmlns:p14="http://schemas.microsoft.com/office/powerpoint/2010/main" val="2098905039"/>
+      </p:ext>
+    </p:extLst>
+  </p:cSld>
+  <p:clrMapOvr>
+    <a:masterClrMapping/>
+  </p:clrMapOvr>
+</p:sld>
+</file>
+
+<file path=ppt/slides/slide11.xml><?xml version="1.0" encoding="utf-8"?>
+<p:sld xmlns:a="http://schemas.openxmlformats.org/drawingml/2006/main" xmlns:r="http://schemas.openxmlformats.org/officeDocument/2006/relationships" xmlns:p="http://schemas.openxmlformats.org/presentationml/2006/main">
+  <p:cSld>
+    <p:spTree>
+      <p:nvGrpSpPr>
+        <p:cNvPr id="1" name=""/>
+        <p:cNvGrpSpPr/>
+        <p:nvPr/>
+      </p:nvGrpSpPr>
+      <p:grpSpPr>
+        <a:xfrm>
+          <a:off x="0" y="0"/>
+          <a:ext cx="0" cy="0"/>
+          <a:chOff x="0" y="0"/>
+          <a:chExt cx="0" cy="0"/>
+        </a:xfrm>
+      </p:grpSpPr>
+      <p:sp>
+        <p:nvSpPr>
+          <p:cNvPr id="2" name="Título 1">
+            <a:extLst>
+              <a:ext uri="{FF2B5EF4-FFF2-40B4-BE49-F238E27FC236}">
+                <a16:creationId xmlns:a16="http://schemas.microsoft.com/office/drawing/2014/main" id="{8FE15827-D526-4EBE-9506-EC3DC4616E98}"/>
+              </a:ext>
+            </a:extLst>
+          </p:cNvPr>
+          <p:cNvSpPr>
+            <a:spLocks noGrp="1"/>
+          </p:cNvSpPr>
+          <p:nvPr>
+            <p:ph type="title"/>
+          </p:nvPr>
+        </p:nvSpPr>
+        <p:spPr/>
+        <p:txBody>
+          <a:bodyPr/>
+          <a:lstStyle/>
+          <a:p>
+            <a:r>
+              <a:rPr lang="es-ES"/>
+              <a:t>Introducción: Análisis e histograma</a:t>
+            </a:r>
+            <a:endParaRPr lang="es-ES" dirty="0"/>
+          </a:p>
+        </p:txBody>
+      </p:sp>
+      <p:sp>
+        <p:nvSpPr>
+          <p:cNvPr id="3" name="Marcador de contenido 2">
+            <a:extLst>
+              <a:ext uri="{FF2B5EF4-FFF2-40B4-BE49-F238E27FC236}">
+                <a16:creationId xmlns:a16="http://schemas.microsoft.com/office/drawing/2014/main" id="{45F512F5-3FA1-4ABA-9C75-6C41C4FA2845}"/>
+              </a:ext>
+            </a:extLst>
+          </p:cNvPr>
+          <p:cNvSpPr>
+            <a:spLocks noGrp="1"/>
+          </p:cNvSpPr>
+          <p:nvPr>
+            <p:ph idx="1"/>
+          </p:nvPr>
+        </p:nvSpPr>
+        <p:spPr>
+          <a:xfrm>
+            <a:off x="1154955" y="2603500"/>
+            <a:ext cx="3951618" cy="3416300"/>
+          </a:xfrm>
+        </p:spPr>
+        <p:txBody>
+          <a:bodyPr/>
+          <a:lstStyle/>
+          <a:p>
+            <a:r>
+              <a:rPr lang="es-ES"/>
+              <a:t>Se invita a inspeccionar la imagen</a:t>
+            </a:r>
+          </a:p>
+          <a:p>
+            <a:r>
+              <a:rPr lang="es-ES"/>
+              <a:t>Uso de histograma en prácticas anteriores</a:t>
+            </a:r>
+            <a:endParaRPr lang="es-ES" dirty="0"/>
+          </a:p>
+        </p:txBody>
+      </p:sp>
+      <p:pic>
+        <p:nvPicPr>
+          <p:cNvPr id="5" name="Imagen 4">
+            <a:extLst>
+              <a:ext uri="{FF2B5EF4-FFF2-40B4-BE49-F238E27FC236}">
+                <a16:creationId xmlns:a16="http://schemas.microsoft.com/office/drawing/2014/main" id="{2786148E-D3A7-471B-A910-964B096CB301}"/>
+              </a:ext>
+            </a:extLst>
+          </p:cNvPr>
+          <p:cNvPicPr>
+            <a:picLocks noChangeAspect="1"/>
+          </p:cNvPicPr>
+          <p:nvPr/>
+        </p:nvPicPr>
+        <p:blipFill>
+          <a:blip r:embed="rId2"/>
+          <a:stretch>
+            <a:fillRect/>
+          </a:stretch>
+        </p:blipFill>
+        <p:spPr>
+          <a:xfrm>
+            <a:off x="957080" y="4058093"/>
+            <a:ext cx="7228977" cy="2575842"/>
+          </a:xfrm>
+          <a:prstGeom prst="rect">
+            <a:avLst/>
+          </a:prstGeom>
+        </p:spPr>
+      </p:pic>
+      <p:pic>
+        <p:nvPicPr>
+          <p:cNvPr id="7" name="Imagen 6">
+            <a:extLst>
+              <a:ext uri="{FF2B5EF4-FFF2-40B4-BE49-F238E27FC236}">
+                <a16:creationId xmlns:a16="http://schemas.microsoft.com/office/drawing/2014/main" id="{90F266E4-D9E8-448D-B649-10F2548CE26A}"/>
+              </a:ext>
+            </a:extLst>
+          </p:cNvPr>
+          <p:cNvPicPr>
+            <a:picLocks noChangeAspect="1"/>
+          </p:cNvPicPr>
+          <p:nvPr/>
+        </p:nvPicPr>
+        <p:blipFill>
+          <a:blip r:embed="rId3"/>
+          <a:stretch>
+            <a:fillRect/>
+          </a:stretch>
+        </p:blipFill>
+        <p:spPr>
+          <a:xfrm>
+            <a:off x="8592457" y="2265781"/>
+            <a:ext cx="3094945" cy="2326437"/>
+          </a:xfrm>
+          <a:prstGeom prst="rect">
+            <a:avLst/>
+          </a:prstGeom>
+        </p:spPr>
+      </p:pic>
+    </p:spTree>
+    <p:extLst>
+      <p:ext uri="{BB962C8B-B14F-4D97-AF65-F5344CB8AC3E}">
+        <p14:creationId xmlns:p14="http://schemas.microsoft.com/office/powerpoint/2010/main" val="4099212339"/>
+      </p:ext>
+    </p:extLst>
+  </p:cSld>
+  <p:clrMapOvr>
+    <a:masterClrMapping/>
+  </p:clrMapOvr>
+</p:sld>
+</file>
+
+<file path=ppt/slides/slide12.xml><?xml version="1.0" encoding="utf-8"?>
+<p:sld xmlns:a="http://schemas.openxmlformats.org/drawingml/2006/main" xmlns:r="http://schemas.openxmlformats.org/officeDocument/2006/relationships" xmlns:p="http://schemas.openxmlformats.org/presentationml/2006/main">
+  <p:cSld>
+    <p:spTree>
+      <p:nvGrpSpPr>
+        <p:cNvPr id="1" name=""/>
+        <p:cNvGrpSpPr/>
+        <p:nvPr/>
+      </p:nvGrpSpPr>
+      <p:grpSpPr>
+        <a:xfrm>
+          <a:off x="0" y="0"/>
+          <a:ext cx="0" cy="0"/>
+          <a:chOff x="0" y="0"/>
+          <a:chExt cx="0" cy="0"/>
+        </a:xfrm>
+      </p:grpSpPr>
+      <p:sp>
+        <p:nvSpPr>
+          <p:cNvPr id="2" name="Título 1">
+            <a:extLst>
+              <a:ext uri="{FF2B5EF4-FFF2-40B4-BE49-F238E27FC236}">
+                <a16:creationId xmlns:a16="http://schemas.microsoft.com/office/drawing/2014/main" id="{71D3CF6C-0F6C-4652-A21B-B062A9F1447C}"/>
+              </a:ext>
+            </a:extLst>
+          </p:cNvPr>
+          <p:cNvSpPr>
+            <a:spLocks noGrp="1"/>
+          </p:cNvSpPr>
+          <p:nvPr>
+            <p:ph type="title"/>
+          </p:nvPr>
+        </p:nvSpPr>
+        <p:spPr/>
+        <p:txBody>
+          <a:bodyPr/>
+          <a:lstStyle/>
+          <a:p>
+            <a:r>
+              <a:rPr lang="es-ES" dirty="0"/>
+              <a:t>Apartado 1: RGB</a:t>
+            </a:r>
+          </a:p>
+        </p:txBody>
+      </p:sp>
+      <p:sp>
+        <p:nvSpPr>
+          <p:cNvPr id="3" name="Marcador de contenido 2">
+            <a:extLst>
+              <a:ext uri="{FF2B5EF4-FFF2-40B4-BE49-F238E27FC236}">
+                <a16:creationId xmlns:a16="http://schemas.microsoft.com/office/drawing/2014/main" id="{58DF7B4A-3A6B-4C42-ABBF-D346C8D62641}"/>
+              </a:ext>
+            </a:extLst>
+          </p:cNvPr>
+          <p:cNvSpPr>
+            <a:spLocks noGrp="1"/>
+          </p:cNvSpPr>
+          <p:nvPr>
+            <p:ph idx="1"/>
+          </p:nvPr>
+        </p:nvSpPr>
+        <p:spPr>
+          <a:xfrm>
+            <a:off x="1154954" y="2470207"/>
+            <a:ext cx="8825659" cy="3549593"/>
+          </a:xfrm>
+        </p:spPr>
+        <p:txBody>
+          <a:bodyPr/>
+          <a:lstStyle/>
+          <a:p>
+            <a:r>
+              <a:rPr lang="es-ES" dirty="0"/>
+              <a:t>K-medias con las características de color RGB</a:t>
+            </a:r>
+          </a:p>
+        </p:txBody>
+      </p:sp>
+      <p:pic>
+        <p:nvPicPr>
+          <p:cNvPr id="5" name="Imagen 4">
+            <a:extLst>
+              <a:ext uri="{FF2B5EF4-FFF2-40B4-BE49-F238E27FC236}">
+                <a16:creationId xmlns:a16="http://schemas.microsoft.com/office/drawing/2014/main" id="{77CD8F1C-2A1D-4CA7-8E66-28173943533B}"/>
+              </a:ext>
+            </a:extLst>
+          </p:cNvPr>
+          <p:cNvPicPr>
+            <a:picLocks noChangeAspect="1"/>
+          </p:cNvPicPr>
+          <p:nvPr/>
+        </p:nvPicPr>
+        <p:blipFill>
+          <a:blip r:embed="rId2"/>
+          <a:stretch>
+            <a:fillRect/>
+          </a:stretch>
+        </p:blipFill>
+        <p:spPr>
+          <a:xfrm>
+            <a:off x="1811191" y="2950536"/>
+            <a:ext cx="8569617" cy="3549593"/>
+          </a:xfrm>
+          <a:prstGeom prst="rect">
+            <a:avLst/>
+          </a:prstGeom>
+        </p:spPr>
+      </p:pic>
+    </p:spTree>
+    <p:extLst>
+      <p:ext uri="{BB962C8B-B14F-4D97-AF65-F5344CB8AC3E}">
+        <p14:creationId xmlns:p14="http://schemas.microsoft.com/office/powerpoint/2010/main" val="1086530905"/>
+      </p:ext>
+    </p:extLst>
+  </p:cSld>
+  <p:clrMapOvr>
+    <a:masterClrMapping/>
+  </p:clrMapOvr>
+</p:sld>
+</file>
+
+<file path=ppt/slides/slide13.xml><?xml version="1.0" encoding="utf-8"?>
+<p:sld xmlns:a="http://schemas.openxmlformats.org/drawingml/2006/main" xmlns:r="http://schemas.openxmlformats.org/officeDocument/2006/relationships" xmlns:p="http://schemas.openxmlformats.org/presentationml/2006/main">
+  <p:cSld>
+    <p:spTree>
+      <p:nvGrpSpPr>
+        <p:cNvPr id="1" name=""/>
+        <p:cNvGrpSpPr/>
+        <p:nvPr/>
+      </p:nvGrpSpPr>
+      <p:grpSpPr>
+        <a:xfrm>
+          <a:off x="0" y="0"/>
+          <a:ext cx="0" cy="0"/>
+          <a:chOff x="0" y="0"/>
+          <a:chExt cx="0" cy="0"/>
+        </a:xfrm>
+      </p:grpSpPr>
+      <p:sp>
+        <p:nvSpPr>
+          <p:cNvPr id="2" name="Título 1">
+            <a:extLst>
+              <a:ext uri="{FF2B5EF4-FFF2-40B4-BE49-F238E27FC236}">
+                <a16:creationId xmlns:a16="http://schemas.microsoft.com/office/drawing/2014/main" id="{97F89D66-444C-4C1E-8F78-D8C8A0DA9464}"/>
+              </a:ext>
+            </a:extLst>
+          </p:cNvPr>
+          <p:cNvSpPr>
+            <a:spLocks noGrp="1"/>
+          </p:cNvSpPr>
+          <p:nvPr>
+            <p:ph type="title"/>
+          </p:nvPr>
+        </p:nvSpPr>
+        <p:spPr/>
+        <p:txBody>
+          <a:bodyPr/>
+          <a:lstStyle/>
+          <a:p>
+            <a:r>
+              <a:rPr lang="es-ES" dirty="0"/>
+              <a:t>Apartado 1: Resultados</a:t>
+            </a:r>
+          </a:p>
+        </p:txBody>
+      </p:sp>
+      <p:pic>
+        <p:nvPicPr>
+          <p:cNvPr id="5" name="Marcador de contenido 4">
+            <a:extLst>
+              <a:ext uri="{FF2B5EF4-FFF2-40B4-BE49-F238E27FC236}">
+                <a16:creationId xmlns:a16="http://schemas.microsoft.com/office/drawing/2014/main" id="{03DE1C51-AEC1-420B-86A0-A0F7924E72E3}"/>
+              </a:ext>
+            </a:extLst>
+          </p:cNvPr>
+          <p:cNvPicPr>
+            <a:picLocks noGrp="1" noChangeAspect="1"/>
+          </p:cNvPicPr>
+          <p:nvPr>
+            <p:ph idx="1"/>
+          </p:nvPr>
+        </p:nvPicPr>
+        <p:blipFill>
+          <a:blip r:embed="rId2">
+            <a:extLst>
+              <a:ext uri="{28A0092B-C50C-407E-A947-70E740481C1C}">
+                <a14:useLocalDpi xmlns:a14="http://schemas.microsoft.com/office/drawing/2010/main" val="0"/>
+              </a:ext>
+            </a:extLst>
+          </a:blip>
+          <a:stretch>
+            <a:fillRect/>
+          </a:stretch>
+        </p:blipFill>
+        <p:spPr>
+          <a:xfrm>
+            <a:off x="1547097" y="2563346"/>
+            <a:ext cx="3683292" cy="3824957"/>
+          </a:xfrm>
+        </p:spPr>
+      </p:pic>
+      <p:pic>
+        <p:nvPicPr>
+          <p:cNvPr id="7" name="Imagen 6" descr="Mapa&#10;&#10;Descripción generada automáticamente">
+            <a:extLst>
+              <a:ext uri="{FF2B5EF4-FFF2-40B4-BE49-F238E27FC236}">
+                <a16:creationId xmlns:a16="http://schemas.microsoft.com/office/drawing/2014/main" id="{55FAAF70-C2C0-4E66-A780-833748B0936B}"/>
+              </a:ext>
+            </a:extLst>
+          </p:cNvPr>
+          <p:cNvPicPr>
+            <a:picLocks noChangeAspect="1"/>
+          </p:cNvPicPr>
+          <p:nvPr/>
+        </p:nvPicPr>
+        <p:blipFill>
+          <a:blip r:embed="rId3">
+            <a:extLst>
+              <a:ext uri="{28A0092B-C50C-407E-A947-70E740481C1C}">
+                <a14:useLocalDpi xmlns:a14="http://schemas.microsoft.com/office/drawing/2010/main" val="0"/>
+              </a:ext>
+            </a:extLst>
+          </a:blip>
+          <a:stretch>
+            <a:fillRect/>
+          </a:stretch>
+        </p:blipFill>
+        <p:spPr>
+          <a:xfrm>
+            <a:off x="7281935" y="2897944"/>
+            <a:ext cx="3362968" cy="3344887"/>
+          </a:xfrm>
+          <a:prstGeom prst="rect">
+            <a:avLst/>
+          </a:prstGeom>
+        </p:spPr>
+      </p:pic>
+    </p:spTree>
+    <p:extLst>
+      <p:ext uri="{BB962C8B-B14F-4D97-AF65-F5344CB8AC3E}">
+        <p14:creationId xmlns:p14="http://schemas.microsoft.com/office/powerpoint/2010/main" val="1463496614"/>
+      </p:ext>
+    </p:extLst>
+  </p:cSld>
+  <p:clrMapOvr>
+    <a:masterClrMapping/>
+  </p:clrMapOvr>
+</p:sld>
+</file>
+
+<file path=ppt/slides/slide14.xml><?xml version="1.0" encoding="utf-8"?>
+<p:sld xmlns:a="http://schemas.openxmlformats.org/drawingml/2006/main" xmlns:r="http://schemas.openxmlformats.org/officeDocument/2006/relationships" xmlns:p="http://schemas.openxmlformats.org/presentationml/2006/main">
+  <p:cSld>
+    <p:spTree>
+      <p:nvGrpSpPr>
+        <p:cNvPr id="1" name=""/>
+        <p:cNvGrpSpPr/>
+        <p:nvPr/>
+      </p:nvGrpSpPr>
+      <p:grpSpPr>
+        <a:xfrm>
+          <a:off x="0" y="0"/>
+          <a:ext cx="0" cy="0"/>
+          <a:chOff x="0" y="0"/>
+          <a:chExt cx="0" cy="0"/>
+        </a:xfrm>
+      </p:grpSpPr>
+      <p:sp>
+        <p:nvSpPr>
+          <p:cNvPr id="2" name="Título 1">
+            <a:extLst>
+              <a:ext uri="{FF2B5EF4-FFF2-40B4-BE49-F238E27FC236}">
+                <a16:creationId xmlns:a16="http://schemas.microsoft.com/office/drawing/2014/main" id="{F41F692A-64CD-4315-A3DC-8C45B3404DDA}"/>
+              </a:ext>
+            </a:extLst>
+          </p:cNvPr>
+          <p:cNvSpPr>
+            <a:spLocks noGrp="1"/>
+          </p:cNvSpPr>
+          <p:nvPr>
+            <p:ph type="title"/>
+          </p:nvPr>
+        </p:nvSpPr>
+        <p:spPr/>
+        <p:txBody>
+          <a:bodyPr/>
+          <a:lstStyle/>
+          <a:p>
+            <a:r>
+              <a:rPr lang="es-ES" dirty="0"/>
+              <a:t>Apartado 2: LAB</a:t>
+            </a:r>
+          </a:p>
+        </p:txBody>
+      </p:sp>
+      <p:sp>
+        <p:nvSpPr>
+          <p:cNvPr id="3" name="Marcador de contenido 2">
+            <a:extLst>
+              <a:ext uri="{FF2B5EF4-FFF2-40B4-BE49-F238E27FC236}">
+                <a16:creationId xmlns:a16="http://schemas.microsoft.com/office/drawing/2014/main" id="{0D364A50-B51A-4A8C-A180-B7BA398D8A2E}"/>
+              </a:ext>
+            </a:extLst>
+          </p:cNvPr>
+          <p:cNvSpPr>
+            <a:spLocks noGrp="1"/>
+          </p:cNvSpPr>
+          <p:nvPr>
+            <p:ph idx="1"/>
+          </p:nvPr>
+        </p:nvSpPr>
+        <p:spPr>
+          <a:xfrm>
+            <a:off x="1154955" y="2603500"/>
+            <a:ext cx="4261108" cy="3416300"/>
+          </a:xfrm>
+        </p:spPr>
+        <p:txBody>
+          <a:bodyPr/>
+          <a:lstStyle/>
+          <a:p>
+            <a:r>
+              <a:rPr lang="es-ES" dirty="0" err="1"/>
+              <a:t>Lab</a:t>
+            </a:r>
+            <a:r>
+              <a:rPr lang="es-ES" dirty="0"/>
+              <a:t> espacio de color</a:t>
+            </a:r>
+          </a:p>
+          <a:p>
+            <a:r>
+              <a:rPr lang="es-ES" dirty="0"/>
+              <a:t>Diferentes normas: 1976 Vs 1999</a:t>
+            </a:r>
+          </a:p>
+          <a:p>
+            <a:r>
+              <a:rPr lang="es-ES" dirty="0"/>
+              <a:t>Necesidad de una nueva función</a:t>
+            </a:r>
+          </a:p>
+          <a:p>
+            <a:r>
+              <a:rPr lang="es-ES" dirty="0"/>
+              <a:t>Se programa siguiendo la versión de Matlab de guía</a:t>
+            </a:r>
+          </a:p>
+          <a:p>
+            <a:r>
+              <a:rPr lang="es-ES" dirty="0"/>
+              <a:t>Resultados idénticos</a:t>
+            </a:r>
+          </a:p>
+        </p:txBody>
+      </p:sp>
+      <p:pic>
+        <p:nvPicPr>
+          <p:cNvPr id="5" name="Imagen 4" descr="Gráfico, Gráfico de dispersión&#10;&#10;Descripción generada automáticamente">
+            <a:extLst>
+              <a:ext uri="{FF2B5EF4-FFF2-40B4-BE49-F238E27FC236}">
+                <a16:creationId xmlns:a16="http://schemas.microsoft.com/office/drawing/2014/main" id="{9D50BB85-D517-48F8-9A0F-593BE6F2551C}"/>
+              </a:ext>
+            </a:extLst>
+          </p:cNvPr>
+          <p:cNvPicPr>
+            <a:picLocks noChangeAspect="1"/>
+          </p:cNvPicPr>
+          <p:nvPr/>
+        </p:nvPicPr>
+        <p:blipFill>
+          <a:blip r:embed="rId2">
+            <a:extLst>
+              <a:ext uri="{28A0092B-C50C-407E-A947-70E740481C1C}">
+                <a14:useLocalDpi xmlns:a14="http://schemas.microsoft.com/office/drawing/2010/main" val="0"/>
+              </a:ext>
+            </a:extLst>
+          </a:blip>
+          <a:stretch>
+            <a:fillRect/>
+          </a:stretch>
+        </p:blipFill>
+        <p:spPr>
+          <a:xfrm>
+            <a:off x="7329705" y="1988628"/>
+            <a:ext cx="3173707" cy="2323022"/>
+          </a:xfrm>
+          <a:prstGeom prst="rect">
+            <a:avLst/>
+          </a:prstGeom>
+        </p:spPr>
+      </p:pic>
+      <p:pic>
+        <p:nvPicPr>
+          <p:cNvPr id="7" name="Imagen 6" descr="Gráfico, Gráfico de dispersión&#10;&#10;Descripción generada automáticamente">
+            <a:extLst>
+              <a:ext uri="{FF2B5EF4-FFF2-40B4-BE49-F238E27FC236}">
+                <a16:creationId xmlns:a16="http://schemas.microsoft.com/office/drawing/2014/main" id="{99CC07F1-C68A-4850-BDD8-9ED350379A2D}"/>
+              </a:ext>
+            </a:extLst>
+          </p:cNvPr>
+          <p:cNvPicPr>
+            <a:picLocks noChangeAspect="1"/>
+          </p:cNvPicPr>
+          <p:nvPr/>
+        </p:nvPicPr>
+        <p:blipFill>
+          <a:blip r:embed="rId3">
+            <a:extLst>
+              <a:ext uri="{28A0092B-C50C-407E-A947-70E740481C1C}">
+                <a14:useLocalDpi xmlns:a14="http://schemas.microsoft.com/office/drawing/2010/main" val="0"/>
+              </a:ext>
+            </a:extLst>
+          </a:blip>
+          <a:stretch>
+            <a:fillRect/>
+          </a:stretch>
+        </p:blipFill>
+        <p:spPr>
+          <a:xfrm>
+            <a:off x="7329705" y="4311650"/>
+            <a:ext cx="3173707" cy="2338235"/>
+          </a:xfrm>
+          <a:prstGeom prst="rect">
+            <a:avLst/>
+          </a:prstGeom>
+        </p:spPr>
+      </p:pic>
+      <p:sp>
+        <p:nvSpPr>
+          <p:cNvPr id="8" name="CuadroTexto 7">
+            <a:extLst>
+              <a:ext uri="{FF2B5EF4-FFF2-40B4-BE49-F238E27FC236}">
+                <a16:creationId xmlns:a16="http://schemas.microsoft.com/office/drawing/2014/main" id="{FE8972BE-F244-44D0-BF9B-985D8013AA6F}"/>
+              </a:ext>
+            </a:extLst>
+          </p:cNvPr>
+          <p:cNvSpPr txBox="1"/>
+          <p:nvPr/>
+        </p:nvSpPr>
+        <p:spPr>
+          <a:xfrm>
+            <a:off x="10769600" y="2351314"/>
+            <a:ext cx="899886" cy="369332"/>
+          </a:xfrm>
+          <a:prstGeom prst="rect">
+            <a:avLst/>
+          </a:prstGeom>
+          <a:noFill/>
+        </p:spPr>
+        <p:txBody>
+          <a:bodyPr wrap="square" rtlCol="0">
+            <a:spAutoFit/>
+          </a:bodyPr>
+          <a:lstStyle/>
+          <a:p>
+            <a:r>
+              <a:rPr lang="es-ES" dirty="0"/>
+              <a:t>Lab76</a:t>
+            </a:r>
+          </a:p>
+        </p:txBody>
+      </p:sp>
+      <p:sp>
+        <p:nvSpPr>
+          <p:cNvPr id="9" name="CuadroTexto 8">
+            <a:extLst>
+              <a:ext uri="{FF2B5EF4-FFF2-40B4-BE49-F238E27FC236}">
+                <a16:creationId xmlns:a16="http://schemas.microsoft.com/office/drawing/2014/main" id="{5CAA10E4-97B5-462E-AAD2-0C292B07B994}"/>
+              </a:ext>
+            </a:extLst>
+          </p:cNvPr>
+          <p:cNvSpPr txBox="1"/>
+          <p:nvPr/>
+        </p:nvSpPr>
+        <p:spPr>
+          <a:xfrm>
+            <a:off x="10769600" y="4492171"/>
+            <a:ext cx="899886" cy="369332"/>
+          </a:xfrm>
+          <a:prstGeom prst="rect">
+            <a:avLst/>
+          </a:prstGeom>
+          <a:noFill/>
+        </p:spPr>
+        <p:txBody>
+          <a:bodyPr wrap="square" rtlCol="0">
+            <a:spAutoFit/>
+          </a:bodyPr>
+          <a:lstStyle/>
+          <a:p>
+            <a:r>
+              <a:rPr lang="es-ES" dirty="0"/>
+              <a:t>Lab99</a:t>
+            </a:r>
+          </a:p>
+        </p:txBody>
+      </p:sp>
+    </p:spTree>
+    <p:extLst>
+      <p:ext uri="{BB962C8B-B14F-4D97-AF65-F5344CB8AC3E}">
+        <p14:creationId xmlns:p14="http://schemas.microsoft.com/office/powerpoint/2010/main" val="1597067894"/>
+      </p:ext>
+    </p:extLst>
+  </p:cSld>
+  <p:clrMapOvr>
+    <a:masterClrMapping/>
+  </p:clrMapOvr>
+</p:sld>
+</file>
+
+<file path=ppt/slides/slide15.xml><?xml version="1.0" encoding="utf-8"?>
+<p:sld xmlns:a="http://schemas.openxmlformats.org/drawingml/2006/main" xmlns:r="http://schemas.openxmlformats.org/officeDocument/2006/relationships" xmlns:p="http://schemas.openxmlformats.org/presentationml/2006/main">
+  <p:cSld>
+    <p:spTree>
+      <p:nvGrpSpPr>
+        <p:cNvPr id="1" name=""/>
+        <p:cNvGrpSpPr/>
+        <p:nvPr/>
+      </p:nvGrpSpPr>
+      <p:grpSpPr>
+        <a:xfrm>
+          <a:off x="0" y="0"/>
+          <a:ext cx="0" cy="0"/>
+          <a:chOff x="0" y="0"/>
+          <a:chExt cx="0" cy="0"/>
+        </a:xfrm>
+      </p:grpSpPr>
+      <p:sp>
+        <p:nvSpPr>
+          <p:cNvPr id="4" name="CuadroTexto 3">
+            <a:extLst>
+              <a:ext uri="{FF2B5EF4-FFF2-40B4-BE49-F238E27FC236}">
+                <a16:creationId xmlns:a16="http://schemas.microsoft.com/office/drawing/2014/main" id="{82AF1BD1-044F-434C-9E2D-46D8DEC1A7CF}"/>
+              </a:ext>
+            </a:extLst>
+          </p:cNvPr>
+          <p:cNvSpPr txBox="1"/>
+          <p:nvPr/>
+        </p:nvSpPr>
+        <p:spPr>
+          <a:xfrm>
+            <a:off x="2873827" y="5283200"/>
+            <a:ext cx="899886" cy="369332"/>
+          </a:xfrm>
+          <a:prstGeom prst="rect">
+            <a:avLst/>
+          </a:prstGeom>
+          <a:noFill/>
+        </p:spPr>
+        <p:txBody>
+          <a:bodyPr wrap="square" rtlCol="0">
+            <a:spAutoFit/>
+          </a:bodyPr>
+          <a:lstStyle/>
+          <a:p>
+            <a:r>
+              <a:rPr lang="es-ES" dirty="0"/>
+              <a:t>Lab76</a:t>
+            </a:r>
+          </a:p>
+        </p:txBody>
+      </p:sp>
+      <p:sp>
+        <p:nvSpPr>
+          <p:cNvPr id="5" name="CuadroTexto 4">
+            <a:extLst>
+              <a:ext uri="{FF2B5EF4-FFF2-40B4-BE49-F238E27FC236}">
+                <a16:creationId xmlns:a16="http://schemas.microsoft.com/office/drawing/2014/main" id="{9A54FD68-3C5D-4BBE-9573-E999BA4DA1F6}"/>
+              </a:ext>
+            </a:extLst>
+          </p:cNvPr>
+          <p:cNvSpPr txBox="1"/>
+          <p:nvPr/>
+        </p:nvSpPr>
+        <p:spPr>
+          <a:xfrm>
+            <a:off x="8418289" y="5283200"/>
+            <a:ext cx="899886" cy="369332"/>
+          </a:xfrm>
+          <a:prstGeom prst="rect">
+            <a:avLst/>
+          </a:prstGeom>
+          <a:noFill/>
+        </p:spPr>
+        <p:txBody>
+          <a:bodyPr wrap="square" rtlCol="0">
+            <a:spAutoFit/>
+          </a:bodyPr>
+          <a:lstStyle/>
+          <a:p>
+            <a:r>
+              <a:rPr lang="es-ES" dirty="0"/>
+              <a:t>Lab99</a:t>
+            </a:r>
+          </a:p>
+        </p:txBody>
+      </p:sp>
+      <p:pic>
+        <p:nvPicPr>
+          <p:cNvPr id="7" name="Imagen 6" descr="Mapa&#10;&#10;Descripción generada automáticamente">
+            <a:extLst>
+              <a:ext uri="{FF2B5EF4-FFF2-40B4-BE49-F238E27FC236}">
+                <a16:creationId xmlns:a16="http://schemas.microsoft.com/office/drawing/2014/main" id="{3E392C6C-C7F8-4055-A236-0BA0CCD10840}"/>
+              </a:ext>
+            </a:extLst>
+          </p:cNvPr>
+          <p:cNvPicPr>
+            <a:picLocks noChangeAspect="1"/>
+          </p:cNvPicPr>
+          <p:nvPr/>
+        </p:nvPicPr>
+        <p:blipFill>
+          <a:blip r:embed="rId2">
+            <a:extLst>
+              <a:ext uri="{28A0092B-C50C-407E-A947-70E740481C1C}">
+                <a14:useLocalDpi xmlns:a14="http://schemas.microsoft.com/office/drawing/2010/main" val="0"/>
+              </a:ext>
+            </a:extLst>
+          </a:blip>
+          <a:stretch>
+            <a:fillRect/>
+          </a:stretch>
+        </p:blipFill>
+        <p:spPr>
+          <a:xfrm>
+            <a:off x="1551873" y="1205468"/>
+            <a:ext cx="3543795" cy="3553321"/>
+          </a:xfrm>
+          <a:prstGeom prst="rect">
+            <a:avLst/>
+          </a:prstGeom>
+        </p:spPr>
+      </p:pic>
+      <p:pic>
+        <p:nvPicPr>
+          <p:cNvPr id="11" name="Imagen 10" descr="Mapa&#10;&#10;Descripción generada automáticamente">
+            <a:extLst>
+              <a:ext uri="{FF2B5EF4-FFF2-40B4-BE49-F238E27FC236}">
+                <a16:creationId xmlns:a16="http://schemas.microsoft.com/office/drawing/2014/main" id="{E7220050-A194-40D1-BD53-BDBB5DC7DA25}"/>
+              </a:ext>
+            </a:extLst>
+          </p:cNvPr>
+          <p:cNvPicPr>
+            <a:picLocks noChangeAspect="1"/>
+          </p:cNvPicPr>
+          <p:nvPr/>
+        </p:nvPicPr>
+        <p:blipFill>
+          <a:blip r:embed="rId3">
+            <a:extLst>
+              <a:ext uri="{28A0092B-C50C-407E-A947-70E740481C1C}">
+                <a14:useLocalDpi xmlns:a14="http://schemas.microsoft.com/office/drawing/2010/main" val="0"/>
+              </a:ext>
+            </a:extLst>
+          </a:blip>
+          <a:stretch>
+            <a:fillRect/>
+          </a:stretch>
+        </p:blipFill>
+        <p:spPr>
+          <a:xfrm>
+            <a:off x="7096332" y="1205468"/>
+            <a:ext cx="3543795" cy="3534268"/>
+          </a:xfrm>
+          <a:prstGeom prst="rect">
+            <a:avLst/>
+          </a:prstGeom>
+        </p:spPr>
+      </p:pic>
+    </p:spTree>
+    <p:extLst>
+      <p:ext uri="{BB962C8B-B14F-4D97-AF65-F5344CB8AC3E}">
+        <p14:creationId xmlns:p14="http://schemas.microsoft.com/office/powerpoint/2010/main" val="410934897"/>
+      </p:ext>
+    </p:extLst>
+  </p:cSld>
+  <p:clrMapOvr>
+    <a:masterClrMapping/>
+  </p:clrMapOvr>
+</p:sld>
+</file>
+
+<file path=ppt/slides/slide16.xml><?xml version="1.0" encoding="utf-8"?>
+<p:sld xmlns:a="http://schemas.openxmlformats.org/drawingml/2006/main" xmlns:r="http://schemas.openxmlformats.org/officeDocument/2006/relationships" xmlns:p="http://schemas.openxmlformats.org/presentationml/2006/main">
+  <p:cSld>
+    <p:spTree>
+      <p:nvGrpSpPr>
+        <p:cNvPr id="1" name=""/>
+        <p:cNvGrpSpPr/>
+        <p:nvPr/>
+      </p:nvGrpSpPr>
+      <p:grpSpPr>
+        <a:xfrm>
+          <a:off x="0" y="0"/>
+          <a:ext cx="0" cy="0"/>
+          <a:chOff x="0" y="0"/>
+          <a:chExt cx="0" cy="0"/>
+        </a:xfrm>
+      </p:grpSpPr>
+      <p:sp>
+        <p:nvSpPr>
+          <p:cNvPr id="2" name="Título 1">
+            <a:extLst>
+              <a:ext uri="{FF2B5EF4-FFF2-40B4-BE49-F238E27FC236}">
+                <a16:creationId xmlns:a16="http://schemas.microsoft.com/office/drawing/2014/main" id="{7CB18640-6ACB-4009-870D-2DBE63694AC3}"/>
+              </a:ext>
+            </a:extLst>
+          </p:cNvPr>
+          <p:cNvSpPr>
+            <a:spLocks noGrp="1"/>
+          </p:cNvSpPr>
+          <p:nvPr>
+            <p:ph type="title"/>
+          </p:nvPr>
+        </p:nvSpPr>
+        <p:spPr/>
+        <p:txBody>
+          <a:bodyPr/>
+          <a:lstStyle/>
+          <a:p>
+            <a:r>
+              <a:rPr lang="es-ES" dirty="0"/>
+              <a:t>Apartado 3:Filtros de textura</a:t>
+            </a:r>
+          </a:p>
+        </p:txBody>
+      </p:sp>
+      <p:sp>
+        <p:nvSpPr>
+          <p:cNvPr id="3" name="Marcador de contenido 2">
+            <a:extLst>
+              <a:ext uri="{FF2B5EF4-FFF2-40B4-BE49-F238E27FC236}">
+                <a16:creationId xmlns:a16="http://schemas.microsoft.com/office/drawing/2014/main" id="{CEE0CE77-6DDF-4F23-A81B-448A77215BEA}"/>
+              </a:ext>
+            </a:extLst>
+          </p:cNvPr>
+          <p:cNvSpPr>
+            <a:spLocks noGrp="1"/>
+          </p:cNvSpPr>
+          <p:nvPr>
+            <p:ph idx="1"/>
+          </p:nvPr>
+        </p:nvSpPr>
+        <p:spPr/>
+        <p:txBody>
+          <a:bodyPr/>
+          <a:lstStyle/>
+          <a:p>
+            <a:pPr>
+              <a:lnSpc>
+                <a:spcPct val="150000"/>
+              </a:lnSpc>
+            </a:pPr>
+            <a:r>
+              <a:rPr lang="es-ES" dirty="0"/>
+              <a:t>Filtros de textura definidos por características estadísticas</a:t>
+            </a:r>
+          </a:p>
+          <a:p>
+            <a:pPr>
+              <a:lnSpc>
+                <a:spcPct val="150000"/>
+              </a:lnSpc>
+            </a:pPr>
+            <a:r>
+              <a:rPr lang="es-ES" dirty="0"/>
+              <a:t>3 filtros:</a:t>
+            </a:r>
+          </a:p>
+          <a:p>
+            <a:pPr lvl="1">
+              <a:lnSpc>
+                <a:spcPct val="150000"/>
+              </a:lnSpc>
+            </a:pPr>
+            <a:r>
+              <a:rPr lang="es-ES" dirty="0"/>
+              <a:t>Entropía: se encuentra alternativa</a:t>
+            </a:r>
+          </a:p>
+          <a:p>
+            <a:pPr lvl="1">
+              <a:lnSpc>
+                <a:spcPct val="150000"/>
+              </a:lnSpc>
+            </a:pPr>
+            <a:r>
+              <a:rPr lang="es-ES" dirty="0"/>
+              <a:t>Rango: Se tiene que programar</a:t>
+            </a:r>
+          </a:p>
+          <a:p>
+            <a:pPr lvl="1">
+              <a:lnSpc>
+                <a:spcPct val="150000"/>
+              </a:lnSpc>
+            </a:pPr>
+            <a:r>
+              <a:rPr lang="es-ES" dirty="0"/>
+              <a:t>Desviación típica: Se tiene que programar</a:t>
+            </a:r>
+          </a:p>
+          <a:p>
+            <a:pPr>
+              <a:lnSpc>
+                <a:spcPct val="150000"/>
+              </a:lnSpc>
+            </a:pPr>
+            <a:r>
+              <a:rPr lang="es-ES" dirty="0"/>
+              <a:t>Resultados iguales</a:t>
+            </a:r>
+          </a:p>
+        </p:txBody>
+      </p:sp>
+    </p:spTree>
+    <p:extLst>
+      <p:ext uri="{BB962C8B-B14F-4D97-AF65-F5344CB8AC3E}">
+        <p14:creationId xmlns:p14="http://schemas.microsoft.com/office/powerpoint/2010/main" val="457301582"/>
+      </p:ext>
+    </p:extLst>
+  </p:cSld>
+  <p:clrMapOvr>
+    <a:masterClrMapping/>
+  </p:clrMapOvr>
+</p:sld>
+</file>
+
+<file path=ppt/slides/slide17.xml><?xml version="1.0" encoding="utf-8"?>
+<p:sld xmlns:a="http://schemas.openxmlformats.org/drawingml/2006/main" xmlns:r="http://schemas.openxmlformats.org/officeDocument/2006/relationships" xmlns:p="http://schemas.openxmlformats.org/presentationml/2006/main">
+  <p:cSld>
+    <p:spTree>
+      <p:nvGrpSpPr>
+        <p:cNvPr id="1" name=""/>
+        <p:cNvGrpSpPr/>
+        <p:nvPr/>
+      </p:nvGrpSpPr>
+      <p:grpSpPr>
+        <a:xfrm>
+          <a:off x="0" y="0"/>
+          <a:ext cx="0" cy="0"/>
+          <a:chOff x="0" y="0"/>
+          <a:chExt cx="0" cy="0"/>
+        </a:xfrm>
+      </p:grpSpPr>
+      <p:sp>
+        <p:nvSpPr>
+          <p:cNvPr id="4" name="CuadroTexto 3">
+            <a:extLst>
+              <a:ext uri="{FF2B5EF4-FFF2-40B4-BE49-F238E27FC236}">
+                <a16:creationId xmlns:a16="http://schemas.microsoft.com/office/drawing/2014/main" id="{82AF1BD1-044F-434C-9E2D-46D8DEC1A7CF}"/>
+              </a:ext>
+            </a:extLst>
+          </p:cNvPr>
+          <p:cNvSpPr txBox="1"/>
+          <p:nvPr/>
+        </p:nvSpPr>
+        <p:spPr>
+          <a:xfrm>
+            <a:off x="2756037" y="5283200"/>
+            <a:ext cx="1135465" cy="369332"/>
+          </a:xfrm>
+          <a:prstGeom prst="rect">
+            <a:avLst/>
+          </a:prstGeom>
+          <a:noFill/>
+        </p:spPr>
+        <p:txBody>
+          <a:bodyPr wrap="square" rtlCol="0">
+            <a:spAutoFit/>
+          </a:bodyPr>
+          <a:lstStyle/>
+          <a:p>
+            <a:pPr algn="ctr"/>
+            <a:r>
+              <a:rPr lang="es-ES" dirty="0"/>
+              <a:t>Matlab</a:t>
+            </a:r>
+          </a:p>
+        </p:txBody>
+      </p:sp>
+      <p:sp>
+        <p:nvSpPr>
+          <p:cNvPr id="5" name="CuadroTexto 4">
+            <a:extLst>
+              <a:ext uri="{FF2B5EF4-FFF2-40B4-BE49-F238E27FC236}">
+                <a16:creationId xmlns:a16="http://schemas.microsoft.com/office/drawing/2014/main" id="{9A54FD68-3C5D-4BBE-9573-E999BA4DA1F6}"/>
+              </a:ext>
+            </a:extLst>
+          </p:cNvPr>
+          <p:cNvSpPr txBox="1"/>
+          <p:nvPr/>
+        </p:nvSpPr>
+        <p:spPr>
+          <a:xfrm>
+            <a:off x="8300500" y="5283200"/>
+            <a:ext cx="1135465" cy="369332"/>
+          </a:xfrm>
+          <a:prstGeom prst="rect">
+            <a:avLst/>
+          </a:prstGeom>
+          <a:noFill/>
+        </p:spPr>
+        <p:txBody>
+          <a:bodyPr wrap="square" rtlCol="0">
+            <a:spAutoFit/>
+          </a:bodyPr>
+          <a:lstStyle/>
+          <a:p>
+            <a:pPr algn="ctr"/>
+            <a:r>
+              <a:rPr lang="es-ES" dirty="0"/>
+              <a:t>Python</a:t>
+            </a:r>
+          </a:p>
+        </p:txBody>
+      </p:sp>
+      <p:pic>
+        <p:nvPicPr>
+          <p:cNvPr id="3" name="Imagen 2" descr="Escala de tiempo&#10;&#10;Descripción generada automáticamente">
+            <a:extLst>
+              <a:ext uri="{FF2B5EF4-FFF2-40B4-BE49-F238E27FC236}">
+                <a16:creationId xmlns:a16="http://schemas.microsoft.com/office/drawing/2014/main" id="{A4C48F62-2B95-46C0-81DE-6FEBA20F32C6}"/>
+              </a:ext>
+            </a:extLst>
+          </p:cNvPr>
+          <p:cNvPicPr>
+            <a:picLocks noChangeAspect="1"/>
+          </p:cNvPicPr>
+          <p:nvPr/>
+        </p:nvPicPr>
+        <p:blipFill>
+          <a:blip r:embed="rId2">
+            <a:extLst>
+              <a:ext uri="{28A0092B-C50C-407E-A947-70E740481C1C}">
+                <a14:useLocalDpi xmlns:a14="http://schemas.microsoft.com/office/drawing/2010/main" val="0"/>
+              </a:ext>
+            </a:extLst>
+          </a:blip>
+          <a:stretch>
+            <a:fillRect/>
+          </a:stretch>
+        </p:blipFill>
+        <p:spPr>
+          <a:xfrm>
+            <a:off x="1094608" y="1279271"/>
+            <a:ext cx="4458322" cy="3648584"/>
+          </a:xfrm>
+          <a:prstGeom prst="rect">
+            <a:avLst/>
+          </a:prstGeom>
+        </p:spPr>
+      </p:pic>
+      <p:pic>
+        <p:nvPicPr>
+          <p:cNvPr id="8" name="Imagen 7" descr="Escala de tiempo&#10;&#10;Descripción generada automáticamente">
+            <a:extLst>
+              <a:ext uri="{FF2B5EF4-FFF2-40B4-BE49-F238E27FC236}">
+                <a16:creationId xmlns:a16="http://schemas.microsoft.com/office/drawing/2014/main" id="{2A2BC0D0-9972-4C85-80BA-D80ADB0E13B7}"/>
+              </a:ext>
+            </a:extLst>
+          </p:cNvPr>
+          <p:cNvPicPr>
+            <a:picLocks noChangeAspect="1"/>
+          </p:cNvPicPr>
+          <p:nvPr/>
+        </p:nvPicPr>
+        <p:blipFill>
+          <a:blip r:embed="rId3">
+            <a:extLst>
+              <a:ext uri="{28A0092B-C50C-407E-A947-70E740481C1C}">
+                <a14:useLocalDpi xmlns:a14="http://schemas.microsoft.com/office/drawing/2010/main" val="0"/>
+              </a:ext>
+            </a:extLst>
+          </a:blip>
+          <a:stretch>
+            <a:fillRect/>
+          </a:stretch>
+        </p:blipFill>
+        <p:spPr>
+          <a:xfrm>
+            <a:off x="6510465" y="1131613"/>
+            <a:ext cx="4715533" cy="3943900"/>
+          </a:xfrm>
+          <a:prstGeom prst="rect">
+            <a:avLst/>
+          </a:prstGeom>
+        </p:spPr>
+      </p:pic>
+    </p:spTree>
+    <p:extLst>
+      <p:ext uri="{BB962C8B-B14F-4D97-AF65-F5344CB8AC3E}">
+        <p14:creationId xmlns:p14="http://schemas.microsoft.com/office/powerpoint/2010/main" val="2242737219"/>
+      </p:ext>
+    </p:extLst>
+  </p:cSld>
+  <p:clrMapOvr>
+    <a:masterClrMapping/>
+  </p:clrMapOvr>
+</p:sld>
+</file>
+
+<file path=ppt/slides/slide18.xml><?xml version="1.0" encoding="utf-8"?>
+<p:sld xmlns:a="http://schemas.openxmlformats.org/drawingml/2006/main" xmlns:r="http://schemas.openxmlformats.org/officeDocument/2006/relationships" xmlns:p="http://schemas.openxmlformats.org/presentationml/2006/main">
+  <p:cSld>
+    <p:spTree>
+      <p:nvGrpSpPr>
+        <p:cNvPr id="1" name=""/>
+        <p:cNvGrpSpPr/>
+        <p:nvPr/>
+      </p:nvGrpSpPr>
+      <p:grpSpPr>
+        <a:xfrm>
+          <a:off x="0" y="0"/>
+          <a:ext cx="0" cy="0"/>
+          <a:chOff x="0" y="0"/>
+          <a:chExt cx="0" cy="0"/>
+        </a:xfrm>
+      </p:grpSpPr>
+      <p:sp>
+        <p:nvSpPr>
+          <p:cNvPr id="2" name="Título 1">
+            <a:extLst>
+              <a:ext uri="{FF2B5EF4-FFF2-40B4-BE49-F238E27FC236}">
+                <a16:creationId xmlns:a16="http://schemas.microsoft.com/office/drawing/2014/main" id="{1113A4FD-D187-45B2-A2CA-3507A6F9644A}"/>
+              </a:ext>
+            </a:extLst>
+          </p:cNvPr>
+          <p:cNvSpPr>
+            <a:spLocks noGrp="1"/>
+          </p:cNvSpPr>
+          <p:nvPr>
+            <p:ph type="title"/>
+          </p:nvPr>
+        </p:nvSpPr>
+        <p:spPr/>
+        <p:txBody>
+          <a:bodyPr/>
+          <a:lstStyle/>
+          <a:p>
+            <a:r>
+              <a:rPr lang="es-ES" dirty="0"/>
+              <a:t>Apartado 4: Mezcla de características</a:t>
+            </a:r>
+          </a:p>
+        </p:txBody>
+      </p:sp>
+      <p:sp>
+        <p:nvSpPr>
+          <p:cNvPr id="3" name="Marcador de contenido 2">
+            <a:extLst>
+              <a:ext uri="{FF2B5EF4-FFF2-40B4-BE49-F238E27FC236}">
+                <a16:creationId xmlns:a16="http://schemas.microsoft.com/office/drawing/2014/main" id="{5D6CD759-36DD-4D40-88D2-547495690B39}"/>
+              </a:ext>
+            </a:extLst>
+          </p:cNvPr>
+          <p:cNvSpPr>
+            <a:spLocks noGrp="1"/>
+          </p:cNvSpPr>
+          <p:nvPr>
+            <p:ph idx="1"/>
+          </p:nvPr>
+        </p:nvSpPr>
+        <p:spPr>
+          <a:xfrm>
+            <a:off x="1154955" y="2603500"/>
+            <a:ext cx="4941046" cy="3416300"/>
+          </a:xfrm>
+        </p:spPr>
+        <p:txBody>
+          <a:bodyPr/>
+          <a:lstStyle/>
+          <a:p>
+            <a:r>
+              <a:rPr lang="es-ES" dirty="0"/>
+              <a:t>Se mezclan características de textura y color para segmentar</a:t>
+            </a:r>
+          </a:p>
+          <a:p>
+            <a:r>
+              <a:rPr lang="es-ES" dirty="0"/>
+              <a:t>Se escogen ab y la entropía</a:t>
+            </a:r>
+          </a:p>
+          <a:p>
+            <a:r>
+              <a:rPr lang="es-ES" dirty="0"/>
+              <a:t>Necesario estandarizar</a:t>
+            </a:r>
+          </a:p>
+          <a:p>
+            <a:r>
+              <a:rPr lang="es-ES" dirty="0"/>
+              <a:t>Resulta en </a:t>
+            </a:r>
+            <a:r>
+              <a:rPr lang="es-ES" dirty="0" err="1"/>
+              <a:t>sobresegmentación</a:t>
+            </a:r>
+            <a:endParaRPr lang="es-ES" dirty="0"/>
+          </a:p>
+          <a:p>
+            <a:r>
+              <a:rPr lang="es-ES" dirty="0"/>
+              <a:t>Se repite el proceso realizando un </a:t>
+            </a:r>
+            <a:r>
+              <a:rPr lang="es-ES" dirty="0" err="1"/>
+              <a:t>preporcesado</a:t>
+            </a:r>
+            <a:r>
+              <a:rPr lang="es-ES" dirty="0"/>
+              <a:t>: </a:t>
+            </a:r>
+            <a:r>
+              <a:rPr lang="es-ES" dirty="0" err="1"/>
+              <a:t>miltro</a:t>
+            </a:r>
+            <a:r>
+              <a:rPr lang="es-ES" dirty="0"/>
+              <a:t> de media sobre ab</a:t>
+            </a:r>
+          </a:p>
+        </p:txBody>
+      </p:sp>
+      <p:pic>
+        <p:nvPicPr>
+          <p:cNvPr id="5" name="Imagen 4">
+            <a:extLst>
+              <a:ext uri="{FF2B5EF4-FFF2-40B4-BE49-F238E27FC236}">
+                <a16:creationId xmlns:a16="http://schemas.microsoft.com/office/drawing/2014/main" id="{299B2149-31FD-40B0-A4D8-4A0402D2F7A0}"/>
+              </a:ext>
+            </a:extLst>
+          </p:cNvPr>
+          <p:cNvPicPr>
+            <a:picLocks noChangeAspect="1"/>
+          </p:cNvPicPr>
+          <p:nvPr/>
+        </p:nvPicPr>
+        <p:blipFill>
+          <a:blip r:embed="rId2"/>
+          <a:stretch>
+            <a:fillRect/>
+          </a:stretch>
+        </p:blipFill>
+        <p:spPr>
+          <a:xfrm>
+            <a:off x="7502777" y="2603500"/>
+            <a:ext cx="3534268" cy="3515216"/>
+          </a:xfrm>
+          <a:prstGeom prst="rect">
+            <a:avLst/>
+          </a:prstGeom>
+        </p:spPr>
+      </p:pic>
+      <p:pic>
+        <p:nvPicPr>
+          <p:cNvPr id="7" name="Imagen 6" descr="Mapa&#10;&#10;Descripción generada automáticamente">
+            <a:extLst>
+              <a:ext uri="{FF2B5EF4-FFF2-40B4-BE49-F238E27FC236}">
+                <a16:creationId xmlns:a16="http://schemas.microsoft.com/office/drawing/2014/main" id="{E6DDFBC0-5CD2-465A-B462-2092A789ED72}"/>
+              </a:ext>
+            </a:extLst>
+          </p:cNvPr>
+          <p:cNvPicPr>
+            <a:picLocks noChangeAspect="1"/>
+          </p:cNvPicPr>
+          <p:nvPr/>
+        </p:nvPicPr>
+        <p:blipFill>
+          <a:blip r:embed="rId3">
+            <a:extLst>
+              <a:ext uri="{28A0092B-C50C-407E-A947-70E740481C1C}">
+                <a14:useLocalDpi xmlns:a14="http://schemas.microsoft.com/office/drawing/2010/main" val="0"/>
+              </a:ext>
+            </a:extLst>
+          </a:blip>
+          <a:stretch>
+            <a:fillRect/>
+          </a:stretch>
+        </p:blipFill>
+        <p:spPr>
+          <a:xfrm>
+            <a:off x="7464671" y="2555869"/>
+            <a:ext cx="3572374" cy="3562847"/>
+          </a:xfrm>
+          <a:prstGeom prst="rect">
+            <a:avLst/>
+          </a:prstGeom>
+        </p:spPr>
+      </p:pic>
+    </p:spTree>
+    <p:extLst>
+      <p:ext uri="{BB962C8B-B14F-4D97-AF65-F5344CB8AC3E}">
+        <p14:creationId xmlns:p14="http://schemas.microsoft.com/office/powerpoint/2010/main" val="3602488493"/>
+      </p:ext>
+    </p:extLst>
+  </p:cSld>
+  <p:clrMapOvr>
+    <a:masterClrMapping/>
+  </p:clrMapOvr>
+  <p:timing>
+    <p:tnLst>
+      <p:par>
+        <p:cTn id="1" dur="indefinite" restart="never" nodeType="tmRoot">
+          <p:childTnLst>
+            <p:seq concurrent="1" nextAc="seek">
+              <p:cTn id="2" dur="indefinite" nodeType="mainSeq">
+                <p:childTnLst>
+                  <p:par>
+                    <p:cTn id="3" fill="hold">
+                      <p:stCondLst>
+                        <p:cond delay="indefinite"/>
+                      </p:stCondLst>
+                      <p:childTnLst>
+                        <p:par>
+                          <p:cTn id="4" fill="hold">
+                            <p:stCondLst>
+                              <p:cond delay="0"/>
+                            </p:stCondLst>
+                            <p:childTnLst>
+                              <p:par>
+                                <p:cTn id="5" presetID="1" presetClass="entr" presetSubtype="0" fill="hold" nodeType="clickEffect">
+                                  <p:stCondLst>
+                                    <p:cond delay="0"/>
+                                  </p:stCondLst>
+                                  <p:childTnLst>
+                                    <p:set>
+                                      <p:cBhvr>
+                                        <p:cTn id="6" dur="1" fill="hold">
+                                          <p:stCondLst>
+                                            <p:cond delay="0"/>
+                                          </p:stCondLst>
+                                        </p:cTn>
+                                        <p:tgtEl>
+                                          <p:spTgt spid="7"/>
+                                        </p:tgtEl>
+                                        <p:attrNameLst>
+                                          <p:attrName>style.visibility</p:attrName>
+                                        </p:attrNameLst>
+                                      </p:cBhvr>
+                                      <p:to>
+                                        <p:strVal val="visible"/>
+                                      </p:to>
+                                    </p:set>
+                                  </p:childTnLst>
+                                </p:cTn>
+                              </p:par>
+                            </p:childTnLst>
+                          </p:cTn>
+                        </p:par>
+                      </p:childTnLst>
+                    </p:cTn>
+                  </p:par>
+                </p:childTnLst>
+              </p:cTn>
+              <p:prevCondLst>
+                <p:cond evt="onPrev" delay="0">
+                  <p:tgtEl>
+                    <p:sldTgt/>
+                  </p:tgtEl>
+                </p:cond>
+              </p:prevCondLst>
+              <p:nextCondLst>
+                <p:cond evt="onNext" delay="0">
+                  <p:tgtEl>
+                    <p:sldTgt/>
+                  </p:tgtEl>
+                </p:cond>
+              </p:nextCondLst>
+            </p:seq>
+          </p:childTnLst>
+        </p:cTn>
+      </p:par>
+    </p:tnLst>
+  </p:timing>
+</p:sld>
+</file>
+
+<file path=ppt/slides/slide19.xml><?xml version="1.0" encoding="utf-8"?>
+<p:sld xmlns:a="http://schemas.openxmlformats.org/drawingml/2006/main" xmlns:r="http://schemas.openxmlformats.org/officeDocument/2006/relationships" xmlns:p="http://schemas.openxmlformats.org/presentationml/2006/main">
+  <p:cSld>
+    <p:spTree>
+      <p:nvGrpSpPr>
+        <p:cNvPr id="1" name=""/>
+        <p:cNvGrpSpPr/>
+        <p:nvPr/>
+      </p:nvGrpSpPr>
+      <p:grpSpPr>
+        <a:xfrm>
+          <a:off x="0" y="0"/>
+          <a:ext cx="0" cy="0"/>
+          <a:chOff x="0" y="0"/>
+          <a:chExt cx="0" cy="0"/>
+        </a:xfrm>
+      </p:grpSpPr>
+      <p:sp>
+        <p:nvSpPr>
+          <p:cNvPr id="2" name="Título 1">
+            <a:extLst>
+              <a:ext uri="{FF2B5EF4-FFF2-40B4-BE49-F238E27FC236}">
+                <a16:creationId xmlns:a16="http://schemas.microsoft.com/office/drawing/2014/main" id="{C1FE351F-DAF6-4AA6-A1A6-4F1BAADEE70A}"/>
+              </a:ext>
+            </a:extLst>
+          </p:cNvPr>
+          <p:cNvSpPr>
+            <a:spLocks noGrp="1"/>
+          </p:cNvSpPr>
+          <p:nvPr>
+            <p:ph type="title"/>
+          </p:nvPr>
+        </p:nvSpPr>
+        <p:spPr/>
+        <p:txBody>
+          <a:bodyPr/>
+          <a:lstStyle/>
+          <a:p>
+            <a:r>
+              <a:rPr lang="es-ES" dirty="0"/>
+              <a:t>Bonus: celdas respuesta</a:t>
+            </a:r>
+          </a:p>
+        </p:txBody>
+      </p:sp>
+      <p:sp>
+        <p:nvSpPr>
+          <p:cNvPr id="3" name="Marcador de contenido 2">
+            <a:extLst>
+              <a:ext uri="{FF2B5EF4-FFF2-40B4-BE49-F238E27FC236}">
+                <a16:creationId xmlns:a16="http://schemas.microsoft.com/office/drawing/2014/main" id="{61BCDD88-1CC7-4ED7-8BE3-0ED2753F1B7E}"/>
+              </a:ext>
+            </a:extLst>
+          </p:cNvPr>
+          <p:cNvSpPr>
+            <a:spLocks noGrp="1"/>
+          </p:cNvSpPr>
+          <p:nvPr>
+            <p:ph idx="1"/>
+          </p:nvPr>
+        </p:nvSpPr>
+        <p:spPr/>
+        <p:txBody>
+          <a:bodyPr/>
+          <a:lstStyle/>
+          <a:p>
+            <a:r>
+              <a:rPr lang="es-ES" dirty="0"/>
+              <a:t>Se han añadido enlaces a celdas respuesta para ayudar al alumno</a:t>
+            </a:r>
+          </a:p>
+        </p:txBody>
+      </p:sp>
+      <p:pic>
+        <p:nvPicPr>
+          <p:cNvPr id="5" name="Imagen 4">
+            <a:extLst>
+              <a:ext uri="{FF2B5EF4-FFF2-40B4-BE49-F238E27FC236}">
+                <a16:creationId xmlns:a16="http://schemas.microsoft.com/office/drawing/2014/main" id="{AF0DE6AB-4678-4B91-A53E-9C657437DAA7}"/>
+              </a:ext>
+            </a:extLst>
+          </p:cNvPr>
+          <p:cNvPicPr>
+            <a:picLocks noChangeAspect="1"/>
+          </p:cNvPicPr>
+          <p:nvPr/>
+        </p:nvPicPr>
+        <p:blipFill>
+          <a:blip r:embed="rId2"/>
+          <a:stretch>
+            <a:fillRect/>
+          </a:stretch>
+        </p:blipFill>
+        <p:spPr>
+          <a:xfrm>
+            <a:off x="1154954" y="3429000"/>
+            <a:ext cx="5083375" cy="1852933"/>
+          </a:xfrm>
+          <a:prstGeom prst="rect">
+            <a:avLst/>
+          </a:prstGeom>
+        </p:spPr>
+      </p:pic>
+      <p:pic>
+        <p:nvPicPr>
+          <p:cNvPr id="7" name="Imagen 6">
+            <a:extLst>
+              <a:ext uri="{FF2B5EF4-FFF2-40B4-BE49-F238E27FC236}">
+                <a16:creationId xmlns:a16="http://schemas.microsoft.com/office/drawing/2014/main" id="{01761C6B-F5E7-4E49-A251-4C1C9FC06B63}"/>
+              </a:ext>
+            </a:extLst>
+          </p:cNvPr>
+          <p:cNvPicPr>
+            <a:picLocks noChangeAspect="1"/>
+          </p:cNvPicPr>
+          <p:nvPr/>
+        </p:nvPicPr>
+        <p:blipFill>
+          <a:blip r:embed="rId3"/>
+          <a:stretch>
+            <a:fillRect/>
+          </a:stretch>
+        </p:blipFill>
+        <p:spPr>
+          <a:xfrm>
+            <a:off x="6879771" y="3299004"/>
+            <a:ext cx="4762994" cy="2720796"/>
+          </a:xfrm>
+          <a:prstGeom prst="rect">
+            <a:avLst/>
+          </a:prstGeom>
+        </p:spPr>
+      </p:pic>
+      <p:sp>
+        <p:nvSpPr>
+          <p:cNvPr id="8" name="Flecha: a la derecha 7">
+            <a:extLst>
+              <a:ext uri="{FF2B5EF4-FFF2-40B4-BE49-F238E27FC236}">
+                <a16:creationId xmlns:a16="http://schemas.microsoft.com/office/drawing/2014/main" id="{97EAF059-80E5-4EF1-8040-AE1CBB117A2B}"/>
+              </a:ext>
+            </a:extLst>
+          </p:cNvPr>
+          <p:cNvSpPr/>
+          <p:nvPr/>
+        </p:nvSpPr>
+        <p:spPr>
+          <a:xfrm>
+            <a:off x="5217619" y="4875533"/>
+            <a:ext cx="783771" cy="406400"/>
+          </a:xfrm>
+          <a:prstGeom prst="rightArrow">
+            <a:avLst/>
+          </a:prstGeom>
+        </p:spPr>
+        <p:style>
+          <a:lnRef idx="2">
+            <a:schemeClr val="accent1">
+              <a:shade val="50000"/>
+            </a:schemeClr>
+          </a:lnRef>
+          <a:fillRef idx="1">
+            <a:schemeClr val="accent1"/>
+          </a:fillRef>
+          <a:effectRef idx="0">
+            <a:schemeClr val="accent1"/>
+          </a:effectRef>
+          <a:fontRef idx="minor">
+            <a:schemeClr val="lt1"/>
+          </a:fontRef>
+        </p:style>
+        <p:txBody>
+          <a:bodyPr rtlCol="0" anchor="ctr"/>
+          <a:lstStyle/>
+          <a:p>
+            <a:pPr algn="ctr"/>
+            <a:endParaRPr lang="es-ES"/>
+          </a:p>
+        </p:txBody>
+      </p:sp>
+    </p:spTree>
+    <p:extLst>
+      <p:ext uri="{BB962C8B-B14F-4D97-AF65-F5344CB8AC3E}">
+        <p14:creationId xmlns:p14="http://schemas.microsoft.com/office/powerpoint/2010/main" val="134554911"/>
+      </p:ext>
+    </p:extLst>
+  </p:cSld>
+  <p:clrMapOvr>
+    <a:masterClrMapping/>
+  </p:clrMapOvr>
+</p:sld>
+</file>
+
 <file path=ppt/slides/slide2.xml><?xml version="1.0" encoding="utf-8"?>
 <p:sld xmlns:a="http://schemas.openxmlformats.org/drawingml/2006/main" xmlns:r="http://schemas.openxmlformats.org/officeDocument/2006/relationships" xmlns:p="http://schemas.openxmlformats.org/presentationml/2006/main">
   <p:cSld>
@@ -17958,6 +19689,229 @@
 </p:sld>
 </file>
 
+<file path=ppt/slides/slide20.xml><?xml version="1.0" encoding="utf-8"?>
+<p:sld xmlns:a="http://schemas.openxmlformats.org/drawingml/2006/main" xmlns:r="http://schemas.openxmlformats.org/officeDocument/2006/relationships" xmlns:p="http://schemas.openxmlformats.org/presentationml/2006/main">
+  <p:cSld>
+    <p:spTree>
+      <p:nvGrpSpPr>
+        <p:cNvPr id="1" name=""/>
+        <p:cNvGrpSpPr/>
+        <p:nvPr/>
+      </p:nvGrpSpPr>
+      <p:grpSpPr>
+        <a:xfrm>
+          <a:off x="0" y="0"/>
+          <a:ext cx="0" cy="0"/>
+          <a:chOff x="0" y="0"/>
+          <a:chExt cx="0" cy="0"/>
+        </a:xfrm>
+      </p:grpSpPr>
+      <p:sp>
+        <p:nvSpPr>
+          <p:cNvPr id="2" name="Título 1">
+            <a:extLst>
+              <a:ext uri="{FF2B5EF4-FFF2-40B4-BE49-F238E27FC236}">
+                <a16:creationId xmlns:a16="http://schemas.microsoft.com/office/drawing/2014/main" id="{1DD9EF30-924A-4738-A6D4-D51DE6499ED5}"/>
+              </a:ext>
+            </a:extLst>
+          </p:cNvPr>
+          <p:cNvSpPr>
+            <a:spLocks noGrp="1"/>
+          </p:cNvSpPr>
+          <p:nvPr>
+            <p:ph type="title"/>
+          </p:nvPr>
+        </p:nvSpPr>
+        <p:spPr/>
+        <p:txBody>
+          <a:bodyPr/>
+          <a:lstStyle/>
+          <a:p>
+            <a:r>
+              <a:rPr lang="es-ES" dirty="0"/>
+              <a:t>Conclusiones y trabajos futuros</a:t>
+            </a:r>
+          </a:p>
+        </p:txBody>
+      </p:sp>
+      <p:sp>
+        <p:nvSpPr>
+          <p:cNvPr id="4" name="Marcador de texto 3">
+            <a:extLst>
+              <a:ext uri="{FF2B5EF4-FFF2-40B4-BE49-F238E27FC236}">
+                <a16:creationId xmlns:a16="http://schemas.microsoft.com/office/drawing/2014/main" id="{5FF8EA23-F2D5-4DE4-AAD5-95A8C071F868}"/>
+              </a:ext>
+            </a:extLst>
+          </p:cNvPr>
+          <p:cNvSpPr>
+            <a:spLocks noGrp="1"/>
+          </p:cNvSpPr>
+          <p:nvPr>
+            <p:ph type="body" idx="1"/>
+          </p:nvPr>
+        </p:nvSpPr>
+        <p:spPr/>
+        <p:txBody>
+          <a:bodyPr/>
+          <a:lstStyle/>
+          <a:p>
+            <a:r>
+              <a:rPr lang="es-ES" dirty="0"/>
+              <a:t>Conclusiones</a:t>
+            </a:r>
+          </a:p>
+        </p:txBody>
+      </p:sp>
+      <p:sp>
+        <p:nvSpPr>
+          <p:cNvPr id="3" name="Marcador de contenido 2">
+            <a:extLst>
+              <a:ext uri="{FF2B5EF4-FFF2-40B4-BE49-F238E27FC236}">
+                <a16:creationId xmlns:a16="http://schemas.microsoft.com/office/drawing/2014/main" id="{D5F21D5B-B446-46C0-AF3A-34E188AA60C7}"/>
+              </a:ext>
+            </a:extLst>
+          </p:cNvPr>
+          <p:cNvSpPr>
+            <a:spLocks noGrp="1"/>
+          </p:cNvSpPr>
+          <p:nvPr>
+            <p:ph sz="half" idx="2"/>
+          </p:nvPr>
+        </p:nvSpPr>
+        <p:spPr/>
+        <p:txBody>
+          <a:bodyPr/>
+          <a:lstStyle/>
+          <a:p>
+            <a:r>
+              <a:rPr lang="es-ES" dirty="0"/>
+              <a:t>Se ha cumplido el objetivo principal</a:t>
+            </a:r>
+          </a:p>
+          <a:p>
+            <a:r>
+              <a:rPr lang="es-ES" dirty="0"/>
+              <a:t>Prácticas 2, 3, 4, 5 y 6 cambios mínimos</a:t>
+            </a:r>
+          </a:p>
+          <a:p>
+            <a:r>
+              <a:rPr lang="es-ES" dirty="0"/>
+              <a:t>Prácticas 1, 7, 8  y 9 cambios más significativos</a:t>
+            </a:r>
+          </a:p>
+        </p:txBody>
+      </p:sp>
+      <p:sp>
+        <p:nvSpPr>
+          <p:cNvPr id="5" name="Marcador de texto 4">
+            <a:extLst>
+              <a:ext uri="{FF2B5EF4-FFF2-40B4-BE49-F238E27FC236}">
+                <a16:creationId xmlns:a16="http://schemas.microsoft.com/office/drawing/2014/main" id="{FD8EAFE5-93B4-4387-A1E7-AB1E7732212E}"/>
+              </a:ext>
+            </a:extLst>
+          </p:cNvPr>
+          <p:cNvSpPr>
+            <a:spLocks noGrp="1"/>
+          </p:cNvSpPr>
+          <p:nvPr>
+            <p:ph type="body" sz="quarter" idx="3"/>
+          </p:nvPr>
+        </p:nvSpPr>
+        <p:spPr/>
+        <p:txBody>
+          <a:bodyPr/>
+          <a:lstStyle/>
+          <a:p>
+            <a:r>
+              <a:rPr lang="es-ES" dirty="0"/>
+              <a:t>Trabajos futuros</a:t>
+            </a:r>
+          </a:p>
+        </p:txBody>
+      </p:sp>
+      <p:sp>
+        <p:nvSpPr>
+          <p:cNvPr id="6" name="Marcador de contenido 5">
+            <a:extLst>
+              <a:ext uri="{FF2B5EF4-FFF2-40B4-BE49-F238E27FC236}">
+                <a16:creationId xmlns:a16="http://schemas.microsoft.com/office/drawing/2014/main" id="{B117776A-029B-4CF1-AABF-FAEC9426780E}"/>
+              </a:ext>
+            </a:extLst>
+          </p:cNvPr>
+          <p:cNvSpPr>
+            <a:spLocks noGrp="1"/>
+          </p:cNvSpPr>
+          <p:nvPr>
+            <p:ph sz="quarter" idx="4"/>
+          </p:nvPr>
+        </p:nvSpPr>
+        <p:spPr/>
+        <p:txBody>
+          <a:bodyPr/>
+          <a:lstStyle/>
+          <a:p>
+            <a:r>
+              <a:rPr lang="es-ES" dirty="0"/>
+              <a:t>Implementar en la asignatura</a:t>
+            </a:r>
+          </a:p>
+          <a:p>
+            <a:r>
+              <a:rPr lang="es-ES" dirty="0"/>
+              <a:t>Implementar en </a:t>
+            </a:r>
+            <a:r>
+              <a:rPr lang="es-ES" dirty="0" err="1"/>
+              <a:t>Robotics</a:t>
+            </a:r>
+            <a:r>
+              <a:rPr lang="es-ES" dirty="0"/>
+              <a:t> </a:t>
+            </a:r>
+            <a:r>
+              <a:rPr lang="es-ES" dirty="0" err="1"/>
+              <a:t>academy</a:t>
+            </a:r>
+            <a:endParaRPr lang="es-ES" dirty="0"/>
+          </a:p>
+          <a:p>
+            <a:r>
+              <a:rPr lang="es-ES" dirty="0"/>
+              <a:t>Mejoras en el código: RGB2ind</a:t>
+            </a:r>
+          </a:p>
+          <a:p>
+            <a:r>
+              <a:rPr lang="es-ES" dirty="0"/>
+              <a:t>Mejora video</a:t>
+            </a:r>
+          </a:p>
+          <a:p>
+            <a:r>
+              <a:rPr lang="es-ES" dirty="0"/>
+              <a:t>Contribuir </a:t>
+            </a:r>
+            <a:r>
+              <a:rPr lang="es-ES"/>
+              <a:t>a biblioteca</a:t>
+            </a:r>
+          </a:p>
+        </p:txBody>
+      </p:sp>
+    </p:spTree>
+    <p:extLst>
+      <p:ext uri="{BB962C8B-B14F-4D97-AF65-F5344CB8AC3E}">
+        <p14:creationId xmlns:p14="http://schemas.microsoft.com/office/powerpoint/2010/main" val="52422641"/>
+      </p:ext>
+    </p:extLst>
+  </p:cSld>
+  <p:clrMapOvr>
+    <a:masterClrMapping/>
+  </p:clrMapOvr>
+</p:sld>
+</file>
+
 <file path=ppt/slides/slide3.xml><?xml version="1.0" encoding="utf-8"?>
 <p:sld xmlns:a="http://schemas.openxmlformats.org/drawingml/2006/main" xmlns:r="http://schemas.openxmlformats.org/officeDocument/2006/relationships" xmlns:p="http://schemas.openxmlformats.org/presentationml/2006/main">
   <p:cSld>
@@ -18016,6 +19970,257 @@
             <a:spLocks noGrp="1"/>
           </p:cNvSpPr>
           <p:nvPr>
+            <p:ph idx="1"/>
+          </p:nvPr>
+        </p:nvSpPr>
+        <p:spPr/>
+        <p:txBody>
+          <a:bodyPr/>
+          <a:lstStyle/>
+          <a:p>
+            <a:r>
+              <a:rPr lang="es-ES" dirty="0"/>
+              <a:t>Tratamiento de imagen digital</a:t>
+            </a:r>
+          </a:p>
+          <a:p>
+            <a:pPr lvl="1"/>
+            <a:r>
+              <a:rPr lang="es-ES" dirty="0"/>
+              <a:t>Definición de imagen digital</a:t>
+            </a:r>
+          </a:p>
+          <a:p>
+            <a:pPr lvl="1"/>
+            <a:r>
+              <a:rPr lang="es-ES" dirty="0"/>
+              <a:t>Historia</a:t>
+            </a:r>
+          </a:p>
+          <a:p>
+            <a:pPr lvl="1"/>
+            <a:r>
+              <a:rPr lang="es-ES" dirty="0"/>
+              <a:t>Aplicaciones:</a:t>
+            </a:r>
+          </a:p>
+          <a:p>
+            <a:pPr lvl="2">
+              <a:buFont typeface="Arial" panose="020B0604020202020204" pitchFamily="34" charset="0"/>
+              <a:buChar char="•"/>
+            </a:pPr>
+            <a:r>
+              <a:rPr lang="es-ES" dirty="0"/>
+              <a:t>Medicina</a:t>
+            </a:r>
+          </a:p>
+          <a:p>
+            <a:pPr lvl="2">
+              <a:buFont typeface="Arial" panose="020B0604020202020204" pitchFamily="34" charset="0"/>
+              <a:buChar char="•"/>
+            </a:pPr>
+            <a:r>
+              <a:rPr lang="es-ES" dirty="0"/>
+              <a:t>Geografía</a:t>
+            </a:r>
+          </a:p>
+          <a:p>
+            <a:pPr lvl="2">
+              <a:buFont typeface="Arial" panose="020B0604020202020204" pitchFamily="34" charset="0"/>
+              <a:buChar char="•"/>
+            </a:pPr>
+            <a:r>
+              <a:rPr lang="es-ES" dirty="0"/>
+              <a:t>Visión artificial y robótica</a:t>
+            </a:r>
+          </a:p>
+          <a:p>
+            <a:pPr lvl="2">
+              <a:buFont typeface="Arial" panose="020B0604020202020204" pitchFamily="34" charset="0"/>
+              <a:buChar char="•"/>
+            </a:pPr>
+            <a:r>
+              <a:rPr lang="es-ES" dirty="0"/>
+              <a:t>Seguridad</a:t>
+            </a:r>
+          </a:p>
+          <a:p>
+            <a:pPr lvl="2">
+              <a:buFont typeface="Arial" panose="020B0604020202020204" pitchFamily="34" charset="0"/>
+              <a:buChar char="•"/>
+            </a:pPr>
+            <a:r>
+              <a:rPr lang="es-ES" dirty="0"/>
+              <a:t>Transmisión y codificación</a:t>
+            </a:r>
+          </a:p>
+        </p:txBody>
+      </p:sp>
+      <p:pic>
+        <p:nvPicPr>
+          <p:cNvPr id="1026" name="Picture 2" descr="Research in Medical Imaging Using Image Processing Techniques | IntechOpen">
+            <a:extLst>
+              <a:ext uri="{FF2B5EF4-FFF2-40B4-BE49-F238E27FC236}">
+                <a16:creationId xmlns:a16="http://schemas.microsoft.com/office/drawing/2014/main" id="{A018A05F-A6C4-4141-86A9-AF7E425A67B8}"/>
+              </a:ext>
+            </a:extLst>
+          </p:cNvPr>
+          <p:cNvPicPr>
+            <a:picLocks noChangeAspect="1" noChangeArrowheads="1"/>
+          </p:cNvPicPr>
+          <p:nvPr/>
+        </p:nvPicPr>
+        <p:blipFill>
+          <a:blip r:embed="rId2">
+            <a:extLst>
+              <a:ext uri="{28A0092B-C50C-407E-A947-70E740481C1C}">
+                <a14:useLocalDpi xmlns:a14="http://schemas.microsoft.com/office/drawing/2010/main" val="0"/>
+              </a:ext>
+            </a:extLst>
+          </a:blip>
+          <a:srcRect/>
+          <a:stretch>
+            <a:fillRect/>
+          </a:stretch>
+        </p:blipFill>
+        <p:spPr bwMode="auto">
+          <a:xfrm>
+            <a:off x="6807201" y="1505124"/>
+            <a:ext cx="4631418" cy="1648785"/>
+          </a:xfrm>
+          <a:prstGeom prst="rect">
+            <a:avLst/>
+          </a:prstGeom>
+          <a:noFill/>
+          <a:extLst>
+            <a:ext uri="{909E8E84-426E-40DD-AFC4-6F175D3DCCD1}">
+              <a14:hiddenFill xmlns:a14="http://schemas.microsoft.com/office/drawing/2010/main">
+                <a:solidFill>
+                  <a:srgbClr val="FFFFFF"/>
+                </a:solidFill>
+              </a14:hiddenFill>
+            </a:ext>
+          </a:extLst>
+        </p:spPr>
+      </p:pic>
+      <p:pic>
+        <p:nvPicPr>
+          <p:cNvPr id="1030" name="Picture 6" descr="Traffic Sign Classification with Keras and Deep Learning - PyImageSearch">
+            <a:extLst>
+              <a:ext uri="{FF2B5EF4-FFF2-40B4-BE49-F238E27FC236}">
+                <a16:creationId xmlns:a16="http://schemas.microsoft.com/office/drawing/2014/main" id="{06A859A1-DAE0-44BA-AB5D-FCD8CA756F09}"/>
+              </a:ext>
+            </a:extLst>
+          </p:cNvPr>
+          <p:cNvPicPr>
+            <a:picLocks noChangeAspect="1" noChangeArrowheads="1"/>
+          </p:cNvPicPr>
+          <p:nvPr/>
+        </p:nvPicPr>
+        <p:blipFill>
+          <a:blip r:embed="rId3">
+            <a:extLst>
+              <a:ext uri="{28A0092B-C50C-407E-A947-70E740481C1C}">
+                <a14:useLocalDpi xmlns:a14="http://schemas.microsoft.com/office/drawing/2010/main" val="0"/>
+              </a:ext>
+            </a:extLst>
+          </a:blip>
+          <a:srcRect/>
+          <a:stretch>
+            <a:fillRect/>
+          </a:stretch>
+        </p:blipFill>
+        <p:spPr bwMode="auto">
+          <a:xfrm>
+            <a:off x="7403449" y="3429000"/>
+            <a:ext cx="3652182" cy="2818267"/>
+          </a:xfrm>
+          <a:prstGeom prst="rect">
+            <a:avLst/>
+          </a:prstGeom>
+          <a:noFill/>
+          <a:extLst>
+            <a:ext uri="{909E8E84-426E-40DD-AFC4-6F175D3DCCD1}">
+              <a14:hiddenFill xmlns:a14="http://schemas.microsoft.com/office/drawing/2010/main">
+                <a:solidFill>
+                  <a:srgbClr val="FFFFFF"/>
+                </a:solidFill>
+              </a14:hiddenFill>
+            </a:ext>
+          </a:extLst>
+        </p:spPr>
+      </p:pic>
+    </p:spTree>
+    <p:extLst>
+      <p:ext uri="{BB962C8B-B14F-4D97-AF65-F5344CB8AC3E}">
+        <p14:creationId xmlns:p14="http://schemas.microsoft.com/office/powerpoint/2010/main" val="1381149067"/>
+      </p:ext>
+    </p:extLst>
+  </p:cSld>
+  <p:clrMapOvr>
+    <a:masterClrMapping/>
+  </p:clrMapOvr>
+</p:sld>
+</file>
+
+<file path=ppt/slides/slide4.xml><?xml version="1.0" encoding="utf-8"?>
+<p:sld xmlns:a="http://schemas.openxmlformats.org/drawingml/2006/main" xmlns:r="http://schemas.openxmlformats.org/officeDocument/2006/relationships" xmlns:p="http://schemas.openxmlformats.org/presentationml/2006/main">
+  <p:cSld>
+    <p:spTree>
+      <p:nvGrpSpPr>
+        <p:cNvPr id="1" name=""/>
+        <p:cNvGrpSpPr/>
+        <p:nvPr/>
+      </p:nvGrpSpPr>
+      <p:grpSpPr>
+        <a:xfrm>
+          <a:off x="0" y="0"/>
+          <a:ext cx="0" cy="0"/>
+          <a:chOff x="0" y="0"/>
+          <a:chExt cx="0" cy="0"/>
+        </a:xfrm>
+      </p:grpSpPr>
+      <p:sp>
+        <p:nvSpPr>
+          <p:cNvPr id="2" name="Título 1">
+            <a:extLst>
+              <a:ext uri="{FF2B5EF4-FFF2-40B4-BE49-F238E27FC236}">
+                <a16:creationId xmlns:a16="http://schemas.microsoft.com/office/drawing/2014/main" id="{400BE811-0EFD-49BA-9333-CEE8A9927691}"/>
+              </a:ext>
+            </a:extLst>
+          </p:cNvPr>
+          <p:cNvSpPr>
+            <a:spLocks noGrp="1"/>
+          </p:cNvSpPr>
+          <p:nvPr>
+            <p:ph type="title"/>
+          </p:nvPr>
+        </p:nvSpPr>
+        <p:spPr/>
+        <p:txBody>
+          <a:bodyPr/>
+          <a:lstStyle/>
+          <a:p>
+            <a:r>
+              <a:rPr lang="es-ES" dirty="0"/>
+              <a:t>Objetivos</a:t>
+            </a:r>
+          </a:p>
+        </p:txBody>
+      </p:sp>
+      <p:sp>
+        <p:nvSpPr>
+          <p:cNvPr id="3" name="Marcador de texto 2">
+            <a:extLst>
+              <a:ext uri="{FF2B5EF4-FFF2-40B4-BE49-F238E27FC236}">
+                <a16:creationId xmlns:a16="http://schemas.microsoft.com/office/drawing/2014/main" id="{EA763A67-AFFF-4A27-B3E9-BA3493949DE8}"/>
+              </a:ext>
+            </a:extLst>
+          </p:cNvPr>
+          <p:cNvSpPr>
+            <a:spLocks noGrp="1"/>
+          </p:cNvSpPr>
+          <p:nvPr>
             <p:ph type="body" idx="1"/>
           </p:nvPr>
         </p:nvSpPr>
@@ -18026,7 +20231,7 @@
           <a:p>
             <a:r>
               <a:rPr lang="es-ES" dirty="0"/>
-              <a:t>Tratamiento de imagen</a:t>
+              <a:t>Objetivos</a:t>
             </a:r>
           </a:p>
         </p:txBody>
@@ -18036,7 +20241,7 @@
           <p:cNvPr id="4" name="Marcador de contenido 3">
             <a:extLst>
               <a:ext uri="{FF2B5EF4-FFF2-40B4-BE49-F238E27FC236}">
-                <a16:creationId xmlns:a16="http://schemas.microsoft.com/office/drawing/2014/main" id="{9DCF5069-408F-4984-83CA-D162199A9B7D}"/>
+                <a16:creationId xmlns:a16="http://schemas.microsoft.com/office/drawing/2014/main" id="{F222A27C-ED0C-4719-B0D3-765CC6E5FB66}"/>
               </a:ext>
             </a:extLst>
           </p:cNvPr>
@@ -18052,7 +20257,53 @@
           <a:bodyPr/>
           <a:lstStyle/>
           <a:p>
-            <a:endParaRPr lang="es-ES" dirty="0"/>
+            <a:r>
+              <a:rPr lang="es-ES" dirty="0"/>
+              <a:t>Crear una versión de las prácticas de la asignatura de Tratamiento Digital de la Imagen en Python con enunciados en inglés</a:t>
+            </a:r>
+          </a:p>
+          <a:p>
+            <a:pPr marL="0" indent="0">
+              <a:buNone/>
+            </a:pPr>
+            <a:r>
+              <a:rPr lang="es-ES" dirty="0" err="1"/>
+              <a:t>Subojetivos</a:t>
+            </a:r>
+            <a:r>
+              <a:rPr lang="es-ES" dirty="0"/>
+              <a:t>:</a:t>
+            </a:r>
+          </a:p>
+          <a:p>
+            <a:pPr>
+              <a:buFont typeface="Arial" panose="020B0604020202020204" pitchFamily="34" charset="0"/>
+              <a:buChar char="•"/>
+            </a:pPr>
+            <a:r>
+              <a:rPr lang="es-ES" dirty="0"/>
+              <a:t>Migrar a Python</a:t>
+            </a:r>
+          </a:p>
+          <a:p>
+            <a:pPr>
+              <a:buFont typeface="Arial" panose="020B0604020202020204" pitchFamily="34" charset="0"/>
+              <a:buChar char="•"/>
+            </a:pPr>
+            <a:r>
+              <a:rPr lang="es-ES" dirty="0"/>
+              <a:t>Ampliar enunciados</a:t>
+            </a:r>
+          </a:p>
+          <a:p>
+            <a:pPr>
+              <a:buFont typeface="Arial" panose="020B0604020202020204" pitchFamily="34" charset="0"/>
+              <a:buChar char="•"/>
+            </a:pPr>
+            <a:r>
+              <a:rPr lang="es-ES" dirty="0"/>
+              <a:t>Traducir al inglés</a:t>
+            </a:r>
           </a:p>
         </p:txBody>
       </p:sp>
@@ -18061,7 +20312,7 @@
           <p:cNvPr id="5" name="Marcador de texto 4">
             <a:extLst>
               <a:ext uri="{FF2B5EF4-FFF2-40B4-BE49-F238E27FC236}">
-                <a16:creationId xmlns:a16="http://schemas.microsoft.com/office/drawing/2014/main" id="{4E350197-AF15-40E7-BF33-62FF0840265C}"/>
+                <a16:creationId xmlns:a16="http://schemas.microsoft.com/office/drawing/2014/main" id="{0E88C56F-5FAE-435C-9982-0DF4BA571F0F}"/>
               </a:ext>
             </a:extLst>
           </p:cNvPr>
@@ -18079,7 +20330,7 @@
           <a:p>
             <a:r>
               <a:rPr lang="es-ES" dirty="0"/>
-              <a:t>Educación</a:t>
+              <a:t>Metodología</a:t>
             </a:r>
           </a:p>
         </p:txBody>
@@ -18089,7 +20340,7 @@
           <p:cNvPr id="6" name="Marcador de contenido 5">
             <a:extLst>
               <a:ext uri="{FF2B5EF4-FFF2-40B4-BE49-F238E27FC236}">
-                <a16:creationId xmlns:a16="http://schemas.microsoft.com/office/drawing/2014/main" id="{6157FBF9-A8F2-4A57-A409-74F94DAAF28C}"/>
+                <a16:creationId xmlns:a16="http://schemas.microsoft.com/office/drawing/2014/main" id="{2E4F8F2D-7CB1-4910-AD10-C0F6B3F44309}"/>
               </a:ext>
             </a:extLst>
           </p:cNvPr>
@@ -18105,14 +20356,53 @@
           <a:bodyPr/>
           <a:lstStyle/>
           <a:p>
-            <a:endParaRPr lang="es-ES"/>
+            <a:r>
+              <a:rPr lang="es-ES" dirty="0"/>
+              <a:t>Repaso de teoría</a:t>
+            </a:r>
+          </a:p>
+          <a:p>
+            <a:r>
+              <a:rPr lang="es-ES" dirty="0"/>
+              <a:t>Análisis de práctica original</a:t>
+            </a:r>
+          </a:p>
+          <a:p>
+            <a:r>
+              <a:rPr lang="es-ES" dirty="0"/>
+              <a:t>Crear cuadernillo y dividir práctica</a:t>
+            </a:r>
+          </a:p>
+          <a:p>
+            <a:r>
+              <a:rPr lang="es-ES" dirty="0"/>
+              <a:t>Código en Python</a:t>
+            </a:r>
+          </a:p>
+          <a:p>
+            <a:r>
+              <a:rPr lang="es-ES" dirty="0"/>
+              <a:t>Comprobación de resultados</a:t>
+            </a:r>
+          </a:p>
+          <a:p>
+            <a:r>
+              <a:rPr lang="es-ES" dirty="0"/>
+              <a:t>Realizar enunciado</a:t>
+            </a:r>
+          </a:p>
+          <a:p>
+            <a:endParaRPr lang="es-ES" dirty="0"/>
+          </a:p>
+          <a:p>
+            <a:endParaRPr lang="es-ES" dirty="0"/>
           </a:p>
         </p:txBody>
       </p:sp>
     </p:spTree>
     <p:extLst>
       <p:ext uri="{BB962C8B-B14F-4D97-AF65-F5344CB8AC3E}">
-        <p14:creationId xmlns:p14="http://schemas.microsoft.com/office/powerpoint/2010/main" val="1381149067"/>
+        <p14:creationId xmlns:p14="http://schemas.microsoft.com/office/powerpoint/2010/main" val="1204689060"/>
       </p:ext>
     </p:extLst>
   </p:cSld>
@@ -18122,7 +20412,7 @@
 </p:sld>
 </file>
 
-<file path=ppt/slides/slide4.xml><?xml version="1.0" encoding="utf-8"?>
+<file path=ppt/slides/slide5.xml><?xml version="1.0" encoding="utf-8"?>
 <p:sld xmlns:a="http://schemas.openxmlformats.org/drawingml/2006/main" xmlns:r="http://schemas.openxmlformats.org/officeDocument/2006/relationships" xmlns:p="http://schemas.openxmlformats.org/presentationml/2006/main">
   <p:cSld>
     <p:spTree>
@@ -18568,7 +20858,7 @@
 </p:sld>
 </file>
 
-<file path=ppt/slides/slide5.xml><?xml version="1.0" encoding="utf-8"?>
+<file path=ppt/slides/slide6.xml><?xml version="1.0" encoding="utf-8"?>
 <p:sld xmlns:a="http://schemas.openxmlformats.org/drawingml/2006/main" xmlns:r="http://schemas.openxmlformats.org/officeDocument/2006/relationships" xmlns:p="http://schemas.openxmlformats.org/presentationml/2006/main">
   <p:cSld>
     <p:spTree>
@@ -18686,7 +20976,7 @@
 </p:sld>
 </file>
 
-<file path=ppt/slides/slide6.xml><?xml version="1.0" encoding="utf-8"?>
+<file path=ppt/slides/slide7.xml><?xml version="1.0" encoding="utf-8"?>
 <p:sld xmlns:a="http://schemas.openxmlformats.org/drawingml/2006/main" xmlns:r="http://schemas.openxmlformats.org/officeDocument/2006/relationships" xmlns:p="http://schemas.openxmlformats.org/presentationml/2006/main">
   <p:cSld>
     <p:spTree>
@@ -18965,7 +21255,7 @@
 </p:sld>
 </file>
 
-<file path=ppt/slides/slide7.xml><?xml version="1.0" encoding="utf-8"?>
+<file path=ppt/slides/slide8.xml><?xml version="1.0" encoding="utf-8"?>
 <p:sld xmlns:a="http://schemas.openxmlformats.org/drawingml/2006/main" xmlns:r="http://schemas.openxmlformats.org/officeDocument/2006/relationships" xmlns:p="http://schemas.openxmlformats.org/presentationml/2006/main">
   <p:cSld>
     <p:spTree>
@@ -19004,9 +21294,10 @@
           <a:lstStyle/>
           <a:p>
             <a:r>
-              <a:rPr lang="es-ES" dirty="0"/>
+              <a:rPr lang="es-ES"/>
               <a:t>Prácticas en Python</a:t>
             </a:r>
+            <a:endParaRPr lang="es-ES" dirty="0"/>
           </a:p>
         </p:txBody>
       </p:sp>
@@ -19031,25 +21322,47 @@
           <a:bodyPr/>
           <a:lstStyle/>
           <a:p>
-            <a:r>
-              <a:rPr lang="es-ES" dirty="0"/>
+            <a:pPr>
+              <a:lnSpc>
+                <a:spcPct val="150000"/>
+              </a:lnSpc>
+            </a:pPr>
+            <a:r>
+              <a:rPr lang="es-ES" sz="2400" dirty="0"/>
               <a:t>Ampliación de los enunciados</a:t>
             </a:r>
           </a:p>
           <a:p>
-            <a:r>
-              <a:rPr lang="es-ES" dirty="0"/>
+            <a:pPr>
+              <a:lnSpc>
+                <a:spcPct val="150000"/>
+              </a:lnSpc>
+            </a:pPr>
+            <a:r>
+              <a:rPr lang="es-ES" sz="2400" dirty="0"/>
               <a:t>Traducción al inglés</a:t>
             </a:r>
           </a:p>
           <a:p>
-            <a:r>
-              <a:rPr lang="es-ES" dirty="0"/>
-              <a:t>Cambios en las </a:t>
-            </a:r>
-            <a:r>
-              <a:rPr lang="es-ES"/>
-              <a:t>imágenes utilizadas</a:t>
+            <a:pPr>
+              <a:lnSpc>
+                <a:spcPct val="150000"/>
+              </a:lnSpc>
+            </a:pPr>
+            <a:r>
+              <a:rPr lang="es-ES" sz="2400" dirty="0"/>
+              <a:t>Cambios en las imágenes utilizadas</a:t>
+            </a:r>
+          </a:p>
+          <a:p>
+            <a:pPr>
+              <a:lnSpc>
+                <a:spcPct val="150000"/>
+              </a:lnSpc>
+            </a:pPr>
+            <a:r>
+              <a:rPr lang="es-ES" sz="2400" dirty="0"/>
+              <a:t>Guía de instalación</a:t>
             </a:r>
           </a:p>
           <a:p>
@@ -19061,6 +21374,173 @@
     <p:extLst>
       <p:ext uri="{BB962C8B-B14F-4D97-AF65-F5344CB8AC3E}">
         <p14:creationId xmlns:p14="http://schemas.microsoft.com/office/powerpoint/2010/main" val="3444179828"/>
+      </p:ext>
+    </p:extLst>
+  </p:cSld>
+  <p:clrMapOvr>
+    <a:masterClrMapping/>
+  </p:clrMapOvr>
+</p:sld>
+</file>
+
+<file path=ppt/slides/slide9.xml><?xml version="1.0" encoding="utf-8"?>
+<p:sld xmlns:a="http://schemas.openxmlformats.org/drawingml/2006/main" xmlns:r="http://schemas.openxmlformats.org/officeDocument/2006/relationships" xmlns:p="http://schemas.openxmlformats.org/presentationml/2006/main">
+  <p:cSld>
+    <p:spTree>
+      <p:nvGrpSpPr>
+        <p:cNvPr id="1" name=""/>
+        <p:cNvGrpSpPr/>
+        <p:nvPr/>
+      </p:nvGrpSpPr>
+      <p:grpSpPr>
+        <a:xfrm>
+          <a:off x="0" y="0"/>
+          <a:ext cx="0" cy="0"/>
+          <a:chOff x="0" y="0"/>
+          <a:chExt cx="0" cy="0"/>
+        </a:xfrm>
+      </p:grpSpPr>
+      <p:sp>
+        <p:nvSpPr>
+          <p:cNvPr id="2" name="Título 1">
+            <a:extLst>
+              <a:ext uri="{FF2B5EF4-FFF2-40B4-BE49-F238E27FC236}">
+                <a16:creationId xmlns:a16="http://schemas.microsoft.com/office/drawing/2014/main" id="{116618D3-D2EF-4FC8-8702-171ECAFBD324}"/>
+              </a:ext>
+            </a:extLst>
+          </p:cNvPr>
+          <p:cNvSpPr>
+            <a:spLocks noGrp="1"/>
+          </p:cNvSpPr>
+          <p:nvPr>
+            <p:ph type="title"/>
+          </p:nvPr>
+        </p:nvSpPr>
+        <p:spPr/>
+        <p:txBody>
+          <a:bodyPr/>
+          <a:lstStyle/>
+          <a:p>
+            <a:r>
+              <a:rPr lang="es-ES" dirty="0"/>
+              <a:t>Ejemplo: Práctica 5</a:t>
+            </a:r>
+          </a:p>
+        </p:txBody>
+      </p:sp>
+      <p:sp>
+        <p:nvSpPr>
+          <p:cNvPr id="3" name="Marcador de contenido 2">
+            <a:extLst>
+              <a:ext uri="{FF2B5EF4-FFF2-40B4-BE49-F238E27FC236}">
+                <a16:creationId xmlns:a16="http://schemas.microsoft.com/office/drawing/2014/main" id="{42041CEB-985C-4C4C-9024-F35DC7CFAED7}"/>
+              </a:ext>
+            </a:extLst>
+          </p:cNvPr>
+          <p:cNvSpPr>
+            <a:spLocks noGrp="1"/>
+          </p:cNvSpPr>
+          <p:nvPr>
+            <p:ph idx="1"/>
+          </p:nvPr>
+        </p:nvSpPr>
+        <p:spPr>
+          <a:xfrm>
+            <a:off x="1154955" y="2603500"/>
+            <a:ext cx="4941046" cy="3416300"/>
+          </a:xfrm>
+        </p:spPr>
+        <p:txBody>
+          <a:bodyPr/>
+          <a:lstStyle/>
+          <a:p>
+            <a:r>
+              <a:rPr lang="es-ES" dirty="0"/>
+              <a:t>Objetivo de la práctica: segmentar el cuerpo del cormorán en la imagen usando K-medias</a:t>
+            </a:r>
+          </a:p>
+          <a:p>
+            <a:r>
+              <a:rPr lang="es-ES" dirty="0"/>
+              <a:t>Sistema de ensayo y error</a:t>
+            </a:r>
+          </a:p>
+          <a:p>
+            <a:r>
+              <a:rPr lang="es-ES" dirty="0"/>
+              <a:t>4 apartados:</a:t>
+            </a:r>
+          </a:p>
+          <a:p>
+            <a:pPr lvl="1"/>
+            <a:r>
+              <a:rPr lang="es-ES" dirty="0"/>
+              <a:t>RGB</a:t>
+            </a:r>
+          </a:p>
+          <a:p>
+            <a:pPr lvl="1"/>
+            <a:r>
+              <a:rPr lang="es-ES" dirty="0"/>
+              <a:t>LAB</a:t>
+            </a:r>
+          </a:p>
+          <a:p>
+            <a:pPr lvl="1"/>
+            <a:r>
+              <a:rPr lang="es-ES" dirty="0"/>
+              <a:t>Filtro de textura</a:t>
+            </a:r>
+          </a:p>
+          <a:p>
+            <a:pPr lvl="1"/>
+            <a:r>
+              <a:rPr lang="es-ES" dirty="0"/>
+              <a:t>Mixto</a:t>
+            </a:r>
+          </a:p>
+        </p:txBody>
+      </p:sp>
+      <p:pic>
+        <p:nvPicPr>
+          <p:cNvPr id="5" name="Imagen 4" descr="Ave parado en un cuerpo de agua&#10;&#10;Descripción generada automáticamente">
+            <a:extLst>
+              <a:ext uri="{FF2B5EF4-FFF2-40B4-BE49-F238E27FC236}">
+                <a16:creationId xmlns:a16="http://schemas.microsoft.com/office/drawing/2014/main" id="{F1E6920F-28F3-4967-8599-2A293653AC9C}"/>
+              </a:ext>
+            </a:extLst>
+          </p:cNvPr>
+          <p:cNvPicPr>
+            <a:picLocks noChangeAspect="1"/>
+          </p:cNvPicPr>
+          <p:nvPr/>
+        </p:nvPicPr>
+        <p:blipFill>
+          <a:blip r:embed="rId2">
+            <a:extLst>
+              <a:ext uri="{28A0092B-C50C-407E-A947-70E740481C1C}">
+                <a14:useLocalDpi xmlns:a14="http://schemas.microsoft.com/office/drawing/2010/main" val="0"/>
+              </a:ext>
+            </a:extLst>
+          </a:blip>
+          <a:stretch>
+            <a:fillRect/>
+          </a:stretch>
+        </p:blipFill>
+        <p:spPr>
+          <a:xfrm>
+            <a:off x="7377519" y="2585357"/>
+            <a:ext cx="3434443" cy="3434443"/>
+          </a:xfrm>
+          <a:prstGeom prst="rect">
+            <a:avLst/>
+          </a:prstGeom>
+        </p:spPr>
+      </p:pic>
+    </p:spTree>
+    <p:extLst>
+      <p:ext uri="{BB962C8B-B14F-4D97-AF65-F5344CB8AC3E}">
+        <p14:creationId xmlns:p14="http://schemas.microsoft.com/office/powerpoint/2010/main" val="2343070133"/>
       </p:ext>
     </p:extLst>
   </p:cSld>

--- a/memoria/Presentacion.pptx
+++ b/memoria/Presentacion.pptx
@@ -1048,10 +1048,14 @@
         <a:lstStyle/>
         <a:p>
           <a:r>
-            <a:rPr lang="es-ES"/>
-            <a:t>Práctica 5</a:t>
+            <a:rPr lang="es-ES" dirty="0"/>
+            <a:t>Prácticas en </a:t>
           </a:r>
-          <a:endParaRPr lang="en-US"/>
+          <a:r>
+            <a:rPr lang="es-ES" dirty="0" err="1"/>
+            <a:t>Jupyter</a:t>
+          </a:r>
+          <a:endParaRPr lang="en-US" dirty="0"/>
         </a:p>
       </dgm:t>
     </dgm:pt>
@@ -1085,10 +1089,10 @@
         <a:lstStyle/>
         <a:p>
           <a:r>
-            <a:rPr lang="es-ES"/>
+            <a:rPr lang="es-ES" dirty="0"/>
             <a:t>Ejemplos Resultados Práctica 7</a:t>
           </a:r>
-          <a:endParaRPr lang="en-US"/>
+          <a:endParaRPr lang="en-US" dirty="0"/>
         </a:p>
       </dgm:t>
     </dgm:pt>
@@ -2141,10 +2145,14 @@
             <a:buNone/>
           </a:pPr>
           <a:r>
-            <a:rPr lang="es-ES" sz="1900" kern="1200"/>
-            <a:t>Práctica 5</a:t>
+            <a:rPr lang="es-ES" sz="1900" kern="1200" dirty="0"/>
+            <a:t>Prácticas en </a:t>
           </a:r>
-          <a:endParaRPr lang="en-US" sz="1900" kern="1200"/>
+          <a:r>
+            <a:rPr lang="es-ES" sz="1900" kern="1200" dirty="0" err="1"/>
+            <a:t>Jupyter</a:t>
+          </a:r>
+          <a:endParaRPr lang="en-US" sz="1900" kern="1200" dirty="0"/>
         </a:p>
       </dsp:txBody>
       <dsp:txXfrm>
@@ -2291,10 +2299,10 @@
             <a:buNone/>
           </a:pPr>
           <a:r>
-            <a:rPr lang="es-ES" sz="1900" kern="1200"/>
+            <a:rPr lang="es-ES" sz="1900" kern="1200" dirty="0"/>
             <a:t>Ejemplos Resultados Práctica 7</a:t>
           </a:r>
-          <a:endParaRPr lang="en-US" sz="1900" kern="1200"/>
+          <a:endParaRPr lang="en-US" sz="1900" kern="1200" dirty="0"/>
         </a:p>
       </dsp:txBody>
       <dsp:txXfrm>
@@ -19661,7 +19669,7 @@
             <p:ph idx="1"/>
             <p:extLst>
               <p:ext uri="{D42A27DB-BD31-4B8C-83A1-F6EECF244321}">
-                <p14:modId xmlns:p14="http://schemas.microsoft.com/office/powerpoint/2010/main" val="591645571"/>
+                <p14:modId xmlns:p14="http://schemas.microsoft.com/office/powerpoint/2010/main" val="1938791762"/>
               </p:ext>
             </p:extLst>
           </p:nvPr>

--- a/memoria/Presentacion.pptx
+++ b/memoria/Presentacion.pptx
@@ -6,7 +6,7 @@
   </p:sldMasterIdLst>
   <p:sldIdLst>
     <p:sldId id="256" r:id="rId2"/>
-    <p:sldId id="257" r:id="rId3"/>
+    <p:sldId id="276" r:id="rId3"/>
     <p:sldId id="258" r:id="rId4"/>
     <p:sldId id="263" r:id="rId5"/>
     <p:sldId id="259" r:id="rId6"/>
@@ -17,14 +17,13 @@
     <p:sldId id="265" r:id="rId11"/>
     <p:sldId id="266" r:id="rId12"/>
     <p:sldId id="267" r:id="rId13"/>
-    <p:sldId id="268" r:id="rId14"/>
-    <p:sldId id="269" r:id="rId15"/>
-    <p:sldId id="270" r:id="rId16"/>
-    <p:sldId id="271" r:id="rId17"/>
-    <p:sldId id="272" r:id="rId18"/>
-    <p:sldId id="273" r:id="rId19"/>
-    <p:sldId id="274" r:id="rId20"/>
-    <p:sldId id="275" r:id="rId21"/>
+    <p:sldId id="269" r:id="rId14"/>
+    <p:sldId id="271" r:id="rId15"/>
+    <p:sldId id="273" r:id="rId16"/>
+    <p:sldId id="274" r:id="rId17"/>
+    <p:sldId id="277" r:id="rId18"/>
+    <p:sldId id="278" r:id="rId19"/>
+    <p:sldId id="275" r:id="rId20"/>
   </p:sldIdLst>
   <p:sldSz cx="12192000" cy="6858000"/>
   <p:notesSz cx="6858000" cy="9144000"/>
@@ -131,3670 +130,6 @@
 </p:presentation>
 </file>
 
-<file path=ppt/diagrams/colors1.xml><?xml version="1.0" encoding="utf-8"?>
-<dgm:colorsDef xmlns:dgm="http://schemas.openxmlformats.org/drawingml/2006/diagram" xmlns:a="http://schemas.openxmlformats.org/drawingml/2006/main" uniqueId="urn:microsoft.com/office/officeart/2018/5/colors/Iconchunking_neutralbg_colorful5">
-  <dgm:title val=""/>
-  <dgm:desc val=""/>
-  <dgm:catLst>
-    <dgm:cat type="colorful" pri="10500"/>
-  </dgm:catLst>
-  <dgm:styleLbl name="node0">
-    <dgm:fillClrLst meth="repeat">
-      <a:schemeClr val="accent4"/>
-    </dgm:fillClrLst>
-    <dgm:linClrLst meth="repeat">
-      <a:schemeClr val="lt1"/>
-    </dgm:linClrLst>
-    <dgm:effectClrLst/>
-    <dgm:txLinClrLst/>
-    <dgm:txFillClrLst/>
-    <dgm:txEffectClrLst/>
-  </dgm:styleLbl>
-  <dgm:styleLbl name="node1">
-    <dgm:fillClrLst>
-      <a:schemeClr val="accent5"/>
-      <a:schemeClr val="accent6"/>
-    </dgm:fillClrLst>
-    <dgm:linClrLst meth="repeat">
-      <a:schemeClr val="lt1">
-        <a:alpha val="0"/>
-      </a:schemeClr>
-    </dgm:linClrLst>
-    <dgm:effectClrLst/>
-    <dgm:txLinClrLst/>
-    <dgm:txFillClrLst/>
-    <dgm:txEffectClrLst/>
-  </dgm:styleLbl>
-  <dgm:styleLbl name="alignNode1">
-    <dgm:fillClrLst>
-      <a:schemeClr val="accent5"/>
-      <a:schemeClr val="accent6"/>
-    </dgm:fillClrLst>
-    <dgm:linClrLst>
-      <a:schemeClr val="accent5"/>
-      <a:schemeClr val="accent6"/>
-    </dgm:linClrLst>
-    <dgm:effectClrLst/>
-    <dgm:txLinClrLst/>
-    <dgm:txFillClrLst/>
-    <dgm:txEffectClrLst/>
-  </dgm:styleLbl>
-  <dgm:styleLbl name="lnNode1">
-    <dgm:fillClrLst>
-      <a:schemeClr val="accent5"/>
-      <a:schemeClr val="accent6"/>
-    </dgm:fillClrLst>
-    <dgm:linClrLst meth="repeat">
-      <a:schemeClr val="lt1"/>
-    </dgm:linClrLst>
-    <dgm:effectClrLst/>
-    <dgm:txLinClrLst/>
-    <dgm:txFillClrLst/>
-    <dgm:txEffectClrLst/>
-  </dgm:styleLbl>
-  <dgm:styleLbl name="vennNode1">
-    <dgm:fillClrLst>
-      <a:schemeClr val="accent5">
-        <a:alpha val="50000"/>
-      </a:schemeClr>
-      <a:schemeClr val="accent6">
-        <a:alpha val="50000"/>
-      </a:schemeClr>
-    </dgm:fillClrLst>
-    <dgm:linClrLst meth="repeat">
-      <a:schemeClr val="lt1"/>
-    </dgm:linClrLst>
-    <dgm:effectClrLst/>
-    <dgm:txLinClrLst/>
-    <dgm:txFillClrLst/>
-    <dgm:txEffectClrLst/>
-  </dgm:styleLbl>
-  <dgm:styleLbl name="node2">
-    <dgm:fillClrLst>
-      <a:schemeClr val="accent6"/>
-    </dgm:fillClrLst>
-    <dgm:linClrLst meth="repeat">
-      <a:schemeClr val="lt1"/>
-    </dgm:linClrLst>
-    <dgm:effectClrLst/>
-    <dgm:txLinClrLst/>
-    <dgm:txFillClrLst/>
-    <dgm:txEffectClrLst/>
-  </dgm:styleLbl>
-  <dgm:styleLbl name="node3">
-    <dgm:fillClrLst>
-      <a:schemeClr val="accent1"/>
-    </dgm:fillClrLst>
-    <dgm:linClrLst meth="repeat">
-      <a:schemeClr val="lt1"/>
-    </dgm:linClrLst>
-    <dgm:effectClrLst/>
-    <dgm:txLinClrLst/>
-    <dgm:txFillClrLst/>
-    <dgm:txEffectClrLst/>
-  </dgm:styleLbl>
-  <dgm:styleLbl name="node4">
-    <dgm:fillClrLst>
-      <a:schemeClr val="accent2"/>
-    </dgm:fillClrLst>
-    <dgm:linClrLst meth="repeat">
-      <a:schemeClr val="lt1"/>
-    </dgm:linClrLst>
-    <dgm:effectClrLst/>
-    <dgm:txLinClrLst/>
-    <dgm:txFillClrLst/>
-    <dgm:txEffectClrLst/>
-  </dgm:styleLbl>
-  <dgm:styleLbl name="fgImgPlace1">
-    <dgm:fillClrLst>
-      <a:schemeClr val="accent5">
-        <a:tint val="50000"/>
-      </a:schemeClr>
-      <a:schemeClr val="accent6">
-        <a:tint val="50000"/>
-      </a:schemeClr>
-    </dgm:fillClrLst>
-    <dgm:linClrLst meth="repeat">
-      <a:schemeClr val="lt1"/>
-    </dgm:linClrLst>
-    <dgm:effectClrLst/>
-    <dgm:txLinClrLst/>
-    <dgm:txFillClrLst meth="repeat">
-      <a:schemeClr val="lt1"/>
-    </dgm:txFillClrLst>
-    <dgm:txEffectClrLst/>
-  </dgm:styleLbl>
-  <dgm:styleLbl name="alignImgPlace1">
-    <dgm:fillClrLst>
-      <a:schemeClr val="accent5">
-        <a:tint val="50000"/>
-      </a:schemeClr>
-      <a:schemeClr val="accent6">
-        <a:tint val="20000"/>
-      </a:schemeClr>
-    </dgm:fillClrLst>
-    <dgm:linClrLst meth="repeat">
-      <a:schemeClr val="lt1"/>
-    </dgm:linClrLst>
-    <dgm:effectClrLst/>
-    <dgm:txLinClrLst/>
-    <dgm:txFillClrLst meth="repeat">
-      <a:schemeClr val="lt1"/>
-    </dgm:txFillClrLst>
-    <dgm:txEffectClrLst/>
-  </dgm:styleLbl>
-  <dgm:styleLbl name="bgImgPlace1">
-    <dgm:fillClrLst>
-      <a:schemeClr val="accent5">
-        <a:tint val="50000"/>
-      </a:schemeClr>
-      <a:schemeClr val="accent6">
-        <a:tint val="20000"/>
-      </a:schemeClr>
-    </dgm:fillClrLst>
-    <dgm:linClrLst meth="repeat">
-      <a:schemeClr val="lt1"/>
-    </dgm:linClrLst>
-    <dgm:effectClrLst/>
-    <dgm:txLinClrLst/>
-    <dgm:txFillClrLst meth="repeat">
-      <a:schemeClr val="lt1"/>
-    </dgm:txFillClrLst>
-    <dgm:txEffectClrLst/>
-  </dgm:styleLbl>
-  <dgm:styleLbl name="sibTrans2D1">
-    <dgm:fillClrLst>
-      <a:schemeClr val="accent5"/>
-      <a:schemeClr val="accent6"/>
-    </dgm:fillClrLst>
-    <dgm:linClrLst meth="repeat">
-      <a:schemeClr val="lt1"/>
-    </dgm:linClrLst>
-    <dgm:effectClrLst/>
-    <dgm:txLinClrLst/>
-    <dgm:txFillClrLst/>
-    <dgm:txEffectClrLst/>
-  </dgm:styleLbl>
-  <dgm:styleLbl name="fgSibTrans2D1">
-    <dgm:fillClrLst>
-      <a:schemeClr val="accent5"/>
-      <a:schemeClr val="accent6"/>
-    </dgm:fillClrLst>
-    <dgm:linClrLst meth="repeat">
-      <a:schemeClr val="lt1"/>
-    </dgm:linClrLst>
-    <dgm:effectClrLst/>
-    <dgm:txLinClrLst/>
-    <dgm:txFillClrLst meth="repeat">
-      <a:schemeClr val="lt1"/>
-    </dgm:txFillClrLst>
-    <dgm:txEffectClrLst/>
-  </dgm:styleLbl>
-  <dgm:styleLbl name="bgSibTrans2D1">
-    <dgm:fillClrLst>
-      <a:schemeClr val="accent5"/>
-      <a:schemeClr val="accent6"/>
-    </dgm:fillClrLst>
-    <dgm:linClrLst meth="repeat">
-      <a:schemeClr val="lt1"/>
-    </dgm:linClrLst>
-    <dgm:effectClrLst/>
-    <dgm:txLinClrLst/>
-    <dgm:txFillClrLst meth="repeat">
-      <a:schemeClr val="lt1"/>
-    </dgm:txFillClrLst>
-    <dgm:txEffectClrLst/>
-  </dgm:styleLbl>
-  <dgm:styleLbl name="sibTrans1D1">
-    <dgm:fillClrLst/>
-    <dgm:linClrLst>
-      <a:schemeClr val="accent5"/>
-      <a:schemeClr val="accent6"/>
-    </dgm:linClrLst>
-    <dgm:effectClrLst/>
-    <dgm:txLinClrLst/>
-    <dgm:txFillClrLst meth="repeat">
-      <a:schemeClr val="tx1"/>
-    </dgm:txFillClrLst>
-    <dgm:txEffectClrLst/>
-  </dgm:styleLbl>
-  <dgm:styleLbl name="callout">
-    <dgm:fillClrLst meth="repeat">
-      <a:schemeClr val="accent5"/>
-    </dgm:fillClrLst>
-    <dgm:linClrLst meth="repeat">
-      <a:schemeClr val="accent5">
-        <a:tint val="50000"/>
-      </a:schemeClr>
-    </dgm:linClrLst>
-    <dgm:effectClrLst/>
-    <dgm:txLinClrLst/>
-    <dgm:txFillClrLst meth="repeat">
-      <a:schemeClr val="tx1"/>
-    </dgm:txFillClrLst>
-    <dgm:txEffectClrLst/>
-  </dgm:styleLbl>
-  <dgm:styleLbl name="asst0">
-    <dgm:fillClrLst meth="repeat">
-      <a:schemeClr val="accent5"/>
-    </dgm:fillClrLst>
-    <dgm:linClrLst meth="repeat">
-      <a:schemeClr val="lt1">
-        <a:shade val="80000"/>
-      </a:schemeClr>
-    </dgm:linClrLst>
-    <dgm:effectClrLst/>
-    <dgm:txLinClrLst/>
-    <dgm:txFillClrLst/>
-    <dgm:txEffectClrLst/>
-  </dgm:styleLbl>
-  <dgm:styleLbl name="asst1">
-    <dgm:fillClrLst meth="repeat">
-      <a:schemeClr val="accent6"/>
-    </dgm:fillClrLst>
-    <dgm:linClrLst meth="repeat">
-      <a:schemeClr val="lt1">
-        <a:shade val="80000"/>
-      </a:schemeClr>
-    </dgm:linClrLst>
-    <dgm:effectClrLst/>
-    <dgm:txLinClrLst/>
-    <dgm:txFillClrLst/>
-    <dgm:txEffectClrLst/>
-  </dgm:styleLbl>
-  <dgm:styleLbl name="asst2">
-    <dgm:fillClrLst>
-      <a:schemeClr val="accent1"/>
-    </dgm:fillClrLst>
-    <dgm:linClrLst meth="repeat">
-      <a:schemeClr val="lt1"/>
-    </dgm:linClrLst>
-    <dgm:effectClrLst/>
-    <dgm:txLinClrLst/>
-    <dgm:txFillClrLst/>
-    <dgm:txEffectClrLst/>
-  </dgm:styleLbl>
-  <dgm:styleLbl name="asst3">
-    <dgm:fillClrLst>
-      <a:schemeClr val="accent2"/>
-    </dgm:fillClrLst>
-    <dgm:linClrLst meth="repeat">
-      <a:schemeClr val="lt1"/>
-    </dgm:linClrLst>
-    <dgm:effectClrLst/>
-    <dgm:txLinClrLst/>
-    <dgm:txFillClrLst/>
-    <dgm:txEffectClrLst/>
-  </dgm:styleLbl>
-  <dgm:styleLbl name="asst4">
-    <dgm:fillClrLst>
-      <a:schemeClr val="accent3"/>
-    </dgm:fillClrLst>
-    <dgm:linClrLst meth="repeat">
-      <a:schemeClr val="lt1"/>
-    </dgm:linClrLst>
-    <dgm:effectClrLst/>
-    <dgm:txLinClrLst/>
-    <dgm:txFillClrLst/>
-    <dgm:txEffectClrLst/>
-  </dgm:styleLbl>
-  <dgm:styleLbl name="parChTrans2D1">
-    <dgm:fillClrLst meth="repeat">
-      <a:schemeClr val="accent5"/>
-    </dgm:fillClrLst>
-    <dgm:linClrLst meth="repeat">
-      <a:schemeClr val="lt1"/>
-    </dgm:linClrLst>
-    <dgm:effectClrLst/>
-    <dgm:txLinClrLst/>
-    <dgm:txFillClrLst meth="repeat">
-      <a:schemeClr val="lt1"/>
-    </dgm:txFillClrLst>
-    <dgm:txEffectClrLst/>
-  </dgm:styleLbl>
-  <dgm:styleLbl name="parChTrans2D2">
-    <dgm:fillClrLst meth="repeat">
-      <a:schemeClr val="accent6"/>
-    </dgm:fillClrLst>
-    <dgm:linClrLst meth="repeat">
-      <a:schemeClr val="lt1"/>
-    </dgm:linClrLst>
-    <dgm:effectClrLst/>
-    <dgm:txLinClrLst/>
-    <dgm:txFillClrLst/>
-    <dgm:txEffectClrLst/>
-  </dgm:styleLbl>
-  <dgm:styleLbl name="parChTrans2D3">
-    <dgm:fillClrLst meth="repeat">
-      <a:schemeClr val="accent6"/>
-    </dgm:fillClrLst>
-    <dgm:linClrLst meth="repeat">
-      <a:schemeClr val="lt1"/>
-    </dgm:linClrLst>
-    <dgm:effectClrLst/>
-    <dgm:txLinClrLst/>
-    <dgm:txFillClrLst/>
-    <dgm:txEffectClrLst/>
-  </dgm:styleLbl>
-  <dgm:styleLbl name="parChTrans2D4">
-    <dgm:fillClrLst meth="repeat">
-      <a:schemeClr val="accent1"/>
-    </dgm:fillClrLst>
-    <dgm:linClrLst meth="repeat">
-      <a:schemeClr val="lt1"/>
-    </dgm:linClrLst>
-    <dgm:effectClrLst/>
-    <dgm:txLinClrLst/>
-    <dgm:txFillClrLst meth="repeat">
-      <a:schemeClr val="lt1"/>
-    </dgm:txFillClrLst>
-    <dgm:txEffectClrLst/>
-  </dgm:styleLbl>
-  <dgm:styleLbl name="parChTrans1D1">
-    <dgm:fillClrLst meth="repeat">
-      <a:schemeClr val="accent5"/>
-    </dgm:fillClrLst>
-    <dgm:linClrLst meth="repeat">
-      <a:schemeClr val="accent5"/>
-    </dgm:linClrLst>
-    <dgm:effectClrLst/>
-    <dgm:txLinClrLst/>
-    <dgm:txFillClrLst meth="repeat">
-      <a:schemeClr val="tx1"/>
-    </dgm:txFillClrLst>
-    <dgm:txEffectClrLst/>
-  </dgm:styleLbl>
-  <dgm:styleLbl name="parChTrans1D2">
-    <dgm:fillClrLst meth="repeat">
-      <a:schemeClr val="accent6">
-        <a:tint val="90000"/>
-      </a:schemeClr>
-    </dgm:fillClrLst>
-    <dgm:linClrLst meth="repeat">
-      <a:schemeClr val="accent6"/>
-    </dgm:linClrLst>
-    <dgm:effectClrLst/>
-    <dgm:txLinClrLst/>
-    <dgm:txFillClrLst meth="repeat">
-      <a:schemeClr val="tx1"/>
-    </dgm:txFillClrLst>
-    <dgm:txEffectClrLst/>
-  </dgm:styleLbl>
-  <dgm:styleLbl name="parChTrans1D3">
-    <dgm:fillClrLst meth="repeat">
-      <a:schemeClr val="accent6">
-        <a:tint val="70000"/>
-      </a:schemeClr>
-    </dgm:fillClrLst>
-    <dgm:linClrLst meth="repeat">
-      <a:schemeClr val="accent1"/>
-    </dgm:linClrLst>
-    <dgm:effectClrLst/>
-    <dgm:txLinClrLst/>
-    <dgm:txFillClrLst meth="repeat">
-      <a:schemeClr val="tx1"/>
-    </dgm:txFillClrLst>
-    <dgm:txEffectClrLst/>
-  </dgm:styleLbl>
-  <dgm:styleLbl name="parChTrans1D4">
-    <dgm:fillClrLst meth="repeat">
-      <a:schemeClr val="accent6">
-        <a:tint val="50000"/>
-      </a:schemeClr>
-    </dgm:fillClrLst>
-    <dgm:linClrLst meth="repeat">
-      <a:schemeClr val="accent2"/>
-    </dgm:linClrLst>
-    <dgm:effectClrLst/>
-    <dgm:txLinClrLst/>
-    <dgm:txFillClrLst meth="repeat">
-      <a:schemeClr val="tx1"/>
-    </dgm:txFillClrLst>
-    <dgm:txEffectClrLst/>
-  </dgm:styleLbl>
-  <dgm:styleLbl name="fgAcc1">
-    <dgm:fillClrLst meth="repeat">
-      <a:schemeClr val="lt1">
-        <a:alpha val="90000"/>
-      </a:schemeClr>
-    </dgm:fillClrLst>
-    <dgm:linClrLst>
-      <a:schemeClr val="accent5"/>
-      <a:schemeClr val="accent6"/>
-    </dgm:linClrLst>
-    <dgm:effectClrLst/>
-    <dgm:txLinClrLst/>
-    <dgm:txFillClrLst meth="repeat">
-      <a:schemeClr val="dk1"/>
-    </dgm:txFillClrLst>
-    <dgm:txEffectClrLst/>
-  </dgm:styleLbl>
-  <dgm:styleLbl name="conFgAcc1">
-    <dgm:fillClrLst meth="repeat">
-      <a:schemeClr val="lt1">
-        <a:alpha val="90000"/>
-      </a:schemeClr>
-    </dgm:fillClrLst>
-    <dgm:linClrLst>
-      <a:schemeClr val="accent5"/>
-      <a:schemeClr val="accent6"/>
-    </dgm:linClrLst>
-    <dgm:effectClrLst/>
-    <dgm:txLinClrLst/>
-    <dgm:txFillClrLst meth="repeat">
-      <a:schemeClr val="dk1"/>
-    </dgm:txFillClrLst>
-    <dgm:txEffectClrLst/>
-  </dgm:styleLbl>
-  <dgm:styleLbl name="alignAcc1">
-    <dgm:fillClrLst meth="repeat">
-      <a:schemeClr val="lt1">
-        <a:alpha val="90000"/>
-      </a:schemeClr>
-    </dgm:fillClrLst>
-    <dgm:linClrLst>
-      <a:schemeClr val="accent5"/>
-      <a:schemeClr val="accent6"/>
-    </dgm:linClrLst>
-    <dgm:effectClrLst/>
-    <dgm:txLinClrLst/>
-    <dgm:txFillClrLst meth="repeat">
-      <a:schemeClr val="dk1"/>
-    </dgm:txFillClrLst>
-    <dgm:txEffectClrLst/>
-  </dgm:styleLbl>
-  <dgm:styleLbl name="trAlignAcc1">
-    <dgm:fillClrLst meth="repeat">
-      <a:schemeClr val="lt1">
-        <a:alpha val="40000"/>
-      </a:schemeClr>
-    </dgm:fillClrLst>
-    <dgm:linClrLst meth="repeat">
-      <a:schemeClr val="accent5"/>
-    </dgm:linClrLst>
-    <dgm:effectClrLst/>
-    <dgm:txLinClrLst/>
-    <dgm:txFillClrLst meth="repeat">
-      <a:schemeClr val="dk1"/>
-    </dgm:txFillClrLst>
-    <dgm:txEffectClrLst/>
-  </dgm:styleLbl>
-  <dgm:styleLbl name="bgAcc1">
-    <dgm:fillClrLst meth="repeat">
-      <a:schemeClr val="lt1">
-        <a:alpha val="90000"/>
-      </a:schemeClr>
-    </dgm:fillClrLst>
-    <dgm:linClrLst>
-      <a:schemeClr val="accent5"/>
-      <a:schemeClr val="accent6"/>
-    </dgm:linClrLst>
-    <dgm:effectClrLst/>
-    <dgm:txLinClrLst/>
-    <dgm:txFillClrLst meth="repeat">
-      <a:schemeClr val="dk1"/>
-    </dgm:txFillClrLst>
-    <dgm:txEffectClrLst/>
-  </dgm:styleLbl>
-  <dgm:styleLbl name="solidFgAcc1">
-    <dgm:fillClrLst meth="repeat">
-      <a:schemeClr val="lt1"/>
-    </dgm:fillClrLst>
-    <dgm:linClrLst>
-      <a:schemeClr val="accent5"/>
-      <a:schemeClr val="accent6"/>
-    </dgm:linClrLst>
-    <dgm:effectClrLst/>
-    <dgm:txLinClrLst/>
-    <dgm:txFillClrLst meth="repeat">
-      <a:schemeClr val="dk1"/>
-    </dgm:txFillClrLst>
-    <dgm:txEffectClrLst/>
-  </dgm:styleLbl>
-  <dgm:styleLbl name="solidAlignAcc1">
-    <dgm:fillClrLst meth="repeat">
-      <a:schemeClr val="lt1"/>
-    </dgm:fillClrLst>
-    <dgm:linClrLst>
-      <a:schemeClr val="accent5"/>
-      <a:schemeClr val="accent6"/>
-    </dgm:linClrLst>
-    <dgm:effectClrLst/>
-    <dgm:txLinClrLst/>
-    <dgm:txFillClrLst meth="repeat">
-      <a:schemeClr val="dk1"/>
-    </dgm:txFillClrLst>
-    <dgm:txEffectClrLst/>
-  </dgm:styleLbl>
-  <dgm:styleLbl name="solidBgAcc1">
-    <dgm:fillClrLst meth="repeat">
-      <a:schemeClr val="lt1"/>
-    </dgm:fillClrLst>
-    <dgm:linClrLst>
-      <a:schemeClr val="accent5"/>
-      <a:schemeClr val="accent6"/>
-    </dgm:linClrLst>
-    <dgm:effectClrLst/>
-    <dgm:txLinClrLst/>
-    <dgm:txFillClrLst meth="repeat">
-      <a:schemeClr val="dk1"/>
-    </dgm:txFillClrLst>
-    <dgm:txEffectClrLst/>
-  </dgm:styleLbl>
-  <dgm:styleLbl name="fgAccFollowNode1">
-    <dgm:fillClrLst>
-      <a:schemeClr val="accent5">
-        <a:tint val="40000"/>
-        <a:alpha val="90000"/>
-      </a:schemeClr>
-      <a:schemeClr val="accent6">
-        <a:tint val="40000"/>
-        <a:alpha val="90000"/>
-      </a:schemeClr>
-    </dgm:fillClrLst>
-    <dgm:linClrLst>
-      <a:schemeClr val="accent5">
-        <a:tint val="40000"/>
-        <a:alpha val="90000"/>
-      </a:schemeClr>
-      <a:schemeClr val="accent5">
-        <a:tint val="40000"/>
-        <a:alpha val="90000"/>
-      </a:schemeClr>
-    </dgm:linClrLst>
-    <dgm:effectClrLst/>
-    <dgm:txLinClrLst/>
-    <dgm:txFillClrLst meth="repeat">
-      <a:schemeClr val="dk1"/>
-    </dgm:txFillClrLst>
-    <dgm:txEffectClrLst/>
-  </dgm:styleLbl>
-  <dgm:styleLbl name="alignAccFollowNode1">
-    <dgm:fillClrLst>
-      <a:schemeClr val="accent5">
-        <a:tint val="40000"/>
-        <a:alpha val="90000"/>
-      </a:schemeClr>
-      <a:schemeClr val="accent6">
-        <a:tint val="40000"/>
-        <a:alpha val="90000"/>
-      </a:schemeClr>
-    </dgm:fillClrLst>
-    <dgm:linClrLst>
-      <a:schemeClr val="accent5">
-        <a:tint val="40000"/>
-        <a:alpha val="90000"/>
-      </a:schemeClr>
-      <a:schemeClr val="accent6">
-        <a:tint val="40000"/>
-        <a:alpha val="90000"/>
-      </a:schemeClr>
-    </dgm:linClrLst>
-    <dgm:effectClrLst/>
-    <dgm:txLinClrLst/>
-    <dgm:txFillClrLst meth="repeat">
-      <a:schemeClr val="dk1"/>
-    </dgm:txFillClrLst>
-    <dgm:txEffectClrLst/>
-  </dgm:styleLbl>
-  <dgm:styleLbl name="bgAccFollowNode1">
-    <dgm:fillClrLst>
-      <a:schemeClr val="accent5">
-        <a:tint val="40000"/>
-        <a:alpha val="90000"/>
-      </a:schemeClr>
-      <a:schemeClr val="accent6">
-        <a:tint val="40000"/>
-        <a:alpha val="90000"/>
-      </a:schemeClr>
-    </dgm:fillClrLst>
-    <dgm:linClrLst>
-      <a:schemeClr val="accent5">
-        <a:tint val="40000"/>
-        <a:alpha val="90000"/>
-      </a:schemeClr>
-      <a:schemeClr val="accent6">
-        <a:tint val="40000"/>
-        <a:alpha val="90000"/>
-      </a:schemeClr>
-    </dgm:linClrLst>
-    <dgm:effectClrLst/>
-    <dgm:txLinClrLst/>
-    <dgm:txFillClrLst meth="repeat">
-      <a:schemeClr val="dk1"/>
-    </dgm:txFillClrLst>
-    <dgm:txEffectClrLst/>
-  </dgm:styleLbl>
-  <dgm:styleLbl name="fgAcc0">
-    <dgm:fillClrLst meth="repeat">
-      <a:schemeClr val="lt1">
-        <a:alpha val="90000"/>
-      </a:schemeClr>
-    </dgm:fillClrLst>
-    <dgm:linClrLst>
-      <a:schemeClr val="accent4"/>
-    </dgm:linClrLst>
-    <dgm:effectClrLst/>
-    <dgm:txLinClrLst/>
-    <dgm:txFillClrLst meth="repeat">
-      <a:schemeClr val="dk1"/>
-    </dgm:txFillClrLst>
-    <dgm:txEffectClrLst/>
-  </dgm:styleLbl>
-  <dgm:styleLbl name="fgAcc2">
-    <dgm:fillClrLst meth="repeat">
-      <a:schemeClr val="lt1">
-        <a:alpha val="90000"/>
-      </a:schemeClr>
-    </dgm:fillClrLst>
-    <dgm:linClrLst>
-      <a:schemeClr val="accent6"/>
-    </dgm:linClrLst>
-    <dgm:effectClrLst/>
-    <dgm:txLinClrLst/>
-    <dgm:txFillClrLst meth="repeat">
-      <a:schemeClr val="dk1"/>
-    </dgm:txFillClrLst>
-    <dgm:txEffectClrLst/>
-  </dgm:styleLbl>
-  <dgm:styleLbl name="fgAcc3">
-    <dgm:fillClrLst meth="repeat">
-      <a:schemeClr val="lt1">
-        <a:alpha val="90000"/>
-      </a:schemeClr>
-    </dgm:fillClrLst>
-    <dgm:linClrLst>
-      <a:schemeClr val="accent1"/>
-    </dgm:linClrLst>
-    <dgm:effectClrLst/>
-    <dgm:txLinClrLst/>
-    <dgm:txFillClrLst meth="repeat">
-      <a:schemeClr val="dk1"/>
-    </dgm:txFillClrLst>
-    <dgm:txEffectClrLst/>
-  </dgm:styleLbl>
-  <dgm:styleLbl name="fgAcc4">
-    <dgm:fillClrLst meth="repeat">
-      <a:schemeClr val="lt1">
-        <a:alpha val="90000"/>
-      </a:schemeClr>
-    </dgm:fillClrLst>
-    <dgm:linClrLst>
-      <a:schemeClr val="accent2"/>
-    </dgm:linClrLst>
-    <dgm:effectClrLst/>
-    <dgm:txLinClrLst/>
-    <dgm:txFillClrLst meth="repeat">
-      <a:schemeClr val="dk1"/>
-    </dgm:txFillClrLst>
-    <dgm:txEffectClrLst/>
-  </dgm:styleLbl>
-  <dgm:styleLbl name="bgShp">
-    <dgm:fillClrLst meth="repeat">
-      <a:schemeClr val="bg1">
-        <a:lumMod val="95000"/>
-      </a:schemeClr>
-    </dgm:fillClrLst>
-    <dgm:linClrLst meth="repeat">
-      <a:schemeClr val="dk1"/>
-    </dgm:linClrLst>
-    <dgm:effectClrLst/>
-    <dgm:txLinClrLst/>
-    <dgm:txFillClrLst meth="repeat">
-      <a:schemeClr val="dk1"/>
-    </dgm:txFillClrLst>
-    <dgm:txEffectClrLst/>
-  </dgm:styleLbl>
-  <dgm:styleLbl name="dkBgShp">
-    <dgm:fillClrLst meth="repeat">
-      <a:schemeClr val="accent5">
-        <a:shade val="90000"/>
-      </a:schemeClr>
-    </dgm:fillClrLst>
-    <dgm:linClrLst meth="repeat">
-      <a:schemeClr val="dk1"/>
-    </dgm:linClrLst>
-    <dgm:effectClrLst/>
-    <dgm:txLinClrLst/>
-    <dgm:txFillClrLst meth="repeat">
-      <a:schemeClr val="lt1"/>
-    </dgm:txFillClrLst>
-    <dgm:txEffectClrLst/>
-  </dgm:styleLbl>
-  <dgm:styleLbl name="trBgShp">
-    <dgm:fillClrLst meth="repeat">
-      <a:schemeClr val="accent5">
-        <a:tint val="50000"/>
-        <a:alpha val="40000"/>
-      </a:schemeClr>
-    </dgm:fillClrLst>
-    <dgm:linClrLst meth="repeat">
-      <a:schemeClr val="accent5"/>
-    </dgm:linClrLst>
-    <dgm:effectClrLst/>
-    <dgm:txLinClrLst/>
-    <dgm:txFillClrLst meth="repeat">
-      <a:schemeClr val="lt1"/>
-    </dgm:txFillClrLst>
-    <dgm:txEffectClrLst/>
-  </dgm:styleLbl>
-  <dgm:styleLbl name="fgShp">
-    <dgm:fillClrLst meth="repeat">
-      <a:schemeClr val="accent5">
-        <a:tint val="40000"/>
-      </a:schemeClr>
-    </dgm:fillClrLst>
-    <dgm:linClrLst meth="repeat">
-      <a:schemeClr val="lt1"/>
-    </dgm:linClrLst>
-    <dgm:effectClrLst/>
-    <dgm:txLinClrLst/>
-    <dgm:txFillClrLst meth="repeat">
-      <a:schemeClr val="dk1"/>
-    </dgm:txFillClrLst>
-    <dgm:txEffectClrLst/>
-  </dgm:styleLbl>
-  <dgm:styleLbl name="revTx">
-    <dgm:fillClrLst meth="repeat">
-      <a:schemeClr val="lt1">
-        <a:alpha val="0"/>
-      </a:schemeClr>
-    </dgm:fillClrLst>
-    <dgm:linClrLst meth="repeat">
-      <a:schemeClr val="dk1">
-        <a:alpha val="0"/>
-      </a:schemeClr>
-    </dgm:linClrLst>
-    <dgm:effectClrLst/>
-    <dgm:txLinClrLst/>
-    <dgm:txFillClrLst meth="repeat">
-      <a:schemeClr val="tx1"/>
-    </dgm:txFillClrLst>
-    <dgm:txEffectClrLst/>
-  </dgm:styleLbl>
-</dgm:colorsDef>
-</file>
-
-<file path=ppt/diagrams/data1.xml><?xml version="1.0" encoding="utf-8"?>
-<dgm:dataModel xmlns:dgm="http://schemas.openxmlformats.org/drawingml/2006/diagram" xmlns:a="http://schemas.openxmlformats.org/drawingml/2006/main">
-  <dgm:ptLst>
-    <dgm:pt modelId="{A3AD567D-DD0C-482C-B571-D66AB0149033}" type="doc">
-      <dgm:prSet loTypeId="urn:microsoft.com/office/officeart/2018/2/layout/IconVerticalSolidList" loCatId="icon" qsTypeId="urn:microsoft.com/office/officeart/2005/8/quickstyle/simple1" qsCatId="simple" csTypeId="urn:microsoft.com/office/officeart/2018/5/colors/Iconchunking_neutralbg_colorful5" csCatId="colorful" phldr="1"/>
-      <dgm:spPr/>
-      <dgm:t>
-        <a:bodyPr/>
-        <a:lstStyle/>
-        <a:p>
-          <a:endParaRPr lang="en-US"/>
-        </a:p>
-      </dgm:t>
-    </dgm:pt>
-    <dgm:pt modelId="{4A527C54-BB45-44BA-8E07-2F93ED6A8027}">
-      <dgm:prSet/>
-      <dgm:spPr/>
-      <dgm:t>
-        <a:bodyPr/>
-        <a:lstStyle/>
-        <a:p>
-          <a:r>
-            <a:rPr lang="es-ES"/>
-            <a:t>Introducción</a:t>
-          </a:r>
-          <a:endParaRPr lang="en-US"/>
-        </a:p>
-      </dgm:t>
-    </dgm:pt>
-    <dgm:pt modelId="{5DC35C42-198C-4AA8-9698-0C3BB8363E18}" type="parTrans" cxnId="{F58B0AC7-F6FD-4259-A29C-274B0F560572}">
-      <dgm:prSet/>
-      <dgm:spPr/>
-      <dgm:t>
-        <a:bodyPr/>
-        <a:lstStyle/>
-        <a:p>
-          <a:endParaRPr lang="en-US"/>
-        </a:p>
-      </dgm:t>
-    </dgm:pt>
-    <dgm:pt modelId="{7CE8792E-81E1-44A9-9CE2-A9D130AC1919}" type="sibTrans" cxnId="{F58B0AC7-F6FD-4259-A29C-274B0F560572}">
-      <dgm:prSet/>
-      <dgm:spPr/>
-      <dgm:t>
-        <a:bodyPr/>
-        <a:lstStyle/>
-        <a:p>
-          <a:endParaRPr lang="en-US"/>
-        </a:p>
-      </dgm:t>
-    </dgm:pt>
-    <dgm:pt modelId="{AA55DC63-92CF-4416-9514-2304881494B8}">
-      <dgm:prSet/>
-      <dgm:spPr/>
-      <dgm:t>
-        <a:bodyPr/>
-        <a:lstStyle/>
-        <a:p>
-          <a:r>
-            <a:rPr lang="es-ES"/>
-            <a:t>Objetivos</a:t>
-          </a:r>
-          <a:endParaRPr lang="en-US"/>
-        </a:p>
-      </dgm:t>
-    </dgm:pt>
-    <dgm:pt modelId="{F16E2942-223D-46C3-8A42-8156ED9C67A7}" type="parTrans" cxnId="{F13C16D5-04F3-4D93-A385-2597B9BC79CB}">
-      <dgm:prSet/>
-      <dgm:spPr/>
-      <dgm:t>
-        <a:bodyPr/>
-        <a:lstStyle/>
-        <a:p>
-          <a:endParaRPr lang="en-US"/>
-        </a:p>
-      </dgm:t>
-    </dgm:pt>
-    <dgm:pt modelId="{169B35AD-4F57-40D5-AAAA-C62679F2F21C}" type="sibTrans" cxnId="{F13C16D5-04F3-4D93-A385-2597B9BC79CB}">
-      <dgm:prSet/>
-      <dgm:spPr/>
-      <dgm:t>
-        <a:bodyPr/>
-        <a:lstStyle/>
-        <a:p>
-          <a:endParaRPr lang="en-US"/>
-        </a:p>
-      </dgm:t>
-    </dgm:pt>
-    <dgm:pt modelId="{33CC728A-9EF2-4FAB-A6A0-CD420E3C0CE5}">
-      <dgm:prSet/>
-      <dgm:spPr/>
-      <dgm:t>
-        <a:bodyPr/>
-        <a:lstStyle/>
-        <a:p>
-          <a:r>
-            <a:rPr lang="es-ES"/>
-            <a:t>Infraestructura</a:t>
-          </a:r>
-          <a:endParaRPr lang="en-US"/>
-        </a:p>
-      </dgm:t>
-    </dgm:pt>
-    <dgm:pt modelId="{366E5B1E-E491-4F27-8510-099DF53B5CE4}" type="parTrans" cxnId="{1DC3C1A9-F372-4A44-ADBF-D197C53B29AD}">
-      <dgm:prSet/>
-      <dgm:spPr/>
-      <dgm:t>
-        <a:bodyPr/>
-        <a:lstStyle/>
-        <a:p>
-          <a:endParaRPr lang="en-US"/>
-        </a:p>
-      </dgm:t>
-    </dgm:pt>
-    <dgm:pt modelId="{753F3FD6-0198-4F98-AF2D-4BA2DA569D61}" type="sibTrans" cxnId="{1DC3C1A9-F372-4A44-ADBF-D197C53B29AD}">
-      <dgm:prSet/>
-      <dgm:spPr/>
-      <dgm:t>
-        <a:bodyPr/>
-        <a:lstStyle/>
-        <a:p>
-          <a:endParaRPr lang="en-US"/>
-        </a:p>
-      </dgm:t>
-    </dgm:pt>
-    <dgm:pt modelId="{FEDF6C2B-FF95-4C83-AE18-6870787629CB}">
-      <dgm:prSet/>
-      <dgm:spPr/>
-      <dgm:t>
-        <a:bodyPr/>
-        <a:lstStyle/>
-        <a:p>
-          <a:r>
-            <a:rPr lang="es-ES" dirty="0"/>
-            <a:t>Prácticas en </a:t>
-          </a:r>
-          <a:r>
-            <a:rPr lang="es-ES" dirty="0" err="1"/>
-            <a:t>Jupyter</a:t>
-          </a:r>
-          <a:endParaRPr lang="en-US" dirty="0"/>
-        </a:p>
-      </dgm:t>
-    </dgm:pt>
-    <dgm:pt modelId="{F5B93C64-B638-4B5A-BC7F-21D0851420E2}" type="parTrans" cxnId="{4B86B97F-49E5-4FE3-850F-282B5ABD0543}">
-      <dgm:prSet/>
-      <dgm:spPr/>
-      <dgm:t>
-        <a:bodyPr/>
-        <a:lstStyle/>
-        <a:p>
-          <a:endParaRPr lang="en-US"/>
-        </a:p>
-      </dgm:t>
-    </dgm:pt>
-    <dgm:pt modelId="{57D5262F-DE35-4AB1-87EB-8BBD279BCDEC}" type="sibTrans" cxnId="{4B86B97F-49E5-4FE3-850F-282B5ABD0543}">
-      <dgm:prSet/>
-      <dgm:spPr/>
-      <dgm:t>
-        <a:bodyPr/>
-        <a:lstStyle/>
-        <a:p>
-          <a:endParaRPr lang="en-US"/>
-        </a:p>
-      </dgm:t>
-    </dgm:pt>
-    <dgm:pt modelId="{82A6681B-716A-4873-8261-458DE42335FE}">
-      <dgm:prSet/>
-      <dgm:spPr/>
-      <dgm:t>
-        <a:bodyPr/>
-        <a:lstStyle/>
-        <a:p>
-          <a:r>
-            <a:rPr lang="es-ES" dirty="0"/>
-            <a:t>Ejemplos Resultados Práctica 7</a:t>
-          </a:r>
-          <a:endParaRPr lang="en-US" dirty="0"/>
-        </a:p>
-      </dgm:t>
-    </dgm:pt>
-    <dgm:pt modelId="{46D32C40-0023-48AF-8345-B52B3E3FAB21}" type="parTrans" cxnId="{7AAAC563-6598-466F-B460-D4C241F03CA3}">
-      <dgm:prSet/>
-      <dgm:spPr/>
-      <dgm:t>
-        <a:bodyPr/>
-        <a:lstStyle/>
-        <a:p>
-          <a:endParaRPr lang="en-US"/>
-        </a:p>
-      </dgm:t>
-    </dgm:pt>
-    <dgm:pt modelId="{99F845B3-6EBB-4D38-9706-4E73559F7602}" type="sibTrans" cxnId="{7AAAC563-6598-466F-B460-D4C241F03CA3}">
-      <dgm:prSet/>
-      <dgm:spPr/>
-      <dgm:t>
-        <a:bodyPr/>
-        <a:lstStyle/>
-        <a:p>
-          <a:endParaRPr lang="en-US"/>
-        </a:p>
-      </dgm:t>
-    </dgm:pt>
-    <dgm:pt modelId="{6675CE22-631F-4324-BFBA-8E09F16FCDC5}">
-      <dgm:prSet/>
-      <dgm:spPr/>
-      <dgm:t>
-        <a:bodyPr/>
-        <a:lstStyle/>
-        <a:p>
-          <a:r>
-            <a:rPr lang="es-ES"/>
-            <a:t>Conclusiones</a:t>
-          </a:r>
-          <a:endParaRPr lang="en-US"/>
-        </a:p>
-      </dgm:t>
-    </dgm:pt>
-    <dgm:pt modelId="{37CE751F-7162-4FB3-BF99-C4B4BCECACB9}" type="parTrans" cxnId="{6EC763CA-5185-452D-8436-27F3B2EDB660}">
-      <dgm:prSet/>
-      <dgm:spPr/>
-      <dgm:t>
-        <a:bodyPr/>
-        <a:lstStyle/>
-        <a:p>
-          <a:endParaRPr lang="en-US"/>
-        </a:p>
-      </dgm:t>
-    </dgm:pt>
-    <dgm:pt modelId="{E0804D15-3758-4DD2-B8BF-F26B77E15953}" type="sibTrans" cxnId="{6EC763CA-5185-452D-8436-27F3B2EDB660}">
-      <dgm:prSet/>
-      <dgm:spPr/>
-      <dgm:t>
-        <a:bodyPr/>
-        <a:lstStyle/>
-        <a:p>
-          <a:endParaRPr lang="en-US"/>
-        </a:p>
-      </dgm:t>
-    </dgm:pt>
-    <dgm:pt modelId="{14A3BBAB-2B50-4FBA-A67D-AAA0BA5B4247}" type="pres">
-      <dgm:prSet presAssocID="{A3AD567D-DD0C-482C-B571-D66AB0149033}" presName="root" presStyleCnt="0">
-        <dgm:presLayoutVars>
-          <dgm:dir/>
-          <dgm:resizeHandles val="exact"/>
-        </dgm:presLayoutVars>
-      </dgm:prSet>
-      <dgm:spPr/>
-    </dgm:pt>
-    <dgm:pt modelId="{EEE467C4-9857-460C-A024-C399CF79C174}" type="pres">
-      <dgm:prSet presAssocID="{4A527C54-BB45-44BA-8E07-2F93ED6A8027}" presName="compNode" presStyleCnt="0"/>
-      <dgm:spPr/>
-    </dgm:pt>
-    <dgm:pt modelId="{51E605AD-3AB7-4C78-9775-D6A9795E4F13}" type="pres">
-      <dgm:prSet presAssocID="{4A527C54-BB45-44BA-8E07-2F93ED6A8027}" presName="bgRect" presStyleLbl="bgShp" presStyleIdx="0" presStyleCnt="6"/>
-      <dgm:spPr/>
-    </dgm:pt>
-    <dgm:pt modelId="{B2AEBF1D-4E8F-4432-983D-88AB1274AA83}" type="pres">
-      <dgm:prSet presAssocID="{4A527C54-BB45-44BA-8E07-2F93ED6A8027}" presName="iconRect" presStyleLbl="node1" presStyleIdx="0" presStyleCnt="6"/>
-      <dgm:spPr>
-        <a:blipFill>
-          <a:blip xmlns:r="http://schemas.openxmlformats.org/officeDocument/2006/relationships" r:embed="rId1">
-            <a:extLst>
-              <a:ext uri="{96DAC541-7B7A-43D3-8B79-37D633B846F1}">
-                <asvg:svgBlip xmlns:asvg="http://schemas.microsoft.com/office/drawing/2016/SVG/main" r:embed="rId2"/>
-              </a:ext>
-            </a:extLst>
-          </a:blip>
-          <a:srcRect/>
-          <a:stretch>
-            <a:fillRect/>
-          </a:stretch>
-        </a:blipFill>
-        <a:ln>
-          <a:noFill/>
-        </a:ln>
-      </dgm:spPr>
-      <dgm:extLst>
-        <a:ext uri="{E40237B7-FDA0-4F09-8148-C483321AD2D9}">
-          <dgm14:cNvPr xmlns:dgm14="http://schemas.microsoft.com/office/drawing/2010/diagram" id="0" name="" descr="Reproducir con relleno sólido"/>
-        </a:ext>
-      </dgm:extLst>
-    </dgm:pt>
-    <dgm:pt modelId="{98C9695E-7F34-4C83-8498-F336D5CF568A}" type="pres">
-      <dgm:prSet presAssocID="{4A527C54-BB45-44BA-8E07-2F93ED6A8027}" presName="spaceRect" presStyleCnt="0"/>
-      <dgm:spPr/>
-    </dgm:pt>
-    <dgm:pt modelId="{6E00A29A-2633-474C-81A1-31CF40CA12B8}" type="pres">
-      <dgm:prSet presAssocID="{4A527C54-BB45-44BA-8E07-2F93ED6A8027}" presName="parTx" presStyleLbl="revTx" presStyleIdx="0" presStyleCnt="6">
-        <dgm:presLayoutVars>
-          <dgm:chMax val="0"/>
-          <dgm:chPref val="0"/>
-        </dgm:presLayoutVars>
-      </dgm:prSet>
-      <dgm:spPr/>
-    </dgm:pt>
-    <dgm:pt modelId="{A1A4A720-A3B6-4AC4-BB41-4578D7468D65}" type="pres">
-      <dgm:prSet presAssocID="{7CE8792E-81E1-44A9-9CE2-A9D130AC1919}" presName="sibTrans" presStyleCnt="0"/>
-      <dgm:spPr/>
-    </dgm:pt>
-    <dgm:pt modelId="{F42B4141-D2DE-4103-9187-7FBD734CBDFE}" type="pres">
-      <dgm:prSet presAssocID="{AA55DC63-92CF-4416-9514-2304881494B8}" presName="compNode" presStyleCnt="0"/>
-      <dgm:spPr/>
-    </dgm:pt>
-    <dgm:pt modelId="{929855FF-F994-40D5-BBAE-D3C93F70F411}" type="pres">
-      <dgm:prSet presAssocID="{AA55DC63-92CF-4416-9514-2304881494B8}" presName="bgRect" presStyleLbl="bgShp" presStyleIdx="1" presStyleCnt="6"/>
-      <dgm:spPr/>
-    </dgm:pt>
-    <dgm:pt modelId="{6532E942-B94B-46EB-A19B-BA5E55AA3252}" type="pres">
-      <dgm:prSet presAssocID="{AA55DC63-92CF-4416-9514-2304881494B8}" presName="iconRect" presStyleLbl="node1" presStyleIdx="1" presStyleCnt="6"/>
-      <dgm:spPr>
-        <a:blipFill>
-          <a:blip xmlns:r="http://schemas.openxmlformats.org/officeDocument/2006/relationships" r:embed="rId3">
-            <a:extLst>
-              <a:ext uri="{28A0092B-C50C-407E-A947-70E740481C1C}">
-                <a14:useLocalDpi xmlns:a14="http://schemas.microsoft.com/office/drawing/2010/main" val="0"/>
-              </a:ext>
-              <a:ext uri="{96DAC541-7B7A-43D3-8B79-37D633B846F1}">
-                <asvg:svgBlip xmlns:asvg="http://schemas.microsoft.com/office/drawing/2016/SVG/main" r:embed="rId4"/>
-              </a:ext>
-            </a:extLst>
-          </a:blip>
-          <a:srcRect/>
-          <a:stretch>
-            <a:fillRect/>
-          </a:stretch>
-        </a:blipFill>
-        <a:ln>
-          <a:noFill/>
-        </a:ln>
-      </dgm:spPr>
-      <dgm:extLst>
-        <a:ext uri="{E40237B7-FDA0-4F09-8148-C483321AD2D9}">
-          <dgm14:cNvPr xmlns:dgm14="http://schemas.microsoft.com/office/drawing/2010/diagram" id="0" name="" descr="Reproducir con relleno sólido"/>
-        </a:ext>
-      </dgm:extLst>
-    </dgm:pt>
-    <dgm:pt modelId="{0B173A52-DB06-48FE-A322-43DD3576BB5B}" type="pres">
-      <dgm:prSet presAssocID="{AA55DC63-92CF-4416-9514-2304881494B8}" presName="spaceRect" presStyleCnt="0"/>
-      <dgm:spPr/>
-    </dgm:pt>
-    <dgm:pt modelId="{8139940B-2CAD-46A4-9558-8576FCF6FA62}" type="pres">
-      <dgm:prSet presAssocID="{AA55DC63-92CF-4416-9514-2304881494B8}" presName="parTx" presStyleLbl="revTx" presStyleIdx="1" presStyleCnt="6">
-        <dgm:presLayoutVars>
-          <dgm:chMax val="0"/>
-          <dgm:chPref val="0"/>
-        </dgm:presLayoutVars>
-      </dgm:prSet>
-      <dgm:spPr/>
-    </dgm:pt>
-    <dgm:pt modelId="{5DFB0788-597F-4749-9F9A-898A1DFEEDAB}" type="pres">
-      <dgm:prSet presAssocID="{169B35AD-4F57-40D5-AAAA-C62679F2F21C}" presName="sibTrans" presStyleCnt="0"/>
-      <dgm:spPr/>
-    </dgm:pt>
-    <dgm:pt modelId="{5ABD0261-87BC-41AF-AC05-571C62509BEB}" type="pres">
-      <dgm:prSet presAssocID="{33CC728A-9EF2-4FAB-A6A0-CD420E3C0CE5}" presName="compNode" presStyleCnt="0"/>
-      <dgm:spPr/>
-    </dgm:pt>
-    <dgm:pt modelId="{A48DD3E7-1264-4D96-B060-70D531834A19}" type="pres">
-      <dgm:prSet presAssocID="{33CC728A-9EF2-4FAB-A6A0-CD420E3C0CE5}" presName="bgRect" presStyleLbl="bgShp" presStyleIdx="2" presStyleCnt="6"/>
-      <dgm:spPr/>
-    </dgm:pt>
-    <dgm:pt modelId="{BA99F91D-4F03-4AE5-95D7-12044A4F723B}" type="pres">
-      <dgm:prSet presAssocID="{33CC728A-9EF2-4FAB-A6A0-CD420E3C0CE5}" presName="iconRect" presStyleLbl="node1" presStyleIdx="2" presStyleCnt="6"/>
-      <dgm:spPr>
-        <a:blipFill>
-          <a:blip xmlns:r="http://schemas.openxmlformats.org/officeDocument/2006/relationships" r:embed="rId5">
-            <a:extLst>
-              <a:ext uri="{28A0092B-C50C-407E-A947-70E740481C1C}">
-                <a14:useLocalDpi xmlns:a14="http://schemas.microsoft.com/office/drawing/2010/main" val="0"/>
-              </a:ext>
-              <a:ext uri="{96DAC541-7B7A-43D3-8B79-37D633B846F1}">
-                <asvg:svgBlip xmlns:asvg="http://schemas.microsoft.com/office/drawing/2016/SVG/main" r:embed="rId6"/>
-              </a:ext>
-            </a:extLst>
-          </a:blip>
-          <a:srcRect/>
-          <a:stretch>
-            <a:fillRect/>
-          </a:stretch>
-        </a:blipFill>
-        <a:ln>
-          <a:noFill/>
-        </a:ln>
-      </dgm:spPr>
-      <dgm:extLst>
-        <a:ext uri="{E40237B7-FDA0-4F09-8148-C483321AD2D9}">
-          <dgm14:cNvPr xmlns:dgm14="http://schemas.microsoft.com/office/drawing/2010/diagram" id="0" name="" descr="Reproducir con relleno sólido"/>
-        </a:ext>
-      </dgm:extLst>
-    </dgm:pt>
-    <dgm:pt modelId="{6DE2D344-FCE6-4580-A73F-64C90DEC186D}" type="pres">
-      <dgm:prSet presAssocID="{33CC728A-9EF2-4FAB-A6A0-CD420E3C0CE5}" presName="spaceRect" presStyleCnt="0"/>
-      <dgm:spPr/>
-    </dgm:pt>
-    <dgm:pt modelId="{2B28DD1C-82EE-4C23-AD29-2F8728A84228}" type="pres">
-      <dgm:prSet presAssocID="{33CC728A-9EF2-4FAB-A6A0-CD420E3C0CE5}" presName="parTx" presStyleLbl="revTx" presStyleIdx="2" presStyleCnt="6">
-        <dgm:presLayoutVars>
-          <dgm:chMax val="0"/>
-          <dgm:chPref val="0"/>
-        </dgm:presLayoutVars>
-      </dgm:prSet>
-      <dgm:spPr/>
-    </dgm:pt>
-    <dgm:pt modelId="{33F27656-37FD-479C-882B-85FB12B96713}" type="pres">
-      <dgm:prSet presAssocID="{753F3FD6-0198-4F98-AF2D-4BA2DA569D61}" presName="sibTrans" presStyleCnt="0"/>
-      <dgm:spPr/>
-    </dgm:pt>
-    <dgm:pt modelId="{13F23246-A5CF-40B6-BC67-9C4BA769E2BC}" type="pres">
-      <dgm:prSet presAssocID="{FEDF6C2B-FF95-4C83-AE18-6870787629CB}" presName="compNode" presStyleCnt="0"/>
-      <dgm:spPr/>
-    </dgm:pt>
-    <dgm:pt modelId="{794AC508-9147-47F9-B87D-187B2C8EF2A7}" type="pres">
-      <dgm:prSet presAssocID="{FEDF6C2B-FF95-4C83-AE18-6870787629CB}" presName="bgRect" presStyleLbl="bgShp" presStyleIdx="3" presStyleCnt="6"/>
-      <dgm:spPr/>
-    </dgm:pt>
-    <dgm:pt modelId="{D683AF74-0214-474C-ABCF-6C2F76928E05}" type="pres">
-      <dgm:prSet presAssocID="{FEDF6C2B-FF95-4C83-AE18-6870787629CB}" presName="iconRect" presStyleLbl="node1" presStyleIdx="3" presStyleCnt="6"/>
-      <dgm:spPr>
-        <a:blipFill>
-          <a:blip xmlns:r="http://schemas.openxmlformats.org/officeDocument/2006/relationships" r:embed="rId7">
-            <a:extLst>
-              <a:ext uri="{28A0092B-C50C-407E-A947-70E740481C1C}">
-                <a14:useLocalDpi xmlns:a14="http://schemas.microsoft.com/office/drawing/2010/main" val="0"/>
-              </a:ext>
-              <a:ext uri="{96DAC541-7B7A-43D3-8B79-37D633B846F1}">
-                <asvg:svgBlip xmlns:asvg="http://schemas.microsoft.com/office/drawing/2016/SVG/main" r:embed="rId8"/>
-              </a:ext>
-            </a:extLst>
-          </a:blip>
-          <a:srcRect/>
-          <a:stretch>
-            <a:fillRect/>
-          </a:stretch>
-        </a:blipFill>
-        <a:ln>
-          <a:noFill/>
-        </a:ln>
-      </dgm:spPr>
-      <dgm:extLst>
-        <a:ext uri="{E40237B7-FDA0-4F09-8148-C483321AD2D9}">
-          <dgm14:cNvPr xmlns:dgm14="http://schemas.microsoft.com/office/drawing/2010/diagram" id="0" name="" descr="Reproducir con relleno sólido"/>
-        </a:ext>
-      </dgm:extLst>
-    </dgm:pt>
-    <dgm:pt modelId="{D95EF563-F030-49F3-8C57-982FD345A44F}" type="pres">
-      <dgm:prSet presAssocID="{FEDF6C2B-FF95-4C83-AE18-6870787629CB}" presName="spaceRect" presStyleCnt="0"/>
-      <dgm:spPr/>
-    </dgm:pt>
-    <dgm:pt modelId="{D766C435-0793-4422-AAED-D071842F387F}" type="pres">
-      <dgm:prSet presAssocID="{FEDF6C2B-FF95-4C83-AE18-6870787629CB}" presName="parTx" presStyleLbl="revTx" presStyleIdx="3" presStyleCnt="6">
-        <dgm:presLayoutVars>
-          <dgm:chMax val="0"/>
-          <dgm:chPref val="0"/>
-        </dgm:presLayoutVars>
-      </dgm:prSet>
-      <dgm:spPr/>
-    </dgm:pt>
-    <dgm:pt modelId="{944C7F48-5243-4768-B6E5-92C70A1A535A}" type="pres">
-      <dgm:prSet presAssocID="{57D5262F-DE35-4AB1-87EB-8BBD279BCDEC}" presName="sibTrans" presStyleCnt="0"/>
-      <dgm:spPr/>
-    </dgm:pt>
-    <dgm:pt modelId="{97CB14B8-F697-45D3-9B13-0660939E3C74}" type="pres">
-      <dgm:prSet presAssocID="{82A6681B-716A-4873-8261-458DE42335FE}" presName="compNode" presStyleCnt="0"/>
-      <dgm:spPr/>
-    </dgm:pt>
-    <dgm:pt modelId="{DD2395B4-7477-446E-A6B7-230FCD394028}" type="pres">
-      <dgm:prSet presAssocID="{82A6681B-716A-4873-8261-458DE42335FE}" presName="bgRect" presStyleLbl="bgShp" presStyleIdx="4" presStyleCnt="6"/>
-      <dgm:spPr/>
-    </dgm:pt>
-    <dgm:pt modelId="{B1DA2347-C1A0-4A1D-B278-F535FDE88B0D}" type="pres">
-      <dgm:prSet presAssocID="{82A6681B-716A-4873-8261-458DE42335FE}" presName="iconRect" presStyleLbl="node1" presStyleIdx="4" presStyleCnt="6"/>
-      <dgm:spPr>
-        <a:blipFill>
-          <a:blip xmlns:r="http://schemas.openxmlformats.org/officeDocument/2006/relationships" r:embed="rId9">
-            <a:extLst>
-              <a:ext uri="{96DAC541-7B7A-43D3-8B79-37D633B846F1}">
-                <asvg:svgBlip xmlns:asvg="http://schemas.microsoft.com/office/drawing/2016/SVG/main" r:embed="rId10"/>
-              </a:ext>
-            </a:extLst>
-          </a:blip>
-          <a:srcRect/>
-          <a:stretch>
-            <a:fillRect/>
-          </a:stretch>
-        </a:blipFill>
-        <a:ln>
-          <a:noFill/>
-        </a:ln>
-      </dgm:spPr>
-      <dgm:extLst>
-        <a:ext uri="{E40237B7-FDA0-4F09-8148-C483321AD2D9}">
-          <dgm14:cNvPr xmlns:dgm14="http://schemas.microsoft.com/office/drawing/2010/diagram" id="0" name="" descr="Reproducir con relleno sólido"/>
-        </a:ext>
-      </dgm:extLst>
-    </dgm:pt>
-    <dgm:pt modelId="{12ED79D6-DBA7-43B7-9C7F-6D9F56112F3C}" type="pres">
-      <dgm:prSet presAssocID="{82A6681B-716A-4873-8261-458DE42335FE}" presName="spaceRect" presStyleCnt="0"/>
-      <dgm:spPr/>
-    </dgm:pt>
-    <dgm:pt modelId="{F4944898-04D8-40BE-8472-D37294874C28}" type="pres">
-      <dgm:prSet presAssocID="{82A6681B-716A-4873-8261-458DE42335FE}" presName="parTx" presStyleLbl="revTx" presStyleIdx="4" presStyleCnt="6">
-        <dgm:presLayoutVars>
-          <dgm:chMax val="0"/>
-          <dgm:chPref val="0"/>
-        </dgm:presLayoutVars>
-      </dgm:prSet>
-      <dgm:spPr/>
-    </dgm:pt>
-    <dgm:pt modelId="{7C1C987C-42AF-429C-81BB-B1EE68D0C5A9}" type="pres">
-      <dgm:prSet presAssocID="{99F845B3-6EBB-4D38-9706-4E73559F7602}" presName="sibTrans" presStyleCnt="0"/>
-      <dgm:spPr/>
-    </dgm:pt>
-    <dgm:pt modelId="{34589629-18F3-47A1-A5D5-6F2843B4C42A}" type="pres">
-      <dgm:prSet presAssocID="{6675CE22-631F-4324-BFBA-8E09F16FCDC5}" presName="compNode" presStyleCnt="0"/>
-      <dgm:spPr/>
-    </dgm:pt>
-    <dgm:pt modelId="{FBE9E2CF-3DCD-4914-80C1-4308DAE7C3E5}" type="pres">
-      <dgm:prSet presAssocID="{6675CE22-631F-4324-BFBA-8E09F16FCDC5}" presName="bgRect" presStyleLbl="bgShp" presStyleIdx="5" presStyleCnt="6"/>
-      <dgm:spPr/>
-    </dgm:pt>
-    <dgm:pt modelId="{2FE33009-998E-4525-B32B-95A821A8A4FD}" type="pres">
-      <dgm:prSet presAssocID="{6675CE22-631F-4324-BFBA-8E09F16FCDC5}" presName="iconRect" presStyleLbl="node1" presStyleIdx="5" presStyleCnt="6"/>
-      <dgm:spPr>
-        <a:blipFill>
-          <a:blip xmlns:r="http://schemas.openxmlformats.org/officeDocument/2006/relationships" r:embed="rId11">
-            <a:extLst>
-              <a:ext uri="{28A0092B-C50C-407E-A947-70E740481C1C}">
-                <a14:useLocalDpi xmlns:a14="http://schemas.microsoft.com/office/drawing/2010/main" val="0"/>
-              </a:ext>
-              <a:ext uri="{96DAC541-7B7A-43D3-8B79-37D633B846F1}">
-                <asvg:svgBlip xmlns:asvg="http://schemas.microsoft.com/office/drawing/2016/SVG/main" r:embed="rId12"/>
-              </a:ext>
-            </a:extLst>
-          </a:blip>
-          <a:srcRect/>
-          <a:stretch>
-            <a:fillRect/>
-          </a:stretch>
-        </a:blipFill>
-        <a:ln>
-          <a:noFill/>
-        </a:ln>
-      </dgm:spPr>
-      <dgm:extLst>
-        <a:ext uri="{E40237B7-FDA0-4F09-8148-C483321AD2D9}">
-          <dgm14:cNvPr xmlns:dgm14="http://schemas.microsoft.com/office/drawing/2010/diagram" id="0" name="" descr="Reproducir con relleno sólido"/>
-        </a:ext>
-      </dgm:extLst>
-    </dgm:pt>
-    <dgm:pt modelId="{968F98DA-9709-4AA9-8AAA-34953916871F}" type="pres">
-      <dgm:prSet presAssocID="{6675CE22-631F-4324-BFBA-8E09F16FCDC5}" presName="spaceRect" presStyleCnt="0"/>
-      <dgm:spPr/>
-    </dgm:pt>
-    <dgm:pt modelId="{73724372-D5C1-4C94-9B3C-F0DFE8AAECA4}" type="pres">
-      <dgm:prSet presAssocID="{6675CE22-631F-4324-BFBA-8E09F16FCDC5}" presName="parTx" presStyleLbl="revTx" presStyleIdx="5" presStyleCnt="6">
-        <dgm:presLayoutVars>
-          <dgm:chMax val="0"/>
-          <dgm:chPref val="0"/>
-        </dgm:presLayoutVars>
-      </dgm:prSet>
-      <dgm:spPr/>
-    </dgm:pt>
-  </dgm:ptLst>
-  <dgm:cxnLst>
-    <dgm:cxn modelId="{AD4B8535-71A6-476C-8DC3-DA89B859E0B6}" type="presOf" srcId="{4A527C54-BB45-44BA-8E07-2F93ED6A8027}" destId="{6E00A29A-2633-474C-81A1-31CF40CA12B8}" srcOrd="0" destOrd="0" presId="urn:microsoft.com/office/officeart/2018/2/layout/IconVerticalSolidList"/>
-    <dgm:cxn modelId="{7516433C-980C-4C96-9698-50453502BD16}" type="presOf" srcId="{82A6681B-716A-4873-8261-458DE42335FE}" destId="{F4944898-04D8-40BE-8472-D37294874C28}" srcOrd="0" destOrd="0" presId="urn:microsoft.com/office/officeart/2018/2/layout/IconVerticalSolidList"/>
-    <dgm:cxn modelId="{7AAAC563-6598-466F-B460-D4C241F03CA3}" srcId="{A3AD567D-DD0C-482C-B571-D66AB0149033}" destId="{82A6681B-716A-4873-8261-458DE42335FE}" srcOrd="4" destOrd="0" parTransId="{46D32C40-0023-48AF-8345-B52B3E3FAB21}" sibTransId="{99F845B3-6EBB-4D38-9706-4E73559F7602}"/>
-    <dgm:cxn modelId="{4E04454F-A7C8-4615-A489-80599D09787E}" type="presOf" srcId="{AA55DC63-92CF-4416-9514-2304881494B8}" destId="{8139940B-2CAD-46A4-9558-8576FCF6FA62}" srcOrd="0" destOrd="0" presId="urn:microsoft.com/office/officeart/2018/2/layout/IconVerticalSolidList"/>
-    <dgm:cxn modelId="{4B86B97F-49E5-4FE3-850F-282B5ABD0543}" srcId="{A3AD567D-DD0C-482C-B571-D66AB0149033}" destId="{FEDF6C2B-FF95-4C83-AE18-6870787629CB}" srcOrd="3" destOrd="0" parTransId="{F5B93C64-B638-4B5A-BC7F-21D0851420E2}" sibTransId="{57D5262F-DE35-4AB1-87EB-8BBD279BCDEC}"/>
-    <dgm:cxn modelId="{0479679C-8DDB-47DD-83EF-3C66765938F7}" type="presOf" srcId="{6675CE22-631F-4324-BFBA-8E09F16FCDC5}" destId="{73724372-D5C1-4C94-9B3C-F0DFE8AAECA4}" srcOrd="0" destOrd="0" presId="urn:microsoft.com/office/officeart/2018/2/layout/IconVerticalSolidList"/>
-    <dgm:cxn modelId="{1DC3C1A9-F372-4A44-ADBF-D197C53B29AD}" srcId="{A3AD567D-DD0C-482C-B571-D66AB0149033}" destId="{33CC728A-9EF2-4FAB-A6A0-CD420E3C0CE5}" srcOrd="2" destOrd="0" parTransId="{366E5B1E-E491-4F27-8510-099DF53B5CE4}" sibTransId="{753F3FD6-0198-4F98-AF2D-4BA2DA569D61}"/>
-    <dgm:cxn modelId="{F58B0AC7-F6FD-4259-A29C-274B0F560572}" srcId="{A3AD567D-DD0C-482C-B571-D66AB0149033}" destId="{4A527C54-BB45-44BA-8E07-2F93ED6A8027}" srcOrd="0" destOrd="0" parTransId="{5DC35C42-198C-4AA8-9698-0C3BB8363E18}" sibTransId="{7CE8792E-81E1-44A9-9CE2-A9D130AC1919}"/>
-    <dgm:cxn modelId="{0BFF0DCA-B50B-4CA2-B134-67A12BF0AE38}" type="presOf" srcId="{33CC728A-9EF2-4FAB-A6A0-CD420E3C0CE5}" destId="{2B28DD1C-82EE-4C23-AD29-2F8728A84228}" srcOrd="0" destOrd="0" presId="urn:microsoft.com/office/officeart/2018/2/layout/IconVerticalSolidList"/>
-    <dgm:cxn modelId="{6EC763CA-5185-452D-8436-27F3B2EDB660}" srcId="{A3AD567D-DD0C-482C-B571-D66AB0149033}" destId="{6675CE22-631F-4324-BFBA-8E09F16FCDC5}" srcOrd="5" destOrd="0" parTransId="{37CE751F-7162-4FB3-BF99-C4B4BCECACB9}" sibTransId="{E0804D15-3758-4DD2-B8BF-F26B77E15953}"/>
-    <dgm:cxn modelId="{F13C16D5-04F3-4D93-A385-2597B9BC79CB}" srcId="{A3AD567D-DD0C-482C-B571-D66AB0149033}" destId="{AA55DC63-92CF-4416-9514-2304881494B8}" srcOrd="1" destOrd="0" parTransId="{F16E2942-223D-46C3-8A42-8156ED9C67A7}" sibTransId="{169B35AD-4F57-40D5-AAAA-C62679F2F21C}"/>
-    <dgm:cxn modelId="{979D98D5-318C-4B91-AC9D-34027FC95F86}" type="presOf" srcId="{FEDF6C2B-FF95-4C83-AE18-6870787629CB}" destId="{D766C435-0793-4422-AAED-D071842F387F}" srcOrd="0" destOrd="0" presId="urn:microsoft.com/office/officeart/2018/2/layout/IconVerticalSolidList"/>
-    <dgm:cxn modelId="{9FBB93FF-D242-4BA0-9248-2688D280BFD4}" type="presOf" srcId="{A3AD567D-DD0C-482C-B571-D66AB0149033}" destId="{14A3BBAB-2B50-4FBA-A67D-AAA0BA5B4247}" srcOrd="0" destOrd="0" presId="urn:microsoft.com/office/officeart/2018/2/layout/IconVerticalSolidList"/>
-    <dgm:cxn modelId="{CB420E63-57DE-4CB9-AF50-483D642348B8}" type="presParOf" srcId="{14A3BBAB-2B50-4FBA-A67D-AAA0BA5B4247}" destId="{EEE467C4-9857-460C-A024-C399CF79C174}" srcOrd="0" destOrd="0" presId="urn:microsoft.com/office/officeart/2018/2/layout/IconVerticalSolidList"/>
-    <dgm:cxn modelId="{EF14285B-93DD-408A-93D2-28C0C76B6BE4}" type="presParOf" srcId="{EEE467C4-9857-460C-A024-C399CF79C174}" destId="{51E605AD-3AB7-4C78-9775-D6A9795E4F13}" srcOrd="0" destOrd="0" presId="urn:microsoft.com/office/officeart/2018/2/layout/IconVerticalSolidList"/>
-    <dgm:cxn modelId="{833960A6-D481-49C6-8E21-E82D4D47C700}" type="presParOf" srcId="{EEE467C4-9857-460C-A024-C399CF79C174}" destId="{B2AEBF1D-4E8F-4432-983D-88AB1274AA83}" srcOrd="1" destOrd="0" presId="urn:microsoft.com/office/officeart/2018/2/layout/IconVerticalSolidList"/>
-    <dgm:cxn modelId="{4392BE96-F729-44A1-868E-87AE75C74FC5}" type="presParOf" srcId="{EEE467C4-9857-460C-A024-C399CF79C174}" destId="{98C9695E-7F34-4C83-8498-F336D5CF568A}" srcOrd="2" destOrd="0" presId="urn:microsoft.com/office/officeart/2018/2/layout/IconVerticalSolidList"/>
-    <dgm:cxn modelId="{D2E23AC1-1A03-490D-A890-05DC4C4E001D}" type="presParOf" srcId="{EEE467C4-9857-460C-A024-C399CF79C174}" destId="{6E00A29A-2633-474C-81A1-31CF40CA12B8}" srcOrd="3" destOrd="0" presId="urn:microsoft.com/office/officeart/2018/2/layout/IconVerticalSolidList"/>
-    <dgm:cxn modelId="{377E2A39-B71F-49C1-AE87-31F14008A8D4}" type="presParOf" srcId="{14A3BBAB-2B50-4FBA-A67D-AAA0BA5B4247}" destId="{A1A4A720-A3B6-4AC4-BB41-4578D7468D65}" srcOrd="1" destOrd="0" presId="urn:microsoft.com/office/officeart/2018/2/layout/IconVerticalSolidList"/>
-    <dgm:cxn modelId="{77B06897-F789-4003-B213-4FDE257195BD}" type="presParOf" srcId="{14A3BBAB-2B50-4FBA-A67D-AAA0BA5B4247}" destId="{F42B4141-D2DE-4103-9187-7FBD734CBDFE}" srcOrd="2" destOrd="0" presId="urn:microsoft.com/office/officeart/2018/2/layout/IconVerticalSolidList"/>
-    <dgm:cxn modelId="{BB5EDDD6-D331-4D4E-AE36-B691A93F3A5C}" type="presParOf" srcId="{F42B4141-D2DE-4103-9187-7FBD734CBDFE}" destId="{929855FF-F994-40D5-BBAE-D3C93F70F411}" srcOrd="0" destOrd="0" presId="urn:microsoft.com/office/officeart/2018/2/layout/IconVerticalSolidList"/>
-    <dgm:cxn modelId="{F7EACCFD-B783-4CB0-B27D-CBFD758FB7AC}" type="presParOf" srcId="{F42B4141-D2DE-4103-9187-7FBD734CBDFE}" destId="{6532E942-B94B-46EB-A19B-BA5E55AA3252}" srcOrd="1" destOrd="0" presId="urn:microsoft.com/office/officeart/2018/2/layout/IconVerticalSolidList"/>
-    <dgm:cxn modelId="{0B2B3F28-7502-476D-AD9E-F84DDC4A8FAB}" type="presParOf" srcId="{F42B4141-D2DE-4103-9187-7FBD734CBDFE}" destId="{0B173A52-DB06-48FE-A322-43DD3576BB5B}" srcOrd="2" destOrd="0" presId="urn:microsoft.com/office/officeart/2018/2/layout/IconVerticalSolidList"/>
-    <dgm:cxn modelId="{F66CA292-E0BC-41D7-A294-B8CA701797C1}" type="presParOf" srcId="{F42B4141-D2DE-4103-9187-7FBD734CBDFE}" destId="{8139940B-2CAD-46A4-9558-8576FCF6FA62}" srcOrd="3" destOrd="0" presId="urn:microsoft.com/office/officeart/2018/2/layout/IconVerticalSolidList"/>
-    <dgm:cxn modelId="{C136705A-FD8A-428A-AD4A-1B1D1D94C3E9}" type="presParOf" srcId="{14A3BBAB-2B50-4FBA-A67D-AAA0BA5B4247}" destId="{5DFB0788-597F-4749-9F9A-898A1DFEEDAB}" srcOrd="3" destOrd="0" presId="urn:microsoft.com/office/officeart/2018/2/layout/IconVerticalSolidList"/>
-    <dgm:cxn modelId="{E94C6F95-F3DA-4D02-AE5D-8BD4F9FC3144}" type="presParOf" srcId="{14A3BBAB-2B50-4FBA-A67D-AAA0BA5B4247}" destId="{5ABD0261-87BC-41AF-AC05-571C62509BEB}" srcOrd="4" destOrd="0" presId="urn:microsoft.com/office/officeart/2018/2/layout/IconVerticalSolidList"/>
-    <dgm:cxn modelId="{56C01EA5-B84C-4562-A85A-E8B69B39C255}" type="presParOf" srcId="{5ABD0261-87BC-41AF-AC05-571C62509BEB}" destId="{A48DD3E7-1264-4D96-B060-70D531834A19}" srcOrd="0" destOrd="0" presId="urn:microsoft.com/office/officeart/2018/2/layout/IconVerticalSolidList"/>
-    <dgm:cxn modelId="{CB542C3E-8D02-44C1-A6B2-3356A62F51CB}" type="presParOf" srcId="{5ABD0261-87BC-41AF-AC05-571C62509BEB}" destId="{BA99F91D-4F03-4AE5-95D7-12044A4F723B}" srcOrd="1" destOrd="0" presId="urn:microsoft.com/office/officeart/2018/2/layout/IconVerticalSolidList"/>
-    <dgm:cxn modelId="{BA1A2BF7-9779-4019-AC21-C23947ABB210}" type="presParOf" srcId="{5ABD0261-87BC-41AF-AC05-571C62509BEB}" destId="{6DE2D344-FCE6-4580-A73F-64C90DEC186D}" srcOrd="2" destOrd="0" presId="urn:microsoft.com/office/officeart/2018/2/layout/IconVerticalSolidList"/>
-    <dgm:cxn modelId="{C85EE6AA-0EF1-4880-B411-11FF5C9324B1}" type="presParOf" srcId="{5ABD0261-87BC-41AF-AC05-571C62509BEB}" destId="{2B28DD1C-82EE-4C23-AD29-2F8728A84228}" srcOrd="3" destOrd="0" presId="urn:microsoft.com/office/officeart/2018/2/layout/IconVerticalSolidList"/>
-    <dgm:cxn modelId="{A3CA6F34-ABE6-4D7A-B1FE-B8CE7B974040}" type="presParOf" srcId="{14A3BBAB-2B50-4FBA-A67D-AAA0BA5B4247}" destId="{33F27656-37FD-479C-882B-85FB12B96713}" srcOrd="5" destOrd="0" presId="urn:microsoft.com/office/officeart/2018/2/layout/IconVerticalSolidList"/>
-    <dgm:cxn modelId="{9964DAFB-8A55-48EF-A178-386E934DCBB2}" type="presParOf" srcId="{14A3BBAB-2B50-4FBA-A67D-AAA0BA5B4247}" destId="{13F23246-A5CF-40B6-BC67-9C4BA769E2BC}" srcOrd="6" destOrd="0" presId="urn:microsoft.com/office/officeart/2018/2/layout/IconVerticalSolidList"/>
-    <dgm:cxn modelId="{2EBEFF41-051B-4FCE-A438-DC899530582D}" type="presParOf" srcId="{13F23246-A5CF-40B6-BC67-9C4BA769E2BC}" destId="{794AC508-9147-47F9-B87D-187B2C8EF2A7}" srcOrd="0" destOrd="0" presId="urn:microsoft.com/office/officeart/2018/2/layout/IconVerticalSolidList"/>
-    <dgm:cxn modelId="{82C51E94-0AD3-4702-814F-96B02656D57D}" type="presParOf" srcId="{13F23246-A5CF-40B6-BC67-9C4BA769E2BC}" destId="{D683AF74-0214-474C-ABCF-6C2F76928E05}" srcOrd="1" destOrd="0" presId="urn:microsoft.com/office/officeart/2018/2/layout/IconVerticalSolidList"/>
-    <dgm:cxn modelId="{80D67009-D44C-45A0-B1F8-14C37C3E59BC}" type="presParOf" srcId="{13F23246-A5CF-40B6-BC67-9C4BA769E2BC}" destId="{D95EF563-F030-49F3-8C57-982FD345A44F}" srcOrd="2" destOrd="0" presId="urn:microsoft.com/office/officeart/2018/2/layout/IconVerticalSolidList"/>
-    <dgm:cxn modelId="{699483C3-BC4A-4F14-85C1-2F207E8C78E7}" type="presParOf" srcId="{13F23246-A5CF-40B6-BC67-9C4BA769E2BC}" destId="{D766C435-0793-4422-AAED-D071842F387F}" srcOrd="3" destOrd="0" presId="urn:microsoft.com/office/officeart/2018/2/layout/IconVerticalSolidList"/>
-    <dgm:cxn modelId="{864032BB-EC03-4009-A52C-F0FDDF463607}" type="presParOf" srcId="{14A3BBAB-2B50-4FBA-A67D-AAA0BA5B4247}" destId="{944C7F48-5243-4768-B6E5-92C70A1A535A}" srcOrd="7" destOrd="0" presId="urn:microsoft.com/office/officeart/2018/2/layout/IconVerticalSolidList"/>
-    <dgm:cxn modelId="{DF1BA9AA-F3E9-4A71-BDA9-7FE01152989E}" type="presParOf" srcId="{14A3BBAB-2B50-4FBA-A67D-AAA0BA5B4247}" destId="{97CB14B8-F697-45D3-9B13-0660939E3C74}" srcOrd="8" destOrd="0" presId="urn:microsoft.com/office/officeart/2018/2/layout/IconVerticalSolidList"/>
-    <dgm:cxn modelId="{61210C25-72A9-4382-BF51-2F1A3809C1DB}" type="presParOf" srcId="{97CB14B8-F697-45D3-9B13-0660939E3C74}" destId="{DD2395B4-7477-446E-A6B7-230FCD394028}" srcOrd="0" destOrd="0" presId="urn:microsoft.com/office/officeart/2018/2/layout/IconVerticalSolidList"/>
-    <dgm:cxn modelId="{160D39C8-6867-45DB-B554-584056CB5FC0}" type="presParOf" srcId="{97CB14B8-F697-45D3-9B13-0660939E3C74}" destId="{B1DA2347-C1A0-4A1D-B278-F535FDE88B0D}" srcOrd="1" destOrd="0" presId="urn:microsoft.com/office/officeart/2018/2/layout/IconVerticalSolidList"/>
-    <dgm:cxn modelId="{94EAA49F-A580-447C-BD99-D3EB7C2D8AD2}" type="presParOf" srcId="{97CB14B8-F697-45D3-9B13-0660939E3C74}" destId="{12ED79D6-DBA7-43B7-9C7F-6D9F56112F3C}" srcOrd="2" destOrd="0" presId="urn:microsoft.com/office/officeart/2018/2/layout/IconVerticalSolidList"/>
-    <dgm:cxn modelId="{684A3412-03E8-49BF-A442-C78AF681ECB9}" type="presParOf" srcId="{97CB14B8-F697-45D3-9B13-0660939E3C74}" destId="{F4944898-04D8-40BE-8472-D37294874C28}" srcOrd="3" destOrd="0" presId="urn:microsoft.com/office/officeart/2018/2/layout/IconVerticalSolidList"/>
-    <dgm:cxn modelId="{124A39A9-AF8D-4203-9F78-AC860374E6CF}" type="presParOf" srcId="{14A3BBAB-2B50-4FBA-A67D-AAA0BA5B4247}" destId="{7C1C987C-42AF-429C-81BB-B1EE68D0C5A9}" srcOrd="9" destOrd="0" presId="urn:microsoft.com/office/officeart/2018/2/layout/IconVerticalSolidList"/>
-    <dgm:cxn modelId="{D6087368-EAC3-4E48-84FA-3A5FDFC17FF5}" type="presParOf" srcId="{14A3BBAB-2B50-4FBA-A67D-AAA0BA5B4247}" destId="{34589629-18F3-47A1-A5D5-6F2843B4C42A}" srcOrd="10" destOrd="0" presId="urn:microsoft.com/office/officeart/2018/2/layout/IconVerticalSolidList"/>
-    <dgm:cxn modelId="{08604E73-F14C-4176-864E-0FE0F8B74AD3}" type="presParOf" srcId="{34589629-18F3-47A1-A5D5-6F2843B4C42A}" destId="{FBE9E2CF-3DCD-4914-80C1-4308DAE7C3E5}" srcOrd="0" destOrd="0" presId="urn:microsoft.com/office/officeart/2018/2/layout/IconVerticalSolidList"/>
-    <dgm:cxn modelId="{7B2AC9F7-4CF3-43D4-AA4B-AFE590285C88}" type="presParOf" srcId="{34589629-18F3-47A1-A5D5-6F2843B4C42A}" destId="{2FE33009-998E-4525-B32B-95A821A8A4FD}" srcOrd="1" destOrd="0" presId="urn:microsoft.com/office/officeart/2018/2/layout/IconVerticalSolidList"/>
-    <dgm:cxn modelId="{4DA39009-F0C5-4EF6-BE3D-0D421C5B4AF4}" type="presParOf" srcId="{34589629-18F3-47A1-A5D5-6F2843B4C42A}" destId="{968F98DA-9709-4AA9-8AAA-34953916871F}" srcOrd="2" destOrd="0" presId="urn:microsoft.com/office/officeart/2018/2/layout/IconVerticalSolidList"/>
-    <dgm:cxn modelId="{8C63D530-D30E-4243-82C1-DD6690608D4C}" type="presParOf" srcId="{34589629-18F3-47A1-A5D5-6F2843B4C42A}" destId="{73724372-D5C1-4C94-9B3C-F0DFE8AAECA4}" srcOrd="3" destOrd="0" presId="urn:microsoft.com/office/officeart/2018/2/layout/IconVerticalSolidList"/>
-  </dgm:cxnLst>
-  <dgm:bg/>
-  <dgm:whole/>
-  <dgm:extLst>
-    <a:ext uri="http://schemas.microsoft.com/office/drawing/2008/diagram">
-      <dsp:dataModelExt xmlns:dsp="http://schemas.microsoft.com/office/drawing/2008/diagram" relId="rId7" minVer="http://schemas.openxmlformats.org/drawingml/2006/diagram"/>
-    </a:ext>
-  </dgm:extLst>
-</dgm:dataModel>
-</file>
-
-<file path=ppt/diagrams/drawing1.xml><?xml version="1.0" encoding="utf-8"?>
-<dsp:drawing xmlns:dgm="http://schemas.openxmlformats.org/drawingml/2006/diagram" xmlns:dsp="http://schemas.microsoft.com/office/drawing/2008/diagram" xmlns:a="http://schemas.openxmlformats.org/drawingml/2006/main">
-  <dsp:spTree>
-    <dsp:nvGrpSpPr>
-      <dsp:cNvPr id="0" name=""/>
-      <dsp:cNvGrpSpPr/>
-    </dsp:nvGrpSpPr>
-    <dsp:grpSpPr/>
-    <dsp:sp modelId="{51E605AD-3AB7-4C78-9775-D6A9795E4F13}">
-      <dsp:nvSpPr>
-        <dsp:cNvPr id="0" name=""/>
-        <dsp:cNvSpPr/>
-      </dsp:nvSpPr>
-      <dsp:spPr>
-        <a:xfrm>
-          <a:off x="0" y="1697"/>
-          <a:ext cx="6391275" cy="723212"/>
-        </a:xfrm>
-        <a:prstGeom prst="roundRect">
-          <a:avLst>
-            <a:gd name="adj" fmla="val 10000"/>
-          </a:avLst>
-        </a:prstGeom>
-        <a:solidFill>
-          <a:schemeClr val="bg1">
-            <a:lumMod val="95000"/>
-            <a:hueOff val="0"/>
-            <a:satOff val="0"/>
-            <a:lumOff val="0"/>
-            <a:alphaOff val="0"/>
-          </a:schemeClr>
-        </a:solidFill>
-        <a:ln>
-          <a:noFill/>
-        </a:ln>
-        <a:effectLst/>
-      </dsp:spPr>
-      <dsp:style>
-        <a:lnRef idx="0">
-          <a:scrgbClr r="0" g="0" b="0"/>
-        </a:lnRef>
-        <a:fillRef idx="1">
-          <a:scrgbClr r="0" g="0" b="0"/>
-        </a:fillRef>
-        <a:effectRef idx="0">
-          <a:scrgbClr r="0" g="0" b="0"/>
-        </a:effectRef>
-        <a:fontRef idx="minor"/>
-      </dsp:style>
-    </dsp:sp>
-    <dsp:sp modelId="{B2AEBF1D-4E8F-4432-983D-88AB1274AA83}">
-      <dsp:nvSpPr>
-        <dsp:cNvPr id="0" name=""/>
-        <dsp:cNvSpPr/>
-      </dsp:nvSpPr>
-      <dsp:spPr>
-        <a:xfrm>
-          <a:off x="218771" y="164420"/>
-          <a:ext cx="397767" cy="397767"/>
-        </a:xfrm>
-        <a:prstGeom prst="rect">
-          <a:avLst/>
-        </a:prstGeom>
-        <a:blipFill>
-          <a:blip xmlns:r="http://schemas.openxmlformats.org/officeDocument/2006/relationships" r:embed="rId1">
-            <a:extLst>
-              <a:ext uri="{96DAC541-7B7A-43D3-8B79-37D633B846F1}">
-                <asvg:svgBlip xmlns:asvg="http://schemas.microsoft.com/office/drawing/2016/SVG/main" r:embed="rId2"/>
-              </a:ext>
-            </a:extLst>
-          </a:blip>
-          <a:srcRect/>
-          <a:stretch>
-            <a:fillRect/>
-          </a:stretch>
-        </a:blipFill>
-        <a:ln w="19050" cap="rnd" cmpd="sng" algn="ctr">
-          <a:noFill/>
-          <a:prstDash val="solid"/>
-        </a:ln>
-        <a:effectLst/>
-      </dsp:spPr>
-      <dsp:style>
-        <a:lnRef idx="2">
-          <a:scrgbClr r="0" g="0" b="0"/>
-        </a:lnRef>
-        <a:fillRef idx="1">
-          <a:scrgbClr r="0" g="0" b="0"/>
-        </a:fillRef>
-        <a:effectRef idx="0">
-          <a:scrgbClr r="0" g="0" b="0"/>
-        </a:effectRef>
-        <a:fontRef idx="minor">
-          <a:schemeClr val="lt1"/>
-        </a:fontRef>
-      </dsp:style>
-    </dsp:sp>
-    <dsp:sp modelId="{6E00A29A-2633-474C-81A1-31CF40CA12B8}">
-      <dsp:nvSpPr>
-        <dsp:cNvPr id="0" name=""/>
-        <dsp:cNvSpPr/>
-      </dsp:nvSpPr>
-      <dsp:spPr>
-        <a:xfrm>
-          <a:off x="835310" y="1697"/>
-          <a:ext cx="5555964" cy="723212"/>
-        </a:xfrm>
-        <a:prstGeom prst="rect">
-          <a:avLst/>
-        </a:prstGeom>
-        <a:noFill/>
-        <a:ln>
-          <a:noFill/>
-        </a:ln>
-        <a:effectLst/>
-      </dsp:spPr>
-      <dsp:style>
-        <a:lnRef idx="0">
-          <a:scrgbClr r="0" g="0" b="0"/>
-        </a:lnRef>
-        <a:fillRef idx="0">
-          <a:scrgbClr r="0" g="0" b="0"/>
-        </a:fillRef>
-        <a:effectRef idx="0">
-          <a:scrgbClr r="0" g="0" b="0"/>
-        </a:effectRef>
-        <a:fontRef idx="minor"/>
-      </dsp:style>
-      <dsp:txBody>
-        <a:bodyPr spcFirstLastPara="0" vert="horz" wrap="square" lIns="76540" tIns="76540" rIns="76540" bIns="76540" numCol="1" spcCol="1270" anchor="ctr" anchorCtr="0">
-          <a:noAutofit/>
-        </a:bodyPr>
-        <a:lstStyle/>
-        <a:p>
-          <a:pPr marL="0" lvl="0" indent="0" algn="l" defTabSz="844550">
-            <a:lnSpc>
-              <a:spcPct val="90000"/>
-            </a:lnSpc>
-            <a:spcBef>
-              <a:spcPct val="0"/>
-            </a:spcBef>
-            <a:spcAft>
-              <a:spcPct val="35000"/>
-            </a:spcAft>
-            <a:buNone/>
-          </a:pPr>
-          <a:r>
-            <a:rPr lang="es-ES" sz="1900" kern="1200"/>
-            <a:t>Introducción</a:t>
-          </a:r>
-          <a:endParaRPr lang="en-US" sz="1900" kern="1200"/>
-        </a:p>
-      </dsp:txBody>
-      <dsp:txXfrm>
-        <a:off x="835310" y="1697"/>
-        <a:ext cx="5555964" cy="723212"/>
-      </dsp:txXfrm>
-    </dsp:sp>
-    <dsp:sp modelId="{929855FF-F994-40D5-BBAE-D3C93F70F411}">
-      <dsp:nvSpPr>
-        <dsp:cNvPr id="0" name=""/>
-        <dsp:cNvSpPr/>
-      </dsp:nvSpPr>
-      <dsp:spPr>
-        <a:xfrm>
-          <a:off x="0" y="905713"/>
-          <a:ext cx="6391275" cy="723212"/>
-        </a:xfrm>
-        <a:prstGeom prst="roundRect">
-          <a:avLst>
-            <a:gd name="adj" fmla="val 10000"/>
-          </a:avLst>
-        </a:prstGeom>
-        <a:solidFill>
-          <a:schemeClr val="bg1">
-            <a:lumMod val="95000"/>
-            <a:hueOff val="0"/>
-            <a:satOff val="0"/>
-            <a:lumOff val="0"/>
-            <a:alphaOff val="0"/>
-          </a:schemeClr>
-        </a:solidFill>
-        <a:ln>
-          <a:noFill/>
-        </a:ln>
-        <a:effectLst/>
-      </dsp:spPr>
-      <dsp:style>
-        <a:lnRef idx="0">
-          <a:scrgbClr r="0" g="0" b="0"/>
-        </a:lnRef>
-        <a:fillRef idx="1">
-          <a:scrgbClr r="0" g="0" b="0"/>
-        </a:fillRef>
-        <a:effectRef idx="0">
-          <a:scrgbClr r="0" g="0" b="0"/>
-        </a:effectRef>
-        <a:fontRef idx="minor"/>
-      </dsp:style>
-    </dsp:sp>
-    <dsp:sp modelId="{6532E942-B94B-46EB-A19B-BA5E55AA3252}">
-      <dsp:nvSpPr>
-        <dsp:cNvPr id="0" name=""/>
-        <dsp:cNvSpPr/>
-      </dsp:nvSpPr>
-      <dsp:spPr>
-        <a:xfrm>
-          <a:off x="218771" y="1068436"/>
-          <a:ext cx="397767" cy="397767"/>
-        </a:xfrm>
-        <a:prstGeom prst="rect">
-          <a:avLst/>
-        </a:prstGeom>
-        <a:blipFill>
-          <a:blip xmlns:r="http://schemas.openxmlformats.org/officeDocument/2006/relationships" r:embed="rId3">
-            <a:extLst>
-              <a:ext uri="{28A0092B-C50C-407E-A947-70E740481C1C}">
-                <a14:useLocalDpi xmlns:a14="http://schemas.microsoft.com/office/drawing/2010/main" val="0"/>
-              </a:ext>
-              <a:ext uri="{96DAC541-7B7A-43D3-8B79-37D633B846F1}">
-                <asvg:svgBlip xmlns:asvg="http://schemas.microsoft.com/office/drawing/2016/SVG/main" r:embed="rId4"/>
-              </a:ext>
-            </a:extLst>
-          </a:blip>
-          <a:srcRect/>
-          <a:stretch>
-            <a:fillRect/>
-          </a:stretch>
-        </a:blipFill>
-        <a:ln w="19050" cap="rnd" cmpd="sng" algn="ctr">
-          <a:noFill/>
-          <a:prstDash val="solid"/>
-        </a:ln>
-        <a:effectLst/>
-      </dsp:spPr>
-      <dsp:style>
-        <a:lnRef idx="2">
-          <a:scrgbClr r="0" g="0" b="0"/>
-        </a:lnRef>
-        <a:fillRef idx="1">
-          <a:scrgbClr r="0" g="0" b="0"/>
-        </a:fillRef>
-        <a:effectRef idx="0">
-          <a:scrgbClr r="0" g="0" b="0"/>
-        </a:effectRef>
-        <a:fontRef idx="minor">
-          <a:schemeClr val="lt1"/>
-        </a:fontRef>
-      </dsp:style>
-    </dsp:sp>
-    <dsp:sp modelId="{8139940B-2CAD-46A4-9558-8576FCF6FA62}">
-      <dsp:nvSpPr>
-        <dsp:cNvPr id="0" name=""/>
-        <dsp:cNvSpPr/>
-      </dsp:nvSpPr>
-      <dsp:spPr>
-        <a:xfrm>
-          <a:off x="835310" y="905713"/>
-          <a:ext cx="5555964" cy="723212"/>
-        </a:xfrm>
-        <a:prstGeom prst="rect">
-          <a:avLst/>
-        </a:prstGeom>
-        <a:noFill/>
-        <a:ln>
-          <a:noFill/>
-        </a:ln>
-        <a:effectLst/>
-      </dsp:spPr>
-      <dsp:style>
-        <a:lnRef idx="0">
-          <a:scrgbClr r="0" g="0" b="0"/>
-        </a:lnRef>
-        <a:fillRef idx="0">
-          <a:scrgbClr r="0" g="0" b="0"/>
-        </a:fillRef>
-        <a:effectRef idx="0">
-          <a:scrgbClr r="0" g="0" b="0"/>
-        </a:effectRef>
-        <a:fontRef idx="minor"/>
-      </dsp:style>
-      <dsp:txBody>
-        <a:bodyPr spcFirstLastPara="0" vert="horz" wrap="square" lIns="76540" tIns="76540" rIns="76540" bIns="76540" numCol="1" spcCol="1270" anchor="ctr" anchorCtr="0">
-          <a:noAutofit/>
-        </a:bodyPr>
-        <a:lstStyle/>
-        <a:p>
-          <a:pPr marL="0" lvl="0" indent="0" algn="l" defTabSz="844550">
-            <a:lnSpc>
-              <a:spcPct val="90000"/>
-            </a:lnSpc>
-            <a:spcBef>
-              <a:spcPct val="0"/>
-            </a:spcBef>
-            <a:spcAft>
-              <a:spcPct val="35000"/>
-            </a:spcAft>
-            <a:buNone/>
-          </a:pPr>
-          <a:r>
-            <a:rPr lang="es-ES" sz="1900" kern="1200"/>
-            <a:t>Objetivos</a:t>
-          </a:r>
-          <a:endParaRPr lang="en-US" sz="1900" kern="1200"/>
-        </a:p>
-      </dsp:txBody>
-      <dsp:txXfrm>
-        <a:off x="835310" y="905713"/>
-        <a:ext cx="5555964" cy="723212"/>
-      </dsp:txXfrm>
-    </dsp:sp>
-    <dsp:sp modelId="{A48DD3E7-1264-4D96-B060-70D531834A19}">
-      <dsp:nvSpPr>
-        <dsp:cNvPr id="0" name=""/>
-        <dsp:cNvSpPr/>
-      </dsp:nvSpPr>
-      <dsp:spPr>
-        <a:xfrm>
-          <a:off x="0" y="1809729"/>
-          <a:ext cx="6391275" cy="723212"/>
-        </a:xfrm>
-        <a:prstGeom prst="roundRect">
-          <a:avLst>
-            <a:gd name="adj" fmla="val 10000"/>
-          </a:avLst>
-        </a:prstGeom>
-        <a:solidFill>
-          <a:schemeClr val="bg1">
-            <a:lumMod val="95000"/>
-            <a:hueOff val="0"/>
-            <a:satOff val="0"/>
-            <a:lumOff val="0"/>
-            <a:alphaOff val="0"/>
-          </a:schemeClr>
-        </a:solidFill>
-        <a:ln>
-          <a:noFill/>
-        </a:ln>
-        <a:effectLst/>
-      </dsp:spPr>
-      <dsp:style>
-        <a:lnRef idx="0">
-          <a:scrgbClr r="0" g="0" b="0"/>
-        </a:lnRef>
-        <a:fillRef idx="1">
-          <a:scrgbClr r="0" g="0" b="0"/>
-        </a:fillRef>
-        <a:effectRef idx="0">
-          <a:scrgbClr r="0" g="0" b="0"/>
-        </a:effectRef>
-        <a:fontRef idx="minor"/>
-      </dsp:style>
-    </dsp:sp>
-    <dsp:sp modelId="{BA99F91D-4F03-4AE5-95D7-12044A4F723B}">
-      <dsp:nvSpPr>
-        <dsp:cNvPr id="0" name=""/>
-        <dsp:cNvSpPr/>
-      </dsp:nvSpPr>
-      <dsp:spPr>
-        <a:xfrm>
-          <a:off x="218771" y="1972452"/>
-          <a:ext cx="397767" cy="397767"/>
-        </a:xfrm>
-        <a:prstGeom prst="rect">
-          <a:avLst/>
-        </a:prstGeom>
-        <a:blipFill>
-          <a:blip xmlns:r="http://schemas.openxmlformats.org/officeDocument/2006/relationships" r:embed="rId5">
-            <a:extLst>
-              <a:ext uri="{28A0092B-C50C-407E-A947-70E740481C1C}">
-                <a14:useLocalDpi xmlns:a14="http://schemas.microsoft.com/office/drawing/2010/main" val="0"/>
-              </a:ext>
-              <a:ext uri="{96DAC541-7B7A-43D3-8B79-37D633B846F1}">
-                <asvg:svgBlip xmlns:asvg="http://schemas.microsoft.com/office/drawing/2016/SVG/main" r:embed="rId6"/>
-              </a:ext>
-            </a:extLst>
-          </a:blip>
-          <a:srcRect/>
-          <a:stretch>
-            <a:fillRect/>
-          </a:stretch>
-        </a:blipFill>
-        <a:ln w="19050" cap="rnd" cmpd="sng" algn="ctr">
-          <a:noFill/>
-          <a:prstDash val="solid"/>
-        </a:ln>
-        <a:effectLst/>
-      </dsp:spPr>
-      <dsp:style>
-        <a:lnRef idx="2">
-          <a:scrgbClr r="0" g="0" b="0"/>
-        </a:lnRef>
-        <a:fillRef idx="1">
-          <a:scrgbClr r="0" g="0" b="0"/>
-        </a:fillRef>
-        <a:effectRef idx="0">
-          <a:scrgbClr r="0" g="0" b="0"/>
-        </a:effectRef>
-        <a:fontRef idx="minor">
-          <a:schemeClr val="lt1"/>
-        </a:fontRef>
-      </dsp:style>
-    </dsp:sp>
-    <dsp:sp modelId="{2B28DD1C-82EE-4C23-AD29-2F8728A84228}">
-      <dsp:nvSpPr>
-        <dsp:cNvPr id="0" name=""/>
-        <dsp:cNvSpPr/>
-      </dsp:nvSpPr>
-      <dsp:spPr>
-        <a:xfrm>
-          <a:off x="835310" y="1809729"/>
-          <a:ext cx="5555964" cy="723212"/>
-        </a:xfrm>
-        <a:prstGeom prst="rect">
-          <a:avLst/>
-        </a:prstGeom>
-        <a:noFill/>
-        <a:ln>
-          <a:noFill/>
-        </a:ln>
-        <a:effectLst/>
-      </dsp:spPr>
-      <dsp:style>
-        <a:lnRef idx="0">
-          <a:scrgbClr r="0" g="0" b="0"/>
-        </a:lnRef>
-        <a:fillRef idx="0">
-          <a:scrgbClr r="0" g="0" b="0"/>
-        </a:fillRef>
-        <a:effectRef idx="0">
-          <a:scrgbClr r="0" g="0" b="0"/>
-        </a:effectRef>
-        <a:fontRef idx="minor"/>
-      </dsp:style>
-      <dsp:txBody>
-        <a:bodyPr spcFirstLastPara="0" vert="horz" wrap="square" lIns="76540" tIns="76540" rIns="76540" bIns="76540" numCol="1" spcCol="1270" anchor="ctr" anchorCtr="0">
-          <a:noAutofit/>
-        </a:bodyPr>
-        <a:lstStyle/>
-        <a:p>
-          <a:pPr marL="0" lvl="0" indent="0" algn="l" defTabSz="844550">
-            <a:lnSpc>
-              <a:spcPct val="90000"/>
-            </a:lnSpc>
-            <a:spcBef>
-              <a:spcPct val="0"/>
-            </a:spcBef>
-            <a:spcAft>
-              <a:spcPct val="35000"/>
-            </a:spcAft>
-            <a:buNone/>
-          </a:pPr>
-          <a:r>
-            <a:rPr lang="es-ES" sz="1900" kern="1200"/>
-            <a:t>Infraestructura</a:t>
-          </a:r>
-          <a:endParaRPr lang="en-US" sz="1900" kern="1200"/>
-        </a:p>
-      </dsp:txBody>
-      <dsp:txXfrm>
-        <a:off x="835310" y="1809729"/>
-        <a:ext cx="5555964" cy="723212"/>
-      </dsp:txXfrm>
-    </dsp:sp>
-    <dsp:sp modelId="{794AC508-9147-47F9-B87D-187B2C8EF2A7}">
-      <dsp:nvSpPr>
-        <dsp:cNvPr id="0" name=""/>
-        <dsp:cNvSpPr/>
-      </dsp:nvSpPr>
-      <dsp:spPr>
-        <a:xfrm>
-          <a:off x="0" y="2713745"/>
-          <a:ext cx="6391275" cy="723212"/>
-        </a:xfrm>
-        <a:prstGeom prst="roundRect">
-          <a:avLst>
-            <a:gd name="adj" fmla="val 10000"/>
-          </a:avLst>
-        </a:prstGeom>
-        <a:solidFill>
-          <a:schemeClr val="bg1">
-            <a:lumMod val="95000"/>
-            <a:hueOff val="0"/>
-            <a:satOff val="0"/>
-            <a:lumOff val="0"/>
-            <a:alphaOff val="0"/>
-          </a:schemeClr>
-        </a:solidFill>
-        <a:ln>
-          <a:noFill/>
-        </a:ln>
-        <a:effectLst/>
-      </dsp:spPr>
-      <dsp:style>
-        <a:lnRef idx="0">
-          <a:scrgbClr r="0" g="0" b="0"/>
-        </a:lnRef>
-        <a:fillRef idx="1">
-          <a:scrgbClr r="0" g="0" b="0"/>
-        </a:fillRef>
-        <a:effectRef idx="0">
-          <a:scrgbClr r="0" g="0" b="0"/>
-        </a:effectRef>
-        <a:fontRef idx="minor"/>
-      </dsp:style>
-    </dsp:sp>
-    <dsp:sp modelId="{D683AF74-0214-474C-ABCF-6C2F76928E05}">
-      <dsp:nvSpPr>
-        <dsp:cNvPr id="0" name=""/>
-        <dsp:cNvSpPr/>
-      </dsp:nvSpPr>
-      <dsp:spPr>
-        <a:xfrm>
-          <a:off x="218771" y="2876467"/>
-          <a:ext cx="397767" cy="397767"/>
-        </a:xfrm>
-        <a:prstGeom prst="rect">
-          <a:avLst/>
-        </a:prstGeom>
-        <a:blipFill>
-          <a:blip xmlns:r="http://schemas.openxmlformats.org/officeDocument/2006/relationships" r:embed="rId7">
-            <a:extLst>
-              <a:ext uri="{28A0092B-C50C-407E-A947-70E740481C1C}">
-                <a14:useLocalDpi xmlns:a14="http://schemas.microsoft.com/office/drawing/2010/main" val="0"/>
-              </a:ext>
-              <a:ext uri="{96DAC541-7B7A-43D3-8B79-37D633B846F1}">
-                <asvg:svgBlip xmlns:asvg="http://schemas.microsoft.com/office/drawing/2016/SVG/main" r:embed="rId8"/>
-              </a:ext>
-            </a:extLst>
-          </a:blip>
-          <a:srcRect/>
-          <a:stretch>
-            <a:fillRect/>
-          </a:stretch>
-        </a:blipFill>
-        <a:ln w="19050" cap="rnd" cmpd="sng" algn="ctr">
-          <a:noFill/>
-          <a:prstDash val="solid"/>
-        </a:ln>
-        <a:effectLst/>
-      </dsp:spPr>
-      <dsp:style>
-        <a:lnRef idx="2">
-          <a:scrgbClr r="0" g="0" b="0"/>
-        </a:lnRef>
-        <a:fillRef idx="1">
-          <a:scrgbClr r="0" g="0" b="0"/>
-        </a:fillRef>
-        <a:effectRef idx="0">
-          <a:scrgbClr r="0" g="0" b="0"/>
-        </a:effectRef>
-        <a:fontRef idx="minor">
-          <a:schemeClr val="lt1"/>
-        </a:fontRef>
-      </dsp:style>
-    </dsp:sp>
-    <dsp:sp modelId="{D766C435-0793-4422-AAED-D071842F387F}">
-      <dsp:nvSpPr>
-        <dsp:cNvPr id="0" name=""/>
-        <dsp:cNvSpPr/>
-      </dsp:nvSpPr>
-      <dsp:spPr>
-        <a:xfrm>
-          <a:off x="835310" y="2713745"/>
-          <a:ext cx="5555964" cy="723212"/>
-        </a:xfrm>
-        <a:prstGeom prst="rect">
-          <a:avLst/>
-        </a:prstGeom>
-        <a:noFill/>
-        <a:ln>
-          <a:noFill/>
-        </a:ln>
-        <a:effectLst/>
-      </dsp:spPr>
-      <dsp:style>
-        <a:lnRef idx="0">
-          <a:scrgbClr r="0" g="0" b="0"/>
-        </a:lnRef>
-        <a:fillRef idx="0">
-          <a:scrgbClr r="0" g="0" b="0"/>
-        </a:fillRef>
-        <a:effectRef idx="0">
-          <a:scrgbClr r="0" g="0" b="0"/>
-        </a:effectRef>
-        <a:fontRef idx="minor"/>
-      </dsp:style>
-      <dsp:txBody>
-        <a:bodyPr spcFirstLastPara="0" vert="horz" wrap="square" lIns="76540" tIns="76540" rIns="76540" bIns="76540" numCol="1" spcCol="1270" anchor="ctr" anchorCtr="0">
-          <a:noAutofit/>
-        </a:bodyPr>
-        <a:lstStyle/>
-        <a:p>
-          <a:pPr marL="0" lvl="0" indent="0" algn="l" defTabSz="844550">
-            <a:lnSpc>
-              <a:spcPct val="90000"/>
-            </a:lnSpc>
-            <a:spcBef>
-              <a:spcPct val="0"/>
-            </a:spcBef>
-            <a:spcAft>
-              <a:spcPct val="35000"/>
-            </a:spcAft>
-            <a:buNone/>
-          </a:pPr>
-          <a:r>
-            <a:rPr lang="es-ES" sz="1900" kern="1200" dirty="0"/>
-            <a:t>Prácticas en </a:t>
-          </a:r>
-          <a:r>
-            <a:rPr lang="es-ES" sz="1900" kern="1200" dirty="0" err="1"/>
-            <a:t>Jupyter</a:t>
-          </a:r>
-          <a:endParaRPr lang="en-US" sz="1900" kern="1200" dirty="0"/>
-        </a:p>
-      </dsp:txBody>
-      <dsp:txXfrm>
-        <a:off x="835310" y="2713745"/>
-        <a:ext cx="5555964" cy="723212"/>
-      </dsp:txXfrm>
-    </dsp:sp>
-    <dsp:sp modelId="{DD2395B4-7477-446E-A6B7-230FCD394028}">
-      <dsp:nvSpPr>
-        <dsp:cNvPr id="0" name=""/>
-        <dsp:cNvSpPr/>
-      </dsp:nvSpPr>
-      <dsp:spPr>
-        <a:xfrm>
-          <a:off x="0" y="3617761"/>
-          <a:ext cx="6391275" cy="723212"/>
-        </a:xfrm>
-        <a:prstGeom prst="roundRect">
-          <a:avLst>
-            <a:gd name="adj" fmla="val 10000"/>
-          </a:avLst>
-        </a:prstGeom>
-        <a:solidFill>
-          <a:schemeClr val="bg1">
-            <a:lumMod val="95000"/>
-            <a:hueOff val="0"/>
-            <a:satOff val="0"/>
-            <a:lumOff val="0"/>
-            <a:alphaOff val="0"/>
-          </a:schemeClr>
-        </a:solidFill>
-        <a:ln>
-          <a:noFill/>
-        </a:ln>
-        <a:effectLst/>
-      </dsp:spPr>
-      <dsp:style>
-        <a:lnRef idx="0">
-          <a:scrgbClr r="0" g="0" b="0"/>
-        </a:lnRef>
-        <a:fillRef idx="1">
-          <a:scrgbClr r="0" g="0" b="0"/>
-        </a:fillRef>
-        <a:effectRef idx="0">
-          <a:scrgbClr r="0" g="0" b="0"/>
-        </a:effectRef>
-        <a:fontRef idx="minor"/>
-      </dsp:style>
-    </dsp:sp>
-    <dsp:sp modelId="{B1DA2347-C1A0-4A1D-B278-F535FDE88B0D}">
-      <dsp:nvSpPr>
-        <dsp:cNvPr id="0" name=""/>
-        <dsp:cNvSpPr/>
-      </dsp:nvSpPr>
-      <dsp:spPr>
-        <a:xfrm>
-          <a:off x="218771" y="3780483"/>
-          <a:ext cx="397767" cy="397767"/>
-        </a:xfrm>
-        <a:prstGeom prst="rect">
-          <a:avLst/>
-        </a:prstGeom>
-        <a:blipFill>
-          <a:blip xmlns:r="http://schemas.openxmlformats.org/officeDocument/2006/relationships" r:embed="rId9">
-            <a:extLst>
-              <a:ext uri="{96DAC541-7B7A-43D3-8B79-37D633B846F1}">
-                <asvg:svgBlip xmlns:asvg="http://schemas.microsoft.com/office/drawing/2016/SVG/main" r:embed="rId10"/>
-              </a:ext>
-            </a:extLst>
-          </a:blip>
-          <a:srcRect/>
-          <a:stretch>
-            <a:fillRect/>
-          </a:stretch>
-        </a:blipFill>
-        <a:ln w="19050" cap="rnd" cmpd="sng" algn="ctr">
-          <a:noFill/>
-          <a:prstDash val="solid"/>
-        </a:ln>
-        <a:effectLst/>
-      </dsp:spPr>
-      <dsp:style>
-        <a:lnRef idx="2">
-          <a:scrgbClr r="0" g="0" b="0"/>
-        </a:lnRef>
-        <a:fillRef idx="1">
-          <a:scrgbClr r="0" g="0" b="0"/>
-        </a:fillRef>
-        <a:effectRef idx="0">
-          <a:scrgbClr r="0" g="0" b="0"/>
-        </a:effectRef>
-        <a:fontRef idx="minor">
-          <a:schemeClr val="lt1"/>
-        </a:fontRef>
-      </dsp:style>
-    </dsp:sp>
-    <dsp:sp modelId="{F4944898-04D8-40BE-8472-D37294874C28}">
-      <dsp:nvSpPr>
-        <dsp:cNvPr id="0" name=""/>
-        <dsp:cNvSpPr/>
-      </dsp:nvSpPr>
-      <dsp:spPr>
-        <a:xfrm>
-          <a:off x="835310" y="3617761"/>
-          <a:ext cx="5555964" cy="723212"/>
-        </a:xfrm>
-        <a:prstGeom prst="rect">
-          <a:avLst/>
-        </a:prstGeom>
-        <a:noFill/>
-        <a:ln>
-          <a:noFill/>
-        </a:ln>
-        <a:effectLst/>
-      </dsp:spPr>
-      <dsp:style>
-        <a:lnRef idx="0">
-          <a:scrgbClr r="0" g="0" b="0"/>
-        </a:lnRef>
-        <a:fillRef idx="0">
-          <a:scrgbClr r="0" g="0" b="0"/>
-        </a:fillRef>
-        <a:effectRef idx="0">
-          <a:scrgbClr r="0" g="0" b="0"/>
-        </a:effectRef>
-        <a:fontRef idx="minor"/>
-      </dsp:style>
-      <dsp:txBody>
-        <a:bodyPr spcFirstLastPara="0" vert="horz" wrap="square" lIns="76540" tIns="76540" rIns="76540" bIns="76540" numCol="1" spcCol="1270" anchor="ctr" anchorCtr="0">
-          <a:noAutofit/>
-        </a:bodyPr>
-        <a:lstStyle/>
-        <a:p>
-          <a:pPr marL="0" lvl="0" indent="0" algn="l" defTabSz="844550">
-            <a:lnSpc>
-              <a:spcPct val="90000"/>
-            </a:lnSpc>
-            <a:spcBef>
-              <a:spcPct val="0"/>
-            </a:spcBef>
-            <a:spcAft>
-              <a:spcPct val="35000"/>
-            </a:spcAft>
-            <a:buNone/>
-          </a:pPr>
-          <a:r>
-            <a:rPr lang="es-ES" sz="1900" kern="1200" dirty="0"/>
-            <a:t>Ejemplos Resultados Práctica 7</a:t>
-          </a:r>
-          <a:endParaRPr lang="en-US" sz="1900" kern="1200" dirty="0"/>
-        </a:p>
-      </dsp:txBody>
-      <dsp:txXfrm>
-        <a:off x="835310" y="3617761"/>
-        <a:ext cx="5555964" cy="723212"/>
-      </dsp:txXfrm>
-    </dsp:sp>
-    <dsp:sp modelId="{FBE9E2CF-3DCD-4914-80C1-4308DAE7C3E5}">
-      <dsp:nvSpPr>
-        <dsp:cNvPr id="0" name=""/>
-        <dsp:cNvSpPr/>
-      </dsp:nvSpPr>
-      <dsp:spPr>
-        <a:xfrm>
-          <a:off x="0" y="4521777"/>
-          <a:ext cx="6391275" cy="723212"/>
-        </a:xfrm>
-        <a:prstGeom prst="roundRect">
-          <a:avLst>
-            <a:gd name="adj" fmla="val 10000"/>
-          </a:avLst>
-        </a:prstGeom>
-        <a:solidFill>
-          <a:schemeClr val="bg1">
-            <a:lumMod val="95000"/>
-            <a:hueOff val="0"/>
-            <a:satOff val="0"/>
-            <a:lumOff val="0"/>
-            <a:alphaOff val="0"/>
-          </a:schemeClr>
-        </a:solidFill>
-        <a:ln>
-          <a:noFill/>
-        </a:ln>
-        <a:effectLst/>
-      </dsp:spPr>
-      <dsp:style>
-        <a:lnRef idx="0">
-          <a:scrgbClr r="0" g="0" b="0"/>
-        </a:lnRef>
-        <a:fillRef idx="1">
-          <a:scrgbClr r="0" g="0" b="0"/>
-        </a:fillRef>
-        <a:effectRef idx="0">
-          <a:scrgbClr r="0" g="0" b="0"/>
-        </a:effectRef>
-        <a:fontRef idx="minor"/>
-      </dsp:style>
-    </dsp:sp>
-    <dsp:sp modelId="{2FE33009-998E-4525-B32B-95A821A8A4FD}">
-      <dsp:nvSpPr>
-        <dsp:cNvPr id="0" name=""/>
-        <dsp:cNvSpPr/>
-      </dsp:nvSpPr>
-      <dsp:spPr>
-        <a:xfrm>
-          <a:off x="218771" y="4684499"/>
-          <a:ext cx="397767" cy="397767"/>
-        </a:xfrm>
-        <a:prstGeom prst="rect">
-          <a:avLst/>
-        </a:prstGeom>
-        <a:blipFill>
-          <a:blip xmlns:r="http://schemas.openxmlformats.org/officeDocument/2006/relationships" r:embed="rId11">
-            <a:extLst>
-              <a:ext uri="{28A0092B-C50C-407E-A947-70E740481C1C}">
-                <a14:useLocalDpi xmlns:a14="http://schemas.microsoft.com/office/drawing/2010/main" val="0"/>
-              </a:ext>
-              <a:ext uri="{96DAC541-7B7A-43D3-8B79-37D633B846F1}">
-                <asvg:svgBlip xmlns:asvg="http://schemas.microsoft.com/office/drawing/2016/SVG/main" r:embed="rId12"/>
-              </a:ext>
-            </a:extLst>
-          </a:blip>
-          <a:srcRect/>
-          <a:stretch>
-            <a:fillRect/>
-          </a:stretch>
-        </a:blipFill>
-        <a:ln w="19050" cap="rnd" cmpd="sng" algn="ctr">
-          <a:noFill/>
-          <a:prstDash val="solid"/>
-        </a:ln>
-        <a:effectLst/>
-      </dsp:spPr>
-      <dsp:style>
-        <a:lnRef idx="2">
-          <a:scrgbClr r="0" g="0" b="0"/>
-        </a:lnRef>
-        <a:fillRef idx="1">
-          <a:scrgbClr r="0" g="0" b="0"/>
-        </a:fillRef>
-        <a:effectRef idx="0">
-          <a:scrgbClr r="0" g="0" b="0"/>
-        </a:effectRef>
-        <a:fontRef idx="minor">
-          <a:schemeClr val="lt1"/>
-        </a:fontRef>
-      </dsp:style>
-    </dsp:sp>
-    <dsp:sp modelId="{73724372-D5C1-4C94-9B3C-F0DFE8AAECA4}">
-      <dsp:nvSpPr>
-        <dsp:cNvPr id="0" name=""/>
-        <dsp:cNvSpPr/>
-      </dsp:nvSpPr>
-      <dsp:spPr>
-        <a:xfrm>
-          <a:off x="835310" y="4521777"/>
-          <a:ext cx="5555964" cy="723212"/>
-        </a:xfrm>
-        <a:prstGeom prst="rect">
-          <a:avLst/>
-        </a:prstGeom>
-        <a:noFill/>
-        <a:ln>
-          <a:noFill/>
-        </a:ln>
-        <a:effectLst/>
-      </dsp:spPr>
-      <dsp:style>
-        <a:lnRef idx="0">
-          <a:scrgbClr r="0" g="0" b="0"/>
-        </a:lnRef>
-        <a:fillRef idx="0">
-          <a:scrgbClr r="0" g="0" b="0"/>
-        </a:fillRef>
-        <a:effectRef idx="0">
-          <a:scrgbClr r="0" g="0" b="0"/>
-        </a:effectRef>
-        <a:fontRef idx="minor"/>
-      </dsp:style>
-      <dsp:txBody>
-        <a:bodyPr spcFirstLastPara="0" vert="horz" wrap="square" lIns="76540" tIns="76540" rIns="76540" bIns="76540" numCol="1" spcCol="1270" anchor="ctr" anchorCtr="0">
-          <a:noAutofit/>
-        </a:bodyPr>
-        <a:lstStyle/>
-        <a:p>
-          <a:pPr marL="0" lvl="0" indent="0" algn="l" defTabSz="844550">
-            <a:lnSpc>
-              <a:spcPct val="90000"/>
-            </a:lnSpc>
-            <a:spcBef>
-              <a:spcPct val="0"/>
-            </a:spcBef>
-            <a:spcAft>
-              <a:spcPct val="35000"/>
-            </a:spcAft>
-            <a:buNone/>
-          </a:pPr>
-          <a:r>
-            <a:rPr lang="es-ES" sz="1900" kern="1200"/>
-            <a:t>Conclusiones</a:t>
-          </a:r>
-          <a:endParaRPr lang="en-US" sz="1900" kern="1200"/>
-        </a:p>
-      </dsp:txBody>
-      <dsp:txXfrm>
-        <a:off x="835310" y="4521777"/>
-        <a:ext cx="5555964" cy="723212"/>
-      </dsp:txXfrm>
-    </dsp:sp>
-  </dsp:spTree>
-</dsp:drawing>
-</file>
-
-<file path=ppt/diagrams/layout1.xml><?xml version="1.0" encoding="utf-8"?>
-<dgm:layoutDef xmlns:dgm="http://schemas.openxmlformats.org/drawingml/2006/diagram" xmlns:a="http://schemas.openxmlformats.org/drawingml/2006/main" uniqueId="urn:microsoft.com/office/officeart/2018/2/layout/IconVerticalSolidList">
-  <dgm:title val="Icon Vertical Solid List"/>
-  <dgm:desc val="Use to show a series of visuals from top to bottom with Level 1 or Level 1 and Level 2 text grouped in a shape. Works best with icons or small pictures with lengthier descriptions."/>
-  <dgm:catLst>
-    <dgm:cat type="icon" pri="500"/>
-  </dgm:catLst>
-  <dgm:sampData useDef="1">
-    <dgm:dataModel>
-      <dgm:ptLst/>
-      <dgm:bg/>
-      <dgm:whole/>
-    </dgm:dataModel>
-  </dgm:sampData>
-  <dgm:styleData useDef="1">
-    <dgm:dataModel>
-      <dgm:ptLst/>
-      <dgm:bg/>
-      <dgm:whole/>
-    </dgm:dataModel>
-  </dgm:styleData>
-  <dgm:clrData useDef="1">
-    <dgm:dataModel>
-      <dgm:ptLst/>
-      <dgm:bg/>
-      <dgm:whole/>
-    </dgm:dataModel>
-  </dgm:clrData>
-  <dgm:layoutNode name="root">
-    <dgm:varLst>
-      <dgm:dir/>
-      <dgm:resizeHandles val="exact"/>
-    </dgm:varLst>
-    <dgm:choose name="Name0">
-      <dgm:if name="Name1" axis="self" func="var" arg="dir" op="equ" val="norm">
-        <dgm:alg type="lin">
-          <dgm:param type="linDir" val="fromT"/>
-          <dgm:param type="nodeHorzAlign" val="l"/>
-        </dgm:alg>
-      </dgm:if>
-      <dgm:else name="Name2">
-        <dgm:alg type="lin">
-          <dgm:param type="linDir" val="fromT"/>
-          <dgm:param type="nodeHorzAlign" val="r"/>
-        </dgm:alg>
-      </dgm:else>
-    </dgm:choose>
-    <dgm:shape xmlns:r="http://schemas.openxmlformats.org/officeDocument/2006/relationships" r:blip="">
-      <dgm:adjLst/>
-    </dgm:shape>
-    <dgm:presOf/>
-    <dgm:choose name="Name3">
-      <dgm:if name="Name4" axis="ch" ptType="node" func="cnt" op="lte" val="3">
-        <dgm:constrLst>
-          <dgm:constr type="h" for="ch" forName="compNode" refType="h" fact="0.3"/>
-          <dgm:constr type="w" for="ch" forName="compNode" refType="w"/>
-          <dgm:constr type="h" for="ch" forName="sibTrans" refType="h" refFor="ch" refForName="compNode" fact="0.25"/>
-          <dgm:constr type="primFontSz" for="des" forName="parTx" val="25"/>
-          <dgm:constr type="primFontSz" for="des" forName="desTx" refType="primFontSz" refFor="des" refForName="parTx" op="lte" fact="0.75"/>
-          <dgm:constr type="h" for="des" forName="compNode" op="equ"/>
-          <dgm:constr type="h" for="des" forName="bgRect" op="equ"/>
-          <dgm:constr type="h" for="des" forName="iconRect" op="equ"/>
-          <dgm:constr type="w" for="des" forName="iconRect" op="equ"/>
-          <dgm:constr type="h" for="des" forName="spaceRect" op="equ"/>
-          <dgm:constr type="h" for="des" forName="parTx" op="equ"/>
-          <dgm:constr type="h" for="des" forName="desTx" op="equ"/>
-        </dgm:constrLst>
-      </dgm:if>
-      <dgm:if name="Name5" axis="ch" ptType="node" func="cnt" op="lte" val="4">
-        <dgm:constrLst>
-          <dgm:constr type="h" for="ch" forName="compNode" refType="h" fact="0.3"/>
-          <dgm:constr type="w" for="ch" forName="compNode" refType="w"/>
-          <dgm:constr type="h" for="ch" forName="sibTrans" refType="h" refFor="ch" refForName="compNode" fact="0.25"/>
-          <dgm:constr type="primFontSz" for="des" forName="parTx" val="22"/>
-          <dgm:constr type="primFontSz" for="des" forName="desTx" refType="primFontSz" refFor="des" refForName="parTx" op="lte" fact="0.75"/>
-          <dgm:constr type="h" for="des" forName="compNode" op="equ"/>
-          <dgm:constr type="h" for="des" forName="bgRect" op="equ"/>
-          <dgm:constr type="h" for="des" forName="iconRect" op="equ"/>
-          <dgm:constr type="w" for="des" forName="iconRect" op="equ"/>
-          <dgm:constr type="h" for="des" forName="spaceRect" op="equ"/>
-          <dgm:constr type="h" for="des" forName="parTx" op="equ"/>
-          <dgm:constr type="h" for="des" forName="desTx" op="equ"/>
-        </dgm:constrLst>
-      </dgm:if>
-      <dgm:if name="Name6" axis="ch" ptType="node" func="cnt" op="lte" val="6">
-        <dgm:constrLst>
-          <dgm:constr type="h" for="ch" forName="compNode" refType="h" fact="0.3"/>
-          <dgm:constr type="w" for="ch" forName="compNode" refType="w"/>
-          <dgm:constr type="h" for="ch" forName="sibTrans" refType="h" refFor="ch" refForName="compNode" fact="0.25"/>
-          <dgm:constr type="primFontSz" for="des" forName="parTx" val="19"/>
-          <dgm:constr type="primFontSz" for="des" forName="desTx" refType="primFontSz" refFor="des" refForName="parTx" op="lte" fact="0.75"/>
-          <dgm:constr type="h" for="des" forName="compNode" op="equ"/>
-          <dgm:constr type="h" for="des" forName="bgRect" op="equ"/>
-          <dgm:constr type="h" for="des" forName="iconRect" op="equ"/>
-          <dgm:constr type="w" for="des" forName="iconRect" op="equ"/>
-          <dgm:constr type="h" for="des" forName="spaceRect" op="equ"/>
-          <dgm:constr type="h" for="des" forName="parTx" op="equ"/>
-          <dgm:constr type="h" for="des" forName="desTx" op="equ"/>
-        </dgm:constrLst>
-      </dgm:if>
-      <dgm:else name="Name7">
-        <dgm:constrLst>
-          <dgm:constr type="h" for="ch" forName="compNode" refType="h" fact="0.3"/>
-          <dgm:constr type="w" for="ch" forName="compNode" refType="w"/>
-          <dgm:constr type="h" for="ch" forName="sibTrans" refType="h" refFor="ch" refForName="compNode" fact="0.25"/>
-          <dgm:constr type="primFontSz" for="des" forName="parTx" val="16"/>
-          <dgm:constr type="primFontSz" for="des" forName="desTx" refType="primFontSz" refFor="des" refForName="parTx" op="lte" fact="0.75"/>
-          <dgm:constr type="h" for="des" forName="compNode" op="equ"/>
-          <dgm:constr type="h" for="des" forName="bgRect" op="equ"/>
-          <dgm:constr type="h" for="des" forName="iconRect" op="equ"/>
-          <dgm:constr type="w" for="des" forName="iconRect" op="equ"/>
-          <dgm:constr type="h" for="des" forName="spaceRect" op="equ"/>
-          <dgm:constr type="h" for="des" forName="parTx" op="equ"/>
-          <dgm:constr type="h" for="des" forName="desTx" op="equ"/>
-        </dgm:constrLst>
-      </dgm:else>
-    </dgm:choose>
-    <dgm:ruleLst>
-      <dgm:rule type="h" for="ch" forName="compNode" val="0" fact="NaN" max="NaN"/>
-    </dgm:ruleLst>
-    <dgm:forEach name="Name8" axis="ch" ptType="node">
-      <dgm:layoutNode name="compNode">
-        <dgm:alg type="composite"/>
-        <dgm:shape xmlns:r="http://schemas.openxmlformats.org/officeDocument/2006/relationships" r:blip="">
-          <dgm:adjLst/>
-        </dgm:shape>
-        <dgm:presOf axis="self"/>
-        <dgm:choose name="Name9">
-          <dgm:if name="Name10" axis="ch" ptType="node" func="cnt" op="gte" val="1">
-            <dgm:constrLst>
-              <dgm:constr type="w" for="ch" forName="bgRect" refType="w"/>
-              <dgm:constr type="h" for="ch" forName="bgRect" refType="h"/>
-              <dgm:constr type="l" for="ch" forName="bgRect"/>
-              <dgm:constr type="t" for="ch" forName="bgRect"/>
-              <dgm:constr type="h" for="ch" forName="iconRect" refType="h" fact="0.55"/>
-              <dgm:constr type="w" for="ch" forName="iconRect" refType="h" refFor="ch" refForName="iconRect"/>
-              <dgm:constr type="l" for="ch" forName="iconRect" refType="h" refFor="ch" refForName="iconRect" fact="0.55"/>
-              <dgm:constr type="ctrY" for="ch" forName="iconRect" refType="ctrY" refFor="ch" refForName="bgRect"/>
-              <dgm:constr type="w" for="ch" forName="spaceRect" refType="l" refFor="ch" refForName="iconRect"/>
-              <dgm:constr type="h" for="ch" forName="spaceRect" refType="h"/>
-              <dgm:constr type="l" for="ch" forName="spaceRect" refType="r" refFor="ch" refForName="iconRect"/>
-              <dgm:constr type="t" for="ch" forName="spaceRect"/>
-              <dgm:constr type="w" for="ch" forName="parTx" refType="w" fact="0.45"/>
-              <dgm:constr type="h" for="ch" forName="parTx" refType="h"/>
-              <dgm:constr type="l" for="ch" forName="parTx" refType="r" refFor="ch" refForName="spaceRect"/>
-              <dgm:constr type="t" for="ch" forName="parTx"/>
-              <dgm:constr type="h" for="ch" forName="desTx" refType="h"/>
-              <dgm:constr type="l" for="ch" forName="desTx" refType="r" refFor="ch" refForName="parTx"/>
-              <dgm:constr type="t" for="ch" forName="desTx"/>
-            </dgm:constrLst>
-          </dgm:if>
-          <dgm:else name="Name11">
-            <dgm:constrLst>
-              <dgm:constr type="w" for="ch" forName="bgRect" refType="w"/>
-              <dgm:constr type="h" for="ch" forName="bgRect" refType="h"/>
-              <dgm:constr type="l" for="ch" forName="bgRect"/>
-              <dgm:constr type="t" for="ch" forName="bgRect"/>
-              <dgm:constr type="h" for="ch" forName="iconRect" refType="h" fact="0.55"/>
-              <dgm:constr type="w" for="ch" forName="iconRect" refType="h" refFor="ch" refForName="iconRect"/>
-              <dgm:constr type="l" for="ch" forName="iconRect" refType="h" refFor="ch" refForName="iconRect" fact="0.55"/>
-              <dgm:constr type="ctrY" for="ch" forName="iconRect" refType="ctrY" refFor="ch" refForName="bgRect"/>
-              <dgm:constr type="w" for="ch" forName="spaceRect" refType="l" refFor="ch" refForName="iconRect"/>
-              <dgm:constr type="h" for="ch" forName="spaceRect" refType="h"/>
-              <dgm:constr type="l" for="ch" forName="spaceRect" refType="r" refFor="ch" refForName="iconRect"/>
-              <dgm:constr type="t" for="ch" forName="spaceRect"/>
-              <dgm:constr type="h" for="ch" forName="parTx" refType="h"/>
-              <dgm:constr type="l" for="ch" forName="parTx" refType="r" refFor="ch" refForName="spaceRect"/>
-              <dgm:constr type="t" for="ch" forName="parTx"/>
-            </dgm:constrLst>
-          </dgm:else>
-        </dgm:choose>
-        <dgm:ruleLst>
-          <dgm:rule type="h" val="INF" fact="NaN" max="NaN"/>
-        </dgm:ruleLst>
-        <dgm:layoutNode name="bgRect" styleLbl="bgShp">
-          <dgm:alg type="sp"/>
-          <dgm:shape xmlns:r="http://schemas.openxmlformats.org/officeDocument/2006/relationships" type="roundRect" r:blip="">
-            <dgm:adjLst>
-              <dgm:adj idx="1" val="0.1"/>
-            </dgm:adjLst>
-          </dgm:shape>
-          <dgm:presOf/>
-          <dgm:constrLst/>
-          <dgm:ruleLst/>
-        </dgm:layoutNode>
-        <dgm:layoutNode name="iconRect" styleLbl="node1">
-          <dgm:alg type="sp"/>
-          <dgm:shape xmlns:r="http://schemas.openxmlformats.org/officeDocument/2006/relationships" type="rect" r:blip="" blipPhldr="1">
-            <dgm:adjLst/>
-          </dgm:shape>
-          <dgm:presOf/>
-          <dgm:constrLst/>
-          <dgm:ruleLst/>
-        </dgm:layoutNode>
-        <dgm:layoutNode name="spaceRect">
-          <dgm:alg type="sp"/>
-          <dgm:shape xmlns:r="http://schemas.openxmlformats.org/officeDocument/2006/relationships" r:blip="">
-            <dgm:adjLst/>
-          </dgm:shape>
-          <dgm:presOf/>
-          <dgm:constrLst/>
-          <dgm:ruleLst/>
-        </dgm:layoutNode>
-        <dgm:layoutNode name="parTx" styleLbl="revTx">
-          <dgm:varLst>
-            <dgm:chMax val="0"/>
-            <dgm:chPref val="0"/>
-          </dgm:varLst>
-          <dgm:alg type="tx">
-            <dgm:param type="txAnchorVert" val="mid"/>
-            <dgm:param type="parTxLTRAlign" val="l"/>
-            <dgm:param type="shpTxLTRAlignCh" val="l"/>
-            <dgm:param type="parTxRTLAlign" val="r"/>
-            <dgm:param type="shpTxRTLAlignCh" val="r"/>
-          </dgm:alg>
-          <dgm:shape xmlns:r="http://schemas.openxmlformats.org/officeDocument/2006/relationships" type="rect" r:blip="">
-            <dgm:adjLst/>
-          </dgm:shape>
-          <dgm:presOf axis="self" ptType="node"/>
-          <dgm:constrLst>
-            <dgm:constr type="lMarg" refType="h" fact="0.3"/>
-            <dgm:constr type="rMarg" refType="h" fact="0.3"/>
-            <dgm:constr type="tMarg" refType="h" fact="0.3"/>
-            <dgm:constr type="bMarg" refType="h" fact="0.3"/>
-          </dgm:constrLst>
-          <dgm:ruleLst>
-            <dgm:rule type="primFontSz" val="14" fact="NaN" max="NaN"/>
-            <dgm:rule type="h" val="INF" fact="NaN" max="NaN"/>
-          </dgm:ruleLst>
-        </dgm:layoutNode>
-        <dgm:choose name="Name12">
-          <dgm:if name="Name13" axis="ch" ptType="node" func="cnt" op="gte" val="1">
-            <dgm:layoutNode name="desTx" styleLbl="revTx">
-              <dgm:varLst/>
-              <dgm:alg type="tx">
-                <dgm:param type="txAnchorVertCh" val="mid"/>
-                <dgm:param type="parTxLTRAlign" val="l"/>
-                <dgm:param type="shpTxLTRAlignCh" val="l"/>
-                <dgm:param type="parTxRTLAlign" val="r"/>
-                <dgm:param type="shpTxRTLAlignCh" val="r"/>
-                <dgm:param type="stBulletLvl" val="0"/>
-              </dgm:alg>
-              <dgm:shape xmlns:r="http://schemas.openxmlformats.org/officeDocument/2006/relationships" type="rect" r:blip="">
-                <dgm:adjLst/>
-              </dgm:shape>
-              <dgm:presOf axis="des" ptType="node"/>
-              <dgm:constrLst>
-                <dgm:constr type="primFontSz" val="18"/>
-                <dgm:constr type="secFontSz" refType="primFontSz"/>
-                <dgm:constr type="lMarg" refType="h" fact="0.3"/>
-                <dgm:constr type="rMarg" refType="h" fact="0.3"/>
-                <dgm:constr type="tMarg" refType="h" fact="0.3"/>
-                <dgm:constr type="bMarg" refType="h" fact="0.3"/>
-              </dgm:constrLst>
-              <dgm:ruleLst>
-                <dgm:rule type="primFontSz" val="11" fact="NaN" max="NaN"/>
-              </dgm:ruleLst>
-            </dgm:layoutNode>
-          </dgm:if>
-          <dgm:else name="Name14"/>
-        </dgm:choose>
-      </dgm:layoutNode>
-      <dgm:forEach name="Name15" axis="followSib" ptType="sibTrans" cnt="1">
-        <dgm:layoutNode name="sibTrans">
-          <dgm:alg type="sp"/>
-          <dgm:shape xmlns:r="http://schemas.openxmlformats.org/officeDocument/2006/relationships" r:blip="">
-            <dgm:adjLst/>
-          </dgm:shape>
-          <dgm:presOf axis="self"/>
-          <dgm:constrLst/>
-          <dgm:ruleLst/>
-        </dgm:layoutNode>
-      </dgm:forEach>
-    </dgm:forEach>
-  </dgm:layoutNode>
-  <dgm:extLst>
-    <a:ext uri="{68A01E43-0DF5-4B5B-8FA6-DAF915123BFB}">
-      <dgm1612:lstStyle xmlns:dgm1612="http://schemas.microsoft.com/office/drawing/2016/12/diagram">
-        <a:lvl1pPr>
-          <a:lnSpc>
-            <a:spcPct val="100000"/>
-          </a:lnSpc>
-        </a:lvl1pPr>
-        <a:lvl2pPr>
-          <a:lnSpc>
-            <a:spcPct val="100000"/>
-          </a:lnSpc>
-        </a:lvl2pPr>
-      </dgm1612:lstStyle>
-    </a:ext>
-  </dgm:extLst>
-</dgm:layoutDef>
-</file>
-
-<file path=ppt/diagrams/quickStyle1.xml><?xml version="1.0" encoding="utf-8"?>
-<dgm:styleDef xmlns:dgm="http://schemas.openxmlformats.org/drawingml/2006/diagram" xmlns:a="http://schemas.openxmlformats.org/drawingml/2006/main" uniqueId="urn:microsoft.com/office/officeart/2005/8/quickstyle/simple1">
-  <dgm:title val=""/>
-  <dgm:desc val=""/>
-  <dgm:catLst>
-    <dgm:cat type="simple" pri="10100"/>
-  </dgm:catLst>
-  <dgm:scene3d>
-    <a:camera prst="orthographicFront"/>
-    <a:lightRig rig="threePt" dir="t"/>
-  </dgm:scene3d>
-  <dgm:styleLbl name="node0">
-    <dgm:scene3d>
-      <a:camera prst="orthographicFront"/>
-      <a:lightRig rig="threePt" dir="t"/>
-    </dgm:scene3d>
-    <dgm:sp3d/>
-    <dgm:txPr/>
-    <dgm:style>
-      <a:lnRef idx="2">
-        <a:scrgbClr r="0" g="0" b="0"/>
-      </a:lnRef>
-      <a:fillRef idx="1">
-        <a:scrgbClr r="0" g="0" b="0"/>
-      </a:fillRef>
-      <a:effectRef idx="0">
-        <a:scrgbClr r="0" g="0" b="0"/>
-      </a:effectRef>
-      <a:fontRef idx="minor">
-        <a:schemeClr val="lt1"/>
-      </a:fontRef>
-    </dgm:style>
-  </dgm:styleLbl>
-  <dgm:styleLbl name="lnNode1">
-    <dgm:scene3d>
-      <a:camera prst="orthographicFront"/>
-      <a:lightRig rig="threePt" dir="t"/>
-    </dgm:scene3d>
-    <dgm:sp3d/>
-    <dgm:txPr/>
-    <dgm:style>
-      <a:lnRef idx="2">
-        <a:scrgbClr r="0" g="0" b="0"/>
-      </a:lnRef>
-      <a:fillRef idx="1">
-        <a:scrgbClr r="0" g="0" b="0"/>
-      </a:fillRef>
-      <a:effectRef idx="0">
-        <a:scrgbClr r="0" g="0" b="0"/>
-      </a:effectRef>
-      <a:fontRef idx="minor">
-        <a:schemeClr val="lt1"/>
-      </a:fontRef>
-    </dgm:style>
-  </dgm:styleLbl>
-  <dgm:styleLbl name="vennNode1">
-    <dgm:scene3d>
-      <a:camera prst="orthographicFront"/>
-      <a:lightRig rig="threePt" dir="t"/>
-    </dgm:scene3d>
-    <dgm:sp3d/>
-    <dgm:txPr/>
-    <dgm:style>
-      <a:lnRef idx="2">
-        <a:scrgbClr r="0" g="0" b="0"/>
-      </a:lnRef>
-      <a:fillRef idx="1">
-        <a:scrgbClr r="0" g="0" b="0"/>
-      </a:fillRef>
-      <a:effectRef idx="0">
-        <a:scrgbClr r="0" g="0" b="0"/>
-      </a:effectRef>
-      <a:fontRef idx="minor">
-        <a:schemeClr val="tx1"/>
-      </a:fontRef>
-    </dgm:style>
-  </dgm:styleLbl>
-  <dgm:styleLbl name="alignNode1">
-    <dgm:scene3d>
-      <a:camera prst="orthographicFront"/>
-      <a:lightRig rig="threePt" dir="t"/>
-    </dgm:scene3d>
-    <dgm:sp3d/>
-    <dgm:txPr/>
-    <dgm:style>
-      <a:lnRef idx="2">
-        <a:scrgbClr r="0" g="0" b="0"/>
-      </a:lnRef>
-      <a:fillRef idx="1">
-        <a:scrgbClr r="0" g="0" b="0"/>
-      </a:fillRef>
-      <a:effectRef idx="0">
-        <a:scrgbClr r="0" g="0" b="0"/>
-      </a:effectRef>
-      <a:fontRef idx="minor">
-        <a:schemeClr val="lt1"/>
-      </a:fontRef>
-    </dgm:style>
-  </dgm:styleLbl>
-  <dgm:styleLbl name="node1">
-    <dgm:scene3d>
-      <a:camera prst="orthographicFront"/>
-      <a:lightRig rig="threePt" dir="t"/>
-    </dgm:scene3d>
-    <dgm:sp3d/>
-    <dgm:txPr/>
-    <dgm:style>
-      <a:lnRef idx="2">
-        <a:scrgbClr r="0" g="0" b="0"/>
-      </a:lnRef>
-      <a:fillRef idx="1">
-        <a:scrgbClr r="0" g="0" b="0"/>
-      </a:fillRef>
-      <a:effectRef idx="0">
-        <a:scrgbClr r="0" g="0" b="0"/>
-      </a:effectRef>
-      <a:fontRef idx="minor">
-        <a:schemeClr val="lt1"/>
-      </a:fontRef>
-    </dgm:style>
-  </dgm:styleLbl>
-  <dgm:styleLbl name="node2">
-    <dgm:scene3d>
-      <a:camera prst="orthographicFront"/>
-      <a:lightRig rig="threePt" dir="t"/>
-    </dgm:scene3d>
-    <dgm:sp3d/>
-    <dgm:txPr/>
-    <dgm:style>
-      <a:lnRef idx="2">
-        <a:scrgbClr r="0" g="0" b="0"/>
-      </a:lnRef>
-      <a:fillRef idx="1">
-        <a:scrgbClr r="0" g="0" b="0"/>
-      </a:fillRef>
-      <a:effectRef idx="0">
-        <a:scrgbClr r="0" g="0" b="0"/>
-      </a:effectRef>
-      <a:fontRef idx="minor">
-        <a:schemeClr val="lt1"/>
-      </a:fontRef>
-    </dgm:style>
-  </dgm:styleLbl>
-  <dgm:styleLbl name="node3">
-    <dgm:scene3d>
-      <a:camera prst="orthographicFront"/>
-      <a:lightRig rig="threePt" dir="t"/>
-    </dgm:scene3d>
-    <dgm:sp3d/>
-    <dgm:txPr/>
-    <dgm:style>
-      <a:lnRef idx="2">
-        <a:scrgbClr r="0" g="0" b="0"/>
-      </a:lnRef>
-      <a:fillRef idx="1">
-        <a:scrgbClr r="0" g="0" b="0"/>
-      </a:fillRef>
-      <a:effectRef idx="0">
-        <a:scrgbClr r="0" g="0" b="0"/>
-      </a:effectRef>
-      <a:fontRef idx="minor">
-        <a:schemeClr val="lt1"/>
-      </a:fontRef>
-    </dgm:style>
-  </dgm:styleLbl>
-  <dgm:styleLbl name="node4">
-    <dgm:scene3d>
-      <a:camera prst="orthographicFront"/>
-      <a:lightRig rig="threePt" dir="t"/>
-    </dgm:scene3d>
-    <dgm:sp3d/>
-    <dgm:txPr/>
-    <dgm:style>
-      <a:lnRef idx="2">
-        <a:scrgbClr r="0" g="0" b="0"/>
-      </a:lnRef>
-      <a:fillRef idx="1">
-        <a:scrgbClr r="0" g="0" b="0"/>
-      </a:fillRef>
-      <a:effectRef idx="0">
-        <a:scrgbClr r="0" g="0" b="0"/>
-      </a:effectRef>
-      <a:fontRef idx="minor">
-        <a:schemeClr val="lt1"/>
-      </a:fontRef>
-    </dgm:style>
-  </dgm:styleLbl>
-  <dgm:styleLbl name="fgImgPlace1">
-    <dgm:scene3d>
-      <a:camera prst="orthographicFront"/>
-      <a:lightRig rig="threePt" dir="t"/>
-    </dgm:scene3d>
-    <dgm:sp3d/>
-    <dgm:txPr/>
-    <dgm:style>
-      <a:lnRef idx="2">
-        <a:scrgbClr r="0" g="0" b="0"/>
-      </a:lnRef>
-      <a:fillRef idx="1">
-        <a:scrgbClr r="0" g="0" b="0"/>
-      </a:fillRef>
-      <a:effectRef idx="0">
-        <a:scrgbClr r="0" g="0" b="0"/>
-      </a:effectRef>
-      <a:fontRef idx="minor"/>
-    </dgm:style>
-  </dgm:styleLbl>
-  <dgm:styleLbl name="alignImgPlace1">
-    <dgm:scene3d>
-      <a:camera prst="orthographicFront"/>
-      <a:lightRig rig="threePt" dir="t"/>
-    </dgm:scene3d>
-    <dgm:sp3d/>
-    <dgm:txPr/>
-    <dgm:style>
-      <a:lnRef idx="2">
-        <a:scrgbClr r="0" g="0" b="0"/>
-      </a:lnRef>
-      <a:fillRef idx="1">
-        <a:scrgbClr r="0" g="0" b="0"/>
-      </a:fillRef>
-      <a:effectRef idx="0">
-        <a:scrgbClr r="0" g="0" b="0"/>
-      </a:effectRef>
-      <a:fontRef idx="minor"/>
-    </dgm:style>
-  </dgm:styleLbl>
-  <dgm:styleLbl name="bgImgPlace1">
-    <dgm:scene3d>
-      <a:camera prst="orthographicFront"/>
-      <a:lightRig rig="threePt" dir="t"/>
-    </dgm:scene3d>
-    <dgm:sp3d/>
-    <dgm:txPr/>
-    <dgm:style>
-      <a:lnRef idx="2">
-        <a:scrgbClr r="0" g="0" b="0"/>
-      </a:lnRef>
-      <a:fillRef idx="1">
-        <a:scrgbClr r="0" g="0" b="0"/>
-      </a:fillRef>
-      <a:effectRef idx="0">
-        <a:scrgbClr r="0" g="0" b="0"/>
-      </a:effectRef>
-      <a:fontRef idx="minor"/>
-    </dgm:style>
-  </dgm:styleLbl>
-  <dgm:styleLbl name="sibTrans2D1">
-    <dgm:scene3d>
-      <a:camera prst="orthographicFront"/>
-      <a:lightRig rig="threePt" dir="t"/>
-    </dgm:scene3d>
-    <dgm:sp3d/>
-    <dgm:txPr/>
-    <dgm:style>
-      <a:lnRef idx="0">
-        <a:scrgbClr r="0" g="0" b="0"/>
-      </a:lnRef>
-      <a:fillRef idx="1">
-        <a:scrgbClr r="0" g="0" b="0"/>
-      </a:fillRef>
-      <a:effectRef idx="0">
-        <a:scrgbClr r="0" g="0" b="0"/>
-      </a:effectRef>
-      <a:fontRef idx="minor">
-        <a:schemeClr val="lt1"/>
-      </a:fontRef>
-    </dgm:style>
-  </dgm:styleLbl>
-  <dgm:styleLbl name="fgSibTrans2D1">
-    <dgm:scene3d>
-      <a:camera prst="orthographicFront"/>
-      <a:lightRig rig="threePt" dir="t"/>
-    </dgm:scene3d>
-    <dgm:sp3d/>
-    <dgm:txPr/>
-    <dgm:style>
-      <a:lnRef idx="0">
-        <a:scrgbClr r="0" g="0" b="0"/>
-      </a:lnRef>
-      <a:fillRef idx="1">
-        <a:scrgbClr r="0" g="0" b="0"/>
-      </a:fillRef>
-      <a:effectRef idx="0">
-        <a:scrgbClr r="0" g="0" b="0"/>
-      </a:effectRef>
-      <a:fontRef idx="minor">
-        <a:schemeClr val="lt1"/>
-      </a:fontRef>
-    </dgm:style>
-  </dgm:styleLbl>
-  <dgm:styleLbl name="bgSibTrans2D1">
-    <dgm:scene3d>
-      <a:camera prst="orthographicFront"/>
-      <a:lightRig rig="threePt" dir="t"/>
-    </dgm:scene3d>
-    <dgm:sp3d/>
-    <dgm:txPr/>
-    <dgm:style>
-      <a:lnRef idx="0">
-        <a:scrgbClr r="0" g="0" b="0"/>
-      </a:lnRef>
-      <a:fillRef idx="1">
-        <a:scrgbClr r="0" g="0" b="0"/>
-      </a:fillRef>
-      <a:effectRef idx="0">
-        <a:scrgbClr r="0" g="0" b="0"/>
-      </a:effectRef>
-      <a:fontRef idx="minor">
-        <a:schemeClr val="lt1"/>
-      </a:fontRef>
-    </dgm:style>
-  </dgm:styleLbl>
-  <dgm:styleLbl name="sibTrans1D1">
-    <dgm:scene3d>
-      <a:camera prst="orthographicFront"/>
-      <a:lightRig rig="threePt" dir="t"/>
-    </dgm:scene3d>
-    <dgm:sp3d/>
-    <dgm:txPr/>
-    <dgm:style>
-      <a:lnRef idx="1">
-        <a:scrgbClr r="0" g="0" b="0"/>
-      </a:lnRef>
-      <a:fillRef idx="0">
-        <a:scrgbClr r="0" g="0" b="0"/>
-      </a:fillRef>
-      <a:effectRef idx="0">
-        <a:scrgbClr r="0" g="0" b="0"/>
-      </a:effectRef>
-      <a:fontRef idx="minor"/>
-    </dgm:style>
-  </dgm:styleLbl>
-  <dgm:styleLbl name="callout">
-    <dgm:scene3d>
-      <a:camera prst="orthographicFront"/>
-      <a:lightRig rig="threePt" dir="t"/>
-    </dgm:scene3d>
-    <dgm:sp3d/>
-    <dgm:txPr/>
-    <dgm:style>
-      <a:lnRef idx="2">
-        <a:scrgbClr r="0" g="0" b="0"/>
-      </a:lnRef>
-      <a:fillRef idx="1">
-        <a:scrgbClr r="0" g="0" b="0"/>
-      </a:fillRef>
-      <a:effectRef idx="0">
-        <a:scrgbClr r="0" g="0" b="0"/>
-      </a:effectRef>
-      <a:fontRef idx="minor"/>
-    </dgm:style>
-  </dgm:styleLbl>
-  <dgm:styleLbl name="asst0">
-    <dgm:scene3d>
-      <a:camera prst="orthographicFront"/>
-      <a:lightRig rig="threePt" dir="t"/>
-    </dgm:scene3d>
-    <dgm:sp3d/>
-    <dgm:txPr/>
-    <dgm:style>
-      <a:lnRef idx="2">
-        <a:scrgbClr r="0" g="0" b="0"/>
-      </a:lnRef>
-      <a:fillRef idx="1">
-        <a:scrgbClr r="0" g="0" b="0"/>
-      </a:fillRef>
-      <a:effectRef idx="0">
-        <a:scrgbClr r="0" g="0" b="0"/>
-      </a:effectRef>
-      <a:fontRef idx="minor">
-        <a:schemeClr val="lt1"/>
-      </a:fontRef>
-    </dgm:style>
-  </dgm:styleLbl>
-  <dgm:styleLbl name="asst1">
-    <dgm:scene3d>
-      <a:camera prst="orthographicFront"/>
-      <a:lightRig rig="threePt" dir="t"/>
-    </dgm:scene3d>
-    <dgm:sp3d/>
-    <dgm:txPr/>
-    <dgm:style>
-      <a:lnRef idx="2">
-        <a:scrgbClr r="0" g="0" b="0"/>
-      </a:lnRef>
-      <a:fillRef idx="1">
-        <a:scrgbClr r="0" g="0" b="0"/>
-      </a:fillRef>
-      <a:effectRef idx="0">
-        <a:scrgbClr r="0" g="0" b="0"/>
-      </a:effectRef>
-      <a:fontRef idx="minor">
-        <a:schemeClr val="lt1"/>
-      </a:fontRef>
-    </dgm:style>
-  </dgm:styleLbl>
-  <dgm:styleLbl name="asst2">
-    <dgm:scene3d>
-      <a:camera prst="orthographicFront"/>
-      <a:lightRig rig="threePt" dir="t"/>
-    </dgm:scene3d>
-    <dgm:sp3d/>
-    <dgm:txPr/>
-    <dgm:style>
-      <a:lnRef idx="2">
-        <a:scrgbClr r="0" g="0" b="0"/>
-      </a:lnRef>
-      <a:fillRef idx="1">
-        <a:scrgbClr r="0" g="0" b="0"/>
-      </a:fillRef>
-      <a:effectRef idx="0">
-        <a:scrgbClr r="0" g="0" b="0"/>
-      </a:effectRef>
-      <a:fontRef idx="minor">
-        <a:schemeClr val="lt1"/>
-      </a:fontRef>
-    </dgm:style>
-  </dgm:styleLbl>
-  <dgm:styleLbl name="asst3">
-    <dgm:scene3d>
-      <a:camera prst="orthographicFront"/>
-      <a:lightRig rig="threePt" dir="t"/>
-    </dgm:scene3d>
-    <dgm:sp3d/>
-    <dgm:txPr/>
-    <dgm:style>
-      <a:lnRef idx="2">
-        <a:scrgbClr r="0" g="0" b="0"/>
-      </a:lnRef>
-      <a:fillRef idx="1">
-        <a:scrgbClr r="0" g="0" b="0"/>
-      </a:fillRef>
-      <a:effectRef idx="0">
-        <a:scrgbClr r="0" g="0" b="0"/>
-      </a:effectRef>
-      <a:fontRef idx="minor">
-        <a:schemeClr val="lt1"/>
-      </a:fontRef>
-    </dgm:style>
-  </dgm:styleLbl>
-  <dgm:styleLbl name="asst4">
-    <dgm:scene3d>
-      <a:camera prst="orthographicFront"/>
-      <a:lightRig rig="threePt" dir="t"/>
-    </dgm:scene3d>
-    <dgm:sp3d/>
-    <dgm:txPr/>
-    <dgm:style>
-      <a:lnRef idx="2">
-        <a:scrgbClr r="0" g="0" b="0"/>
-      </a:lnRef>
-      <a:fillRef idx="1">
-        <a:scrgbClr r="0" g="0" b="0"/>
-      </a:fillRef>
-      <a:effectRef idx="0">
-        <a:scrgbClr r="0" g="0" b="0"/>
-      </a:effectRef>
-      <a:fontRef idx="minor">
-        <a:schemeClr val="lt1"/>
-      </a:fontRef>
-    </dgm:style>
-  </dgm:styleLbl>
-  <dgm:styleLbl name="parChTrans2D1">
-    <dgm:scene3d>
-      <a:camera prst="orthographicFront"/>
-      <a:lightRig rig="threePt" dir="t"/>
-    </dgm:scene3d>
-    <dgm:sp3d/>
-    <dgm:txPr/>
-    <dgm:style>
-      <a:lnRef idx="2">
-        <a:scrgbClr r="0" g="0" b="0"/>
-      </a:lnRef>
-      <a:fillRef idx="1">
-        <a:scrgbClr r="0" g="0" b="0"/>
-      </a:fillRef>
-      <a:effectRef idx="0">
-        <a:scrgbClr r="0" g="0" b="0"/>
-      </a:effectRef>
-      <a:fontRef idx="minor">
-        <a:schemeClr val="lt1"/>
-      </a:fontRef>
-    </dgm:style>
-  </dgm:styleLbl>
-  <dgm:styleLbl name="parChTrans2D2">
-    <dgm:scene3d>
-      <a:camera prst="orthographicFront"/>
-      <a:lightRig rig="threePt" dir="t"/>
-    </dgm:scene3d>
-    <dgm:sp3d/>
-    <dgm:txPr/>
-    <dgm:style>
-      <a:lnRef idx="2">
-        <a:scrgbClr r="0" g="0" b="0"/>
-      </a:lnRef>
-      <a:fillRef idx="1">
-        <a:scrgbClr r="0" g="0" b="0"/>
-      </a:fillRef>
-      <a:effectRef idx="0">
-        <a:scrgbClr r="0" g="0" b="0"/>
-      </a:effectRef>
-      <a:fontRef idx="minor">
-        <a:schemeClr val="lt1"/>
-      </a:fontRef>
-    </dgm:style>
-  </dgm:styleLbl>
-  <dgm:styleLbl name="parChTrans2D3">
-    <dgm:scene3d>
-      <a:camera prst="orthographicFront"/>
-      <a:lightRig rig="threePt" dir="t"/>
-    </dgm:scene3d>
-    <dgm:sp3d/>
-    <dgm:txPr/>
-    <dgm:style>
-      <a:lnRef idx="2">
-        <a:scrgbClr r="0" g="0" b="0"/>
-      </a:lnRef>
-      <a:fillRef idx="1">
-        <a:scrgbClr r="0" g="0" b="0"/>
-      </a:fillRef>
-      <a:effectRef idx="0">
-        <a:scrgbClr r="0" g="0" b="0"/>
-      </a:effectRef>
-      <a:fontRef idx="minor">
-        <a:schemeClr val="lt1"/>
-      </a:fontRef>
-    </dgm:style>
-  </dgm:styleLbl>
-  <dgm:styleLbl name="parChTrans2D4">
-    <dgm:scene3d>
-      <a:camera prst="orthographicFront"/>
-      <a:lightRig rig="threePt" dir="t"/>
-    </dgm:scene3d>
-    <dgm:sp3d/>
-    <dgm:txPr/>
-    <dgm:style>
-      <a:lnRef idx="2">
-        <a:scrgbClr r="0" g="0" b="0"/>
-      </a:lnRef>
-      <a:fillRef idx="1">
-        <a:scrgbClr r="0" g="0" b="0"/>
-      </a:fillRef>
-      <a:effectRef idx="0">
-        <a:scrgbClr r="0" g="0" b="0"/>
-      </a:effectRef>
-      <a:fontRef idx="minor">
-        <a:schemeClr val="lt1"/>
-      </a:fontRef>
-    </dgm:style>
-  </dgm:styleLbl>
-  <dgm:styleLbl name="parChTrans1D1">
-    <dgm:scene3d>
-      <a:camera prst="orthographicFront"/>
-      <a:lightRig rig="threePt" dir="t"/>
-    </dgm:scene3d>
-    <dgm:sp3d/>
-    <dgm:txPr/>
-    <dgm:style>
-      <a:lnRef idx="2">
-        <a:scrgbClr r="0" g="0" b="0"/>
-      </a:lnRef>
-      <a:fillRef idx="0">
-        <a:scrgbClr r="0" g="0" b="0"/>
-      </a:fillRef>
-      <a:effectRef idx="0">
-        <a:scrgbClr r="0" g="0" b="0"/>
-      </a:effectRef>
-      <a:fontRef idx="minor"/>
-    </dgm:style>
-  </dgm:styleLbl>
-  <dgm:styleLbl name="parChTrans1D2">
-    <dgm:scene3d>
-      <a:camera prst="orthographicFront"/>
-      <a:lightRig rig="threePt" dir="t"/>
-    </dgm:scene3d>
-    <dgm:sp3d/>
-    <dgm:txPr/>
-    <dgm:style>
-      <a:lnRef idx="2">
-        <a:scrgbClr r="0" g="0" b="0"/>
-      </a:lnRef>
-      <a:fillRef idx="0">
-        <a:scrgbClr r="0" g="0" b="0"/>
-      </a:fillRef>
-      <a:effectRef idx="0">
-        <a:scrgbClr r="0" g="0" b="0"/>
-      </a:effectRef>
-      <a:fontRef idx="minor"/>
-    </dgm:style>
-  </dgm:styleLbl>
-  <dgm:styleLbl name="parChTrans1D3">
-    <dgm:scene3d>
-      <a:camera prst="orthographicFront"/>
-      <a:lightRig rig="threePt" dir="t"/>
-    </dgm:scene3d>
-    <dgm:sp3d/>
-    <dgm:txPr/>
-    <dgm:style>
-      <a:lnRef idx="2">
-        <a:scrgbClr r="0" g="0" b="0"/>
-      </a:lnRef>
-      <a:fillRef idx="0">
-        <a:scrgbClr r="0" g="0" b="0"/>
-      </a:fillRef>
-      <a:effectRef idx="0">
-        <a:scrgbClr r="0" g="0" b="0"/>
-      </a:effectRef>
-      <a:fontRef idx="minor"/>
-    </dgm:style>
-  </dgm:styleLbl>
-  <dgm:styleLbl name="parChTrans1D4">
-    <dgm:scene3d>
-      <a:camera prst="orthographicFront"/>
-      <a:lightRig rig="threePt" dir="t"/>
-    </dgm:scene3d>
-    <dgm:sp3d/>
-    <dgm:txPr/>
-    <dgm:style>
-      <a:lnRef idx="2">
-        <a:scrgbClr r="0" g="0" b="0"/>
-      </a:lnRef>
-      <a:fillRef idx="0">
-        <a:scrgbClr r="0" g="0" b="0"/>
-      </a:fillRef>
-      <a:effectRef idx="0">
-        <a:scrgbClr r="0" g="0" b="0"/>
-      </a:effectRef>
-      <a:fontRef idx="minor"/>
-    </dgm:style>
-  </dgm:styleLbl>
-  <dgm:styleLbl name="fgAcc1">
-    <dgm:scene3d>
-      <a:camera prst="orthographicFront"/>
-      <a:lightRig rig="threePt" dir="t"/>
-    </dgm:scene3d>
-    <dgm:sp3d/>
-    <dgm:txPr/>
-    <dgm:style>
-      <a:lnRef idx="2">
-        <a:scrgbClr r="0" g="0" b="0"/>
-      </a:lnRef>
-      <a:fillRef idx="1">
-        <a:scrgbClr r="0" g="0" b="0"/>
-      </a:fillRef>
-      <a:effectRef idx="0">
-        <a:scrgbClr r="0" g="0" b="0"/>
-      </a:effectRef>
-      <a:fontRef idx="minor"/>
-    </dgm:style>
-  </dgm:styleLbl>
-  <dgm:styleLbl name="conFgAcc1">
-    <dgm:scene3d>
-      <a:camera prst="orthographicFront"/>
-      <a:lightRig rig="threePt" dir="t"/>
-    </dgm:scene3d>
-    <dgm:sp3d/>
-    <dgm:txPr/>
-    <dgm:style>
-      <a:lnRef idx="2">
-        <a:scrgbClr r="0" g="0" b="0"/>
-      </a:lnRef>
-      <a:fillRef idx="1">
-        <a:scrgbClr r="0" g="0" b="0"/>
-      </a:fillRef>
-      <a:effectRef idx="0">
-        <a:scrgbClr r="0" g="0" b="0"/>
-      </a:effectRef>
-      <a:fontRef idx="minor"/>
-    </dgm:style>
-  </dgm:styleLbl>
-  <dgm:styleLbl name="alignAcc1">
-    <dgm:scene3d>
-      <a:camera prst="orthographicFront"/>
-      <a:lightRig rig="threePt" dir="t"/>
-    </dgm:scene3d>
-    <dgm:sp3d/>
-    <dgm:txPr/>
-    <dgm:style>
-      <a:lnRef idx="2">
-        <a:scrgbClr r="0" g="0" b="0"/>
-      </a:lnRef>
-      <a:fillRef idx="1">
-        <a:scrgbClr r="0" g="0" b="0"/>
-      </a:fillRef>
-      <a:effectRef idx="0">
-        <a:scrgbClr r="0" g="0" b="0"/>
-      </a:effectRef>
-      <a:fontRef idx="minor"/>
-    </dgm:style>
-  </dgm:styleLbl>
-  <dgm:styleLbl name="trAlignAcc1">
-    <dgm:scene3d>
-      <a:camera prst="orthographicFront"/>
-      <a:lightRig rig="threePt" dir="t"/>
-    </dgm:scene3d>
-    <dgm:sp3d/>
-    <dgm:txPr/>
-    <dgm:style>
-      <a:lnRef idx="1">
-        <a:scrgbClr r="0" g="0" b="0"/>
-      </a:lnRef>
-      <a:fillRef idx="1">
-        <a:scrgbClr r="0" g="0" b="0"/>
-      </a:fillRef>
-      <a:effectRef idx="0">
-        <a:scrgbClr r="0" g="0" b="0"/>
-      </a:effectRef>
-      <a:fontRef idx="minor"/>
-    </dgm:style>
-  </dgm:styleLbl>
-  <dgm:styleLbl name="bgAcc1">
-    <dgm:scene3d>
-      <a:camera prst="orthographicFront"/>
-      <a:lightRig rig="threePt" dir="t"/>
-    </dgm:scene3d>
-    <dgm:sp3d/>
-    <dgm:txPr/>
-    <dgm:style>
-      <a:lnRef idx="2">
-        <a:scrgbClr r="0" g="0" b="0"/>
-      </a:lnRef>
-      <a:fillRef idx="1">
-        <a:scrgbClr r="0" g="0" b="0"/>
-      </a:fillRef>
-      <a:effectRef idx="0">
-        <a:scrgbClr r="0" g="0" b="0"/>
-      </a:effectRef>
-      <a:fontRef idx="minor"/>
-    </dgm:style>
-  </dgm:styleLbl>
-  <dgm:styleLbl name="solidFgAcc1">
-    <dgm:scene3d>
-      <a:camera prst="orthographicFront"/>
-      <a:lightRig rig="threePt" dir="t"/>
-    </dgm:scene3d>
-    <dgm:sp3d/>
-    <dgm:txPr/>
-    <dgm:style>
-      <a:lnRef idx="2">
-        <a:scrgbClr r="0" g="0" b="0"/>
-      </a:lnRef>
-      <a:fillRef idx="1">
-        <a:scrgbClr r="0" g="0" b="0"/>
-      </a:fillRef>
-      <a:effectRef idx="0">
-        <a:scrgbClr r="0" g="0" b="0"/>
-      </a:effectRef>
-      <a:fontRef idx="minor"/>
-    </dgm:style>
-  </dgm:styleLbl>
-  <dgm:styleLbl name="solidAlignAcc1">
-    <dgm:scene3d>
-      <a:camera prst="orthographicFront"/>
-      <a:lightRig rig="threePt" dir="t"/>
-    </dgm:scene3d>
-    <dgm:sp3d/>
-    <dgm:txPr/>
-    <dgm:style>
-      <a:lnRef idx="2">
-        <a:scrgbClr r="0" g="0" b="0"/>
-      </a:lnRef>
-      <a:fillRef idx="1">
-        <a:scrgbClr r="0" g="0" b="0"/>
-      </a:fillRef>
-      <a:effectRef idx="0">
-        <a:scrgbClr r="0" g="0" b="0"/>
-      </a:effectRef>
-      <a:fontRef idx="minor"/>
-    </dgm:style>
-  </dgm:styleLbl>
-  <dgm:styleLbl name="solidBgAcc1">
-    <dgm:scene3d>
-      <a:camera prst="orthographicFront"/>
-      <a:lightRig rig="threePt" dir="t"/>
-    </dgm:scene3d>
-    <dgm:sp3d/>
-    <dgm:txPr/>
-    <dgm:style>
-      <a:lnRef idx="2">
-        <a:scrgbClr r="0" g="0" b="0"/>
-      </a:lnRef>
-      <a:fillRef idx="1">
-        <a:scrgbClr r="0" g="0" b="0"/>
-      </a:fillRef>
-      <a:effectRef idx="0">
-        <a:scrgbClr r="0" g="0" b="0"/>
-      </a:effectRef>
-      <a:fontRef idx="minor"/>
-    </dgm:style>
-  </dgm:styleLbl>
-  <dgm:styleLbl name="fgAccFollowNode1">
-    <dgm:scene3d>
-      <a:camera prst="orthographicFront"/>
-      <a:lightRig rig="threePt" dir="t"/>
-    </dgm:scene3d>
-    <dgm:sp3d/>
-    <dgm:txPr/>
-    <dgm:style>
-      <a:lnRef idx="2">
-        <a:scrgbClr r="0" g="0" b="0"/>
-      </a:lnRef>
-      <a:fillRef idx="1">
-        <a:scrgbClr r="0" g="0" b="0"/>
-      </a:fillRef>
-      <a:effectRef idx="0">
-        <a:scrgbClr r="0" g="0" b="0"/>
-      </a:effectRef>
-      <a:fontRef idx="minor"/>
-    </dgm:style>
-  </dgm:styleLbl>
-  <dgm:styleLbl name="alignAccFollowNode1">
-    <dgm:scene3d>
-      <a:camera prst="orthographicFront"/>
-      <a:lightRig rig="threePt" dir="t"/>
-    </dgm:scene3d>
-    <dgm:sp3d/>
-    <dgm:txPr/>
-    <dgm:style>
-      <a:lnRef idx="2">
-        <a:scrgbClr r="0" g="0" b="0"/>
-      </a:lnRef>
-      <a:fillRef idx="1">
-        <a:scrgbClr r="0" g="0" b="0"/>
-      </a:fillRef>
-      <a:effectRef idx="0">
-        <a:scrgbClr r="0" g="0" b="0"/>
-      </a:effectRef>
-      <a:fontRef idx="minor"/>
-    </dgm:style>
-  </dgm:styleLbl>
-  <dgm:styleLbl name="bgAccFollowNode1">
-    <dgm:scene3d>
-      <a:camera prst="orthographicFront"/>
-      <a:lightRig rig="threePt" dir="t"/>
-    </dgm:scene3d>
-    <dgm:sp3d/>
-    <dgm:txPr/>
-    <dgm:style>
-      <a:lnRef idx="2">
-        <a:scrgbClr r="0" g="0" b="0"/>
-      </a:lnRef>
-      <a:fillRef idx="1">
-        <a:scrgbClr r="0" g="0" b="0"/>
-      </a:fillRef>
-      <a:effectRef idx="0">
-        <a:scrgbClr r="0" g="0" b="0"/>
-      </a:effectRef>
-      <a:fontRef idx="minor"/>
-    </dgm:style>
-  </dgm:styleLbl>
-  <dgm:styleLbl name="fgAcc0">
-    <dgm:scene3d>
-      <a:camera prst="orthographicFront"/>
-      <a:lightRig rig="threePt" dir="t"/>
-    </dgm:scene3d>
-    <dgm:sp3d/>
-    <dgm:txPr/>
-    <dgm:style>
-      <a:lnRef idx="2">
-        <a:scrgbClr r="0" g="0" b="0"/>
-      </a:lnRef>
-      <a:fillRef idx="1">
-        <a:scrgbClr r="0" g="0" b="0"/>
-      </a:fillRef>
-      <a:effectRef idx="0">
-        <a:scrgbClr r="0" g="0" b="0"/>
-      </a:effectRef>
-      <a:fontRef idx="minor"/>
-    </dgm:style>
-  </dgm:styleLbl>
-  <dgm:styleLbl name="fgAcc2">
-    <dgm:scene3d>
-      <a:camera prst="orthographicFront"/>
-      <a:lightRig rig="threePt" dir="t"/>
-    </dgm:scene3d>
-    <dgm:sp3d/>
-    <dgm:txPr/>
-    <dgm:style>
-      <a:lnRef idx="2">
-        <a:scrgbClr r="0" g="0" b="0"/>
-      </a:lnRef>
-      <a:fillRef idx="1">
-        <a:scrgbClr r="0" g="0" b="0"/>
-      </a:fillRef>
-      <a:effectRef idx="0">
-        <a:scrgbClr r="0" g="0" b="0"/>
-      </a:effectRef>
-      <a:fontRef idx="minor"/>
-    </dgm:style>
-  </dgm:styleLbl>
-  <dgm:styleLbl name="fgAcc3">
-    <dgm:scene3d>
-      <a:camera prst="orthographicFront"/>
-      <a:lightRig rig="threePt" dir="t"/>
-    </dgm:scene3d>
-    <dgm:sp3d/>
-    <dgm:txPr/>
-    <dgm:style>
-      <a:lnRef idx="2">
-        <a:scrgbClr r="0" g="0" b="0"/>
-      </a:lnRef>
-      <a:fillRef idx="1">
-        <a:scrgbClr r="0" g="0" b="0"/>
-      </a:fillRef>
-      <a:effectRef idx="0">
-        <a:scrgbClr r="0" g="0" b="0"/>
-      </a:effectRef>
-      <a:fontRef idx="minor"/>
-    </dgm:style>
-  </dgm:styleLbl>
-  <dgm:styleLbl name="fgAcc4">
-    <dgm:scene3d>
-      <a:camera prst="orthographicFront"/>
-      <a:lightRig rig="threePt" dir="t"/>
-    </dgm:scene3d>
-    <dgm:sp3d/>
-    <dgm:txPr/>
-    <dgm:style>
-      <a:lnRef idx="2">
-        <a:scrgbClr r="0" g="0" b="0"/>
-      </a:lnRef>
-      <a:fillRef idx="1">
-        <a:scrgbClr r="0" g="0" b="0"/>
-      </a:fillRef>
-      <a:effectRef idx="0">
-        <a:scrgbClr r="0" g="0" b="0"/>
-      </a:effectRef>
-      <a:fontRef idx="minor"/>
-    </dgm:style>
-  </dgm:styleLbl>
-  <dgm:styleLbl name="bgShp">
-    <dgm:scene3d>
-      <a:camera prst="orthographicFront"/>
-      <a:lightRig rig="threePt" dir="t"/>
-    </dgm:scene3d>
-    <dgm:sp3d/>
-    <dgm:txPr/>
-    <dgm:style>
-      <a:lnRef idx="0">
-        <a:scrgbClr r="0" g="0" b="0"/>
-      </a:lnRef>
-      <a:fillRef idx="1">
-        <a:scrgbClr r="0" g="0" b="0"/>
-      </a:fillRef>
-      <a:effectRef idx="0">
-        <a:scrgbClr r="0" g="0" b="0"/>
-      </a:effectRef>
-      <a:fontRef idx="minor"/>
-    </dgm:style>
-  </dgm:styleLbl>
-  <dgm:styleLbl name="dkBgShp">
-    <dgm:scene3d>
-      <a:camera prst="orthographicFront"/>
-      <a:lightRig rig="threePt" dir="t"/>
-    </dgm:scene3d>
-    <dgm:sp3d/>
-    <dgm:txPr/>
-    <dgm:style>
-      <a:lnRef idx="0">
-        <a:scrgbClr r="0" g="0" b="0"/>
-      </a:lnRef>
-      <a:fillRef idx="1">
-        <a:scrgbClr r="0" g="0" b="0"/>
-      </a:fillRef>
-      <a:effectRef idx="0">
-        <a:scrgbClr r="0" g="0" b="0"/>
-      </a:effectRef>
-      <a:fontRef idx="minor"/>
-    </dgm:style>
-  </dgm:styleLbl>
-  <dgm:styleLbl name="trBgShp">
-    <dgm:scene3d>
-      <a:camera prst="orthographicFront"/>
-      <a:lightRig rig="threePt" dir="t"/>
-    </dgm:scene3d>
-    <dgm:sp3d/>
-    <dgm:txPr/>
-    <dgm:style>
-      <a:lnRef idx="0">
-        <a:scrgbClr r="0" g="0" b="0"/>
-      </a:lnRef>
-      <a:fillRef idx="1">
-        <a:scrgbClr r="0" g="0" b="0"/>
-      </a:fillRef>
-      <a:effectRef idx="0">
-        <a:scrgbClr r="0" g="0" b="0"/>
-      </a:effectRef>
-      <a:fontRef idx="minor"/>
-    </dgm:style>
-  </dgm:styleLbl>
-  <dgm:styleLbl name="fgShp">
-    <dgm:scene3d>
-      <a:camera prst="orthographicFront"/>
-      <a:lightRig rig="threePt" dir="t"/>
-    </dgm:scene3d>
-    <dgm:sp3d/>
-    <dgm:txPr/>
-    <dgm:style>
-      <a:lnRef idx="2">
-        <a:scrgbClr r="0" g="0" b="0"/>
-      </a:lnRef>
-      <a:fillRef idx="1">
-        <a:scrgbClr r="0" g="0" b="0"/>
-      </a:fillRef>
-      <a:effectRef idx="0">
-        <a:scrgbClr r="0" g="0" b="0"/>
-      </a:effectRef>
-      <a:fontRef idx="minor"/>
-    </dgm:style>
-  </dgm:styleLbl>
-  <dgm:styleLbl name="revTx">
-    <dgm:scene3d>
-      <a:camera prst="orthographicFront"/>
-      <a:lightRig rig="threePt" dir="t"/>
-    </dgm:scene3d>
-    <dgm:sp3d/>
-    <dgm:txPr/>
-    <dgm:style>
-      <a:lnRef idx="0">
-        <a:scrgbClr r="0" g="0" b="0"/>
-      </a:lnRef>
-      <a:fillRef idx="0">
-        <a:scrgbClr r="0" g="0" b="0"/>
-      </a:fillRef>
-      <a:effectRef idx="0">
-        <a:scrgbClr r="0" g="0" b="0"/>
-      </a:effectRef>
-      <a:fontRef idx="minor"/>
-    </dgm:style>
-  </dgm:styleLbl>
-</dgm:styleDef>
-</file>
-
 <file path=ppt/slideLayouts/slideLayout1.xml><?xml version="1.0" encoding="utf-8"?>
 <p:sldLayout xmlns:a="http://schemas.openxmlformats.org/drawingml/2006/main" xmlns:r="http://schemas.openxmlformats.org/officeDocument/2006/relationships" xmlns:p="http://schemas.openxmlformats.org/presentationml/2006/main" showMasterSp="0" type="title" preserve="1">
   <p:cSld name="Diapositiva de título">
@@ -4130,7 +465,7 @@
           <a:p>
             <a:fld id="{DED9D05C-6E66-4736-88C6-567C08E30FFA}" type="datetimeFigureOut">
               <a:rPr lang="es-ES" smtClean="0"/>
-              <a:t>26/05/2021</a:t>
+              <a:t>30/05/2021</a:t>
             </a:fld>
             <a:endParaRPr lang="es-ES"/>
           </a:p>
@@ -5218,7 +1553,7 @@
           <a:p>
             <a:fld id="{DED9D05C-6E66-4736-88C6-567C08E30FFA}" type="datetimeFigureOut">
               <a:rPr lang="es-ES" smtClean="0"/>
-              <a:t>26/05/2021</a:t>
+              <a:t>30/05/2021</a:t>
             </a:fld>
             <a:endParaRPr lang="es-ES"/>
           </a:p>
@@ -6198,7 +2533,7 @@
           <a:p>
             <a:fld id="{DED9D05C-6E66-4736-88C6-567C08E30FFA}" type="datetimeFigureOut">
               <a:rPr lang="es-ES" smtClean="0"/>
-              <a:t>26/05/2021</a:t>
+              <a:t>30/05/2021</a:t>
             </a:fld>
             <a:endParaRPr lang="es-ES"/>
           </a:p>
@@ -7332,7 +3667,7 @@
           <a:p>
             <a:fld id="{DED9D05C-6E66-4736-88C6-567C08E30FFA}" type="datetimeFigureOut">
               <a:rPr lang="es-ES" smtClean="0"/>
-              <a:t>26/05/2021</a:t>
+              <a:t>30/05/2021</a:t>
             </a:fld>
             <a:endParaRPr lang="es-ES"/>
           </a:p>
@@ -8365,7 +4700,7 @@
           <a:p>
             <a:fld id="{DED9D05C-6E66-4736-88C6-567C08E30FFA}" type="datetimeFigureOut">
               <a:rPr lang="es-ES" smtClean="0"/>
-              <a:t>26/05/2021</a:t>
+              <a:t>30/05/2021</a:t>
             </a:fld>
             <a:endParaRPr lang="es-ES"/>
           </a:p>
@@ -9025,7 +5360,7 @@
           <a:p>
             <a:fld id="{DED9D05C-6E66-4736-88C6-567C08E30FFA}" type="datetimeFigureOut">
               <a:rPr lang="es-ES" smtClean="0"/>
-              <a:t>26/05/2021</a:t>
+              <a:t>30/05/2021</a:t>
             </a:fld>
             <a:endParaRPr lang="es-ES"/>
           </a:p>
@@ -9886,7 +6221,7 @@
           <a:p>
             <a:fld id="{DED9D05C-6E66-4736-88C6-567C08E30FFA}" type="datetimeFigureOut">
               <a:rPr lang="es-ES" smtClean="0"/>
-              <a:t>26/05/2021</a:t>
+              <a:t>30/05/2021</a:t>
             </a:fld>
             <a:endParaRPr lang="es-ES"/>
           </a:p>
@@ -10076,7 +6411,7 @@
           <a:p>
             <a:fld id="{DED9D05C-6E66-4736-88C6-567C08E30FFA}" type="datetimeFigureOut">
               <a:rPr lang="es-ES" smtClean="0"/>
-              <a:t>26/05/2021</a:t>
+              <a:t>30/05/2021</a:t>
             </a:fld>
             <a:endParaRPr lang="es-ES"/>
           </a:p>
@@ -11048,7 +7383,7 @@
           <a:p>
             <a:fld id="{DED9D05C-6E66-4736-88C6-567C08E30FFA}" type="datetimeFigureOut">
               <a:rPr lang="es-ES" smtClean="0"/>
-              <a:t>26/05/2021</a:t>
+              <a:t>30/05/2021</a:t>
             </a:fld>
             <a:endParaRPr lang="es-ES"/>
           </a:p>
@@ -11259,7 +7594,7 @@
           <a:p>
             <a:fld id="{DED9D05C-6E66-4736-88C6-567C08E30FFA}" type="datetimeFigureOut">
               <a:rPr lang="es-ES" smtClean="0"/>
-              <a:t>26/05/2021</a:t>
+              <a:t>30/05/2021</a:t>
             </a:fld>
             <a:endParaRPr lang="es-ES"/>
           </a:p>
@@ -12293,7 +8628,7 @@
           <a:p>
             <a:fld id="{DED9D05C-6E66-4736-88C6-567C08E30FFA}" type="datetimeFigureOut">
               <a:rPr lang="es-ES" smtClean="0"/>
-              <a:t>26/05/2021</a:t>
+              <a:t>30/05/2021</a:t>
             </a:fld>
             <a:endParaRPr lang="es-ES"/>
           </a:p>
@@ -12565,7 +8900,7 @@
           <a:p>
             <a:fld id="{DED9D05C-6E66-4736-88C6-567C08E30FFA}" type="datetimeFigureOut">
               <a:rPr lang="es-ES" smtClean="0"/>
-              <a:t>26/05/2021</a:t>
+              <a:t>30/05/2021</a:t>
             </a:fld>
             <a:endParaRPr lang="es-ES"/>
           </a:p>
@@ -12975,7 +9310,7 @@
           <a:p>
             <a:fld id="{DED9D05C-6E66-4736-88C6-567C08E30FFA}" type="datetimeFigureOut">
               <a:rPr lang="es-ES" smtClean="0"/>
-              <a:t>26/05/2021</a:t>
+              <a:t>30/05/2021</a:t>
             </a:fld>
             <a:endParaRPr lang="es-ES"/>
           </a:p>
@@ -13102,7 +9437,7 @@
           <a:p>
             <a:fld id="{DED9D05C-6E66-4736-88C6-567C08E30FFA}" type="datetimeFigureOut">
               <a:rPr lang="es-ES" smtClean="0"/>
-              <a:t>26/05/2021</a:t>
+              <a:t>30/05/2021</a:t>
             </a:fld>
             <a:endParaRPr lang="es-ES"/>
           </a:p>
@@ -13197,7 +9532,7 @@
           <a:p>
             <a:fld id="{DED9D05C-6E66-4736-88C6-567C08E30FFA}" type="datetimeFigureOut">
               <a:rPr lang="es-ES" smtClean="0"/>
-              <a:t>26/05/2021</a:t>
+              <a:t>30/05/2021</a:t>
             </a:fld>
             <a:endParaRPr lang="es-ES"/>
           </a:p>
@@ -14278,7 +10613,7 @@
           <a:p>
             <a:fld id="{DED9D05C-6E66-4736-88C6-567C08E30FFA}" type="datetimeFigureOut">
               <a:rPr lang="es-ES" smtClean="0"/>
-              <a:t>26/05/2021</a:t>
+              <a:t>30/05/2021</a:t>
             </a:fld>
             <a:endParaRPr lang="es-ES"/>
           </a:p>
@@ -15386,7 +11721,7 @@
           <a:p>
             <a:fld id="{DED9D05C-6E66-4736-88C6-567C08E30FFA}" type="datetimeFigureOut">
               <a:rPr lang="es-ES" smtClean="0"/>
-              <a:t>26/05/2021</a:t>
+              <a:t>30/05/2021</a:t>
             </a:fld>
             <a:endParaRPr lang="es-ES"/>
           </a:p>
@@ -16383,7 +12718,7 @@
           <a:p>
             <a:fld id="{DED9D05C-6E66-4736-88C6-567C08E30FFA}" type="datetimeFigureOut">
               <a:rPr lang="es-ES" smtClean="0"/>
-              <a:t>26/05/2021</a:t>
+              <a:t>30/05/2021</a:t>
             </a:fld>
             <a:endParaRPr lang="es-ES"/>
           </a:p>
@@ -17406,10 +13741,10 @@
       </p:sp>
       <p:pic>
         <p:nvPicPr>
-          <p:cNvPr id="5" name="Imagen 4">
+          <p:cNvPr id="6" name="Marcador de contenido 4">
             <a:extLst>
               <a:ext uri="{FF2B5EF4-FFF2-40B4-BE49-F238E27FC236}">
-                <a16:creationId xmlns:a16="http://schemas.microsoft.com/office/drawing/2014/main" id="{77CD8F1C-2A1D-4CA7-8E66-28173943533B}"/>
+                <a16:creationId xmlns:a16="http://schemas.microsoft.com/office/drawing/2014/main" id="{BA353ECA-83DE-435E-8CE6-CF848F3A10CC}"/>
               </a:ext>
             </a:extLst>
           </p:cNvPr>
@@ -17417,96 +13752,6 @@
             <a:picLocks noChangeAspect="1"/>
           </p:cNvPicPr>
           <p:nvPr/>
-        </p:nvPicPr>
-        <p:blipFill>
-          <a:blip r:embed="rId2"/>
-          <a:stretch>
-            <a:fillRect/>
-          </a:stretch>
-        </p:blipFill>
-        <p:spPr>
-          <a:xfrm>
-            <a:off x="1811191" y="2950536"/>
-            <a:ext cx="8569617" cy="3549593"/>
-          </a:xfrm>
-          <a:prstGeom prst="rect">
-            <a:avLst/>
-          </a:prstGeom>
-        </p:spPr>
-      </p:pic>
-    </p:spTree>
-    <p:extLst>
-      <p:ext uri="{BB962C8B-B14F-4D97-AF65-F5344CB8AC3E}">
-        <p14:creationId xmlns:p14="http://schemas.microsoft.com/office/powerpoint/2010/main" val="1086530905"/>
-      </p:ext>
-    </p:extLst>
-  </p:cSld>
-  <p:clrMapOvr>
-    <a:masterClrMapping/>
-  </p:clrMapOvr>
-</p:sld>
-</file>
-
-<file path=ppt/slides/slide13.xml><?xml version="1.0" encoding="utf-8"?>
-<p:sld xmlns:a="http://schemas.openxmlformats.org/drawingml/2006/main" xmlns:r="http://schemas.openxmlformats.org/officeDocument/2006/relationships" xmlns:p="http://schemas.openxmlformats.org/presentationml/2006/main">
-  <p:cSld>
-    <p:spTree>
-      <p:nvGrpSpPr>
-        <p:cNvPr id="1" name=""/>
-        <p:cNvGrpSpPr/>
-        <p:nvPr/>
-      </p:nvGrpSpPr>
-      <p:grpSpPr>
-        <a:xfrm>
-          <a:off x="0" y="0"/>
-          <a:ext cx="0" cy="0"/>
-          <a:chOff x="0" y="0"/>
-          <a:chExt cx="0" cy="0"/>
-        </a:xfrm>
-      </p:grpSpPr>
-      <p:sp>
-        <p:nvSpPr>
-          <p:cNvPr id="2" name="Título 1">
-            <a:extLst>
-              <a:ext uri="{FF2B5EF4-FFF2-40B4-BE49-F238E27FC236}">
-                <a16:creationId xmlns:a16="http://schemas.microsoft.com/office/drawing/2014/main" id="{97F89D66-444C-4C1E-8F78-D8C8A0DA9464}"/>
-              </a:ext>
-            </a:extLst>
-          </p:cNvPr>
-          <p:cNvSpPr>
-            <a:spLocks noGrp="1"/>
-          </p:cNvSpPr>
-          <p:nvPr>
-            <p:ph type="title"/>
-          </p:nvPr>
-        </p:nvSpPr>
-        <p:spPr/>
-        <p:txBody>
-          <a:bodyPr/>
-          <a:lstStyle/>
-          <a:p>
-            <a:r>
-              <a:rPr lang="es-ES" dirty="0"/>
-              <a:t>Apartado 1: Resultados</a:t>
-            </a:r>
-          </a:p>
-        </p:txBody>
-      </p:sp>
-      <p:pic>
-        <p:nvPicPr>
-          <p:cNvPr id="5" name="Marcador de contenido 4">
-            <a:extLst>
-              <a:ext uri="{FF2B5EF4-FFF2-40B4-BE49-F238E27FC236}">
-                <a16:creationId xmlns:a16="http://schemas.microsoft.com/office/drawing/2014/main" id="{03DE1C51-AEC1-420B-86A0-A0F7924E72E3}"/>
-              </a:ext>
-            </a:extLst>
-          </p:cNvPr>
-          <p:cNvPicPr>
-            <a:picLocks noGrp="1" noChangeAspect="1"/>
-          </p:cNvPicPr>
-          <p:nvPr>
-            <p:ph idx="1"/>
-          </p:nvPr>
         </p:nvPicPr>
         <p:blipFill>
           <a:blip r:embed="rId2">
@@ -17522,9 +13767,12 @@
         </p:blipFill>
         <p:spPr>
           <a:xfrm>
-            <a:off x="1547097" y="2563346"/>
-            <a:ext cx="3683292" cy="3824957"/>
+            <a:off x="2211387" y="3253186"/>
+            <a:ext cx="3019002" cy="3135117"/>
           </a:xfrm>
+          <a:prstGeom prst="rect">
+            <a:avLst/>
+          </a:prstGeom>
         </p:spPr>
       </p:pic>
       <p:pic>
@@ -17532,7 +13780,7 @@
           <p:cNvPr id="7" name="Imagen 6" descr="Mapa&#10;&#10;Descripción generada automáticamente">
             <a:extLst>
               <a:ext uri="{FF2B5EF4-FFF2-40B4-BE49-F238E27FC236}">
-                <a16:creationId xmlns:a16="http://schemas.microsoft.com/office/drawing/2014/main" id="{55FAAF70-C2C0-4E66-A780-833748B0936B}"/>
+                <a16:creationId xmlns:a16="http://schemas.microsoft.com/office/drawing/2014/main" id="{83FA1827-9093-4900-9368-E36C6A19AEA1}"/>
               </a:ext>
             </a:extLst>
           </p:cNvPr>
@@ -17555,8 +13803,8 @@
         </p:blipFill>
         <p:spPr>
           <a:xfrm>
-            <a:off x="7281935" y="2897944"/>
-            <a:ext cx="3362968" cy="3344887"/>
+            <a:off x="7120323" y="3430238"/>
+            <a:ext cx="2796044" cy="2781011"/>
           </a:xfrm>
           <a:prstGeom prst="rect">
             <a:avLst/>
@@ -17566,7 +13814,7 @@
     </p:spTree>
     <p:extLst>
       <p:ext uri="{BB962C8B-B14F-4D97-AF65-F5344CB8AC3E}">
-        <p14:creationId xmlns:p14="http://schemas.microsoft.com/office/powerpoint/2010/main" val="1463496614"/>
+        <p14:creationId xmlns:p14="http://schemas.microsoft.com/office/powerpoint/2010/main" val="1086530905"/>
       </p:ext>
     </p:extLst>
   </p:cSld>
@@ -17576,7 +13824,7 @@
 </p:sld>
 </file>
 
-<file path=ppt/slides/slide14.xml><?xml version="1.0" encoding="utf-8"?>
+<file path=ppt/slides/slide13.xml><?xml version="1.0" encoding="utf-8"?>
 <p:sld xmlns:a="http://schemas.openxmlformats.org/drawingml/2006/main" xmlns:r="http://schemas.openxmlformats.org/officeDocument/2006/relationships" xmlns:p="http://schemas.openxmlformats.org/presentationml/2006/main">
   <p:cSld>
     <p:spTree>
@@ -17824,112 +14072,12 @@
           </a:p>
         </p:txBody>
       </p:sp>
-    </p:spTree>
-    <p:extLst>
-      <p:ext uri="{BB962C8B-B14F-4D97-AF65-F5344CB8AC3E}">
-        <p14:creationId xmlns:p14="http://schemas.microsoft.com/office/powerpoint/2010/main" val="1597067894"/>
-      </p:ext>
-    </p:extLst>
-  </p:cSld>
-  <p:clrMapOvr>
-    <a:masterClrMapping/>
-  </p:clrMapOvr>
-</p:sld>
-</file>
-
-<file path=ppt/slides/slide15.xml><?xml version="1.0" encoding="utf-8"?>
-<p:sld xmlns:a="http://schemas.openxmlformats.org/drawingml/2006/main" xmlns:r="http://schemas.openxmlformats.org/officeDocument/2006/relationships" xmlns:p="http://schemas.openxmlformats.org/presentationml/2006/main">
-  <p:cSld>
-    <p:spTree>
-      <p:nvGrpSpPr>
-        <p:cNvPr id="1" name=""/>
-        <p:cNvGrpSpPr/>
-        <p:nvPr/>
-      </p:nvGrpSpPr>
-      <p:grpSpPr>
-        <a:xfrm>
-          <a:off x="0" y="0"/>
-          <a:ext cx="0" cy="0"/>
-          <a:chOff x="0" y="0"/>
-          <a:chExt cx="0" cy="0"/>
-        </a:xfrm>
-      </p:grpSpPr>
-      <p:sp>
-        <p:nvSpPr>
-          <p:cNvPr id="4" name="CuadroTexto 3">
+      <p:pic>
+        <p:nvPicPr>
+          <p:cNvPr id="10" name="Imagen 9" descr="Mapa&#10;&#10;Descripción generada automáticamente">
             <a:extLst>
               <a:ext uri="{FF2B5EF4-FFF2-40B4-BE49-F238E27FC236}">
-                <a16:creationId xmlns:a16="http://schemas.microsoft.com/office/drawing/2014/main" id="{82AF1BD1-044F-434C-9E2D-46D8DEC1A7CF}"/>
-              </a:ext>
-            </a:extLst>
-          </p:cNvPr>
-          <p:cNvSpPr txBox="1"/>
-          <p:nvPr/>
-        </p:nvSpPr>
-        <p:spPr>
-          <a:xfrm>
-            <a:off x="2873827" y="5283200"/>
-            <a:ext cx="899886" cy="369332"/>
-          </a:xfrm>
-          <a:prstGeom prst="rect">
-            <a:avLst/>
-          </a:prstGeom>
-          <a:noFill/>
-        </p:spPr>
-        <p:txBody>
-          <a:bodyPr wrap="square" rtlCol="0">
-            <a:spAutoFit/>
-          </a:bodyPr>
-          <a:lstStyle/>
-          <a:p>
-            <a:r>
-              <a:rPr lang="es-ES" dirty="0"/>
-              <a:t>Lab76</a:t>
-            </a:r>
-          </a:p>
-        </p:txBody>
-      </p:sp>
-      <p:sp>
-        <p:nvSpPr>
-          <p:cNvPr id="5" name="CuadroTexto 4">
-            <a:extLst>
-              <a:ext uri="{FF2B5EF4-FFF2-40B4-BE49-F238E27FC236}">
-                <a16:creationId xmlns:a16="http://schemas.microsoft.com/office/drawing/2014/main" id="{9A54FD68-3C5D-4BBE-9573-E999BA4DA1F6}"/>
-              </a:ext>
-            </a:extLst>
-          </p:cNvPr>
-          <p:cNvSpPr txBox="1"/>
-          <p:nvPr/>
-        </p:nvSpPr>
-        <p:spPr>
-          <a:xfrm>
-            <a:off x="8418289" y="5283200"/>
-            <a:ext cx="899886" cy="369332"/>
-          </a:xfrm>
-          <a:prstGeom prst="rect">
-            <a:avLst/>
-          </a:prstGeom>
-          <a:noFill/>
-        </p:spPr>
-        <p:txBody>
-          <a:bodyPr wrap="square" rtlCol="0">
-            <a:spAutoFit/>
-          </a:bodyPr>
-          <a:lstStyle/>
-          <a:p>
-            <a:r>
-              <a:rPr lang="es-ES" dirty="0"/>
-              <a:t>Lab99</a:t>
-            </a:r>
-          </a:p>
-        </p:txBody>
-      </p:sp>
-      <p:pic>
-        <p:nvPicPr>
-          <p:cNvPr id="7" name="Imagen 6" descr="Mapa&#10;&#10;Descripción generada automáticamente">
-            <a:extLst>
-              <a:ext uri="{FF2B5EF4-FFF2-40B4-BE49-F238E27FC236}">
-                <a16:creationId xmlns:a16="http://schemas.microsoft.com/office/drawing/2014/main" id="{3E392C6C-C7F8-4055-A236-0BA0CCD10840}"/>
+                <a16:creationId xmlns:a16="http://schemas.microsoft.com/office/drawing/2014/main" id="{4C7371EC-FAA7-4E09-8E1E-CD0F016861A8}"/>
               </a:ext>
             </a:extLst>
           </p:cNvPr>
@@ -17939,7 +14087,7 @@
           <p:nvPr/>
         </p:nvPicPr>
         <p:blipFill>
-          <a:blip r:embed="rId2">
+          <a:blip r:embed="rId4">
             <a:extLst>
               <a:ext uri="{28A0092B-C50C-407E-A947-70E740481C1C}">
                 <a14:useLocalDpi xmlns:a14="http://schemas.microsoft.com/office/drawing/2010/main" val="0"/>
@@ -17952,8 +14100,8 @@
         </p:blipFill>
         <p:spPr>
           <a:xfrm>
-            <a:off x="1551873" y="1205468"/>
-            <a:ext cx="3543795" cy="3553321"/>
+            <a:off x="7649018" y="1227185"/>
+            <a:ext cx="2745250" cy="2752630"/>
           </a:xfrm>
           <a:prstGeom prst="rect">
             <a:avLst/>
@@ -17965,7 +14113,7 @@
           <p:cNvPr id="11" name="Imagen 10" descr="Mapa&#10;&#10;Descripción generada automáticamente">
             <a:extLst>
               <a:ext uri="{FF2B5EF4-FFF2-40B4-BE49-F238E27FC236}">
-                <a16:creationId xmlns:a16="http://schemas.microsoft.com/office/drawing/2014/main" id="{E7220050-A194-40D1-BD53-BDBB5DC7DA25}"/>
+                <a16:creationId xmlns:a16="http://schemas.microsoft.com/office/drawing/2014/main" id="{3D41B9BA-AFE8-4445-B8FE-572592715C76}"/>
               </a:ext>
             </a:extLst>
           </p:cNvPr>
@@ -17975,7 +14123,7 @@
           <p:nvPr/>
         </p:nvPicPr>
         <p:blipFill>
-          <a:blip r:embed="rId3">
+          <a:blip r:embed="rId5">
             <a:extLst>
               <a:ext uri="{28A0092B-C50C-407E-A947-70E740481C1C}">
                 <a14:useLocalDpi xmlns:a14="http://schemas.microsoft.com/office/drawing/2010/main" val="0"/>
@@ -17988,8 +14136,8 @@
         </p:blipFill>
         <p:spPr>
           <a:xfrm>
-            <a:off x="7096332" y="1205468"/>
-            <a:ext cx="3543795" cy="3534268"/>
+            <a:off x="7649019" y="3929729"/>
+            <a:ext cx="2745250" cy="2737870"/>
           </a:xfrm>
           <a:prstGeom prst="rect">
             <a:avLst/>
@@ -17999,17 +14147,119 @@
     </p:spTree>
     <p:extLst>
       <p:ext uri="{BB962C8B-B14F-4D97-AF65-F5344CB8AC3E}">
-        <p14:creationId xmlns:p14="http://schemas.microsoft.com/office/powerpoint/2010/main" val="410934897"/>
+        <p14:creationId xmlns:p14="http://schemas.microsoft.com/office/powerpoint/2010/main" val="1597067894"/>
       </p:ext>
     </p:extLst>
   </p:cSld>
   <p:clrMapOvr>
     <a:masterClrMapping/>
   </p:clrMapOvr>
+  <p:timing>
+    <p:tnLst>
+      <p:par>
+        <p:cTn id="1" dur="indefinite" restart="never" nodeType="tmRoot">
+          <p:childTnLst>
+            <p:seq concurrent="1" nextAc="seek">
+              <p:cTn id="2" dur="indefinite" nodeType="mainSeq">
+                <p:childTnLst>
+                  <p:par>
+                    <p:cTn id="3" fill="hold">
+                      <p:stCondLst>
+                        <p:cond delay="indefinite"/>
+                      </p:stCondLst>
+                      <p:childTnLst>
+                        <p:par>
+                          <p:cTn id="4" fill="hold">
+                            <p:stCondLst>
+                              <p:cond delay="0"/>
+                            </p:stCondLst>
+                            <p:childTnLst>
+                              <p:par>
+                                <p:cTn id="5" presetID="1" presetClass="entr" presetSubtype="0" fill="hold" nodeType="clickEffect">
+                                  <p:stCondLst>
+                                    <p:cond delay="0"/>
+                                  </p:stCondLst>
+                                  <p:childTnLst>
+                                    <p:set>
+                                      <p:cBhvr>
+                                        <p:cTn id="6" dur="1" fill="hold">
+                                          <p:stCondLst>
+                                            <p:cond delay="0"/>
+                                          </p:stCondLst>
+                                        </p:cTn>
+                                        <p:tgtEl>
+                                          <p:spTgt spid="10"/>
+                                        </p:tgtEl>
+                                        <p:attrNameLst>
+                                          <p:attrName>style.visibility</p:attrName>
+                                        </p:attrNameLst>
+                                      </p:cBhvr>
+                                      <p:to>
+                                        <p:strVal val="visible"/>
+                                      </p:to>
+                                    </p:set>
+                                  </p:childTnLst>
+                                </p:cTn>
+                              </p:par>
+                              <p:par>
+                                <p:cTn id="7" presetID="1" presetClass="entr" presetSubtype="0" fill="hold" nodeType="withEffect">
+                                  <p:stCondLst>
+                                    <p:cond delay="0"/>
+                                  </p:stCondLst>
+                                  <p:childTnLst>
+                                    <p:set>
+                                      <p:cBhvr>
+                                        <p:cTn id="8" dur="1" fill="hold">
+                                          <p:stCondLst>
+                                            <p:cond delay="0"/>
+                                          </p:stCondLst>
+                                        </p:cTn>
+                                        <p:tgtEl>
+                                          <p:spTgt spid="11"/>
+                                        </p:tgtEl>
+                                        <p:attrNameLst>
+                                          <p:attrName>style.visibility</p:attrName>
+                                        </p:attrNameLst>
+                                      </p:cBhvr>
+                                      <p:to>
+                                        <p:strVal val="visible"/>
+                                      </p:to>
+                                    </p:set>
+                                  </p:childTnLst>
+                                </p:cTn>
+                              </p:par>
+                            </p:childTnLst>
+                          </p:cTn>
+                        </p:par>
+                      </p:childTnLst>
+                    </p:cTn>
+                  </p:par>
+                </p:childTnLst>
+              </p:cTn>
+              <p:prevCondLst>
+                <p:cond evt="onPrev" delay="0">
+                  <p:tgtEl>
+                    <p:sldTgt/>
+                  </p:tgtEl>
+                </p:cond>
+              </p:prevCondLst>
+              <p:nextCondLst>
+                <p:cond evt="onNext" delay="0">
+                  <p:tgtEl>
+                    <p:sldTgt/>
+                  </p:tgtEl>
+                </p:cond>
+              </p:nextCondLst>
+            </p:seq>
+          </p:childTnLst>
+        </p:cTn>
+      </p:par>
+    </p:tnLst>
+  </p:timing>
 </p:sld>
 </file>
 
-<file path=ppt/slides/slide16.xml><?xml version="1.0" encoding="utf-8"?>
+<file path=ppt/slides/slide14.xml><?xml version="1.0" encoding="utf-8"?>
 <p:sld xmlns:a="http://schemas.openxmlformats.org/drawingml/2006/main" xmlns:r="http://schemas.openxmlformats.org/officeDocument/2006/relationships" xmlns:p="http://schemas.openxmlformats.org/presentationml/2006/main">
   <p:cSld>
     <p:spTree>
@@ -18049,7 +14299,7 @@
           <a:p>
             <a:r>
               <a:rPr lang="es-ES" dirty="0"/>
-              <a:t>Apartado 3:Filtros de textura</a:t>
+              <a:t>Apartado 3: Filtros de textura</a:t>
             </a:r>
           </a:p>
         </p:txBody>
@@ -18070,9 +14320,16 @@
             <p:ph idx="1"/>
           </p:nvPr>
         </p:nvSpPr>
-        <p:spPr/>
+        <p:spPr>
+          <a:xfrm>
+            <a:off x="1154955" y="2603500"/>
+            <a:ext cx="4941046" cy="3416300"/>
+          </a:xfrm>
+        </p:spPr>
         <p:txBody>
-          <a:bodyPr/>
+          <a:bodyPr>
+            <a:normAutofit fontScale="92500"/>
+          </a:bodyPr>
           <a:lstStyle/>
           <a:p>
             <a:pPr>
@@ -18104,7 +14361,7 @@
             </a:pPr>
             <a:r>
               <a:rPr lang="es-ES" dirty="0"/>
-              <a:t>Entropía: se encuentra alternativa</a:t>
+              <a:t>Entropía: Se encuentra alternativa</a:t>
             </a:r>
           </a:p>
           <a:p>
@@ -18142,114 +14399,12 @@
           </a:p>
         </p:txBody>
       </p:sp>
-    </p:spTree>
-    <p:extLst>
-      <p:ext uri="{BB962C8B-B14F-4D97-AF65-F5344CB8AC3E}">
-        <p14:creationId xmlns:p14="http://schemas.microsoft.com/office/powerpoint/2010/main" val="457301582"/>
-      </p:ext>
-    </p:extLst>
-  </p:cSld>
-  <p:clrMapOvr>
-    <a:masterClrMapping/>
-  </p:clrMapOvr>
-</p:sld>
-</file>
-
-<file path=ppt/slides/slide17.xml><?xml version="1.0" encoding="utf-8"?>
-<p:sld xmlns:a="http://schemas.openxmlformats.org/drawingml/2006/main" xmlns:r="http://schemas.openxmlformats.org/officeDocument/2006/relationships" xmlns:p="http://schemas.openxmlformats.org/presentationml/2006/main">
-  <p:cSld>
-    <p:spTree>
-      <p:nvGrpSpPr>
-        <p:cNvPr id="1" name=""/>
-        <p:cNvGrpSpPr/>
-        <p:nvPr/>
-      </p:nvGrpSpPr>
-      <p:grpSpPr>
-        <a:xfrm>
-          <a:off x="0" y="0"/>
-          <a:ext cx="0" cy="0"/>
-          <a:chOff x="0" y="0"/>
-          <a:chExt cx="0" cy="0"/>
-        </a:xfrm>
-      </p:grpSpPr>
-      <p:sp>
-        <p:nvSpPr>
-          <p:cNvPr id="4" name="CuadroTexto 3">
+      <p:pic>
+        <p:nvPicPr>
+          <p:cNvPr id="4" name="Imagen 3" descr="Escala de tiempo&#10;&#10;Descripción generada automáticamente">
             <a:extLst>
               <a:ext uri="{FF2B5EF4-FFF2-40B4-BE49-F238E27FC236}">
-                <a16:creationId xmlns:a16="http://schemas.microsoft.com/office/drawing/2014/main" id="{82AF1BD1-044F-434C-9E2D-46D8DEC1A7CF}"/>
-              </a:ext>
-            </a:extLst>
-          </p:cNvPr>
-          <p:cNvSpPr txBox="1"/>
-          <p:nvPr/>
-        </p:nvSpPr>
-        <p:spPr>
-          <a:xfrm>
-            <a:off x="2756037" y="5283200"/>
-            <a:ext cx="1135465" cy="369332"/>
-          </a:xfrm>
-          <a:prstGeom prst="rect">
-            <a:avLst/>
-          </a:prstGeom>
-          <a:noFill/>
-        </p:spPr>
-        <p:txBody>
-          <a:bodyPr wrap="square" rtlCol="0">
-            <a:spAutoFit/>
-          </a:bodyPr>
-          <a:lstStyle/>
-          <a:p>
-            <a:pPr algn="ctr"/>
-            <a:r>
-              <a:rPr lang="es-ES" dirty="0"/>
-              <a:t>Matlab</a:t>
-            </a:r>
-          </a:p>
-        </p:txBody>
-      </p:sp>
-      <p:sp>
-        <p:nvSpPr>
-          <p:cNvPr id="5" name="CuadroTexto 4">
-            <a:extLst>
-              <a:ext uri="{FF2B5EF4-FFF2-40B4-BE49-F238E27FC236}">
-                <a16:creationId xmlns:a16="http://schemas.microsoft.com/office/drawing/2014/main" id="{9A54FD68-3C5D-4BBE-9573-E999BA4DA1F6}"/>
-              </a:ext>
-            </a:extLst>
-          </p:cNvPr>
-          <p:cNvSpPr txBox="1"/>
-          <p:nvPr/>
-        </p:nvSpPr>
-        <p:spPr>
-          <a:xfrm>
-            <a:off x="8300500" y="5283200"/>
-            <a:ext cx="1135465" cy="369332"/>
-          </a:xfrm>
-          <a:prstGeom prst="rect">
-            <a:avLst/>
-          </a:prstGeom>
-          <a:noFill/>
-        </p:spPr>
-        <p:txBody>
-          <a:bodyPr wrap="square" rtlCol="0">
-            <a:spAutoFit/>
-          </a:bodyPr>
-          <a:lstStyle/>
-          <a:p>
-            <a:pPr algn="ctr"/>
-            <a:r>
-              <a:rPr lang="es-ES" dirty="0"/>
-              <a:t>Python</a:t>
-            </a:r>
-          </a:p>
-        </p:txBody>
-      </p:sp>
-      <p:pic>
-        <p:nvPicPr>
-          <p:cNvPr id="3" name="Imagen 2" descr="Escala de tiempo&#10;&#10;Descripción generada automáticamente">
-            <a:extLst>
-              <a:ext uri="{FF2B5EF4-FFF2-40B4-BE49-F238E27FC236}">
-                <a16:creationId xmlns:a16="http://schemas.microsoft.com/office/drawing/2014/main" id="{A4C48F62-2B95-46C0-81DE-6FEBA20F32C6}"/>
+                <a16:creationId xmlns:a16="http://schemas.microsoft.com/office/drawing/2014/main" id="{97225049-077D-4511-AA74-B4372CBADC68}"/>
               </a:ext>
             </a:extLst>
           </p:cNvPr>
@@ -18272,20 +14427,56 @@
         </p:blipFill>
         <p:spPr>
           <a:xfrm>
-            <a:off x="1094608" y="1279271"/>
-            <a:ext cx="4458322" cy="3648584"/>
+            <a:off x="7503885" y="2732929"/>
+            <a:ext cx="3391470" cy="2775498"/>
           </a:xfrm>
           <a:prstGeom prst="rect">
             <a:avLst/>
           </a:prstGeom>
         </p:spPr>
       </p:pic>
+      <p:sp>
+        <p:nvSpPr>
+          <p:cNvPr id="6" name="CuadroTexto 5">
+            <a:extLst>
+              <a:ext uri="{FF2B5EF4-FFF2-40B4-BE49-F238E27FC236}">
+                <a16:creationId xmlns:a16="http://schemas.microsoft.com/office/drawing/2014/main" id="{94D5EBE0-2335-4EEB-ABF1-A38FCC504466}"/>
+              </a:ext>
+            </a:extLst>
+          </p:cNvPr>
+          <p:cNvSpPr txBox="1"/>
+          <p:nvPr/>
+        </p:nvSpPr>
+        <p:spPr>
+          <a:xfrm>
+            <a:off x="8631887" y="5699666"/>
+            <a:ext cx="1135465" cy="369332"/>
+          </a:xfrm>
+          <a:prstGeom prst="rect">
+            <a:avLst/>
+          </a:prstGeom>
+          <a:noFill/>
+        </p:spPr>
+        <p:txBody>
+          <a:bodyPr wrap="square" rtlCol="0">
+            <a:spAutoFit/>
+          </a:bodyPr>
+          <a:lstStyle/>
+          <a:p>
+            <a:pPr algn="ctr"/>
+            <a:r>
+              <a:rPr lang="es-ES" dirty="0"/>
+              <a:t>Matlab</a:t>
+            </a:r>
+          </a:p>
+        </p:txBody>
+      </p:sp>
       <p:pic>
         <p:nvPicPr>
-          <p:cNvPr id="8" name="Imagen 7" descr="Escala de tiempo&#10;&#10;Descripción generada automáticamente">
+          <p:cNvPr id="7" name="Imagen 6" descr="Escala de tiempo&#10;&#10;Descripción generada automáticamente">
             <a:extLst>
               <a:ext uri="{FF2B5EF4-FFF2-40B4-BE49-F238E27FC236}">
-                <a16:creationId xmlns:a16="http://schemas.microsoft.com/office/drawing/2014/main" id="{2A2BC0D0-9972-4C85-80BA-D80ADB0E13B7}"/>
+                <a16:creationId xmlns:a16="http://schemas.microsoft.com/office/drawing/2014/main" id="{81B3016F-7B86-46A1-8768-EA82ECBFABAD}"/>
               </a:ext>
             </a:extLst>
           </p:cNvPr>
@@ -18308,28 +14499,224 @@
         </p:blipFill>
         <p:spPr>
           <a:xfrm>
-            <a:off x="6510465" y="1131613"/>
-            <a:ext cx="4715533" cy="3943900"/>
+            <a:off x="7503885" y="2732928"/>
+            <a:ext cx="3318532" cy="2775499"/>
           </a:xfrm>
           <a:prstGeom prst="rect">
             <a:avLst/>
           </a:prstGeom>
         </p:spPr>
       </p:pic>
+      <p:sp>
+        <p:nvSpPr>
+          <p:cNvPr id="8" name="CuadroTexto 7">
+            <a:extLst>
+              <a:ext uri="{FF2B5EF4-FFF2-40B4-BE49-F238E27FC236}">
+                <a16:creationId xmlns:a16="http://schemas.microsoft.com/office/drawing/2014/main" id="{BD64E7A1-977F-4F60-ACA6-FC77BC36D922}"/>
+              </a:ext>
+            </a:extLst>
+          </p:cNvPr>
+          <p:cNvSpPr txBox="1"/>
+          <p:nvPr/>
+        </p:nvSpPr>
+        <p:spPr>
+          <a:xfrm>
+            <a:off x="8595418" y="5699666"/>
+            <a:ext cx="1135465" cy="369332"/>
+          </a:xfrm>
+          <a:prstGeom prst="rect">
+            <a:avLst/>
+          </a:prstGeom>
+          <a:noFill/>
+        </p:spPr>
+        <p:txBody>
+          <a:bodyPr wrap="square" rtlCol="0">
+            <a:spAutoFit/>
+          </a:bodyPr>
+          <a:lstStyle/>
+          <a:p>
+            <a:pPr algn="ctr"/>
+            <a:r>
+              <a:rPr lang="es-ES" dirty="0"/>
+              <a:t>Python</a:t>
+            </a:r>
+          </a:p>
+        </p:txBody>
+      </p:sp>
     </p:spTree>
     <p:extLst>
       <p:ext uri="{BB962C8B-B14F-4D97-AF65-F5344CB8AC3E}">
-        <p14:creationId xmlns:p14="http://schemas.microsoft.com/office/powerpoint/2010/main" val="2242737219"/>
+        <p14:creationId xmlns:p14="http://schemas.microsoft.com/office/powerpoint/2010/main" val="457301582"/>
       </p:ext>
     </p:extLst>
   </p:cSld>
   <p:clrMapOvr>
     <a:masterClrMapping/>
   </p:clrMapOvr>
+  <p:timing>
+    <p:tnLst>
+      <p:par>
+        <p:cTn id="1" dur="indefinite" restart="never" nodeType="tmRoot">
+          <p:childTnLst>
+            <p:seq concurrent="1" nextAc="seek">
+              <p:cTn id="2" dur="indefinite" nodeType="mainSeq">
+                <p:childTnLst>
+                  <p:par>
+                    <p:cTn id="3" fill="hold">
+                      <p:stCondLst>
+                        <p:cond delay="indefinite"/>
+                      </p:stCondLst>
+                      <p:childTnLst>
+                        <p:par>
+                          <p:cTn id="4" fill="hold">
+                            <p:stCondLst>
+                              <p:cond delay="0"/>
+                            </p:stCondLst>
+                            <p:childTnLst>
+                              <p:par>
+                                <p:cTn id="5" presetID="1" presetClass="exit" presetSubtype="0" fill="hold" grpId="0" nodeType="clickEffect">
+                                  <p:stCondLst>
+                                    <p:cond delay="0"/>
+                                  </p:stCondLst>
+                                  <p:childTnLst>
+                                    <p:set>
+                                      <p:cBhvr>
+                                        <p:cTn id="6" dur="1" fill="hold">
+                                          <p:stCondLst>
+                                            <p:cond delay="0"/>
+                                          </p:stCondLst>
+                                        </p:cTn>
+                                        <p:tgtEl>
+                                          <p:spTgt spid="6"/>
+                                        </p:tgtEl>
+                                        <p:attrNameLst>
+                                          <p:attrName>style.visibility</p:attrName>
+                                        </p:attrNameLst>
+                                      </p:cBhvr>
+                                      <p:to>
+                                        <p:strVal val="hidden"/>
+                                      </p:to>
+                                    </p:set>
+                                  </p:childTnLst>
+                                </p:cTn>
+                              </p:par>
+                              <p:par>
+                                <p:cTn id="7" presetID="1" presetClass="exit" presetSubtype="0" fill="hold" nodeType="withEffect">
+                                  <p:stCondLst>
+                                    <p:cond delay="0"/>
+                                  </p:stCondLst>
+                                  <p:childTnLst>
+                                    <p:set>
+                                      <p:cBhvr>
+                                        <p:cTn id="8" dur="1" fill="hold">
+                                          <p:stCondLst>
+                                            <p:cond delay="0"/>
+                                          </p:stCondLst>
+                                        </p:cTn>
+                                        <p:tgtEl>
+                                          <p:spTgt spid="4"/>
+                                        </p:tgtEl>
+                                        <p:attrNameLst>
+                                          <p:attrName>style.visibility</p:attrName>
+                                        </p:attrNameLst>
+                                      </p:cBhvr>
+                                      <p:to>
+                                        <p:strVal val="hidden"/>
+                                      </p:to>
+                                    </p:set>
+                                  </p:childTnLst>
+                                </p:cTn>
+                              </p:par>
+                              <p:par>
+                                <p:cTn id="9" presetID="1" presetClass="entr" presetSubtype="0" fill="hold" grpId="0" nodeType="withEffect">
+                                  <p:stCondLst>
+                                    <p:cond delay="0"/>
+                                  </p:stCondLst>
+                                  <p:childTnLst>
+                                    <p:set>
+                                      <p:cBhvr>
+                                        <p:cTn id="10" dur="1" fill="hold">
+                                          <p:stCondLst>
+                                            <p:cond delay="0"/>
+                                          </p:stCondLst>
+                                        </p:cTn>
+                                        <p:tgtEl>
+                                          <p:spTgt spid="8"/>
+                                        </p:tgtEl>
+                                        <p:attrNameLst>
+                                          <p:attrName>style.visibility</p:attrName>
+                                        </p:attrNameLst>
+                                      </p:cBhvr>
+                                      <p:to>
+                                        <p:strVal val="visible"/>
+                                      </p:to>
+                                    </p:set>
+                                  </p:childTnLst>
+                                </p:cTn>
+                              </p:par>
+                              <p:par>
+                                <p:cTn id="11" presetID="1" presetClass="entr" presetSubtype="0" fill="hold" nodeType="withEffect">
+                                  <p:stCondLst>
+                                    <p:cond delay="0"/>
+                                  </p:stCondLst>
+                                  <p:childTnLst>
+                                    <p:set>
+                                      <p:cBhvr>
+                                        <p:cTn id="12" dur="1" fill="hold">
+                                          <p:stCondLst>
+                                            <p:cond delay="0"/>
+                                          </p:stCondLst>
+                                        </p:cTn>
+                                        <p:tgtEl>
+                                          <p:spTgt spid="7"/>
+                                        </p:tgtEl>
+                                        <p:attrNameLst>
+                                          <p:attrName>style.visibility</p:attrName>
+                                        </p:attrNameLst>
+                                      </p:cBhvr>
+                                      <p:to>
+                                        <p:strVal val="visible"/>
+                                      </p:to>
+                                    </p:set>
+                                  </p:childTnLst>
+                                </p:cTn>
+                              </p:par>
+                            </p:childTnLst>
+                          </p:cTn>
+                        </p:par>
+                      </p:childTnLst>
+                    </p:cTn>
+                  </p:par>
+                </p:childTnLst>
+              </p:cTn>
+              <p:prevCondLst>
+                <p:cond evt="onPrev" delay="0">
+                  <p:tgtEl>
+                    <p:sldTgt/>
+                  </p:tgtEl>
+                </p:cond>
+              </p:prevCondLst>
+              <p:nextCondLst>
+                <p:cond evt="onNext" delay="0">
+                  <p:tgtEl>
+                    <p:sldTgt/>
+                  </p:tgtEl>
+                </p:cond>
+              </p:nextCondLst>
+            </p:seq>
+          </p:childTnLst>
+        </p:cTn>
+      </p:par>
+    </p:tnLst>
+    <p:bldLst>
+      <p:bldP spid="6" grpId="0"/>
+      <p:bldP spid="8" grpId="0"/>
+    </p:bldLst>
+  </p:timing>
 </p:sld>
 </file>
 
-<file path=ppt/slides/slide18.xml><?xml version="1.0" encoding="utf-8"?>
+<file path=ppt/slides/slide15.xml><?xml version="1.0" encoding="utf-8"?>
 <p:sld xmlns:a="http://schemas.openxmlformats.org/drawingml/2006/main" xmlns:r="http://schemas.openxmlformats.org/officeDocument/2006/relationships" xmlns:p="http://schemas.openxmlformats.org/presentationml/2006/main">
   <p:cSld>
     <p:spTree>
@@ -18435,19 +14822,11 @@
             </a:r>
             <a:r>
               <a:rPr lang="es-ES" dirty="0" err="1"/>
-              <a:t>preporcesado</a:t>
+              <a:t>preprocesado</a:t>
             </a:r>
             <a:r>
               <a:rPr lang="es-ES" dirty="0"/>
-              <a:t>: </a:t>
-            </a:r>
-            <a:r>
-              <a:rPr lang="es-ES" dirty="0" err="1"/>
-              <a:t>miltro</a:t>
-            </a:r>
-            <a:r>
-              <a:rPr lang="es-ES" dirty="0"/>
-              <a:t> de media sobre ab</a:t>
+              <a:t>: filtro de media sobre ab</a:t>
             </a:r>
           </a:p>
         </p:txBody>
@@ -18606,7 +14985,7 @@
 </p:sld>
 </file>
 
-<file path=ppt/slides/slide19.xml><?xml version="1.0" encoding="utf-8"?>
+<file path=ppt/slides/slide16.xml><?xml version="1.0" encoding="utf-8"?>
 <p:sld xmlns:a="http://schemas.openxmlformats.org/drawingml/2006/main" xmlns:r="http://schemas.openxmlformats.org/officeDocument/2006/relationships" xmlns:p="http://schemas.openxmlformats.org/presentationml/2006/main">
   <p:cSld>
     <p:spTree>
@@ -18798,17 +15177,9 @@
 </p:sld>
 </file>
 
-<file path=ppt/slides/slide2.xml><?xml version="1.0" encoding="utf-8"?>
+<file path=ppt/slides/slide17.xml><?xml version="1.0" encoding="utf-8"?>
 <p:sld xmlns:a="http://schemas.openxmlformats.org/drawingml/2006/main" xmlns:r="http://schemas.openxmlformats.org/officeDocument/2006/relationships" xmlns:p="http://schemas.openxmlformats.org/presentationml/2006/main">
   <p:cSld>
-    <p:bg>
-      <p:bgPr>
-        <a:solidFill>
-          <a:schemeClr val="bg1"/>
-        </a:solidFill>
-        <a:effectLst/>
-      </p:bgPr>
-    </p:bg>
     <p:spTree>
       <p:nvGrpSpPr>
         <p:cNvPr id="1" name=""/>
@@ -18823,750 +15194,12 @@
           <a:chExt cx="0" cy="0"/>
         </a:xfrm>
       </p:grpSpPr>
-      <p:grpSp>
-        <p:nvGrpSpPr>
-          <p:cNvPr id="9" name="Group 8">
-            <a:extLst>
-              <a:ext uri="{FF2B5EF4-FFF2-40B4-BE49-F238E27FC236}">
-                <a16:creationId xmlns:a16="http://schemas.microsoft.com/office/drawing/2014/main" id="{08BCF048-8940-4354-B9EC-5AD74E283CE3}"/>
-              </a:ext>
-              <a:ext uri="{C183D7F6-B498-43B3-948B-1728B52AA6E4}">
-                <adec:decorative xmlns:adec="http://schemas.microsoft.com/office/drawing/2017/decorative" val="1"/>
-              </a:ext>
-            </a:extLst>
-          </p:cNvPr>
-          <p:cNvGrpSpPr>
-            <a:grpSpLocks noGrp="1" noUngrp="1" noRot="1" noChangeAspect="1" noMove="1" noResize="1"/>
-          </p:cNvGrpSpPr>
-          <p:nvPr>
-            <p:extLst>
-              <p:ext uri="{386F3935-93C4-4BCD-93E2-E3B085C9AB24}">
-                <p16:designElem xmlns:p16="http://schemas.microsoft.com/office/powerpoint/2015/main" val="1"/>
-              </p:ext>
-            </p:extLst>
-          </p:nvPr>
-        </p:nvGrpSpPr>
-        <p:grpSpPr>
-          <a:xfrm>
-            <a:off x="0" y="0"/>
-            <a:ext cx="12192000" cy="6858000"/>
-            <a:chOff x="0" y="0"/>
-            <a:chExt cx="12192000" cy="6858000"/>
-          </a:xfrm>
-        </p:grpSpPr>
-        <p:sp>
-          <p:nvSpPr>
-            <p:cNvPr id="10" name="Rectangle 9">
-              <a:extLst>
-                <a:ext uri="{FF2B5EF4-FFF2-40B4-BE49-F238E27FC236}">
-                  <a16:creationId xmlns:a16="http://schemas.microsoft.com/office/drawing/2014/main" id="{D024C14A-78BD-44B0-82BE-6A0D0A27063A}"/>
-                </a:ext>
-                <a:ext uri="{C183D7F6-B498-43B3-948B-1728B52AA6E4}">
-                  <adec:decorative xmlns:adec="http://schemas.microsoft.com/office/drawing/2017/decorative" val="1"/>
-                </a:ext>
-              </a:extLst>
-            </p:cNvPr>
-            <p:cNvSpPr/>
-            <p:nvPr>
-              <p:extLst>
-                <p:ext uri="{386F3935-93C4-4BCD-93E2-E3B085C9AB24}">
-                  <p16:designElem xmlns:p16="http://schemas.microsoft.com/office/powerpoint/2015/main" val="1"/>
-                </p:ext>
-              </p:extLst>
-            </p:nvPr>
-          </p:nvSpPr>
-          <p:spPr>
-            <a:xfrm>
-              <a:off x="0" y="0"/>
-              <a:ext cx="12192000" cy="6858000"/>
-            </a:xfrm>
-            <a:prstGeom prst="rect">
-              <a:avLst/>
-            </a:prstGeom>
-            <a:blipFill>
-              <a:blip r:embed="rId2">
-                <a:duotone>
-                  <a:schemeClr val="dk2">
-                    <a:shade val="69000"/>
-                    <a:hueMod val="91000"/>
-                    <a:satMod val="164000"/>
-                    <a:lumMod val="74000"/>
-                  </a:schemeClr>
-                  <a:schemeClr val="dk2">
-                    <a:hueMod val="124000"/>
-                    <a:satMod val="140000"/>
-                    <a:lumMod val="142000"/>
-                  </a:schemeClr>
-                </a:duotone>
-              </a:blip>
-              <a:stretch>
-                <a:fillRect/>
-              </a:stretch>
-            </a:blipFill>
-            <a:ln>
-              <a:noFill/>
-            </a:ln>
-          </p:spPr>
-          <p:style>
-            <a:lnRef idx="2">
-              <a:schemeClr val="accent1">
-                <a:shade val="50000"/>
-              </a:schemeClr>
-            </a:lnRef>
-            <a:fillRef idx="1">
-              <a:schemeClr val="accent1"/>
-            </a:fillRef>
-            <a:effectRef idx="0">
-              <a:schemeClr val="accent1"/>
-            </a:effectRef>
-            <a:fontRef idx="minor">
-              <a:schemeClr val="lt1"/>
-            </a:fontRef>
-          </p:style>
-        </p:sp>
-        <p:sp>
-          <p:nvSpPr>
-            <p:cNvPr id="11" name="Oval 10">
-              <a:extLst>
-                <a:ext uri="{FF2B5EF4-FFF2-40B4-BE49-F238E27FC236}">
-                  <a16:creationId xmlns:a16="http://schemas.microsoft.com/office/drawing/2014/main" id="{809F3D29-EDB1-4F1C-A0E0-36F28CE17188}"/>
-                </a:ext>
-                <a:ext uri="{C183D7F6-B498-43B3-948B-1728B52AA6E4}">
-                  <adec:decorative xmlns:adec="http://schemas.microsoft.com/office/drawing/2017/decorative" val="1"/>
-                </a:ext>
-              </a:extLst>
-            </p:cNvPr>
-            <p:cNvSpPr/>
-            <p:nvPr>
-              <p:extLst>
-                <p:ext uri="{386F3935-93C4-4BCD-93E2-E3B085C9AB24}">
-                  <p16:designElem xmlns:p16="http://schemas.microsoft.com/office/powerpoint/2015/main" val="1"/>
-                </p:ext>
-              </p:extLst>
-            </p:nvPr>
-          </p:nvSpPr>
-          <p:spPr>
-            <a:xfrm>
-              <a:off x="0" y="2667000"/>
-              <a:ext cx="4191000" cy="4191000"/>
-            </a:xfrm>
-            <a:prstGeom prst="ellipse">
-              <a:avLst/>
-            </a:prstGeom>
-            <a:gradFill flip="none" rotWithShape="1">
-              <a:gsLst>
-                <a:gs pos="0">
-                  <a:schemeClr val="accent5">
-                    <a:alpha val="11000"/>
-                  </a:schemeClr>
-                </a:gs>
-                <a:gs pos="75000">
-                  <a:schemeClr val="accent5">
-                    <a:alpha val="0"/>
-                  </a:schemeClr>
-                </a:gs>
-                <a:gs pos="36000">
-                  <a:schemeClr val="accent5">
-                    <a:alpha val="10000"/>
-                  </a:schemeClr>
-                </a:gs>
-              </a:gsLst>
-              <a:path path="circle">
-                <a:fillToRect l="50000" t="50000" r="50000" b="50000"/>
-              </a:path>
-              <a:tileRect/>
-            </a:gradFill>
-            <a:ln>
-              <a:noFill/>
-            </a:ln>
-            <a:effectLst/>
-          </p:spPr>
-          <p:style>
-            <a:lnRef idx="1">
-              <a:schemeClr val="accent1"/>
-            </a:lnRef>
-            <a:fillRef idx="3">
-              <a:schemeClr val="accent1"/>
-            </a:fillRef>
-            <a:effectRef idx="2">
-              <a:schemeClr val="accent1"/>
-            </a:effectRef>
-            <a:fontRef idx="minor">
-              <a:schemeClr val="lt1"/>
-            </a:fontRef>
-          </p:style>
-        </p:sp>
-        <p:sp>
-          <p:nvSpPr>
-            <p:cNvPr id="12" name="Oval 11">
-              <a:extLst>
-                <a:ext uri="{FF2B5EF4-FFF2-40B4-BE49-F238E27FC236}">
-                  <a16:creationId xmlns:a16="http://schemas.microsoft.com/office/drawing/2014/main" id="{5282F4AB-C7B8-4A86-9927-AA106AA27B41}"/>
-                </a:ext>
-                <a:ext uri="{C183D7F6-B498-43B3-948B-1728B52AA6E4}">
-                  <adec:decorative xmlns:adec="http://schemas.microsoft.com/office/drawing/2017/decorative" val="1"/>
-                </a:ext>
-              </a:extLst>
-            </p:cNvPr>
-            <p:cNvSpPr/>
-            <p:nvPr>
-              <p:extLst>
-                <p:ext uri="{386F3935-93C4-4BCD-93E2-E3B085C9AB24}">
-                  <p16:designElem xmlns:p16="http://schemas.microsoft.com/office/powerpoint/2015/main" val="1"/>
-                </p:ext>
-              </p:extLst>
-            </p:nvPr>
-          </p:nvSpPr>
-          <p:spPr>
-            <a:xfrm>
-              <a:off x="0" y="2895600"/>
-              <a:ext cx="2362200" cy="2362200"/>
-            </a:xfrm>
-            <a:prstGeom prst="ellipse">
-              <a:avLst/>
-            </a:prstGeom>
-            <a:gradFill flip="none" rotWithShape="1">
-              <a:gsLst>
-                <a:gs pos="0">
-                  <a:schemeClr val="accent5">
-                    <a:alpha val="8000"/>
-                  </a:schemeClr>
-                </a:gs>
-                <a:gs pos="72000">
-                  <a:schemeClr val="accent5">
-                    <a:alpha val="0"/>
-                  </a:schemeClr>
-                </a:gs>
-                <a:gs pos="36000">
-                  <a:schemeClr val="accent5">
-                    <a:alpha val="8000"/>
-                  </a:schemeClr>
-                </a:gs>
-              </a:gsLst>
-              <a:path path="circle">
-                <a:fillToRect l="50000" t="50000" r="50000" b="50000"/>
-              </a:path>
-              <a:tileRect/>
-            </a:gradFill>
-            <a:ln>
-              <a:noFill/>
-            </a:ln>
-            <a:effectLst/>
-          </p:spPr>
-          <p:style>
-            <a:lnRef idx="1">
-              <a:schemeClr val="accent1"/>
-            </a:lnRef>
-            <a:fillRef idx="3">
-              <a:schemeClr val="accent1"/>
-            </a:fillRef>
-            <a:effectRef idx="2">
-              <a:schemeClr val="accent1"/>
-            </a:effectRef>
-            <a:fontRef idx="minor">
-              <a:schemeClr val="lt1"/>
-            </a:fontRef>
-          </p:style>
-        </p:sp>
-        <p:sp>
-          <p:nvSpPr>
-            <p:cNvPr id="13" name="Rectangle 12">
-              <a:extLst>
-                <a:ext uri="{FF2B5EF4-FFF2-40B4-BE49-F238E27FC236}">
-                  <a16:creationId xmlns:a16="http://schemas.microsoft.com/office/drawing/2014/main" id="{60B26874-5AFA-4D1E-94A9-53AF9790D702}"/>
-                </a:ext>
-                <a:ext uri="{C183D7F6-B498-43B3-948B-1728B52AA6E4}">
-                  <adec:decorative xmlns:adec="http://schemas.microsoft.com/office/drawing/2017/decorative" val="1"/>
-                </a:ext>
-              </a:extLst>
-            </p:cNvPr>
-            <p:cNvSpPr/>
-            <p:nvPr>
-              <p:extLst>
-                <p:ext uri="{386F3935-93C4-4BCD-93E2-E3B085C9AB24}">
-                  <p16:designElem xmlns:p16="http://schemas.microsoft.com/office/powerpoint/2015/main" val="1"/>
-                </p:ext>
-              </p:extLst>
-            </p:nvPr>
-          </p:nvSpPr>
-          <p:spPr bwMode="gray">
-            <a:xfrm>
-              <a:off x="5713412" y="402165"/>
-              <a:ext cx="6055253" cy="6053670"/>
-            </a:xfrm>
-            <a:prstGeom prst="rect">
-              <a:avLst/>
-            </a:prstGeom>
-            <a:solidFill>
-              <a:schemeClr val="bg1"/>
-            </a:solidFill>
-            <a:ln>
-              <a:noFill/>
-            </a:ln>
-            <a:effectLst/>
-          </p:spPr>
-          <p:style>
-            <a:lnRef idx="1">
-              <a:schemeClr val="accent1"/>
-            </a:lnRef>
-            <a:fillRef idx="3">
-              <a:schemeClr val="accent1"/>
-            </a:fillRef>
-            <a:effectRef idx="2">
-              <a:schemeClr val="accent1"/>
-            </a:effectRef>
-            <a:fontRef idx="minor">
-              <a:schemeClr val="lt1"/>
-            </a:fontRef>
-          </p:style>
-        </p:sp>
-        <p:sp>
-          <p:nvSpPr>
-            <p:cNvPr id="14" name="Freeform 5">
-              <a:extLst>
-                <a:ext uri="{FF2B5EF4-FFF2-40B4-BE49-F238E27FC236}">
-                  <a16:creationId xmlns:a16="http://schemas.microsoft.com/office/drawing/2014/main" id="{A1DA6C95-40F8-4305-89F6-17F6167C0BF2}"/>
-                </a:ext>
-                <a:ext uri="{C183D7F6-B498-43B3-948B-1728B52AA6E4}">
-                  <adec:decorative xmlns:adec="http://schemas.microsoft.com/office/drawing/2017/decorative" val="1"/>
-                </a:ext>
-              </a:extLst>
-            </p:cNvPr>
-            <p:cNvSpPr/>
-            <p:nvPr>
-              <p:extLst>
-                <p:ext uri="{386F3935-93C4-4BCD-93E2-E3B085C9AB24}">
-                  <p16:designElem xmlns:p16="http://schemas.microsoft.com/office/powerpoint/2015/main" val="1"/>
-                </p:ext>
-              </p:extLst>
-            </p:nvPr>
-          </p:nvSpPr>
-          <p:spPr bwMode="gray">
-            <a:xfrm rot="15922489">
-              <a:off x="3140485" y="1826078"/>
-              <a:ext cx="3299407" cy="440924"/>
-            </a:xfrm>
-            <a:custGeom>
-              <a:avLst/>
-              <a:gdLst/>
-              <a:ahLst/>
-              <a:cxnLst/>
-              <a:rect l="l" t="t" r="r" b="b"/>
-              <a:pathLst>
-                <a:path w="10000" h="5291">
-                  <a:moveTo>
-                    <a:pt x="85" y="2532"/>
-                  </a:moveTo>
-                  <a:cubicBezTo>
-                    <a:pt x="1736" y="3911"/>
-                    <a:pt x="7524" y="5298"/>
-                    <a:pt x="9958" y="5291"/>
-                  </a:cubicBezTo>
-                  <a:cubicBezTo>
-                    <a:pt x="9989" y="1958"/>
-                    <a:pt x="9969" y="3333"/>
-                    <a:pt x="10000" y="0"/>
-                  </a:cubicBezTo>
-                  <a:lnTo>
-                    <a:pt x="10000" y="0"/>
-                  </a:lnTo>
-                  <a:lnTo>
-                    <a:pt x="9667" y="204"/>
-                  </a:lnTo>
-                  <a:lnTo>
-                    <a:pt x="9334" y="400"/>
-                  </a:lnTo>
-                  <a:lnTo>
-                    <a:pt x="9001" y="590"/>
-                  </a:lnTo>
-                  <a:lnTo>
-                    <a:pt x="8667" y="753"/>
-                  </a:lnTo>
-                  <a:lnTo>
-                    <a:pt x="8333" y="917"/>
-                  </a:lnTo>
-                  <a:lnTo>
-                    <a:pt x="7999" y="1071"/>
-                  </a:lnTo>
-                  <a:lnTo>
-                    <a:pt x="7669" y="1202"/>
-                  </a:lnTo>
-                  <a:lnTo>
-                    <a:pt x="7333" y="1325"/>
-                  </a:lnTo>
-                  <a:lnTo>
-                    <a:pt x="7000" y="1440"/>
-                  </a:lnTo>
-                  <a:lnTo>
-                    <a:pt x="6673" y="1538"/>
-                  </a:lnTo>
-                  <a:lnTo>
-                    <a:pt x="6340" y="1636"/>
-                  </a:lnTo>
-                  <a:lnTo>
-                    <a:pt x="6013" y="1719"/>
-                  </a:lnTo>
-                  <a:lnTo>
-                    <a:pt x="5686" y="1784"/>
-                  </a:lnTo>
-                  <a:lnTo>
-                    <a:pt x="5359" y="1850"/>
-                  </a:lnTo>
-                  <a:lnTo>
-                    <a:pt x="5036" y="1906"/>
-                  </a:lnTo>
-                  <a:lnTo>
-                    <a:pt x="4717" y="1948"/>
-                  </a:lnTo>
-                  <a:lnTo>
-                    <a:pt x="4396" y="1980"/>
-                  </a:lnTo>
-                  <a:lnTo>
-                    <a:pt x="4079" y="2013"/>
-                  </a:lnTo>
-                  <a:lnTo>
-                    <a:pt x="3766" y="2029"/>
-                  </a:lnTo>
-                  <a:lnTo>
-                    <a:pt x="3454" y="2046"/>
-                  </a:lnTo>
-                  <a:lnTo>
-                    <a:pt x="3145" y="2053"/>
-                  </a:lnTo>
-                  <a:lnTo>
-                    <a:pt x="2839" y="2046"/>
-                  </a:lnTo>
-                  <a:lnTo>
-                    <a:pt x="2537" y="2046"/>
-                  </a:lnTo>
-                  <a:lnTo>
-                    <a:pt x="2238" y="2029"/>
-                  </a:lnTo>
-                  <a:lnTo>
-                    <a:pt x="1943" y="2004"/>
-                  </a:lnTo>
-                  <a:lnTo>
-                    <a:pt x="1653" y="1980"/>
-                  </a:lnTo>
-                  <a:lnTo>
-                    <a:pt x="1368" y="1955"/>
-                  </a:lnTo>
-                  <a:lnTo>
-                    <a:pt x="1085" y="1915"/>
-                  </a:lnTo>
-                  <a:lnTo>
-                    <a:pt x="806" y="1873"/>
-                  </a:lnTo>
-                  <a:lnTo>
-                    <a:pt x="533" y="1833"/>
-                  </a:lnTo>
-                  <a:lnTo>
-                    <a:pt x="0" y="1726"/>
-                  </a:lnTo>
-                  <a:cubicBezTo>
-                    <a:pt x="28" y="1995"/>
-                    <a:pt x="57" y="2263"/>
-                    <a:pt x="85" y="2532"/>
-                  </a:cubicBezTo>
-                  <a:close/>
-                </a:path>
-              </a:pathLst>
-            </a:custGeom>
-            <a:solidFill>
-              <a:schemeClr val="bg1">
-                <a:alpha val="20000"/>
-              </a:schemeClr>
-            </a:solidFill>
-            <a:ln>
-              <a:noFill/>
-            </a:ln>
-          </p:spPr>
-        </p:sp>
-        <p:sp>
-          <p:nvSpPr>
-            <p:cNvPr id="15" name="Freeform 5">
-              <a:extLst>
-                <a:ext uri="{FF2B5EF4-FFF2-40B4-BE49-F238E27FC236}">
-                  <a16:creationId xmlns:a16="http://schemas.microsoft.com/office/drawing/2014/main" id="{A2FA2D29-AEEE-4FFA-B233-94FBE84C9B41}"/>
-                </a:ext>
-                <a:ext uri="{C183D7F6-B498-43B3-948B-1728B52AA6E4}">
-                  <adec:decorative xmlns:adec="http://schemas.microsoft.com/office/drawing/2017/decorative" val="1"/>
-                </a:ext>
-              </a:extLst>
-            </p:cNvPr>
-            <p:cNvSpPr/>
-            <p:nvPr>
-              <p:extLst>
-                <p:ext uri="{386F3935-93C4-4BCD-93E2-E3B085C9AB24}">
-                  <p16:designElem xmlns:p16="http://schemas.microsoft.com/office/powerpoint/2015/main" val="1"/>
-                </p:ext>
-              </p:extLst>
-            </p:nvPr>
-          </p:nvSpPr>
-          <p:spPr bwMode="gray">
-            <a:xfrm rot="16200000">
-              <a:off x="2229377" y="2801721"/>
-              <a:ext cx="6053670" cy="1254558"/>
-            </a:xfrm>
-            <a:custGeom>
-              <a:avLst/>
-              <a:gdLst/>
-              <a:ahLst/>
-              <a:cxnLst/>
-              <a:rect l="l" t="t" r="r" b="b"/>
-              <a:pathLst>
-                <a:path w="10000" h="8000">
-                  <a:moveTo>
-                    <a:pt x="0" y="0"/>
-                  </a:moveTo>
-                  <a:lnTo>
-                    <a:pt x="0" y="7970"/>
-                  </a:lnTo>
-                  <a:lnTo>
-                    <a:pt x="10000" y="8000"/>
-                  </a:lnTo>
-                  <a:lnTo>
-                    <a:pt x="10000" y="7"/>
-                  </a:lnTo>
-                  <a:lnTo>
-                    <a:pt x="10000" y="7"/>
-                  </a:lnTo>
-                  <a:lnTo>
-                    <a:pt x="9773" y="156"/>
-                  </a:lnTo>
-                  <a:lnTo>
-                    <a:pt x="9547" y="298"/>
-                  </a:lnTo>
-                  <a:lnTo>
-                    <a:pt x="9320" y="437"/>
-                  </a:lnTo>
-                  <a:lnTo>
-                    <a:pt x="9092" y="556"/>
-                  </a:lnTo>
-                  <a:lnTo>
-                    <a:pt x="8865" y="676"/>
-                  </a:lnTo>
-                  <a:lnTo>
-                    <a:pt x="8637" y="788"/>
-                  </a:lnTo>
-                  <a:lnTo>
-                    <a:pt x="8412" y="884"/>
-                  </a:lnTo>
-                  <a:lnTo>
-                    <a:pt x="8184" y="975"/>
-                  </a:lnTo>
-                  <a:lnTo>
-                    <a:pt x="7957" y="1058"/>
-                  </a:lnTo>
-                  <a:lnTo>
-                    <a:pt x="7734" y="1130"/>
-                  </a:lnTo>
-                  <a:lnTo>
-                    <a:pt x="7508" y="1202"/>
-                  </a:lnTo>
-                  <a:lnTo>
-                    <a:pt x="7285" y="1262"/>
-                  </a:lnTo>
-                  <a:lnTo>
-                    <a:pt x="7062" y="1309"/>
-                  </a:lnTo>
-                  <a:lnTo>
-                    <a:pt x="6840" y="1358"/>
-                  </a:lnTo>
-                  <a:lnTo>
-                    <a:pt x="6620" y="1399"/>
-                  </a:lnTo>
-                  <a:lnTo>
-                    <a:pt x="6402" y="1428"/>
-                  </a:lnTo>
-                  <a:lnTo>
-                    <a:pt x="6184" y="1453"/>
-                  </a:lnTo>
-                  <a:lnTo>
-                    <a:pt x="5968" y="1477"/>
-                  </a:lnTo>
-                  <a:lnTo>
-                    <a:pt x="5755" y="1488"/>
-                  </a:lnTo>
-                  <a:lnTo>
-                    <a:pt x="5542" y="1500"/>
-                  </a:lnTo>
-                  <a:lnTo>
-                    <a:pt x="5332" y="1506"/>
-                  </a:lnTo>
-                  <a:lnTo>
-                    <a:pt x="5124" y="1500"/>
-                  </a:lnTo>
-                  <a:lnTo>
-                    <a:pt x="4918" y="1500"/>
-                  </a:lnTo>
-                  <a:lnTo>
-                    <a:pt x="4714" y="1488"/>
-                  </a:lnTo>
-                  <a:lnTo>
-                    <a:pt x="4514" y="1470"/>
-                  </a:lnTo>
-                  <a:lnTo>
-                    <a:pt x="4316" y="1453"/>
-                  </a:lnTo>
-                  <a:lnTo>
-                    <a:pt x="4122" y="1434"/>
-                  </a:lnTo>
-                  <a:lnTo>
-                    <a:pt x="3929" y="1405"/>
-                  </a:lnTo>
-                  <a:lnTo>
-                    <a:pt x="3739" y="1374"/>
-                  </a:lnTo>
-                  <a:lnTo>
-                    <a:pt x="3553" y="1346"/>
-                  </a:lnTo>
-                  <a:lnTo>
-                    <a:pt x="3190" y="1267"/>
-                  </a:lnTo>
-                  <a:lnTo>
-                    <a:pt x="2842" y="1183"/>
-                  </a:lnTo>
-                  <a:lnTo>
-                    <a:pt x="2508" y="1095"/>
-                  </a:lnTo>
-                  <a:lnTo>
-                    <a:pt x="2192" y="998"/>
-                  </a:lnTo>
-                  <a:lnTo>
-                    <a:pt x="1890" y="897"/>
-                  </a:lnTo>
-                  <a:lnTo>
-                    <a:pt x="1610" y="788"/>
-                  </a:lnTo>
-                  <a:lnTo>
-                    <a:pt x="1347" y="681"/>
-                  </a:lnTo>
-                  <a:lnTo>
-                    <a:pt x="1105" y="574"/>
-                  </a:lnTo>
-                  <a:lnTo>
-                    <a:pt x="883" y="473"/>
-                  </a:lnTo>
-                  <a:lnTo>
-                    <a:pt x="686" y="377"/>
-                  </a:lnTo>
-                  <a:lnTo>
-                    <a:pt x="508" y="286"/>
-                  </a:lnTo>
-                  <a:lnTo>
-                    <a:pt x="358" y="210"/>
-                  </a:lnTo>
-                  <a:lnTo>
-                    <a:pt x="232" y="138"/>
-                  </a:lnTo>
-                  <a:lnTo>
-                    <a:pt x="59" y="35"/>
-                  </a:lnTo>
-                  <a:lnTo>
-                    <a:pt x="0" y="0"/>
-                  </a:lnTo>
-                  <a:lnTo>
-                    <a:pt x="0" y="0"/>
-                  </a:lnTo>
-                  <a:close/>
-                </a:path>
-              </a:pathLst>
-            </a:custGeom>
-            <a:solidFill>
-              <a:schemeClr val="bg1"/>
-            </a:solidFill>
-            <a:ln>
-              <a:noFill/>
-            </a:ln>
-          </p:spPr>
-        </p:sp>
-        <p:sp>
-          <p:nvSpPr>
-            <p:cNvPr id="16" name="Freeform 5">
-              <a:extLst>
-                <a:ext uri="{FF2B5EF4-FFF2-40B4-BE49-F238E27FC236}">
-                  <a16:creationId xmlns:a16="http://schemas.microsoft.com/office/drawing/2014/main" id="{6DA5143E-FA8E-4EC1-99F7-35AE5AD4E377}"/>
-                </a:ext>
-                <a:ext uri="{C183D7F6-B498-43B3-948B-1728B52AA6E4}">
-                  <adec:decorative xmlns:adec="http://schemas.microsoft.com/office/drawing/2017/decorative" val="1"/>
-                </a:ext>
-              </a:extLst>
-            </p:cNvPr>
-            <p:cNvSpPr>
-              <a:spLocks noEditPoints="1"/>
-            </p:cNvSpPr>
-            <p:nvPr>
-              <p:extLst>
-                <p:ext uri="{386F3935-93C4-4BCD-93E2-E3B085C9AB24}">
-                  <p16:designElem xmlns:p16="http://schemas.microsoft.com/office/powerpoint/2015/main" val="1"/>
-                </p:ext>
-              </p:extLst>
-            </p:nvPr>
-          </p:nvSpPr>
-          <p:spPr bwMode="gray">
-            <a:xfrm>
-              <a:off x="0" y="1587"/>
-              <a:ext cx="12192000" cy="6856413"/>
-            </a:xfrm>
-            <a:custGeom>
-              <a:avLst/>
-              <a:gdLst/>
-              <a:ahLst/>
-              <a:cxnLst/>
-              <a:rect l="0" t="0" r="r" b="b"/>
-              <a:pathLst>
-                <a:path w="15356" h="8638">
-                  <a:moveTo>
-                    <a:pt x="0" y="0"/>
-                  </a:moveTo>
-                  <a:lnTo>
-                    <a:pt x="0" y="8638"/>
-                  </a:lnTo>
-                  <a:lnTo>
-                    <a:pt x="15356" y="8638"/>
-                  </a:lnTo>
-                  <a:lnTo>
-                    <a:pt x="15356" y="0"/>
-                  </a:lnTo>
-                  <a:lnTo>
-                    <a:pt x="0" y="0"/>
-                  </a:lnTo>
-                  <a:close/>
-                  <a:moveTo>
-                    <a:pt x="14748" y="8038"/>
-                  </a:moveTo>
-                  <a:lnTo>
-                    <a:pt x="600" y="8038"/>
-                  </a:lnTo>
-                  <a:lnTo>
-                    <a:pt x="600" y="592"/>
-                  </a:lnTo>
-                  <a:lnTo>
-                    <a:pt x="14748" y="592"/>
-                  </a:lnTo>
-                  <a:lnTo>
-                    <a:pt x="14748" y="8038"/>
-                  </a:lnTo>
-                  <a:close/>
-                </a:path>
-              </a:pathLst>
-            </a:custGeom>
-            <a:solidFill>
-              <a:schemeClr val="bg1"/>
-            </a:solidFill>
-            <a:ln>
-              <a:noFill/>
-            </a:ln>
-          </p:spPr>
-        </p:sp>
-      </p:grpSp>
       <p:sp>
         <p:nvSpPr>
           <p:cNvPr id="2" name="Título 1">
             <a:extLst>
               <a:ext uri="{FF2B5EF4-FFF2-40B4-BE49-F238E27FC236}">
-                <a16:creationId xmlns:a16="http://schemas.microsoft.com/office/drawing/2014/main" id="{27AF5CFA-799C-467B-AA92-034EABBB80AA}"/>
+                <a16:creationId xmlns:a16="http://schemas.microsoft.com/office/drawing/2014/main" id="{455F13CD-A2D5-4F6C-B07C-99123D0E2485}"/>
               </a:ext>
             </a:extLst>
           </p:cNvPr>
@@ -19577,117 +15210,134 @@
             <p:ph type="title"/>
           </p:nvPr>
         </p:nvSpPr>
-        <p:spPr>
-          <a:xfrm>
-            <a:off x="1154955" y="973667"/>
-            <a:ext cx="2942210" cy="4833745"/>
-          </a:xfrm>
-        </p:spPr>
+        <p:spPr/>
         <p:txBody>
-          <a:bodyPr>
-            <a:normAutofit/>
-          </a:bodyPr>
+          <a:bodyPr/>
           <a:lstStyle/>
           <a:p>
             <a:r>
-              <a:rPr lang="es-ES">
-                <a:solidFill>
-                  <a:srgbClr val="EBEBEB"/>
-                </a:solidFill>
-              </a:rPr>
-              <a:t>Índice</a:t>
+              <a:rPr lang="es-ES" dirty="0"/>
+              <a:t>Práctica 7</a:t>
             </a:r>
           </a:p>
         </p:txBody>
       </p:sp>
       <p:sp>
         <p:nvSpPr>
-          <p:cNvPr id="18" name="Rectangle 17">
+          <p:cNvPr id="3" name="Marcador de contenido 2">
             <a:extLst>
               <a:ext uri="{FF2B5EF4-FFF2-40B4-BE49-F238E27FC236}">
-                <a16:creationId xmlns:a16="http://schemas.microsoft.com/office/drawing/2014/main" id="{CC28BCC9-4093-4FD5-83EB-7EC297F51396}"/>
-              </a:ext>
-              <a:ext uri="{C183D7F6-B498-43B3-948B-1728B52AA6E4}">
-                <adec:decorative xmlns:adec="http://schemas.microsoft.com/office/drawing/2017/decorative" val="1"/>
+                <a16:creationId xmlns:a16="http://schemas.microsoft.com/office/drawing/2014/main" id="{D5A38E3B-B597-4D26-8089-D334F0E5AA96}"/>
               </a:ext>
             </a:extLst>
           </p:cNvPr>
           <p:cNvSpPr>
-            <a:spLocks noGrp="1" noRot="1" noChangeAspect="1" noMove="1" noResize="1" noEditPoints="1" noAdjustHandles="1" noChangeArrowheads="1" noChangeShapeType="1" noTextEdit="1"/>
+            <a:spLocks noGrp="1"/>
           </p:cNvSpPr>
           <p:nvPr>
-            <p:extLst>
-              <p:ext uri="{386F3935-93C4-4BCD-93E2-E3B085C9AB24}">
-                <p16:designElem xmlns:p16="http://schemas.microsoft.com/office/powerpoint/2015/main" val="1"/>
-              </p:ext>
-            </p:extLst>
+            <p:ph idx="1"/>
           </p:nvPr>
         </p:nvSpPr>
+        <p:spPr/>
+        <p:txBody>
+          <a:bodyPr/>
+          <a:lstStyle/>
+          <a:p>
+            <a:r>
+              <a:rPr lang="es-ES" dirty="0"/>
+              <a:t>Práctica con mayores diferencias</a:t>
+            </a:r>
+          </a:p>
+          <a:p>
+            <a:r>
+              <a:rPr lang="es-ES" dirty="0"/>
+              <a:t>Cambio de imagen</a:t>
+            </a:r>
+          </a:p>
+          <a:p>
+            <a:r>
+              <a:rPr lang="es-ES" dirty="0"/>
+              <a:t>Modificar la práctica de Matlab</a:t>
+            </a:r>
+          </a:p>
+        </p:txBody>
+      </p:sp>
+      <p:pic>
+        <p:nvPicPr>
+          <p:cNvPr id="5" name="Imagen 4" descr="Imagen en blanco y negro&#10;&#10;Descripción generada automáticamente con confianza media">
+            <a:extLst>
+              <a:ext uri="{FF2B5EF4-FFF2-40B4-BE49-F238E27FC236}">
+                <a16:creationId xmlns:a16="http://schemas.microsoft.com/office/drawing/2014/main" id="{26698A0A-FC6A-4BC1-915B-C134396156F9}"/>
+              </a:ext>
+            </a:extLst>
+          </p:cNvPr>
+          <p:cNvPicPr>
+            <a:picLocks noChangeAspect="1"/>
+          </p:cNvPicPr>
+          <p:nvPr/>
+        </p:nvPicPr>
+        <p:blipFill>
+          <a:blip r:embed="rId2">
+            <a:extLst>
+              <a:ext uri="{28A0092B-C50C-407E-A947-70E740481C1C}">
+                <a14:useLocalDpi xmlns:a14="http://schemas.microsoft.com/office/drawing/2010/main" val="0"/>
+              </a:ext>
+            </a:extLst>
+          </a:blip>
+          <a:stretch>
+            <a:fillRect/>
+          </a:stretch>
+        </p:blipFill>
         <p:spPr>
           <a:xfrm>
-            <a:off x="10437812" y="0"/>
-            <a:ext cx="685800" cy="1143000"/>
+            <a:off x="1828799" y="3932720"/>
+            <a:ext cx="3662289" cy="2593208"/>
           </a:xfrm>
           <a:prstGeom prst="rect">
             <a:avLst/>
           </a:prstGeom>
-          <a:solidFill>
-            <a:schemeClr val="accent1"/>
-          </a:solidFill>
-          <a:ln>
-            <a:noFill/>
-          </a:ln>
         </p:spPr>
-        <p:style>
-          <a:lnRef idx="1">
-            <a:schemeClr val="accent1"/>
-          </a:lnRef>
-          <a:fillRef idx="3">
-            <a:schemeClr val="accent1"/>
-          </a:fillRef>
-          <a:effectRef idx="2">
-            <a:schemeClr val="accent1"/>
-          </a:effectRef>
-          <a:fontRef idx="minor">
-            <a:schemeClr val="lt1"/>
-          </a:fontRef>
-        </p:style>
-      </p:sp>
-      <p:graphicFrame>
-        <p:nvGraphicFramePr>
-          <p:cNvPr id="5" name="Marcador de contenido 2">
+      </p:pic>
+      <p:pic>
+        <p:nvPicPr>
+          <p:cNvPr id="7" name="Imagen 6" descr="Tela de colores&#10;&#10;Descripción generada automáticamente con confianza media">
             <a:extLst>
               <a:ext uri="{FF2B5EF4-FFF2-40B4-BE49-F238E27FC236}">
-                <a16:creationId xmlns:a16="http://schemas.microsoft.com/office/drawing/2014/main" id="{63ABAAFD-FB5D-4CC6-A227-AB700C146492}"/>
+                <a16:creationId xmlns:a16="http://schemas.microsoft.com/office/drawing/2014/main" id="{A6C3E915-E900-4051-A61D-A06EC7D27B79}"/>
               </a:ext>
             </a:extLst>
           </p:cNvPr>
-          <p:cNvGraphicFramePr>
-            <a:graphicFrameLocks noGrp="1"/>
-          </p:cNvGraphicFramePr>
-          <p:nvPr>
-            <p:ph idx="1"/>
-            <p:extLst>
-              <p:ext uri="{D42A27DB-BD31-4B8C-83A1-F6EECF244321}">
-                <p14:modId xmlns:p14="http://schemas.microsoft.com/office/powerpoint/2010/main" val="1938791762"/>
-              </p:ext>
-            </p:extLst>
-          </p:nvPr>
-        </p:nvGraphicFramePr>
-        <p:xfrm>
-          <a:off x="5194300" y="808038"/>
-          <a:ext cx="6391275" cy="5246687"/>
-        </p:xfrm>
-        <a:graphic>
-          <a:graphicData uri="http://schemas.openxmlformats.org/drawingml/2006/diagram">
-            <dgm:relIds xmlns:dgm="http://schemas.openxmlformats.org/drawingml/2006/diagram" xmlns:r="http://schemas.openxmlformats.org/officeDocument/2006/relationships" r:dm="rId3" r:lo="rId4" r:qs="rId5" r:cs="rId6"/>
-          </a:graphicData>
-        </a:graphic>
-      </p:graphicFrame>
+          <p:cNvPicPr>
+            <a:picLocks noChangeAspect="1"/>
+          </p:cNvPicPr>
+          <p:nvPr/>
+        </p:nvPicPr>
+        <p:blipFill>
+          <a:blip r:embed="rId3">
+            <a:extLst>
+              <a:ext uri="{28A0092B-C50C-407E-A947-70E740481C1C}">
+                <a14:useLocalDpi xmlns:a14="http://schemas.microsoft.com/office/drawing/2010/main" val="0"/>
+              </a:ext>
+            </a:extLst>
+          </a:blip>
+          <a:stretch>
+            <a:fillRect/>
+          </a:stretch>
+        </p:blipFill>
+        <p:spPr>
+          <a:xfrm>
+            <a:off x="7041082" y="3441699"/>
+            <a:ext cx="3995964" cy="3196771"/>
+          </a:xfrm>
+          <a:prstGeom prst="rect">
+            <a:avLst/>
+          </a:prstGeom>
+        </p:spPr>
+      </p:pic>
     </p:spTree>
     <p:extLst>
       <p:ext uri="{BB962C8B-B14F-4D97-AF65-F5344CB8AC3E}">
-        <p14:creationId xmlns:p14="http://schemas.microsoft.com/office/powerpoint/2010/main" val="249145792"/>
+        <p14:creationId xmlns:p14="http://schemas.microsoft.com/office/powerpoint/2010/main" val="3049882844"/>
       </p:ext>
     </p:extLst>
   </p:cSld>
@@ -19697,7 +15347,417 @@
 </p:sld>
 </file>
 
-<file path=ppt/slides/slide20.xml><?xml version="1.0" encoding="utf-8"?>
+<file path=ppt/slides/slide18.xml><?xml version="1.0" encoding="utf-8"?>
+<p:sld xmlns:a="http://schemas.openxmlformats.org/drawingml/2006/main" xmlns:r="http://schemas.openxmlformats.org/officeDocument/2006/relationships" xmlns:p="http://schemas.openxmlformats.org/presentationml/2006/main">
+  <p:cSld>
+    <p:spTree>
+      <p:nvGrpSpPr>
+        <p:cNvPr id="1" name=""/>
+        <p:cNvGrpSpPr/>
+        <p:nvPr/>
+      </p:nvGrpSpPr>
+      <p:grpSpPr>
+        <a:xfrm>
+          <a:off x="0" y="0"/>
+          <a:ext cx="0" cy="0"/>
+          <a:chOff x="0" y="0"/>
+          <a:chExt cx="0" cy="0"/>
+        </a:xfrm>
+      </p:grpSpPr>
+      <p:sp>
+        <p:nvSpPr>
+          <p:cNvPr id="2" name="Título 1">
+            <a:extLst>
+              <a:ext uri="{FF2B5EF4-FFF2-40B4-BE49-F238E27FC236}">
+                <a16:creationId xmlns:a16="http://schemas.microsoft.com/office/drawing/2014/main" id="{2492DA7F-860D-472C-A7AA-A555DDADDF3A}"/>
+              </a:ext>
+            </a:extLst>
+          </p:cNvPr>
+          <p:cNvSpPr>
+            <a:spLocks noGrp="1"/>
+          </p:cNvSpPr>
+          <p:nvPr>
+            <p:ph type="title"/>
+          </p:nvPr>
+        </p:nvSpPr>
+        <p:spPr/>
+        <p:txBody>
+          <a:bodyPr/>
+          <a:lstStyle/>
+          <a:p>
+            <a:r>
+              <a:rPr lang="es-ES" dirty="0"/>
+              <a:t>Otras diferencias</a:t>
+            </a:r>
+          </a:p>
+        </p:txBody>
+      </p:sp>
+      <p:sp>
+        <p:nvSpPr>
+          <p:cNvPr id="3" name="Marcador de contenido 2">
+            <a:extLst>
+              <a:ext uri="{FF2B5EF4-FFF2-40B4-BE49-F238E27FC236}">
+                <a16:creationId xmlns:a16="http://schemas.microsoft.com/office/drawing/2014/main" id="{8BA4D6BB-70B7-4A8E-B6F3-6510ECEAD0CC}"/>
+              </a:ext>
+            </a:extLst>
+          </p:cNvPr>
+          <p:cNvSpPr>
+            <a:spLocks noGrp="1"/>
+          </p:cNvSpPr>
+          <p:nvPr>
+            <p:ph sz="half" idx="1"/>
+          </p:nvPr>
+        </p:nvSpPr>
+        <p:spPr/>
+        <p:txBody>
+          <a:bodyPr/>
+          <a:lstStyle/>
+          <a:p>
+            <a:r>
+              <a:rPr lang="es-ES" dirty="0" err="1"/>
+              <a:t>Padding</a:t>
+            </a:r>
+            <a:r>
+              <a:rPr lang="es-ES" dirty="0"/>
+              <a:t> en funciones de morfología</a:t>
+            </a:r>
+          </a:p>
+          <a:p>
+            <a:pPr lvl="1"/>
+            <a:r>
+              <a:rPr lang="es-ES" dirty="0"/>
+              <a:t>Tipos de </a:t>
+            </a:r>
+            <a:r>
+              <a:rPr lang="es-ES" dirty="0" err="1"/>
+              <a:t>padding</a:t>
+            </a:r>
+            <a:endParaRPr lang="es-ES" dirty="0"/>
+          </a:p>
+          <a:p>
+            <a:pPr lvl="1"/>
+            <a:r>
+              <a:rPr lang="es-ES" dirty="0"/>
+              <a:t>En Matlab: 0 y 1</a:t>
+            </a:r>
+          </a:p>
+          <a:p>
+            <a:pPr lvl="1"/>
+            <a:r>
+              <a:rPr lang="es-ES" dirty="0"/>
+              <a:t>Open CV: </a:t>
+            </a:r>
+            <a:r>
+              <a:rPr lang="es-ES" dirty="0" err="1"/>
+              <a:t>mirror</a:t>
+            </a:r>
+            <a:endParaRPr lang="es-ES" dirty="0"/>
+          </a:p>
+          <a:p>
+            <a:pPr lvl="1"/>
+            <a:r>
+              <a:rPr lang="es-ES" dirty="0"/>
+              <a:t>Diferencias en los bordes</a:t>
+            </a:r>
+          </a:p>
+          <a:p>
+            <a:pPr lvl="1"/>
+            <a:r>
+              <a:rPr lang="es-ES" dirty="0"/>
+              <a:t>No crea diferencia al final por </a:t>
+            </a:r>
+            <a:r>
+              <a:rPr lang="es-ES" dirty="0" err="1">
+                <a:latin typeface="Candara" panose="020E0502030303020204" pitchFamily="34" charset="0"/>
+              </a:rPr>
+              <a:t>clearborder</a:t>
+            </a:r>
+            <a:endParaRPr lang="es-ES" dirty="0">
+              <a:latin typeface="Candara" panose="020E0502030303020204" pitchFamily="34" charset="0"/>
+            </a:endParaRPr>
+          </a:p>
+          <a:p>
+            <a:pPr marL="0" indent="0">
+              <a:buNone/>
+            </a:pPr>
+            <a:endParaRPr lang="es-ES" dirty="0"/>
+          </a:p>
+        </p:txBody>
+      </p:sp>
+      <p:sp>
+        <p:nvSpPr>
+          <p:cNvPr id="4" name="Marcador de contenido 3">
+            <a:extLst>
+              <a:ext uri="{FF2B5EF4-FFF2-40B4-BE49-F238E27FC236}">
+                <a16:creationId xmlns:a16="http://schemas.microsoft.com/office/drawing/2014/main" id="{912C97CE-EC79-4E76-91B8-027E91BBDF5B}"/>
+              </a:ext>
+            </a:extLst>
+          </p:cNvPr>
+          <p:cNvSpPr>
+            <a:spLocks noGrp="1"/>
+          </p:cNvSpPr>
+          <p:nvPr>
+            <p:ph sz="half" idx="2"/>
+          </p:nvPr>
+        </p:nvSpPr>
+        <p:spPr/>
+        <p:txBody>
+          <a:bodyPr/>
+          <a:lstStyle/>
+          <a:p>
+            <a:r>
+              <a:rPr lang="es-ES" dirty="0"/>
+              <a:t>Función de </a:t>
+            </a:r>
+            <a:r>
+              <a:rPr lang="es-ES" dirty="0" err="1"/>
+              <a:t>Watershed</a:t>
+            </a:r>
+            <a:endParaRPr lang="es-ES" dirty="0"/>
+          </a:p>
+          <a:p>
+            <a:pPr lvl="1"/>
+            <a:r>
+              <a:rPr lang="es-ES" dirty="0"/>
+              <a:t>De uno a dos argumentos</a:t>
+            </a:r>
+          </a:p>
+          <a:p>
+            <a:pPr lvl="1"/>
+            <a:r>
+              <a:rPr lang="es-ES" dirty="0"/>
+              <a:t>Matlab sin marcadores</a:t>
+            </a:r>
+          </a:p>
+          <a:p>
+            <a:pPr lvl="1"/>
+            <a:r>
+              <a:rPr lang="es-ES" dirty="0"/>
+              <a:t>Dos opciones en Python:</a:t>
+            </a:r>
+          </a:p>
+          <a:p>
+            <a:pPr lvl="2">
+              <a:buFont typeface="Wingdings" panose="05000000000000000000" pitchFamily="2" charset="2"/>
+              <a:buChar char="v"/>
+            </a:pPr>
+            <a:r>
+              <a:rPr lang="es-ES" dirty="0" err="1"/>
+              <a:t>OpenCV</a:t>
+            </a:r>
+            <a:endParaRPr lang="es-ES" dirty="0"/>
+          </a:p>
+          <a:p>
+            <a:pPr lvl="2">
+              <a:buFont typeface="Wingdings" panose="05000000000000000000" pitchFamily="2" charset="2"/>
+              <a:buChar char="v"/>
+            </a:pPr>
+            <a:r>
+              <a:rPr lang="es-ES" dirty="0" err="1"/>
+              <a:t>Ski-image</a:t>
+            </a:r>
+            <a:endParaRPr lang="es-ES" dirty="0"/>
+          </a:p>
+          <a:p>
+            <a:pPr marL="457200" lvl="1" indent="0">
+              <a:buNone/>
+            </a:pPr>
+            <a:endParaRPr lang="es-ES" dirty="0"/>
+          </a:p>
+          <a:p>
+            <a:pPr marL="457200" lvl="1" indent="0">
+              <a:buNone/>
+            </a:pPr>
+            <a:endParaRPr lang="es-ES" dirty="0"/>
+          </a:p>
+          <a:p>
+            <a:pPr lvl="1"/>
+            <a:endParaRPr lang="es-ES" dirty="0"/>
+          </a:p>
+        </p:txBody>
+      </p:sp>
+      <p:pic>
+        <p:nvPicPr>
+          <p:cNvPr id="6" name="Imagen 5">
+            <a:extLst>
+              <a:ext uri="{FF2B5EF4-FFF2-40B4-BE49-F238E27FC236}">
+                <a16:creationId xmlns:a16="http://schemas.microsoft.com/office/drawing/2014/main" id="{969B8CB7-FC17-403E-B957-8C2848137C4B}"/>
+              </a:ext>
+            </a:extLst>
+          </p:cNvPr>
+          <p:cNvPicPr>
+            <a:picLocks noChangeAspect="1"/>
+          </p:cNvPicPr>
+          <p:nvPr/>
+        </p:nvPicPr>
+        <p:blipFill>
+          <a:blip r:embed="rId2"/>
+          <a:stretch>
+            <a:fillRect/>
+          </a:stretch>
+        </p:blipFill>
+        <p:spPr>
+          <a:xfrm>
+            <a:off x="1236676" y="2325946"/>
+            <a:ext cx="4477604" cy="3693854"/>
+          </a:xfrm>
+          <a:prstGeom prst="rect">
+            <a:avLst/>
+          </a:prstGeom>
+        </p:spPr>
+      </p:pic>
+      <p:pic>
+        <p:nvPicPr>
+          <p:cNvPr id="8" name="Imagen 7" descr="Un conjunto de imágenes de una persona&#10;&#10;Descripción generada automáticamente con confianza media">
+            <a:extLst>
+              <a:ext uri="{FF2B5EF4-FFF2-40B4-BE49-F238E27FC236}">
+                <a16:creationId xmlns:a16="http://schemas.microsoft.com/office/drawing/2014/main" id="{5BF61115-1867-4FB0-9339-9253138B9B17}"/>
+              </a:ext>
+            </a:extLst>
+          </p:cNvPr>
+          <p:cNvPicPr>
+            <a:picLocks noChangeAspect="1"/>
+          </p:cNvPicPr>
+          <p:nvPr/>
+        </p:nvPicPr>
+        <p:blipFill>
+          <a:blip r:embed="rId3">
+            <a:extLst>
+              <a:ext uri="{28A0092B-C50C-407E-A947-70E740481C1C}">
+                <a14:useLocalDpi xmlns:a14="http://schemas.microsoft.com/office/drawing/2010/main" val="0"/>
+              </a:ext>
+            </a:extLst>
+          </a:blip>
+          <a:stretch>
+            <a:fillRect/>
+          </a:stretch>
+        </p:blipFill>
+        <p:spPr>
+          <a:xfrm>
+            <a:off x="6096000" y="2349567"/>
+            <a:ext cx="4556151" cy="3670233"/>
+          </a:xfrm>
+          <a:prstGeom prst="rect">
+            <a:avLst/>
+          </a:prstGeom>
+        </p:spPr>
+      </p:pic>
+    </p:spTree>
+    <p:extLst>
+      <p:ext uri="{BB962C8B-B14F-4D97-AF65-F5344CB8AC3E}">
+        <p14:creationId xmlns:p14="http://schemas.microsoft.com/office/powerpoint/2010/main" val="1527759660"/>
+      </p:ext>
+    </p:extLst>
+  </p:cSld>
+  <p:clrMapOvr>
+    <a:masterClrMapping/>
+  </p:clrMapOvr>
+  <p:timing>
+    <p:tnLst>
+      <p:par>
+        <p:cTn id="1" dur="indefinite" restart="never" nodeType="tmRoot">
+          <p:childTnLst>
+            <p:seq concurrent="1" nextAc="seek">
+              <p:cTn id="2" dur="indefinite" nodeType="mainSeq">
+                <p:childTnLst>
+                  <p:par>
+                    <p:cTn id="3" fill="hold">
+                      <p:stCondLst>
+                        <p:cond delay="indefinite"/>
+                      </p:stCondLst>
+                      <p:childTnLst>
+                        <p:par>
+                          <p:cTn id="4" fill="hold">
+                            <p:stCondLst>
+                              <p:cond delay="0"/>
+                            </p:stCondLst>
+                            <p:childTnLst>
+                              <p:par>
+                                <p:cTn id="5" presetID="1" presetClass="entr" presetSubtype="0" fill="hold" nodeType="clickEffect">
+                                  <p:stCondLst>
+                                    <p:cond delay="0"/>
+                                  </p:stCondLst>
+                                  <p:childTnLst>
+                                    <p:set>
+                                      <p:cBhvr>
+                                        <p:cTn id="6" dur="1" fill="hold">
+                                          <p:stCondLst>
+                                            <p:cond delay="0"/>
+                                          </p:stCondLst>
+                                        </p:cTn>
+                                        <p:tgtEl>
+                                          <p:spTgt spid="6"/>
+                                        </p:tgtEl>
+                                        <p:attrNameLst>
+                                          <p:attrName>style.visibility</p:attrName>
+                                        </p:attrNameLst>
+                                      </p:cBhvr>
+                                      <p:to>
+                                        <p:strVal val="visible"/>
+                                      </p:to>
+                                    </p:set>
+                                  </p:childTnLst>
+                                </p:cTn>
+                              </p:par>
+                              <p:par>
+                                <p:cTn id="7" presetID="1" presetClass="entr" presetSubtype="0" fill="hold" nodeType="withEffect">
+                                  <p:stCondLst>
+                                    <p:cond delay="0"/>
+                                  </p:stCondLst>
+                                  <p:childTnLst>
+                                    <p:set>
+                                      <p:cBhvr>
+                                        <p:cTn id="8" dur="1" fill="hold">
+                                          <p:stCondLst>
+                                            <p:cond delay="0"/>
+                                          </p:stCondLst>
+                                        </p:cTn>
+                                        <p:tgtEl>
+                                          <p:spTgt spid="8"/>
+                                        </p:tgtEl>
+                                        <p:attrNameLst>
+                                          <p:attrName>style.visibility</p:attrName>
+                                        </p:attrNameLst>
+                                      </p:cBhvr>
+                                      <p:to>
+                                        <p:strVal val="visible"/>
+                                      </p:to>
+                                    </p:set>
+                                  </p:childTnLst>
+                                </p:cTn>
+                              </p:par>
+                            </p:childTnLst>
+                          </p:cTn>
+                        </p:par>
+                      </p:childTnLst>
+                    </p:cTn>
+                  </p:par>
+                </p:childTnLst>
+              </p:cTn>
+              <p:prevCondLst>
+                <p:cond evt="onPrev" delay="0">
+                  <p:tgtEl>
+                    <p:sldTgt/>
+                  </p:tgtEl>
+                </p:cond>
+              </p:prevCondLst>
+              <p:nextCondLst>
+                <p:cond evt="onNext" delay="0">
+                  <p:tgtEl>
+                    <p:sldTgt/>
+                  </p:tgtEl>
+                </p:cond>
+              </p:nextCondLst>
+            </p:seq>
+          </p:childTnLst>
+        </p:cTn>
+      </p:par>
+    </p:tnLst>
+  </p:timing>
+</p:sld>
+</file>
+
+<file path=ppt/slides/slide19.xml><?xml version="1.0" encoding="utf-8"?>
 <p:sld xmlns:a="http://schemas.openxmlformats.org/drawingml/2006/main" xmlns:r="http://schemas.openxmlformats.org/officeDocument/2006/relationships" xmlns:p="http://schemas.openxmlformats.org/presentationml/2006/main">
   <p:cSld>
     <p:spTree>
@@ -19911,6 +15971,142 @@
     <p:extLst>
       <p:ext uri="{BB962C8B-B14F-4D97-AF65-F5344CB8AC3E}">
         <p14:creationId xmlns:p14="http://schemas.microsoft.com/office/powerpoint/2010/main" val="52422641"/>
+      </p:ext>
+    </p:extLst>
+  </p:cSld>
+  <p:clrMapOvr>
+    <a:masterClrMapping/>
+  </p:clrMapOvr>
+</p:sld>
+</file>
+
+<file path=ppt/slides/slide2.xml><?xml version="1.0" encoding="utf-8"?>
+<p:sld xmlns:a="http://schemas.openxmlformats.org/drawingml/2006/main" xmlns:r="http://schemas.openxmlformats.org/officeDocument/2006/relationships" xmlns:p="http://schemas.openxmlformats.org/presentationml/2006/main">
+  <p:cSld>
+    <p:spTree>
+      <p:nvGrpSpPr>
+        <p:cNvPr id="1" name=""/>
+        <p:cNvGrpSpPr/>
+        <p:nvPr/>
+      </p:nvGrpSpPr>
+      <p:grpSpPr>
+        <a:xfrm>
+          <a:off x="0" y="0"/>
+          <a:ext cx="0" cy="0"/>
+          <a:chOff x="0" y="0"/>
+          <a:chExt cx="0" cy="0"/>
+        </a:xfrm>
+      </p:grpSpPr>
+      <p:sp>
+        <p:nvSpPr>
+          <p:cNvPr id="2" name="Título 1">
+            <a:extLst>
+              <a:ext uri="{FF2B5EF4-FFF2-40B4-BE49-F238E27FC236}">
+                <a16:creationId xmlns:a16="http://schemas.microsoft.com/office/drawing/2014/main" id="{62F6DD82-0DB6-4755-B076-70A14849EFF8}"/>
+              </a:ext>
+            </a:extLst>
+          </p:cNvPr>
+          <p:cNvSpPr>
+            <a:spLocks noGrp="1"/>
+          </p:cNvSpPr>
+          <p:nvPr>
+            <p:ph type="title"/>
+          </p:nvPr>
+        </p:nvSpPr>
+        <p:spPr/>
+        <p:txBody>
+          <a:bodyPr/>
+          <a:lstStyle/>
+          <a:p>
+            <a:r>
+              <a:rPr lang="es-ES"/>
+              <a:t>Índice</a:t>
+            </a:r>
+            <a:endParaRPr lang="es-ES" dirty="0"/>
+          </a:p>
+        </p:txBody>
+      </p:sp>
+      <p:sp>
+        <p:nvSpPr>
+          <p:cNvPr id="3" name="Marcador de contenido 2">
+            <a:extLst>
+              <a:ext uri="{FF2B5EF4-FFF2-40B4-BE49-F238E27FC236}">
+                <a16:creationId xmlns:a16="http://schemas.microsoft.com/office/drawing/2014/main" id="{2882FFE5-C3EA-42A4-A991-D1E2C898FAF0}"/>
+              </a:ext>
+            </a:extLst>
+          </p:cNvPr>
+          <p:cNvSpPr>
+            <a:spLocks noGrp="1"/>
+          </p:cNvSpPr>
+          <p:nvPr>
+            <p:ph idx="1"/>
+          </p:nvPr>
+        </p:nvSpPr>
+        <p:spPr/>
+        <p:txBody>
+          <a:bodyPr/>
+          <a:lstStyle/>
+          <a:p>
+            <a:r>
+              <a:rPr lang="es-ES" dirty="0"/>
+              <a:t>Introducción</a:t>
+            </a:r>
+          </a:p>
+          <a:p>
+            <a:r>
+              <a:rPr lang="es-ES" dirty="0"/>
+              <a:t>Objetivos</a:t>
+            </a:r>
+          </a:p>
+          <a:p>
+            <a:r>
+              <a:rPr lang="es-ES" dirty="0"/>
+              <a:t>Infraestructura</a:t>
+            </a:r>
+          </a:p>
+          <a:p>
+            <a:r>
+              <a:rPr lang="es-ES" dirty="0"/>
+              <a:t>Prácticas en </a:t>
+            </a:r>
+            <a:r>
+              <a:rPr lang="es-ES" dirty="0" err="1"/>
+              <a:t>Jupyter</a:t>
+            </a:r>
+            <a:endParaRPr lang="es-ES" dirty="0"/>
+          </a:p>
+          <a:p>
+            <a:r>
+              <a:rPr lang="es-ES" dirty="0"/>
+              <a:t>Ejemplo práctica 5</a:t>
+            </a:r>
+          </a:p>
+          <a:p>
+            <a:r>
+              <a:rPr lang="es-ES" dirty="0"/>
+              <a:t>Ejemplo prácticas 7: Diferencias en </a:t>
+            </a:r>
+            <a:r>
+              <a:rPr lang="es-ES" dirty="0" err="1"/>
+              <a:t>Watershed</a:t>
+            </a:r>
+            <a:endParaRPr lang="es-ES" dirty="0"/>
+          </a:p>
+          <a:p>
+            <a:r>
+              <a:rPr lang="es-ES" dirty="0"/>
+              <a:t>Conclusiones</a:t>
+            </a:r>
+          </a:p>
+          <a:p>
+            <a:endParaRPr lang="es-ES" dirty="0"/>
+          </a:p>
+        </p:txBody>
+      </p:sp>
+    </p:spTree>
+    <p:extLst>
+      <p:ext uri="{BB962C8B-B14F-4D97-AF65-F5344CB8AC3E}">
+        <p14:creationId xmlns:p14="http://schemas.microsoft.com/office/powerpoint/2010/main" val="3041574824"/>
       </p:ext>
     </p:extLst>
   </p:cSld>
@@ -19988,7 +16184,7 @@
           <a:p>
             <a:r>
               <a:rPr lang="es-ES" dirty="0"/>
-              <a:t>Tratamiento de imagen digital</a:t>
+              <a:t>Tratamiento Digital de la Imagen</a:t>
             </a:r>
           </a:p>
           <a:p>
@@ -19996,13 +16192,6 @@
             <a:r>
               <a:rPr lang="es-ES" dirty="0"/>
               <a:t>Definición de imagen digital</a:t>
-            </a:r>
-          </a:p>
-          <a:p>
-            <a:pPr lvl="1"/>
-            <a:r>
-              <a:rPr lang="es-ES" dirty="0"/>
-              <a:t>Historia</a:t>
             </a:r>
           </a:p>
           <a:p>
@@ -20059,7 +16248,7 @@
             </a:pPr>
             <a:r>
               <a:rPr lang="es-ES" dirty="0"/>
-              <a:t>Transmisión y codificación</a:t>
+              <a:t>Teléfonos móviles</a:t>
             </a:r>
           </a:p>
         </p:txBody>
@@ -20275,12 +16464,8 @@
               <a:buNone/>
             </a:pPr>
             <a:r>
-              <a:rPr lang="es-ES" dirty="0" err="1"/>
-              <a:t>Subojetivos</a:t>
-            </a:r>
-            <a:r>
               <a:rPr lang="es-ES" dirty="0"/>
-              <a:t>:</a:t>
+              <a:t>Subobjetivos:</a:t>
             </a:r>
           </a:p>
           <a:p>

--- a/memoria/Presentacion.pptx
+++ b/memoria/Presentacion.pptx
@@ -465,7 +465,7 @@
           <a:p>
             <a:fld id="{DED9D05C-6E66-4736-88C6-567C08E30FFA}" type="datetimeFigureOut">
               <a:rPr lang="es-ES" smtClean="0"/>
-              <a:t>30/05/2021</a:t>
+              <a:t>31/05/2021</a:t>
             </a:fld>
             <a:endParaRPr lang="es-ES"/>
           </a:p>
@@ -1553,7 +1553,7 @@
           <a:p>
             <a:fld id="{DED9D05C-6E66-4736-88C6-567C08E30FFA}" type="datetimeFigureOut">
               <a:rPr lang="es-ES" smtClean="0"/>
-              <a:t>30/05/2021</a:t>
+              <a:t>31/05/2021</a:t>
             </a:fld>
             <a:endParaRPr lang="es-ES"/>
           </a:p>
@@ -2533,7 +2533,7 @@
           <a:p>
             <a:fld id="{DED9D05C-6E66-4736-88C6-567C08E30FFA}" type="datetimeFigureOut">
               <a:rPr lang="es-ES" smtClean="0"/>
-              <a:t>30/05/2021</a:t>
+              <a:t>31/05/2021</a:t>
             </a:fld>
             <a:endParaRPr lang="es-ES"/>
           </a:p>
@@ -3667,7 +3667,7 @@
           <a:p>
             <a:fld id="{DED9D05C-6E66-4736-88C6-567C08E30FFA}" type="datetimeFigureOut">
               <a:rPr lang="es-ES" smtClean="0"/>
-              <a:t>30/05/2021</a:t>
+              <a:t>31/05/2021</a:t>
             </a:fld>
             <a:endParaRPr lang="es-ES"/>
           </a:p>
@@ -4700,7 +4700,7 @@
           <a:p>
             <a:fld id="{DED9D05C-6E66-4736-88C6-567C08E30FFA}" type="datetimeFigureOut">
               <a:rPr lang="es-ES" smtClean="0"/>
-              <a:t>30/05/2021</a:t>
+              <a:t>31/05/2021</a:t>
             </a:fld>
             <a:endParaRPr lang="es-ES"/>
           </a:p>
@@ -5360,7 +5360,7 @@
           <a:p>
             <a:fld id="{DED9D05C-6E66-4736-88C6-567C08E30FFA}" type="datetimeFigureOut">
               <a:rPr lang="es-ES" smtClean="0"/>
-              <a:t>30/05/2021</a:t>
+              <a:t>31/05/2021</a:t>
             </a:fld>
             <a:endParaRPr lang="es-ES"/>
           </a:p>
@@ -6221,7 +6221,7 @@
           <a:p>
             <a:fld id="{DED9D05C-6E66-4736-88C6-567C08E30FFA}" type="datetimeFigureOut">
               <a:rPr lang="es-ES" smtClean="0"/>
-              <a:t>30/05/2021</a:t>
+              <a:t>31/05/2021</a:t>
             </a:fld>
             <a:endParaRPr lang="es-ES"/>
           </a:p>
@@ -6411,7 +6411,7 @@
           <a:p>
             <a:fld id="{DED9D05C-6E66-4736-88C6-567C08E30FFA}" type="datetimeFigureOut">
               <a:rPr lang="es-ES" smtClean="0"/>
-              <a:t>30/05/2021</a:t>
+              <a:t>31/05/2021</a:t>
             </a:fld>
             <a:endParaRPr lang="es-ES"/>
           </a:p>
@@ -7383,7 +7383,7 @@
           <a:p>
             <a:fld id="{DED9D05C-6E66-4736-88C6-567C08E30FFA}" type="datetimeFigureOut">
               <a:rPr lang="es-ES" smtClean="0"/>
-              <a:t>30/05/2021</a:t>
+              <a:t>31/05/2021</a:t>
             </a:fld>
             <a:endParaRPr lang="es-ES"/>
           </a:p>
@@ -7594,7 +7594,7 @@
           <a:p>
             <a:fld id="{DED9D05C-6E66-4736-88C6-567C08E30FFA}" type="datetimeFigureOut">
               <a:rPr lang="es-ES" smtClean="0"/>
-              <a:t>30/05/2021</a:t>
+              <a:t>31/05/2021</a:t>
             </a:fld>
             <a:endParaRPr lang="es-ES"/>
           </a:p>
@@ -8628,7 +8628,7 @@
           <a:p>
             <a:fld id="{DED9D05C-6E66-4736-88C6-567C08E30FFA}" type="datetimeFigureOut">
               <a:rPr lang="es-ES" smtClean="0"/>
-              <a:t>30/05/2021</a:t>
+              <a:t>31/05/2021</a:t>
             </a:fld>
             <a:endParaRPr lang="es-ES"/>
           </a:p>
@@ -8900,7 +8900,7 @@
           <a:p>
             <a:fld id="{DED9D05C-6E66-4736-88C6-567C08E30FFA}" type="datetimeFigureOut">
               <a:rPr lang="es-ES" smtClean="0"/>
-              <a:t>30/05/2021</a:t>
+              <a:t>31/05/2021</a:t>
             </a:fld>
             <a:endParaRPr lang="es-ES"/>
           </a:p>
@@ -9310,7 +9310,7 @@
           <a:p>
             <a:fld id="{DED9D05C-6E66-4736-88C6-567C08E30FFA}" type="datetimeFigureOut">
               <a:rPr lang="es-ES" smtClean="0"/>
-              <a:t>30/05/2021</a:t>
+              <a:t>31/05/2021</a:t>
             </a:fld>
             <a:endParaRPr lang="es-ES"/>
           </a:p>
@@ -9437,7 +9437,7 @@
           <a:p>
             <a:fld id="{DED9D05C-6E66-4736-88C6-567C08E30FFA}" type="datetimeFigureOut">
               <a:rPr lang="es-ES" smtClean="0"/>
-              <a:t>30/05/2021</a:t>
+              <a:t>31/05/2021</a:t>
             </a:fld>
             <a:endParaRPr lang="es-ES"/>
           </a:p>
@@ -9532,7 +9532,7 @@
           <a:p>
             <a:fld id="{DED9D05C-6E66-4736-88C6-567C08E30FFA}" type="datetimeFigureOut">
               <a:rPr lang="es-ES" smtClean="0"/>
-              <a:t>30/05/2021</a:t>
+              <a:t>31/05/2021</a:t>
             </a:fld>
             <a:endParaRPr lang="es-ES"/>
           </a:p>
@@ -10613,7 +10613,7 @@
           <a:p>
             <a:fld id="{DED9D05C-6E66-4736-88C6-567C08E30FFA}" type="datetimeFigureOut">
               <a:rPr lang="es-ES" smtClean="0"/>
-              <a:t>30/05/2021</a:t>
+              <a:t>31/05/2021</a:t>
             </a:fld>
             <a:endParaRPr lang="es-ES"/>
           </a:p>
@@ -11721,7 +11721,7 @@
           <a:p>
             <a:fld id="{DED9D05C-6E66-4736-88C6-567C08E30FFA}" type="datetimeFigureOut">
               <a:rPr lang="es-ES" smtClean="0"/>
-              <a:t>30/05/2021</a:t>
+              <a:t>31/05/2021</a:t>
             </a:fld>
             <a:endParaRPr lang="es-ES"/>
           </a:p>
@@ -12718,7 +12718,7 @@
           <a:p>
             <a:fld id="{DED9D05C-6E66-4736-88C6-567C08E30FFA}" type="datetimeFigureOut">
               <a:rPr lang="es-ES" smtClean="0"/>
-              <a:t>30/05/2021</a:t>
+              <a:t>31/05/2021</a:t>
             </a:fld>
             <a:endParaRPr lang="es-ES"/>
           </a:p>
@@ -14818,7 +14818,7 @@
           <a:p>
             <a:r>
               <a:rPr lang="es-ES" dirty="0"/>
-              <a:t>Se repite el proceso realizando un </a:t>
+              <a:t>Repite realizando un </a:t>
             </a:r>
             <a:r>
               <a:rPr lang="es-ES" dirty="0" err="1"/>
@@ -15921,48 +15921,24 @@
           <a:p>
             <a:r>
               <a:rPr lang="es-ES" dirty="0"/>
-              <a:t>Implementar en la asignatura</a:t>
+              <a:t>Usar en la asignatura</a:t>
             </a:r>
           </a:p>
           <a:p>
             <a:r>
               <a:rPr lang="es-ES" dirty="0"/>
-              <a:t>Implementar en </a:t>
+              <a:t>Integrar en </a:t>
             </a:r>
             <a:r>
               <a:rPr lang="es-ES" dirty="0" err="1"/>
-              <a:t>Robotics</a:t>
-            </a:r>
+              <a:t>RoboticsAcademy</a:t>
+            </a:r>
+            <a:endParaRPr lang="es-ES" dirty="0"/>
+          </a:p>
+          <a:p>
             <a:r>
               <a:rPr lang="es-ES" dirty="0"/>
-              <a:t> </a:t>
-            </a:r>
-            <a:r>
-              <a:rPr lang="es-ES" dirty="0" err="1"/>
-              <a:t>academy</a:t>
-            </a:r>
-            <a:endParaRPr lang="es-ES" dirty="0"/>
-          </a:p>
-          <a:p>
-            <a:r>
-              <a:rPr lang="es-ES" dirty="0"/>
-              <a:t>Mejoras en el código: RGB2ind</a:t>
-            </a:r>
-          </a:p>
-          <a:p>
-            <a:r>
-              <a:rPr lang="es-ES" dirty="0"/>
-              <a:t>Mejora video</a:t>
-            </a:r>
-          </a:p>
-          <a:p>
-            <a:r>
-              <a:rPr lang="es-ES" dirty="0"/>
-              <a:t>Contribuir </a:t>
-            </a:r>
-            <a:r>
-              <a:rPr lang="es-ES"/>
-              <a:t>a biblioteca</a:t>
+              <a:t>Mejoras en el código</a:t>
             </a:r>
           </a:p>
         </p:txBody>
@@ -16084,13 +16060,8 @@
           <a:p>
             <a:r>
               <a:rPr lang="es-ES" dirty="0"/>
-              <a:t>Ejemplo prácticas 7: Diferencias en </a:t>
-            </a:r>
-            <a:r>
-              <a:rPr lang="es-ES" dirty="0" err="1"/>
-              <a:t>Watershed</a:t>
-            </a:r>
-            <a:endParaRPr lang="es-ES" dirty="0"/>
+              <a:t>Ejemplo prácticas 7</a:t>
+            </a:r>
           </a:p>
           <a:p>
             <a:r>
@@ -16228,7 +16199,7 @@
             </a:pPr>
             <a:r>
               <a:rPr lang="es-ES" dirty="0"/>
-              <a:t>Visión artificial y robótica</a:t>
+              <a:t>Robótica</a:t>
             </a:r>
           </a:p>
           <a:p>
@@ -16407,34 +16378,6 @@
       </p:sp>
       <p:sp>
         <p:nvSpPr>
-          <p:cNvPr id="3" name="Marcador de texto 2">
-            <a:extLst>
-              <a:ext uri="{FF2B5EF4-FFF2-40B4-BE49-F238E27FC236}">
-                <a16:creationId xmlns:a16="http://schemas.microsoft.com/office/drawing/2014/main" id="{EA763A67-AFFF-4A27-B3E9-BA3493949DE8}"/>
-              </a:ext>
-            </a:extLst>
-          </p:cNvPr>
-          <p:cNvSpPr>
-            <a:spLocks noGrp="1"/>
-          </p:cNvSpPr>
-          <p:nvPr>
-            <p:ph type="body" idx="1"/>
-          </p:nvPr>
-        </p:nvSpPr>
-        <p:spPr/>
-        <p:txBody>
-          <a:bodyPr/>
-          <a:lstStyle/>
-          <a:p>
-            <a:r>
-              <a:rPr lang="es-ES" dirty="0"/>
-              <a:t>Objetivos</a:t>
-            </a:r>
-          </a:p>
-        </p:txBody>
-      </p:sp>
-      <p:sp>
-        <p:nvSpPr>
           <p:cNvPr id="4" name="Marcador de contenido 3">
             <a:extLst>
               <a:ext uri="{FF2B5EF4-FFF2-40B4-BE49-F238E27FC236}">
@@ -16449,7 +16392,12 @@
             <p:ph sz="half" idx="2"/>
           </p:nvPr>
         </p:nvSpPr>
-        <p:spPr/>
+        <p:spPr>
+          <a:xfrm>
+            <a:off x="1154954" y="3179762"/>
+            <a:ext cx="6343126" cy="2840039"/>
+          </a:xfrm>
+        </p:spPr>
         <p:txBody>
           <a:bodyPr/>
           <a:lstStyle/>
@@ -16497,98 +16445,6 @@
               <a:rPr lang="es-ES" dirty="0"/>
               <a:t>Traducir al inglés</a:t>
             </a:r>
-          </a:p>
-        </p:txBody>
-      </p:sp>
-      <p:sp>
-        <p:nvSpPr>
-          <p:cNvPr id="5" name="Marcador de texto 4">
-            <a:extLst>
-              <a:ext uri="{FF2B5EF4-FFF2-40B4-BE49-F238E27FC236}">
-                <a16:creationId xmlns:a16="http://schemas.microsoft.com/office/drawing/2014/main" id="{0E88C56F-5FAE-435C-9982-0DF4BA571F0F}"/>
-              </a:ext>
-            </a:extLst>
-          </p:cNvPr>
-          <p:cNvSpPr>
-            <a:spLocks noGrp="1"/>
-          </p:cNvSpPr>
-          <p:nvPr>
-            <p:ph type="body" sz="quarter" idx="3"/>
-          </p:nvPr>
-        </p:nvSpPr>
-        <p:spPr/>
-        <p:txBody>
-          <a:bodyPr/>
-          <a:lstStyle/>
-          <a:p>
-            <a:r>
-              <a:rPr lang="es-ES" dirty="0"/>
-              <a:t>Metodología</a:t>
-            </a:r>
-          </a:p>
-        </p:txBody>
-      </p:sp>
-      <p:sp>
-        <p:nvSpPr>
-          <p:cNvPr id="6" name="Marcador de contenido 5">
-            <a:extLst>
-              <a:ext uri="{FF2B5EF4-FFF2-40B4-BE49-F238E27FC236}">
-                <a16:creationId xmlns:a16="http://schemas.microsoft.com/office/drawing/2014/main" id="{2E4F8F2D-7CB1-4910-AD10-C0F6B3F44309}"/>
-              </a:ext>
-            </a:extLst>
-          </p:cNvPr>
-          <p:cNvSpPr>
-            <a:spLocks noGrp="1"/>
-          </p:cNvSpPr>
-          <p:nvPr>
-            <p:ph sz="quarter" idx="4"/>
-          </p:nvPr>
-        </p:nvSpPr>
-        <p:spPr/>
-        <p:txBody>
-          <a:bodyPr/>
-          <a:lstStyle/>
-          <a:p>
-            <a:r>
-              <a:rPr lang="es-ES" dirty="0"/>
-              <a:t>Repaso de teoría</a:t>
-            </a:r>
-          </a:p>
-          <a:p>
-            <a:r>
-              <a:rPr lang="es-ES" dirty="0"/>
-              <a:t>Análisis de práctica original</a:t>
-            </a:r>
-          </a:p>
-          <a:p>
-            <a:r>
-              <a:rPr lang="es-ES" dirty="0"/>
-              <a:t>Crear cuadernillo y dividir práctica</a:t>
-            </a:r>
-          </a:p>
-          <a:p>
-            <a:r>
-              <a:rPr lang="es-ES" dirty="0"/>
-              <a:t>Código en Python</a:t>
-            </a:r>
-          </a:p>
-          <a:p>
-            <a:r>
-              <a:rPr lang="es-ES" dirty="0"/>
-              <a:t>Comprobación de resultados</a:t>
-            </a:r>
-          </a:p>
-          <a:p>
-            <a:r>
-              <a:rPr lang="es-ES" dirty="0"/>
-              <a:t>Realizar enunciado</a:t>
-            </a:r>
-          </a:p>
-          <a:p>
-            <a:endParaRPr lang="es-ES" dirty="0"/>
-          </a:p>
-          <a:p>
-            <a:endParaRPr lang="es-ES" dirty="0"/>
           </a:p>
         </p:txBody>
       </p:sp>
@@ -17316,7 +17172,7 @@
             </a:pPr>
             <a:r>
               <a:rPr lang="es-ES" sz="2000" dirty="0"/>
-              <a:t>Segmentación II: K-medias</a:t>
+              <a:t>Segmentación II:    K-medias</a:t>
             </a:r>
           </a:p>
           <a:p>
